--- a/발표자료/PPT.pptx
+++ b/발표자료/PPT.pptx
@@ -8,23 +8,24 @@
     <p:sldId id="256" r:id="rId2"/>
     <p:sldId id="258" r:id="rId3"/>
     <p:sldId id="278" r:id="rId4"/>
-    <p:sldId id="279" r:id="rId5"/>
-    <p:sldId id="280" r:id="rId6"/>
-    <p:sldId id="259" r:id="rId7"/>
-    <p:sldId id="269" r:id="rId8"/>
-    <p:sldId id="265" r:id="rId9"/>
-    <p:sldId id="270" r:id="rId10"/>
-    <p:sldId id="271" r:id="rId11"/>
-    <p:sldId id="260" r:id="rId12"/>
-    <p:sldId id="266" r:id="rId13"/>
-    <p:sldId id="276" r:id="rId14"/>
-    <p:sldId id="275" r:id="rId15"/>
-    <p:sldId id="272" r:id="rId16"/>
-    <p:sldId id="263" r:id="rId17"/>
-    <p:sldId id="267" r:id="rId18"/>
-    <p:sldId id="277" r:id="rId19"/>
-    <p:sldId id="273" r:id="rId20"/>
-    <p:sldId id="274" r:id="rId21"/>
+    <p:sldId id="281" r:id="rId5"/>
+    <p:sldId id="279" r:id="rId6"/>
+    <p:sldId id="280" r:id="rId7"/>
+    <p:sldId id="259" r:id="rId8"/>
+    <p:sldId id="269" r:id="rId9"/>
+    <p:sldId id="265" r:id="rId10"/>
+    <p:sldId id="270" r:id="rId11"/>
+    <p:sldId id="271" r:id="rId12"/>
+    <p:sldId id="260" r:id="rId13"/>
+    <p:sldId id="266" r:id="rId14"/>
+    <p:sldId id="276" r:id="rId15"/>
+    <p:sldId id="275" r:id="rId16"/>
+    <p:sldId id="272" r:id="rId17"/>
+    <p:sldId id="263" r:id="rId18"/>
+    <p:sldId id="267" r:id="rId19"/>
+    <p:sldId id="277" r:id="rId20"/>
+    <p:sldId id="273" r:id="rId21"/>
+    <p:sldId id="274" r:id="rId22"/>
   </p:sldIdLst>
   <p:sldSz cx="12192000" cy="6858000"/>
   <p:notesSz cx="6858000" cy="9144000"/>
@@ -4891,7 +4892,7 @@
           <a:p>
             <a:fld id="{246E467A-4026-4A8D-97BF-715EF7FA6491}" type="datetimeFigureOut">
               <a:rPr lang="ko-KR" altLang="en-US" smtClean="0"/>
-              <a:t>2023. 1. 31.</a:t>
+              <a:t>2023. 2. 2.</a:t>
             </a:fld>
             <a:endParaRPr lang="ko-KR" altLang="en-US"/>
           </a:p>
@@ -5089,7 +5090,7 @@
           <a:p>
             <a:fld id="{246E467A-4026-4A8D-97BF-715EF7FA6491}" type="datetimeFigureOut">
               <a:rPr lang="ko-KR" altLang="en-US" smtClean="0"/>
-              <a:t>2023. 1. 31.</a:t>
+              <a:t>2023. 2. 2.</a:t>
             </a:fld>
             <a:endParaRPr lang="ko-KR" altLang="en-US"/>
           </a:p>
@@ -5297,7 +5298,7 @@
           <a:p>
             <a:fld id="{246E467A-4026-4A8D-97BF-715EF7FA6491}" type="datetimeFigureOut">
               <a:rPr lang="ko-KR" altLang="en-US" smtClean="0"/>
-              <a:t>2023. 1. 31.</a:t>
+              <a:t>2023. 2. 2.</a:t>
             </a:fld>
             <a:endParaRPr lang="ko-KR" altLang="en-US"/>
           </a:p>
@@ -5495,7 +5496,7 @@
           <a:p>
             <a:fld id="{246E467A-4026-4A8D-97BF-715EF7FA6491}" type="datetimeFigureOut">
               <a:rPr lang="ko-KR" altLang="en-US" smtClean="0"/>
-              <a:t>2023. 1. 31.</a:t>
+              <a:t>2023. 2. 2.</a:t>
             </a:fld>
             <a:endParaRPr lang="ko-KR" altLang="en-US"/>
           </a:p>
@@ -5770,7 +5771,7 @@
           <a:p>
             <a:fld id="{246E467A-4026-4A8D-97BF-715EF7FA6491}" type="datetimeFigureOut">
               <a:rPr lang="ko-KR" altLang="en-US" smtClean="0"/>
-              <a:t>2023. 1. 31.</a:t>
+              <a:t>2023. 2. 2.</a:t>
             </a:fld>
             <a:endParaRPr lang="ko-KR" altLang="en-US"/>
           </a:p>
@@ -6035,7 +6036,7 @@
           <a:p>
             <a:fld id="{246E467A-4026-4A8D-97BF-715EF7FA6491}" type="datetimeFigureOut">
               <a:rPr lang="ko-KR" altLang="en-US" smtClean="0"/>
-              <a:t>2023. 1. 31.</a:t>
+              <a:t>2023. 2. 2.</a:t>
             </a:fld>
             <a:endParaRPr lang="ko-KR" altLang="en-US"/>
           </a:p>
@@ -6447,7 +6448,7 @@
           <a:p>
             <a:fld id="{246E467A-4026-4A8D-97BF-715EF7FA6491}" type="datetimeFigureOut">
               <a:rPr lang="ko-KR" altLang="en-US" smtClean="0"/>
-              <a:t>2023. 1. 31.</a:t>
+              <a:t>2023. 2. 2.</a:t>
             </a:fld>
             <a:endParaRPr lang="ko-KR" altLang="en-US"/>
           </a:p>
@@ -6588,7 +6589,7 @@
           <a:p>
             <a:fld id="{246E467A-4026-4A8D-97BF-715EF7FA6491}" type="datetimeFigureOut">
               <a:rPr lang="ko-KR" altLang="en-US" smtClean="0"/>
-              <a:t>2023. 1. 31.</a:t>
+              <a:t>2023. 2. 2.</a:t>
             </a:fld>
             <a:endParaRPr lang="ko-KR" altLang="en-US"/>
           </a:p>
@@ -6701,7 +6702,7 @@
           <a:p>
             <a:fld id="{246E467A-4026-4A8D-97BF-715EF7FA6491}" type="datetimeFigureOut">
               <a:rPr lang="ko-KR" altLang="en-US" smtClean="0"/>
-              <a:t>2023. 1. 31.</a:t>
+              <a:t>2023. 2. 2.</a:t>
             </a:fld>
             <a:endParaRPr lang="ko-KR" altLang="en-US"/>
           </a:p>
@@ -7012,7 +7013,7 @@
           <a:p>
             <a:fld id="{246E467A-4026-4A8D-97BF-715EF7FA6491}" type="datetimeFigureOut">
               <a:rPr lang="ko-KR" altLang="en-US" smtClean="0"/>
-              <a:t>2023. 1. 31.</a:t>
+              <a:t>2023. 2. 2.</a:t>
             </a:fld>
             <a:endParaRPr lang="ko-KR" altLang="en-US"/>
           </a:p>
@@ -7300,7 +7301,7 @@
           <a:p>
             <a:fld id="{246E467A-4026-4A8D-97BF-715EF7FA6491}" type="datetimeFigureOut">
               <a:rPr lang="ko-KR" altLang="en-US" smtClean="0"/>
-              <a:t>2023. 1. 31.</a:t>
+              <a:t>2023. 2. 2.</a:t>
             </a:fld>
             <a:endParaRPr lang="ko-KR" altLang="en-US"/>
           </a:p>
@@ -7541,7 +7542,7 @@
           <a:p>
             <a:fld id="{246E467A-4026-4A8D-97BF-715EF7FA6491}" type="datetimeFigureOut">
               <a:rPr lang="ko-KR" altLang="en-US" smtClean="0"/>
-              <a:t>2023. 1. 31.</a:t>
+              <a:t>2023. 2. 2.</a:t>
             </a:fld>
             <a:endParaRPr lang="ko-KR" altLang="en-US"/>
           </a:p>
@@ -8277,6 +8278,823 @@
           </a:fontRef>
         </p:style>
       </p:cxnSp>
+      <p:sp>
+        <p:nvSpPr>
+          <p:cNvPr id="17" name="직사각형 16">
+            <a:extLst>
+              <a:ext uri="{FF2B5EF4-FFF2-40B4-BE49-F238E27FC236}">
+                <a16:creationId xmlns:a16="http://schemas.microsoft.com/office/drawing/2014/main" id="{A7399932-852C-4FC0-818C-8BF64A587819}"/>
+              </a:ext>
+            </a:extLst>
+          </p:cNvPr>
+          <p:cNvSpPr/>
+          <p:nvPr/>
+        </p:nvSpPr>
+        <p:spPr>
+          <a:xfrm>
+            <a:off x="1278428" y="2047946"/>
+            <a:ext cx="1168400" cy="1044000"/>
+          </a:xfrm>
+          <a:prstGeom prst="rect">
+            <a:avLst/>
+          </a:prstGeom>
+          <a:solidFill>
+            <a:schemeClr val="accent1"/>
+          </a:solidFill>
+          <a:ln>
+            <a:noFill/>
+          </a:ln>
+        </p:spPr>
+        <p:style>
+          <a:lnRef idx="2">
+            <a:schemeClr val="accent1">
+              <a:shade val="50000"/>
+            </a:schemeClr>
+          </a:lnRef>
+          <a:fillRef idx="1">
+            <a:schemeClr val="accent1"/>
+          </a:fillRef>
+          <a:effectRef idx="0">
+            <a:schemeClr val="accent1"/>
+          </a:effectRef>
+          <a:fontRef idx="minor">
+            <a:schemeClr val="lt1"/>
+          </a:fontRef>
+        </p:style>
+        <p:txBody>
+          <a:bodyPr rtlCol="0" anchor="ctr"/>
+          <a:lstStyle/>
+          <a:p>
+            <a:pPr algn="ctr"/>
+            <a:endParaRPr lang="ko-KR" altLang="en-US"/>
+          </a:p>
+        </p:txBody>
+      </p:sp>
+      <p:sp>
+        <p:nvSpPr>
+          <p:cNvPr id="19" name="직사각형 18">
+            <a:extLst>
+              <a:ext uri="{FF2B5EF4-FFF2-40B4-BE49-F238E27FC236}">
+                <a16:creationId xmlns:a16="http://schemas.microsoft.com/office/drawing/2014/main" id="{2F9F526F-DC3D-45D0-97CC-857F415DEC53}"/>
+              </a:ext>
+            </a:extLst>
+          </p:cNvPr>
+          <p:cNvSpPr/>
+          <p:nvPr/>
+        </p:nvSpPr>
+        <p:spPr>
+          <a:xfrm>
+            <a:off x="2688128" y="2047946"/>
+            <a:ext cx="8242300" cy="1044000"/>
+          </a:xfrm>
+          <a:prstGeom prst="rect">
+            <a:avLst/>
+          </a:prstGeom>
+          <a:solidFill>
+            <a:schemeClr val="accent1"/>
+          </a:solidFill>
+          <a:ln>
+            <a:noFill/>
+          </a:ln>
+        </p:spPr>
+        <p:style>
+          <a:lnRef idx="2">
+            <a:schemeClr val="accent1">
+              <a:shade val="50000"/>
+            </a:schemeClr>
+          </a:lnRef>
+          <a:fillRef idx="1">
+            <a:schemeClr val="accent1"/>
+          </a:fillRef>
+          <a:effectRef idx="0">
+            <a:schemeClr val="accent1"/>
+          </a:effectRef>
+          <a:fontRef idx="minor">
+            <a:schemeClr val="lt1"/>
+          </a:fontRef>
+        </p:style>
+        <p:txBody>
+          <a:bodyPr rtlCol="0" anchor="ctr"/>
+          <a:lstStyle/>
+          <a:p>
+            <a:pPr algn="ctr"/>
+            <a:endParaRPr lang="ko-KR" altLang="en-US"/>
+          </a:p>
+        </p:txBody>
+      </p:sp>
+      <p:sp>
+        <p:nvSpPr>
+          <p:cNvPr id="20" name="TextBox 19">
+            <a:extLst>
+              <a:ext uri="{FF2B5EF4-FFF2-40B4-BE49-F238E27FC236}">
+                <a16:creationId xmlns:a16="http://schemas.microsoft.com/office/drawing/2014/main" id="{31514E13-0F73-4EAD-8EE0-CF531BE06C69}"/>
+              </a:ext>
+            </a:extLst>
+          </p:cNvPr>
+          <p:cNvSpPr txBox="1"/>
+          <p:nvPr/>
+        </p:nvSpPr>
+        <p:spPr>
+          <a:xfrm>
+            <a:off x="1612432" y="2234823"/>
+            <a:ext cx="428323" cy="646331"/>
+          </a:xfrm>
+          <a:prstGeom prst="rect">
+            <a:avLst/>
+          </a:prstGeom>
+          <a:noFill/>
+        </p:spPr>
+        <p:txBody>
+          <a:bodyPr wrap="none" rtlCol="0">
+            <a:spAutoFit/>
+          </a:bodyPr>
+          <a:lstStyle/>
+          <a:p>
+            <a:pPr algn="ctr"/>
+            <a:r>
+              <a:rPr lang="en-US" altLang="ko-KR" sz="3600" spc="-300" dirty="0">
+                <a:solidFill>
+                  <a:schemeClr val="bg1"/>
+                </a:solidFill>
+                <a:latin typeface="+mj-ea"/>
+                <a:ea typeface="+mj-ea"/>
+              </a:rPr>
+              <a:t>1</a:t>
+            </a:r>
+            <a:endParaRPr lang="ko-KR" altLang="en-US" sz="3600" spc="-300" dirty="0">
+              <a:solidFill>
+                <a:schemeClr val="bg1"/>
+              </a:solidFill>
+              <a:latin typeface="+mj-ea"/>
+              <a:ea typeface="+mj-ea"/>
+            </a:endParaRPr>
+          </a:p>
+        </p:txBody>
+      </p:sp>
+      <p:sp>
+        <p:nvSpPr>
+          <p:cNvPr id="21" name="TextBox 20">
+            <a:extLst>
+              <a:ext uri="{FF2B5EF4-FFF2-40B4-BE49-F238E27FC236}">
+                <a16:creationId xmlns:a16="http://schemas.microsoft.com/office/drawing/2014/main" id="{5A8C8947-AD11-4BA5-AFC4-C97C91EBC161}"/>
+              </a:ext>
+            </a:extLst>
+          </p:cNvPr>
+          <p:cNvSpPr txBox="1"/>
+          <p:nvPr/>
+        </p:nvSpPr>
+        <p:spPr>
+          <a:xfrm>
+            <a:off x="2945222" y="2281114"/>
+            <a:ext cx="3078087" cy="584775"/>
+          </a:xfrm>
+          <a:prstGeom prst="rect">
+            <a:avLst/>
+          </a:prstGeom>
+          <a:noFill/>
+        </p:spPr>
+        <p:txBody>
+          <a:bodyPr wrap="none" rtlCol="0">
+            <a:spAutoFit/>
+          </a:bodyPr>
+          <a:lstStyle/>
+          <a:p>
+            <a:r>
+              <a:rPr lang="ko-KR" altLang="en-US" sz="3200" spc="-300" dirty="0">
+                <a:solidFill>
+                  <a:schemeClr val="bg1"/>
+                </a:solidFill>
+                <a:latin typeface="+mn-ea"/>
+              </a:rPr>
+              <a:t>주제를 입력하세요</a:t>
+            </a:r>
+          </a:p>
+        </p:txBody>
+      </p:sp>
+      <p:sp>
+        <p:nvSpPr>
+          <p:cNvPr id="22" name="직사각형 21">
+            <a:extLst>
+              <a:ext uri="{FF2B5EF4-FFF2-40B4-BE49-F238E27FC236}">
+                <a16:creationId xmlns:a16="http://schemas.microsoft.com/office/drawing/2014/main" id="{22B7112F-B03C-4AFD-888E-4D3992FEA2EE}"/>
+              </a:ext>
+            </a:extLst>
+          </p:cNvPr>
+          <p:cNvSpPr/>
+          <p:nvPr/>
+        </p:nvSpPr>
+        <p:spPr>
+          <a:xfrm>
+            <a:off x="1278428" y="3367447"/>
+            <a:ext cx="1168400" cy="1044000"/>
+          </a:xfrm>
+          <a:prstGeom prst="rect">
+            <a:avLst/>
+          </a:prstGeom>
+          <a:solidFill>
+            <a:schemeClr val="accent2"/>
+          </a:solidFill>
+          <a:ln>
+            <a:noFill/>
+          </a:ln>
+        </p:spPr>
+        <p:style>
+          <a:lnRef idx="0">
+            <a:scrgbClr r="0" g="0" b="0"/>
+          </a:lnRef>
+          <a:fillRef idx="0">
+            <a:scrgbClr r="0" g="0" b="0"/>
+          </a:fillRef>
+          <a:effectRef idx="0">
+            <a:scrgbClr r="0" g="0" b="0"/>
+          </a:effectRef>
+          <a:fontRef idx="minor">
+            <a:schemeClr val="lt1"/>
+          </a:fontRef>
+        </p:style>
+        <p:txBody>
+          <a:bodyPr rtlCol="0" anchor="ctr"/>
+          <a:lstStyle/>
+          <a:p>
+            <a:pPr algn="ctr"/>
+            <a:endParaRPr lang="ko-KR" altLang="en-US"/>
+          </a:p>
+        </p:txBody>
+      </p:sp>
+      <p:sp>
+        <p:nvSpPr>
+          <p:cNvPr id="23" name="직사각형 22">
+            <a:extLst>
+              <a:ext uri="{FF2B5EF4-FFF2-40B4-BE49-F238E27FC236}">
+                <a16:creationId xmlns:a16="http://schemas.microsoft.com/office/drawing/2014/main" id="{F0282083-F71D-404F-8759-15BB8B3A55F0}"/>
+              </a:ext>
+            </a:extLst>
+          </p:cNvPr>
+          <p:cNvSpPr/>
+          <p:nvPr/>
+        </p:nvSpPr>
+        <p:spPr>
+          <a:xfrm>
+            <a:off x="2688128" y="3367447"/>
+            <a:ext cx="8242300" cy="1044000"/>
+          </a:xfrm>
+          <a:prstGeom prst="rect">
+            <a:avLst/>
+          </a:prstGeom>
+          <a:solidFill>
+            <a:schemeClr val="accent2"/>
+          </a:solidFill>
+          <a:ln>
+            <a:noFill/>
+          </a:ln>
+        </p:spPr>
+        <p:style>
+          <a:lnRef idx="0">
+            <a:scrgbClr r="0" g="0" b="0"/>
+          </a:lnRef>
+          <a:fillRef idx="0">
+            <a:scrgbClr r="0" g="0" b="0"/>
+          </a:fillRef>
+          <a:effectRef idx="0">
+            <a:scrgbClr r="0" g="0" b="0"/>
+          </a:effectRef>
+          <a:fontRef idx="minor">
+            <a:schemeClr val="lt1"/>
+          </a:fontRef>
+        </p:style>
+        <p:txBody>
+          <a:bodyPr rtlCol="0" anchor="ctr"/>
+          <a:lstStyle/>
+          <a:p>
+            <a:pPr algn="ctr"/>
+            <a:endParaRPr lang="ko-KR" altLang="en-US"/>
+          </a:p>
+        </p:txBody>
+      </p:sp>
+      <p:sp>
+        <p:nvSpPr>
+          <p:cNvPr id="24" name="TextBox 23">
+            <a:extLst>
+              <a:ext uri="{FF2B5EF4-FFF2-40B4-BE49-F238E27FC236}">
+                <a16:creationId xmlns:a16="http://schemas.microsoft.com/office/drawing/2014/main" id="{11761A23-A89B-49A0-9103-FB499CB51CA7}"/>
+              </a:ext>
+            </a:extLst>
+          </p:cNvPr>
+          <p:cNvSpPr txBox="1"/>
+          <p:nvPr/>
+        </p:nvSpPr>
+        <p:spPr>
+          <a:xfrm>
+            <a:off x="1623067" y="3564662"/>
+            <a:ext cx="428322" cy="646331"/>
+          </a:xfrm>
+          <a:prstGeom prst="rect">
+            <a:avLst/>
+          </a:prstGeom>
+          <a:noFill/>
+          <a:ln>
+            <a:noFill/>
+          </a:ln>
+        </p:spPr>
+        <p:style>
+          <a:lnRef idx="0">
+            <a:scrgbClr r="0" g="0" b="0"/>
+          </a:lnRef>
+          <a:fillRef idx="0">
+            <a:scrgbClr r="0" g="0" b="0"/>
+          </a:fillRef>
+          <a:effectRef idx="0">
+            <a:scrgbClr r="0" g="0" b="0"/>
+          </a:effectRef>
+          <a:fontRef idx="minor">
+            <a:schemeClr val="lt1"/>
+          </a:fontRef>
+        </p:style>
+        <p:txBody>
+          <a:bodyPr wrap="none" rtlCol="0">
+            <a:spAutoFit/>
+          </a:bodyPr>
+          <a:lstStyle/>
+          <a:p>
+            <a:pPr algn="ctr"/>
+            <a:r>
+              <a:rPr lang="en-US" altLang="ko-KR" sz="3600" spc="-300" dirty="0">
+                <a:solidFill>
+                  <a:schemeClr val="bg1"/>
+                </a:solidFill>
+                <a:latin typeface="+mj-ea"/>
+                <a:ea typeface="+mj-ea"/>
+              </a:rPr>
+              <a:t>2</a:t>
+            </a:r>
+            <a:endParaRPr lang="ko-KR" altLang="en-US" sz="3600" spc="-300" dirty="0">
+              <a:solidFill>
+                <a:schemeClr val="bg1"/>
+              </a:solidFill>
+              <a:latin typeface="+mj-ea"/>
+              <a:ea typeface="+mj-ea"/>
+            </a:endParaRPr>
+          </a:p>
+        </p:txBody>
+      </p:sp>
+      <p:sp>
+        <p:nvSpPr>
+          <p:cNvPr id="25" name="TextBox 24">
+            <a:extLst>
+              <a:ext uri="{FF2B5EF4-FFF2-40B4-BE49-F238E27FC236}">
+                <a16:creationId xmlns:a16="http://schemas.microsoft.com/office/drawing/2014/main" id="{CEA63ED5-C65D-4CB4-B317-42D69753959A}"/>
+              </a:ext>
+            </a:extLst>
+          </p:cNvPr>
+          <p:cNvSpPr txBox="1"/>
+          <p:nvPr/>
+        </p:nvSpPr>
+        <p:spPr>
+          <a:xfrm>
+            <a:off x="2945222" y="3579352"/>
+            <a:ext cx="2775119" cy="584775"/>
+          </a:xfrm>
+          <a:prstGeom prst="rect">
+            <a:avLst/>
+          </a:prstGeom>
+          <a:noFill/>
+          <a:ln>
+            <a:noFill/>
+          </a:ln>
+        </p:spPr>
+        <p:style>
+          <a:lnRef idx="0">
+            <a:scrgbClr r="0" g="0" b="0"/>
+          </a:lnRef>
+          <a:fillRef idx="0">
+            <a:scrgbClr r="0" g="0" b="0"/>
+          </a:fillRef>
+          <a:effectRef idx="0">
+            <a:scrgbClr r="0" g="0" b="0"/>
+          </a:effectRef>
+          <a:fontRef idx="minor">
+            <a:schemeClr val="lt1"/>
+          </a:fontRef>
+        </p:style>
+        <p:txBody>
+          <a:bodyPr wrap="none" rtlCol="0">
+            <a:spAutoFit/>
+          </a:bodyPr>
+          <a:lstStyle/>
+          <a:p>
+            <a:r>
+              <a:rPr lang="ko-KR" altLang="en-US" sz="3200" spc="-300" dirty="0">
+                <a:solidFill>
+                  <a:schemeClr val="bg1"/>
+                </a:solidFill>
+                <a:latin typeface="+mn-ea"/>
+              </a:rPr>
+              <a:t>주제를 입력하세요</a:t>
+            </a:r>
+          </a:p>
+        </p:txBody>
+      </p:sp>
+      <p:sp>
+        <p:nvSpPr>
+          <p:cNvPr id="26" name="직사각형 25">
+            <a:extLst>
+              <a:ext uri="{FF2B5EF4-FFF2-40B4-BE49-F238E27FC236}">
+                <a16:creationId xmlns:a16="http://schemas.microsoft.com/office/drawing/2014/main" id="{64A4D990-7F19-4B43-A33C-FCB4182E2A55}"/>
+              </a:ext>
+            </a:extLst>
+          </p:cNvPr>
+          <p:cNvSpPr/>
+          <p:nvPr/>
+        </p:nvSpPr>
+        <p:spPr>
+          <a:xfrm>
+            <a:off x="1278428" y="4686948"/>
+            <a:ext cx="1168400" cy="1044000"/>
+          </a:xfrm>
+          <a:prstGeom prst="rect">
+            <a:avLst/>
+          </a:prstGeom>
+          <a:solidFill>
+            <a:schemeClr val="accent6"/>
+          </a:solidFill>
+          <a:ln>
+            <a:noFill/>
+          </a:ln>
+        </p:spPr>
+        <p:style>
+          <a:lnRef idx="2">
+            <a:schemeClr val="accent1">
+              <a:shade val="50000"/>
+            </a:schemeClr>
+          </a:lnRef>
+          <a:fillRef idx="1">
+            <a:schemeClr val="accent1"/>
+          </a:fillRef>
+          <a:effectRef idx="0">
+            <a:schemeClr val="accent1"/>
+          </a:effectRef>
+          <a:fontRef idx="minor">
+            <a:schemeClr val="lt1"/>
+          </a:fontRef>
+        </p:style>
+        <p:txBody>
+          <a:bodyPr rtlCol="0" anchor="ctr"/>
+          <a:lstStyle/>
+          <a:p>
+            <a:pPr algn="ctr"/>
+            <a:endParaRPr lang="ko-KR" altLang="en-US"/>
+          </a:p>
+        </p:txBody>
+      </p:sp>
+      <p:sp>
+        <p:nvSpPr>
+          <p:cNvPr id="27" name="직사각형 26">
+            <a:extLst>
+              <a:ext uri="{FF2B5EF4-FFF2-40B4-BE49-F238E27FC236}">
+                <a16:creationId xmlns:a16="http://schemas.microsoft.com/office/drawing/2014/main" id="{9460BB99-9F69-4AB9-84C3-FEA78F16C514}"/>
+              </a:ext>
+            </a:extLst>
+          </p:cNvPr>
+          <p:cNvSpPr/>
+          <p:nvPr/>
+        </p:nvSpPr>
+        <p:spPr>
+          <a:xfrm>
+            <a:off x="2688128" y="4686948"/>
+            <a:ext cx="8242300" cy="1044000"/>
+          </a:xfrm>
+          <a:prstGeom prst="rect">
+            <a:avLst/>
+          </a:prstGeom>
+          <a:solidFill>
+            <a:schemeClr val="accent6"/>
+          </a:solidFill>
+          <a:ln>
+            <a:noFill/>
+          </a:ln>
+        </p:spPr>
+        <p:style>
+          <a:lnRef idx="2">
+            <a:schemeClr val="accent1">
+              <a:shade val="50000"/>
+            </a:schemeClr>
+          </a:lnRef>
+          <a:fillRef idx="1">
+            <a:schemeClr val="accent1"/>
+          </a:fillRef>
+          <a:effectRef idx="0">
+            <a:schemeClr val="accent1"/>
+          </a:effectRef>
+          <a:fontRef idx="minor">
+            <a:schemeClr val="lt1"/>
+          </a:fontRef>
+        </p:style>
+        <p:txBody>
+          <a:bodyPr rtlCol="0" anchor="ctr"/>
+          <a:lstStyle/>
+          <a:p>
+            <a:pPr algn="ctr"/>
+            <a:endParaRPr lang="ko-KR" altLang="en-US"/>
+          </a:p>
+        </p:txBody>
+      </p:sp>
+      <p:sp>
+        <p:nvSpPr>
+          <p:cNvPr id="28" name="TextBox 27">
+            <a:extLst>
+              <a:ext uri="{FF2B5EF4-FFF2-40B4-BE49-F238E27FC236}">
+                <a16:creationId xmlns:a16="http://schemas.microsoft.com/office/drawing/2014/main" id="{9AA1068E-2C3F-4AE4-B156-57FB340C7A5D}"/>
+              </a:ext>
+            </a:extLst>
+          </p:cNvPr>
+          <p:cNvSpPr txBox="1"/>
+          <p:nvPr/>
+        </p:nvSpPr>
+        <p:spPr>
+          <a:xfrm>
+            <a:off x="1623067" y="4884163"/>
+            <a:ext cx="428322" cy="646331"/>
+          </a:xfrm>
+          <a:prstGeom prst="rect">
+            <a:avLst/>
+          </a:prstGeom>
+          <a:noFill/>
+        </p:spPr>
+        <p:txBody>
+          <a:bodyPr wrap="none" rtlCol="0">
+            <a:spAutoFit/>
+          </a:bodyPr>
+          <a:lstStyle/>
+          <a:p>
+            <a:pPr algn="ctr"/>
+            <a:r>
+              <a:rPr lang="en-US" altLang="ko-KR" sz="3600" spc="-300" dirty="0">
+                <a:solidFill>
+                  <a:schemeClr val="tx1">
+                    <a:lumMod val="75000"/>
+                    <a:lumOff val="25000"/>
+                  </a:schemeClr>
+                </a:solidFill>
+                <a:latin typeface="+mj-ea"/>
+                <a:ea typeface="+mj-ea"/>
+              </a:rPr>
+              <a:t>3</a:t>
+            </a:r>
+            <a:endParaRPr lang="ko-KR" altLang="en-US" sz="3600" spc="-300" dirty="0">
+              <a:solidFill>
+                <a:schemeClr val="tx1">
+                  <a:lumMod val="75000"/>
+                  <a:lumOff val="25000"/>
+                </a:schemeClr>
+              </a:solidFill>
+              <a:latin typeface="+mj-ea"/>
+              <a:ea typeface="+mj-ea"/>
+            </a:endParaRPr>
+          </a:p>
+        </p:txBody>
+      </p:sp>
+      <p:sp>
+        <p:nvSpPr>
+          <p:cNvPr id="29" name="TextBox 28">
+            <a:extLst>
+              <a:ext uri="{FF2B5EF4-FFF2-40B4-BE49-F238E27FC236}">
+                <a16:creationId xmlns:a16="http://schemas.microsoft.com/office/drawing/2014/main" id="{BA875725-6414-48F9-9779-9741EF9B938D}"/>
+              </a:ext>
+            </a:extLst>
+          </p:cNvPr>
+          <p:cNvSpPr txBox="1"/>
+          <p:nvPr/>
+        </p:nvSpPr>
+        <p:spPr>
+          <a:xfrm>
+            <a:off x="2945222" y="4898853"/>
+            <a:ext cx="2929007" cy="584775"/>
+          </a:xfrm>
+          <a:prstGeom prst="rect">
+            <a:avLst/>
+          </a:prstGeom>
+          <a:noFill/>
+        </p:spPr>
+        <p:txBody>
+          <a:bodyPr wrap="none" rtlCol="0">
+            <a:spAutoFit/>
+          </a:bodyPr>
+          <a:lstStyle/>
+          <a:p>
+            <a:r>
+              <a:rPr lang="ko-KR" altLang="en-US" sz="3200" spc="-300" dirty="0">
+                <a:solidFill>
+                  <a:schemeClr val="tx1">
+                    <a:lumMod val="75000"/>
+                    <a:lumOff val="25000"/>
+                  </a:schemeClr>
+                </a:solidFill>
+                <a:latin typeface="+mn-ea"/>
+              </a:rPr>
+              <a:t>주제를 입력하세요</a:t>
+            </a:r>
+          </a:p>
+        </p:txBody>
+      </p:sp>
+    </p:spTree>
+    <p:extLst>
+      <p:ext uri="{BB962C8B-B14F-4D97-AF65-F5344CB8AC3E}">
+        <p14:creationId xmlns:p14="http://schemas.microsoft.com/office/powerpoint/2010/main" val="1320878365"/>
+      </p:ext>
+    </p:extLst>
+  </p:cSld>
+  <p:clrMapOvr>
+    <a:masterClrMapping/>
+  </p:clrMapOvr>
+  <mc:AlternateContent xmlns:mc="http://schemas.openxmlformats.org/markup-compatibility/2006" xmlns:p14="http://schemas.microsoft.com/office/powerpoint/2010/main">
+    <mc:Choice Requires="p14">
+      <p:transition spd="med" p14:dur="700">
+        <p:fade/>
+      </p:transition>
+    </mc:Choice>
+    <mc:Fallback xmlns="">
+      <p:transition spd="med">
+        <p:fade/>
+      </p:transition>
+    </mc:Fallback>
+  </mc:AlternateContent>
+</p:sld>
+</file>
+
+<file path=ppt/slides/slide11.xml><?xml version="1.0" encoding="utf-8"?>
+<p:sld xmlns:a="http://schemas.openxmlformats.org/drawingml/2006/main" xmlns:r="http://schemas.openxmlformats.org/officeDocument/2006/relationships" xmlns:p="http://schemas.openxmlformats.org/presentationml/2006/main">
+  <p:cSld>
+    <p:spTree>
+      <p:nvGrpSpPr>
+        <p:cNvPr id="1" name=""/>
+        <p:cNvGrpSpPr/>
+        <p:nvPr/>
+      </p:nvGrpSpPr>
+      <p:grpSpPr>
+        <a:xfrm>
+          <a:off x="0" y="0"/>
+          <a:ext cx="0" cy="0"/>
+          <a:chOff x="0" y="0"/>
+          <a:chExt cx="0" cy="0"/>
+        </a:xfrm>
+      </p:grpSpPr>
+      <p:cxnSp>
+        <p:nvCxnSpPr>
+          <p:cNvPr id="3" name="직선 연결선 2">
+            <a:extLst>
+              <a:ext uri="{FF2B5EF4-FFF2-40B4-BE49-F238E27FC236}">
+                <a16:creationId xmlns:a16="http://schemas.microsoft.com/office/drawing/2014/main" id="{30B7886A-E2C2-47A8-A271-1FD08F52EED0}"/>
+              </a:ext>
+            </a:extLst>
+          </p:cNvPr>
+          <p:cNvCxnSpPr>
+            <a:cxnSpLocks/>
+          </p:cNvCxnSpPr>
+          <p:nvPr/>
+        </p:nvCxnSpPr>
+        <p:spPr>
+          <a:xfrm>
+            <a:off x="152400" y="190500"/>
+            <a:ext cx="1435100" cy="0"/>
+          </a:xfrm>
+          <a:prstGeom prst="line">
+            <a:avLst/>
+          </a:prstGeom>
+          <a:ln w="76200">
+            <a:solidFill>
+              <a:schemeClr val="accent4"/>
+            </a:solidFill>
+          </a:ln>
+        </p:spPr>
+        <p:style>
+          <a:lnRef idx="1">
+            <a:schemeClr val="accent1"/>
+          </a:lnRef>
+          <a:fillRef idx="0">
+            <a:schemeClr val="accent1"/>
+          </a:fillRef>
+          <a:effectRef idx="0">
+            <a:schemeClr val="accent1"/>
+          </a:effectRef>
+          <a:fontRef idx="minor">
+            <a:schemeClr val="tx1"/>
+          </a:fontRef>
+        </p:style>
+      </p:cxnSp>
+      <p:sp>
+        <p:nvSpPr>
+          <p:cNvPr id="5" name="TextBox 4">
+            <a:extLst>
+              <a:ext uri="{FF2B5EF4-FFF2-40B4-BE49-F238E27FC236}">
+                <a16:creationId xmlns:a16="http://schemas.microsoft.com/office/drawing/2014/main" id="{B0BF8F17-9E56-462D-B8ED-980C1047873B}"/>
+              </a:ext>
+            </a:extLst>
+          </p:cNvPr>
+          <p:cNvSpPr txBox="1"/>
+          <p:nvPr/>
+        </p:nvSpPr>
+        <p:spPr>
+          <a:xfrm>
+            <a:off x="1676400" y="330200"/>
+            <a:ext cx="3892412" cy="769441"/>
+          </a:xfrm>
+          <a:prstGeom prst="rect">
+            <a:avLst/>
+          </a:prstGeom>
+          <a:noFill/>
+        </p:spPr>
+        <p:txBody>
+          <a:bodyPr wrap="none" rtlCol="0">
+            <a:spAutoFit/>
+          </a:bodyPr>
+          <a:lstStyle/>
+          <a:p>
+            <a:r>
+              <a:rPr lang="ko-KR" altLang="en-US" sz="4400" spc="-300" dirty="0">
+                <a:solidFill>
+                  <a:schemeClr val="accent4"/>
+                </a:solidFill>
+              </a:rPr>
+              <a:t>제목을 입력하세요</a:t>
+            </a:r>
+          </a:p>
+        </p:txBody>
+      </p:sp>
+      <p:sp>
+        <p:nvSpPr>
+          <p:cNvPr id="6" name="TextBox 5">
+            <a:extLst>
+              <a:ext uri="{FF2B5EF4-FFF2-40B4-BE49-F238E27FC236}">
+                <a16:creationId xmlns:a16="http://schemas.microsoft.com/office/drawing/2014/main" id="{3C4D8878-800F-4A94-9AEE-55D2DF32C42C}"/>
+              </a:ext>
+            </a:extLst>
+          </p:cNvPr>
+          <p:cNvSpPr txBox="1"/>
+          <p:nvPr/>
+        </p:nvSpPr>
+        <p:spPr>
+          <a:xfrm>
+            <a:off x="583709" y="345588"/>
+            <a:ext cx="877163" cy="369332"/>
+          </a:xfrm>
+          <a:prstGeom prst="rect">
+            <a:avLst/>
+          </a:prstGeom>
+          <a:noFill/>
+        </p:spPr>
+        <p:txBody>
+          <a:bodyPr wrap="none" rtlCol="0">
+            <a:spAutoFit/>
+          </a:bodyPr>
+          <a:lstStyle/>
+          <a:p>
+            <a:r>
+              <a:rPr lang="ko-KR" altLang="en-US" dirty="0">
+                <a:solidFill>
+                  <a:schemeClr val="accent4"/>
+                </a:solidFill>
+              </a:rPr>
+              <a:t>지난주</a:t>
+            </a:r>
+          </a:p>
+        </p:txBody>
+      </p:sp>
+      <p:cxnSp>
+        <p:nvCxnSpPr>
+          <p:cNvPr id="18" name="직선 연결선 17">
+            <a:extLst>
+              <a:ext uri="{FF2B5EF4-FFF2-40B4-BE49-F238E27FC236}">
+                <a16:creationId xmlns:a16="http://schemas.microsoft.com/office/drawing/2014/main" id="{7911BDFD-7E29-44F7-9ED7-E8F36B51436C}"/>
+              </a:ext>
+            </a:extLst>
+          </p:cNvPr>
+          <p:cNvCxnSpPr/>
+          <p:nvPr/>
+        </p:nvCxnSpPr>
+        <p:spPr>
+          <a:xfrm>
+            <a:off x="1587500" y="190500"/>
+            <a:ext cx="10604500" cy="0"/>
+          </a:xfrm>
+          <a:prstGeom prst="line">
+            <a:avLst/>
+          </a:prstGeom>
+        </p:spPr>
+        <p:style>
+          <a:lnRef idx="1">
+            <a:schemeClr val="accent1"/>
+          </a:lnRef>
+          <a:fillRef idx="0">
+            <a:schemeClr val="accent1"/>
+          </a:fillRef>
+          <a:effectRef idx="0">
+            <a:schemeClr val="accent1"/>
+          </a:effectRef>
+          <a:fontRef idx="minor">
+            <a:schemeClr val="tx1"/>
+          </a:fontRef>
+        </p:style>
+      </p:cxnSp>
       <p:cxnSp>
         <p:nvCxnSpPr>
           <p:cNvPr id="30" name="직선 연결선 29">
@@ -9125,7 +9943,7 @@
 </p:sld>
 </file>
 
-<file path=ppt/slides/slide11.xml><?xml version="1.0" encoding="utf-8"?>
+<file path=ppt/slides/slide12.xml><?xml version="1.0" encoding="utf-8"?>
 <p:sld xmlns:a="http://schemas.openxmlformats.org/drawingml/2006/main" xmlns:r="http://schemas.openxmlformats.org/officeDocument/2006/relationships" xmlns:p="http://schemas.openxmlformats.org/presentationml/2006/main">
   <p:cSld>
     <p:bg>
@@ -9312,919 +10130,6 @@
 </p:sld>
 </file>
 
-<file path=ppt/slides/slide12.xml><?xml version="1.0" encoding="utf-8"?>
-<p:sld xmlns:a="http://schemas.openxmlformats.org/drawingml/2006/main" xmlns:r="http://schemas.openxmlformats.org/officeDocument/2006/relationships" xmlns:p="http://schemas.openxmlformats.org/presentationml/2006/main">
-  <p:cSld>
-    <p:spTree>
-      <p:nvGrpSpPr>
-        <p:cNvPr id="1" name=""/>
-        <p:cNvGrpSpPr/>
-        <p:nvPr/>
-      </p:nvGrpSpPr>
-      <p:grpSpPr>
-        <a:xfrm>
-          <a:off x="0" y="0"/>
-          <a:ext cx="0" cy="0"/>
-          <a:chOff x="0" y="0"/>
-          <a:chExt cx="0" cy="0"/>
-        </a:xfrm>
-      </p:grpSpPr>
-      <p:cxnSp>
-        <p:nvCxnSpPr>
-          <p:cNvPr id="3" name="직선 연결선 2">
-            <a:extLst>
-              <a:ext uri="{FF2B5EF4-FFF2-40B4-BE49-F238E27FC236}">
-                <a16:creationId xmlns:a16="http://schemas.microsoft.com/office/drawing/2014/main" id="{30B7886A-E2C2-47A8-A271-1FD08F52EED0}"/>
-              </a:ext>
-            </a:extLst>
-          </p:cNvPr>
-          <p:cNvCxnSpPr>
-            <a:cxnSpLocks/>
-          </p:cNvCxnSpPr>
-          <p:nvPr/>
-        </p:nvCxnSpPr>
-        <p:spPr>
-          <a:xfrm>
-            <a:off x="152400" y="190500"/>
-            <a:ext cx="1435100" cy="0"/>
-          </a:xfrm>
-          <a:prstGeom prst="line">
-            <a:avLst/>
-          </a:prstGeom>
-          <a:ln w="76200">
-            <a:solidFill>
-              <a:schemeClr val="accent4"/>
-            </a:solidFill>
-          </a:ln>
-        </p:spPr>
-        <p:style>
-          <a:lnRef idx="1">
-            <a:schemeClr val="accent1"/>
-          </a:lnRef>
-          <a:fillRef idx="0">
-            <a:schemeClr val="accent1"/>
-          </a:fillRef>
-          <a:effectRef idx="0">
-            <a:schemeClr val="accent1"/>
-          </a:effectRef>
-          <a:fontRef idx="minor">
-            <a:schemeClr val="tx1"/>
-          </a:fontRef>
-        </p:style>
-      </p:cxnSp>
-      <p:sp>
-        <p:nvSpPr>
-          <p:cNvPr id="5" name="TextBox 4">
-            <a:extLst>
-              <a:ext uri="{FF2B5EF4-FFF2-40B4-BE49-F238E27FC236}">
-                <a16:creationId xmlns:a16="http://schemas.microsoft.com/office/drawing/2014/main" id="{B0BF8F17-9E56-462D-B8ED-980C1047873B}"/>
-              </a:ext>
-            </a:extLst>
-          </p:cNvPr>
-          <p:cNvSpPr txBox="1"/>
-          <p:nvPr/>
-        </p:nvSpPr>
-        <p:spPr>
-          <a:xfrm>
-            <a:off x="1676400" y="330200"/>
-            <a:ext cx="3892412" cy="769441"/>
-          </a:xfrm>
-          <a:prstGeom prst="rect">
-            <a:avLst/>
-          </a:prstGeom>
-          <a:noFill/>
-        </p:spPr>
-        <p:txBody>
-          <a:bodyPr wrap="none" rtlCol="0">
-            <a:spAutoFit/>
-          </a:bodyPr>
-          <a:lstStyle/>
-          <a:p>
-            <a:r>
-              <a:rPr lang="ko-KR" altLang="en-US" sz="4400" spc="-300" dirty="0">
-                <a:solidFill>
-                  <a:schemeClr val="accent4"/>
-                </a:solidFill>
-              </a:rPr>
-              <a:t>제목을 입력하세요</a:t>
-            </a:r>
-          </a:p>
-        </p:txBody>
-      </p:sp>
-      <p:sp>
-        <p:nvSpPr>
-          <p:cNvPr id="6" name="TextBox 5">
-            <a:extLst>
-              <a:ext uri="{FF2B5EF4-FFF2-40B4-BE49-F238E27FC236}">
-                <a16:creationId xmlns:a16="http://schemas.microsoft.com/office/drawing/2014/main" id="{3C4D8878-800F-4A94-9AEE-55D2DF32C42C}"/>
-              </a:ext>
-            </a:extLst>
-          </p:cNvPr>
-          <p:cNvSpPr txBox="1"/>
-          <p:nvPr/>
-        </p:nvSpPr>
-        <p:spPr>
-          <a:xfrm>
-            <a:off x="583709" y="345588"/>
-            <a:ext cx="877163" cy="369332"/>
-          </a:xfrm>
-          <a:prstGeom prst="rect">
-            <a:avLst/>
-          </a:prstGeom>
-          <a:noFill/>
-        </p:spPr>
-        <p:txBody>
-          <a:bodyPr wrap="none" rtlCol="0">
-            <a:spAutoFit/>
-          </a:bodyPr>
-          <a:lstStyle/>
-          <a:p>
-            <a:r>
-              <a:rPr lang="ko-KR" altLang="en-US" dirty="0">
-                <a:solidFill>
-                  <a:schemeClr val="accent4"/>
-                </a:solidFill>
-              </a:rPr>
-              <a:t>이번주</a:t>
-            </a:r>
-          </a:p>
-        </p:txBody>
-      </p:sp>
-      <p:cxnSp>
-        <p:nvCxnSpPr>
-          <p:cNvPr id="7" name="직선 연결선 6">
-            <a:extLst>
-              <a:ext uri="{FF2B5EF4-FFF2-40B4-BE49-F238E27FC236}">
-                <a16:creationId xmlns:a16="http://schemas.microsoft.com/office/drawing/2014/main" id="{F86ECFCA-8157-4B44-95D4-886C714123BC}"/>
-              </a:ext>
-            </a:extLst>
-          </p:cNvPr>
-          <p:cNvCxnSpPr/>
-          <p:nvPr/>
-        </p:nvCxnSpPr>
-        <p:spPr>
-          <a:xfrm>
-            <a:off x="1587500" y="190500"/>
-            <a:ext cx="10604500" cy="0"/>
-          </a:xfrm>
-          <a:prstGeom prst="line">
-            <a:avLst/>
-          </a:prstGeom>
-        </p:spPr>
-        <p:style>
-          <a:lnRef idx="1">
-            <a:schemeClr val="accent1"/>
-          </a:lnRef>
-          <a:fillRef idx="0">
-            <a:schemeClr val="accent1"/>
-          </a:fillRef>
-          <a:effectRef idx="0">
-            <a:schemeClr val="accent1"/>
-          </a:effectRef>
-          <a:fontRef idx="minor">
-            <a:schemeClr val="tx1"/>
-          </a:fontRef>
-        </p:style>
-      </p:cxnSp>
-      <p:sp>
-        <p:nvSpPr>
-          <p:cNvPr id="8" name="원호 7">
-            <a:extLst>
-              <a:ext uri="{FF2B5EF4-FFF2-40B4-BE49-F238E27FC236}">
-                <a16:creationId xmlns:a16="http://schemas.microsoft.com/office/drawing/2014/main" id="{C915BA50-370C-4ADD-9C88-012BF5F11D98}"/>
-              </a:ext>
-            </a:extLst>
-          </p:cNvPr>
-          <p:cNvSpPr/>
-          <p:nvPr/>
-        </p:nvSpPr>
-        <p:spPr>
-          <a:xfrm rot="5400000">
-            <a:off x="1165581" y="2379829"/>
-            <a:ext cx="1965434" cy="1965434"/>
-          </a:xfrm>
-          <a:prstGeom prst="arc">
-            <a:avLst>
-              <a:gd name="adj1" fmla="val 16029660"/>
-              <a:gd name="adj2" fmla="val 21546426"/>
-            </a:avLst>
-          </a:prstGeom>
-          <a:ln w="254000">
-            <a:solidFill>
-              <a:schemeClr val="bg1">
-                <a:lumMod val="85000"/>
-              </a:schemeClr>
-            </a:solidFill>
-          </a:ln>
-        </p:spPr>
-        <p:style>
-          <a:lnRef idx="1">
-            <a:schemeClr val="accent1"/>
-          </a:lnRef>
-          <a:fillRef idx="0">
-            <a:schemeClr val="accent1"/>
-          </a:fillRef>
-          <a:effectRef idx="0">
-            <a:schemeClr val="accent1"/>
-          </a:effectRef>
-          <a:fontRef idx="minor">
-            <a:schemeClr val="tx1"/>
-          </a:fontRef>
-        </p:style>
-        <p:txBody>
-          <a:bodyPr rtlCol="0" anchor="ctr"/>
-          <a:lstStyle/>
-          <a:p>
-            <a:pPr algn="ctr"/>
-            <a:endParaRPr lang="ko-KR" altLang="en-US"/>
-          </a:p>
-        </p:txBody>
-      </p:sp>
-      <p:sp>
-        <p:nvSpPr>
-          <p:cNvPr id="9" name="원호 8">
-            <a:extLst>
-              <a:ext uri="{FF2B5EF4-FFF2-40B4-BE49-F238E27FC236}">
-                <a16:creationId xmlns:a16="http://schemas.microsoft.com/office/drawing/2014/main" id="{18113512-1C23-433E-B86A-51AB7FAFB5D8}"/>
-              </a:ext>
-            </a:extLst>
-          </p:cNvPr>
-          <p:cNvSpPr/>
-          <p:nvPr/>
-        </p:nvSpPr>
-        <p:spPr>
-          <a:xfrm>
-            <a:off x="1165581" y="2379829"/>
-            <a:ext cx="1965434" cy="1965434"/>
-          </a:xfrm>
-          <a:prstGeom prst="arc">
-            <a:avLst>
-              <a:gd name="adj1" fmla="val 5320067"/>
-              <a:gd name="adj2" fmla="val 0"/>
-            </a:avLst>
-          </a:prstGeom>
-          <a:ln w="381000">
-            <a:solidFill>
-              <a:schemeClr val="accent1"/>
-            </a:solidFill>
-          </a:ln>
-        </p:spPr>
-        <p:style>
-          <a:lnRef idx="1">
-            <a:schemeClr val="accent1"/>
-          </a:lnRef>
-          <a:fillRef idx="0">
-            <a:schemeClr val="accent1"/>
-          </a:fillRef>
-          <a:effectRef idx="0">
-            <a:schemeClr val="accent1"/>
-          </a:effectRef>
-          <a:fontRef idx="minor">
-            <a:schemeClr val="tx1"/>
-          </a:fontRef>
-        </p:style>
-        <p:txBody>
-          <a:bodyPr rtlCol="0" anchor="ctr"/>
-          <a:lstStyle/>
-          <a:p>
-            <a:pPr algn="ctr"/>
-            <a:endParaRPr lang="ko-KR" altLang="en-US"/>
-          </a:p>
-        </p:txBody>
-      </p:sp>
-      <p:sp>
-        <p:nvSpPr>
-          <p:cNvPr id="10" name="TextBox 9">
-            <a:extLst>
-              <a:ext uri="{FF2B5EF4-FFF2-40B4-BE49-F238E27FC236}">
-                <a16:creationId xmlns:a16="http://schemas.microsoft.com/office/drawing/2014/main" id="{232CA36E-EC0F-427A-905B-2C3972BBFCB3}"/>
-              </a:ext>
-            </a:extLst>
-          </p:cNvPr>
-          <p:cNvSpPr txBox="1"/>
-          <p:nvPr/>
-        </p:nvSpPr>
-        <p:spPr>
-          <a:xfrm>
-            <a:off x="1645596" y="3070158"/>
-            <a:ext cx="1005403" cy="584775"/>
-          </a:xfrm>
-          <a:prstGeom prst="rect">
-            <a:avLst/>
-          </a:prstGeom>
-          <a:noFill/>
-        </p:spPr>
-        <p:txBody>
-          <a:bodyPr wrap="none" rtlCol="0">
-            <a:spAutoFit/>
-          </a:bodyPr>
-          <a:lstStyle/>
-          <a:p>
-            <a:pPr algn="ctr"/>
-            <a:r>
-              <a:rPr lang="en-US" altLang="ko-KR" sz="3200" b="1" dirty="0">
-                <a:solidFill>
-                  <a:srgbClr val="40474D"/>
-                </a:solidFill>
-              </a:rPr>
-              <a:t>75%</a:t>
-            </a:r>
-            <a:endParaRPr lang="ko-KR" altLang="en-US" sz="3200" b="1" dirty="0">
-              <a:solidFill>
-                <a:srgbClr val="40474D"/>
-              </a:solidFill>
-            </a:endParaRPr>
-          </a:p>
-        </p:txBody>
-      </p:sp>
-      <p:sp>
-        <p:nvSpPr>
-          <p:cNvPr id="11" name="テキスト ボックス 17">
-            <a:extLst>
-              <a:ext uri="{FF2B5EF4-FFF2-40B4-BE49-F238E27FC236}">
-                <a16:creationId xmlns:a16="http://schemas.microsoft.com/office/drawing/2014/main" id="{D6ABE58D-D6BC-4D9C-BBB4-1EB854D4F3C1}"/>
-              </a:ext>
-            </a:extLst>
-          </p:cNvPr>
-          <p:cNvSpPr txBox="1"/>
-          <p:nvPr/>
-        </p:nvSpPr>
-        <p:spPr>
-          <a:xfrm>
-            <a:off x="1219334" y="5181899"/>
-            <a:ext cx="1939955" cy="369332"/>
-          </a:xfrm>
-          <a:prstGeom prst="rect">
-            <a:avLst/>
-          </a:prstGeom>
-          <a:noFill/>
-        </p:spPr>
-        <p:txBody>
-          <a:bodyPr wrap="none" rtlCol="0">
-            <a:spAutoFit/>
-          </a:bodyPr>
-          <a:lstStyle/>
-          <a:p>
-            <a:pPr algn="ctr"/>
-            <a:r>
-              <a:rPr lang="ko-KR" altLang="en-US" spc="-150" dirty="0">
-                <a:latin typeface="+mn-ea"/>
-              </a:rPr>
-              <a:t>소제목을 입력하세요</a:t>
-            </a:r>
-            <a:endParaRPr kumimoji="1" lang="ja-JP" altLang="en-US" spc="-150" dirty="0">
-              <a:latin typeface="+mn-ea"/>
-            </a:endParaRPr>
-          </a:p>
-        </p:txBody>
-      </p:sp>
-      <p:sp>
-        <p:nvSpPr>
-          <p:cNvPr id="12" name="원호 11">
-            <a:extLst>
-              <a:ext uri="{FF2B5EF4-FFF2-40B4-BE49-F238E27FC236}">
-                <a16:creationId xmlns:a16="http://schemas.microsoft.com/office/drawing/2014/main" id="{F1FE3761-30D0-4DC1-B79D-B2B07C495E85}"/>
-              </a:ext>
-            </a:extLst>
-          </p:cNvPr>
-          <p:cNvSpPr/>
-          <p:nvPr/>
-        </p:nvSpPr>
-        <p:spPr>
-          <a:xfrm rot="5400000">
-            <a:off x="5148118" y="2379829"/>
-            <a:ext cx="1965434" cy="1965434"/>
-          </a:xfrm>
-          <a:prstGeom prst="arc">
-            <a:avLst>
-              <a:gd name="adj1" fmla="val 14005023"/>
-              <a:gd name="adj2" fmla="val 21546426"/>
-            </a:avLst>
-          </a:prstGeom>
-          <a:ln w="254000">
-            <a:solidFill>
-              <a:schemeClr val="bg1">
-                <a:lumMod val="85000"/>
-              </a:schemeClr>
-            </a:solidFill>
-          </a:ln>
-        </p:spPr>
-        <p:style>
-          <a:lnRef idx="1">
-            <a:schemeClr val="accent1"/>
-          </a:lnRef>
-          <a:fillRef idx="0">
-            <a:schemeClr val="accent1"/>
-          </a:fillRef>
-          <a:effectRef idx="0">
-            <a:schemeClr val="accent1"/>
-          </a:effectRef>
-          <a:fontRef idx="minor">
-            <a:schemeClr val="tx1"/>
-          </a:fontRef>
-        </p:style>
-        <p:txBody>
-          <a:bodyPr rtlCol="0" anchor="ctr"/>
-          <a:lstStyle/>
-          <a:p>
-            <a:pPr algn="ctr"/>
-            <a:endParaRPr lang="ko-KR" altLang="en-US"/>
-          </a:p>
-        </p:txBody>
-      </p:sp>
-      <p:sp>
-        <p:nvSpPr>
-          <p:cNvPr id="13" name="원호 12">
-            <a:extLst>
-              <a:ext uri="{FF2B5EF4-FFF2-40B4-BE49-F238E27FC236}">
-                <a16:creationId xmlns:a16="http://schemas.microsoft.com/office/drawing/2014/main" id="{C61C9569-D883-46CE-ADAA-5A9178039024}"/>
-              </a:ext>
-            </a:extLst>
-          </p:cNvPr>
-          <p:cNvSpPr/>
-          <p:nvPr/>
-        </p:nvSpPr>
-        <p:spPr>
-          <a:xfrm>
-            <a:off x="5148118" y="2379829"/>
-            <a:ext cx="1965434" cy="1965434"/>
-          </a:xfrm>
-          <a:prstGeom prst="arc">
-            <a:avLst>
-              <a:gd name="adj1" fmla="val 5320067"/>
-              <a:gd name="adj2" fmla="val 19460305"/>
-            </a:avLst>
-          </a:prstGeom>
-          <a:ln w="381000">
-            <a:solidFill>
-              <a:schemeClr val="accent2"/>
-            </a:solidFill>
-          </a:ln>
-        </p:spPr>
-        <p:style>
-          <a:lnRef idx="1">
-            <a:schemeClr val="accent1"/>
-          </a:lnRef>
-          <a:fillRef idx="0">
-            <a:schemeClr val="accent1"/>
-          </a:fillRef>
-          <a:effectRef idx="0">
-            <a:schemeClr val="accent1"/>
-          </a:effectRef>
-          <a:fontRef idx="minor">
-            <a:schemeClr val="tx1"/>
-          </a:fontRef>
-        </p:style>
-        <p:txBody>
-          <a:bodyPr rtlCol="0" anchor="ctr"/>
-          <a:lstStyle/>
-          <a:p>
-            <a:pPr algn="ctr"/>
-            <a:endParaRPr lang="ko-KR" altLang="en-US"/>
-          </a:p>
-        </p:txBody>
-      </p:sp>
-      <p:sp>
-        <p:nvSpPr>
-          <p:cNvPr id="14" name="TextBox 13">
-            <a:extLst>
-              <a:ext uri="{FF2B5EF4-FFF2-40B4-BE49-F238E27FC236}">
-                <a16:creationId xmlns:a16="http://schemas.microsoft.com/office/drawing/2014/main" id="{7893E0E4-C7A7-4589-8C3B-E0A77FA32509}"/>
-              </a:ext>
-            </a:extLst>
-          </p:cNvPr>
-          <p:cNvSpPr txBox="1"/>
-          <p:nvPr/>
-        </p:nvSpPr>
-        <p:spPr>
-          <a:xfrm>
-            <a:off x="5628133" y="3070158"/>
-            <a:ext cx="1005404" cy="584775"/>
-          </a:xfrm>
-          <a:prstGeom prst="rect">
-            <a:avLst/>
-          </a:prstGeom>
-          <a:noFill/>
-        </p:spPr>
-        <p:txBody>
-          <a:bodyPr wrap="none" rtlCol="0">
-            <a:spAutoFit/>
-          </a:bodyPr>
-          <a:lstStyle/>
-          <a:p>
-            <a:pPr algn="ctr"/>
-            <a:r>
-              <a:rPr lang="en-US" altLang="ko-KR" sz="3200" b="1" dirty="0">
-                <a:solidFill>
-                  <a:srgbClr val="40474D"/>
-                </a:solidFill>
-              </a:rPr>
-              <a:t>67%</a:t>
-            </a:r>
-            <a:endParaRPr lang="ko-KR" altLang="en-US" sz="3200" b="1" dirty="0">
-              <a:solidFill>
-                <a:srgbClr val="40474D"/>
-              </a:solidFill>
-            </a:endParaRPr>
-          </a:p>
-        </p:txBody>
-      </p:sp>
-      <p:sp>
-        <p:nvSpPr>
-          <p:cNvPr id="15" name="テキスト ボックス 17">
-            <a:extLst>
-              <a:ext uri="{FF2B5EF4-FFF2-40B4-BE49-F238E27FC236}">
-                <a16:creationId xmlns:a16="http://schemas.microsoft.com/office/drawing/2014/main" id="{003A02C4-F4F4-4FD9-901A-367B243EA89C}"/>
-              </a:ext>
-            </a:extLst>
-          </p:cNvPr>
-          <p:cNvSpPr txBox="1"/>
-          <p:nvPr/>
-        </p:nvSpPr>
-        <p:spPr>
-          <a:xfrm>
-            <a:off x="5126022" y="5181899"/>
-            <a:ext cx="1939955" cy="369332"/>
-          </a:xfrm>
-          <a:prstGeom prst="rect">
-            <a:avLst/>
-          </a:prstGeom>
-          <a:noFill/>
-        </p:spPr>
-        <p:txBody>
-          <a:bodyPr wrap="none" rtlCol="0">
-            <a:spAutoFit/>
-          </a:bodyPr>
-          <a:lstStyle/>
-          <a:p>
-            <a:pPr algn="ctr"/>
-            <a:r>
-              <a:rPr lang="ko-KR" altLang="en-US" spc="-150" dirty="0">
-                <a:latin typeface="+mn-ea"/>
-              </a:rPr>
-              <a:t>소제목을 입력하세요</a:t>
-            </a:r>
-            <a:endParaRPr kumimoji="1" lang="ja-JP" altLang="en-US" spc="-150" dirty="0">
-              <a:latin typeface="+mn-ea"/>
-            </a:endParaRPr>
-          </a:p>
-        </p:txBody>
-      </p:sp>
-      <p:cxnSp>
-        <p:nvCxnSpPr>
-          <p:cNvPr id="16" name="직선 연결선 15">
-            <a:extLst>
-              <a:ext uri="{FF2B5EF4-FFF2-40B4-BE49-F238E27FC236}">
-                <a16:creationId xmlns:a16="http://schemas.microsoft.com/office/drawing/2014/main" id="{F838F067-BC3D-46B1-B1EE-8E57F2789120}"/>
-              </a:ext>
-            </a:extLst>
-          </p:cNvPr>
-          <p:cNvCxnSpPr/>
-          <p:nvPr/>
-        </p:nvCxnSpPr>
-        <p:spPr>
-          <a:xfrm>
-            <a:off x="5815875" y="4991959"/>
-            <a:ext cx="629920" cy="0"/>
-          </a:xfrm>
-          <a:prstGeom prst="line">
-            <a:avLst/>
-          </a:prstGeom>
-          <a:ln w="38100">
-            <a:solidFill>
-              <a:schemeClr val="bg1">
-                <a:lumMod val="85000"/>
-              </a:schemeClr>
-            </a:solidFill>
-          </a:ln>
-        </p:spPr>
-        <p:style>
-          <a:lnRef idx="1">
-            <a:schemeClr val="accent1"/>
-          </a:lnRef>
-          <a:fillRef idx="0">
-            <a:schemeClr val="accent1"/>
-          </a:fillRef>
-          <a:effectRef idx="0">
-            <a:schemeClr val="accent1"/>
-          </a:effectRef>
-          <a:fontRef idx="minor">
-            <a:schemeClr val="tx1"/>
-          </a:fontRef>
-        </p:style>
-      </p:cxnSp>
-      <p:sp>
-        <p:nvSpPr>
-          <p:cNvPr id="17" name="원호 16">
-            <a:extLst>
-              <a:ext uri="{FF2B5EF4-FFF2-40B4-BE49-F238E27FC236}">
-                <a16:creationId xmlns:a16="http://schemas.microsoft.com/office/drawing/2014/main" id="{C2427E6D-1E1D-42C0-96B3-C8061A63AA96}"/>
-              </a:ext>
-            </a:extLst>
-          </p:cNvPr>
-          <p:cNvSpPr/>
-          <p:nvPr/>
-        </p:nvSpPr>
-        <p:spPr>
-          <a:xfrm rot="5400000">
-            <a:off x="9130654" y="2379829"/>
-            <a:ext cx="1965434" cy="1965434"/>
-          </a:xfrm>
-          <a:prstGeom prst="arc">
-            <a:avLst>
-              <a:gd name="adj1" fmla="val 10523546"/>
-              <a:gd name="adj2" fmla="val 21546426"/>
-            </a:avLst>
-          </a:prstGeom>
-          <a:ln w="254000">
-            <a:solidFill>
-              <a:schemeClr val="bg1">
-                <a:lumMod val="85000"/>
-              </a:schemeClr>
-            </a:solidFill>
-          </a:ln>
-        </p:spPr>
-        <p:style>
-          <a:lnRef idx="1">
-            <a:schemeClr val="accent1"/>
-          </a:lnRef>
-          <a:fillRef idx="0">
-            <a:schemeClr val="accent1"/>
-          </a:fillRef>
-          <a:effectRef idx="0">
-            <a:schemeClr val="accent1"/>
-          </a:effectRef>
-          <a:fontRef idx="minor">
-            <a:schemeClr val="tx1"/>
-          </a:fontRef>
-        </p:style>
-        <p:txBody>
-          <a:bodyPr rtlCol="0" anchor="ctr"/>
-          <a:lstStyle/>
-          <a:p>
-            <a:pPr algn="ctr"/>
-            <a:endParaRPr lang="ko-KR" altLang="en-US"/>
-          </a:p>
-        </p:txBody>
-      </p:sp>
-      <p:sp>
-        <p:nvSpPr>
-          <p:cNvPr id="18" name="원호 17">
-            <a:extLst>
-              <a:ext uri="{FF2B5EF4-FFF2-40B4-BE49-F238E27FC236}">
-                <a16:creationId xmlns:a16="http://schemas.microsoft.com/office/drawing/2014/main" id="{08377839-AC27-4236-BCEE-14E4D73D5AD7}"/>
-              </a:ext>
-            </a:extLst>
-          </p:cNvPr>
-          <p:cNvSpPr/>
-          <p:nvPr/>
-        </p:nvSpPr>
-        <p:spPr>
-          <a:xfrm>
-            <a:off x="9130654" y="2379829"/>
-            <a:ext cx="1965434" cy="1965434"/>
-          </a:xfrm>
-          <a:prstGeom prst="arc">
-            <a:avLst>
-              <a:gd name="adj1" fmla="val 5320067"/>
-              <a:gd name="adj2" fmla="val 16420915"/>
-            </a:avLst>
-          </a:prstGeom>
-          <a:ln w="381000">
-            <a:solidFill>
-              <a:schemeClr val="accent6"/>
-            </a:solidFill>
-          </a:ln>
-        </p:spPr>
-        <p:style>
-          <a:lnRef idx="1">
-            <a:schemeClr val="accent1"/>
-          </a:lnRef>
-          <a:fillRef idx="0">
-            <a:schemeClr val="accent1"/>
-          </a:fillRef>
-          <a:effectRef idx="0">
-            <a:schemeClr val="accent1"/>
-          </a:effectRef>
-          <a:fontRef idx="minor">
-            <a:schemeClr val="tx1"/>
-          </a:fontRef>
-        </p:style>
-        <p:txBody>
-          <a:bodyPr rtlCol="0" anchor="ctr"/>
-          <a:lstStyle/>
-          <a:p>
-            <a:pPr algn="ctr"/>
-            <a:endParaRPr lang="ko-KR" altLang="en-US"/>
-          </a:p>
-        </p:txBody>
-      </p:sp>
-      <p:sp>
-        <p:nvSpPr>
-          <p:cNvPr id="19" name="TextBox 18">
-            <a:extLst>
-              <a:ext uri="{FF2B5EF4-FFF2-40B4-BE49-F238E27FC236}">
-                <a16:creationId xmlns:a16="http://schemas.microsoft.com/office/drawing/2014/main" id="{06E16C5D-6C0A-4F7E-90C9-2F77B60916BD}"/>
-              </a:ext>
-            </a:extLst>
-          </p:cNvPr>
-          <p:cNvSpPr txBox="1"/>
-          <p:nvPr/>
-        </p:nvSpPr>
-        <p:spPr>
-          <a:xfrm>
-            <a:off x="9610669" y="3070158"/>
-            <a:ext cx="1005403" cy="584775"/>
-          </a:xfrm>
-          <a:prstGeom prst="rect">
-            <a:avLst/>
-          </a:prstGeom>
-          <a:noFill/>
-        </p:spPr>
-        <p:txBody>
-          <a:bodyPr wrap="none" rtlCol="0">
-            <a:spAutoFit/>
-          </a:bodyPr>
-          <a:lstStyle/>
-          <a:p>
-            <a:pPr algn="ctr"/>
-            <a:r>
-              <a:rPr lang="en-US" altLang="ko-KR" sz="3200" b="1" dirty="0">
-                <a:solidFill>
-                  <a:srgbClr val="40474D"/>
-                </a:solidFill>
-              </a:rPr>
-              <a:t>51%</a:t>
-            </a:r>
-            <a:endParaRPr lang="ko-KR" altLang="en-US" sz="3200" b="1" dirty="0">
-              <a:solidFill>
-                <a:srgbClr val="40474D"/>
-              </a:solidFill>
-            </a:endParaRPr>
-          </a:p>
-        </p:txBody>
-      </p:sp>
-      <p:sp>
-        <p:nvSpPr>
-          <p:cNvPr id="20" name="テキスト ボックス 17">
-            <a:extLst>
-              <a:ext uri="{FF2B5EF4-FFF2-40B4-BE49-F238E27FC236}">
-                <a16:creationId xmlns:a16="http://schemas.microsoft.com/office/drawing/2014/main" id="{5FCD9DAE-CE7B-4C33-8AE0-E834F75F5B71}"/>
-              </a:ext>
-            </a:extLst>
-          </p:cNvPr>
-          <p:cNvSpPr txBox="1"/>
-          <p:nvPr/>
-        </p:nvSpPr>
-        <p:spPr>
-          <a:xfrm>
-            <a:off x="9130654" y="5181899"/>
-            <a:ext cx="1939955" cy="369332"/>
-          </a:xfrm>
-          <a:prstGeom prst="rect">
-            <a:avLst/>
-          </a:prstGeom>
-          <a:noFill/>
-        </p:spPr>
-        <p:txBody>
-          <a:bodyPr wrap="none" rtlCol="0">
-            <a:spAutoFit/>
-          </a:bodyPr>
-          <a:lstStyle/>
-          <a:p>
-            <a:pPr algn="ctr"/>
-            <a:r>
-              <a:rPr lang="ko-KR" altLang="en-US" spc="-150" dirty="0">
-                <a:latin typeface="+mn-ea"/>
-              </a:rPr>
-              <a:t>소제목을 입력하세요</a:t>
-            </a:r>
-            <a:endParaRPr kumimoji="1" lang="ja-JP" altLang="en-US" spc="-150" dirty="0">
-              <a:latin typeface="+mn-ea"/>
-            </a:endParaRPr>
-          </a:p>
-        </p:txBody>
-      </p:sp>
-      <p:cxnSp>
-        <p:nvCxnSpPr>
-          <p:cNvPr id="21" name="직선 연결선 20">
-            <a:extLst>
-              <a:ext uri="{FF2B5EF4-FFF2-40B4-BE49-F238E27FC236}">
-                <a16:creationId xmlns:a16="http://schemas.microsoft.com/office/drawing/2014/main" id="{E8DCBA4E-0F13-4E2E-A73C-D9C702509921}"/>
-              </a:ext>
-            </a:extLst>
-          </p:cNvPr>
-          <p:cNvCxnSpPr/>
-          <p:nvPr/>
-        </p:nvCxnSpPr>
-        <p:spPr>
-          <a:xfrm>
-            <a:off x="9798411" y="4991959"/>
-            <a:ext cx="629920" cy="0"/>
-          </a:xfrm>
-          <a:prstGeom prst="line">
-            <a:avLst/>
-          </a:prstGeom>
-          <a:ln w="38100">
-            <a:solidFill>
-              <a:schemeClr val="bg1">
-                <a:lumMod val="85000"/>
-              </a:schemeClr>
-            </a:solidFill>
-          </a:ln>
-        </p:spPr>
-        <p:style>
-          <a:lnRef idx="1">
-            <a:schemeClr val="accent1"/>
-          </a:lnRef>
-          <a:fillRef idx="0">
-            <a:schemeClr val="accent1"/>
-          </a:fillRef>
-          <a:effectRef idx="0">
-            <a:schemeClr val="accent1"/>
-          </a:effectRef>
-          <a:fontRef idx="minor">
-            <a:schemeClr val="tx1"/>
-          </a:fontRef>
-        </p:style>
-      </p:cxnSp>
-      <p:sp>
-        <p:nvSpPr>
-          <p:cNvPr id="22" name="직사각형 21">
-            <a:extLst>
-              <a:ext uri="{FF2B5EF4-FFF2-40B4-BE49-F238E27FC236}">
-                <a16:creationId xmlns:a16="http://schemas.microsoft.com/office/drawing/2014/main" id="{7EA29594-E1A8-4D96-8ED0-2C0240293073}"/>
-              </a:ext>
-            </a:extLst>
-          </p:cNvPr>
-          <p:cNvSpPr/>
-          <p:nvPr/>
-        </p:nvSpPr>
-        <p:spPr>
-          <a:xfrm rot="5400000">
-            <a:off x="2130297" y="4675592"/>
-            <a:ext cx="36000" cy="684000"/>
-          </a:xfrm>
-          <a:prstGeom prst="rect">
-            <a:avLst/>
-          </a:prstGeom>
-          <a:solidFill>
-            <a:schemeClr val="bg1">
-              <a:lumMod val="85000"/>
-            </a:schemeClr>
-          </a:solidFill>
-          <a:ln w="38100">
-            <a:noFill/>
-          </a:ln>
-        </p:spPr>
-        <p:style>
-          <a:lnRef idx="1">
-            <a:schemeClr val="accent1"/>
-          </a:lnRef>
-          <a:fillRef idx="0">
-            <a:schemeClr val="accent1"/>
-          </a:fillRef>
-          <a:effectRef idx="0">
-            <a:schemeClr val="accent1"/>
-          </a:effectRef>
-          <a:fontRef idx="minor">
-            <a:schemeClr val="tx1"/>
-          </a:fontRef>
-        </p:style>
-        <p:txBody>
-          <a:bodyPr rtlCol="0" anchor="ctr"/>
-          <a:lstStyle/>
-          <a:p>
-            <a:pPr algn="ctr"/>
-            <a:endParaRPr lang="ko-KR" altLang="en-US"/>
-          </a:p>
-        </p:txBody>
-      </p:sp>
-    </p:spTree>
-    <p:extLst>
-      <p:ext uri="{BB962C8B-B14F-4D97-AF65-F5344CB8AC3E}">
-        <p14:creationId xmlns:p14="http://schemas.microsoft.com/office/powerpoint/2010/main" val="4252955992"/>
-      </p:ext>
-    </p:extLst>
-  </p:cSld>
-  <p:clrMapOvr>
-    <a:masterClrMapping/>
-  </p:clrMapOvr>
-  <mc:AlternateContent xmlns:mc="http://schemas.openxmlformats.org/markup-compatibility/2006" xmlns:p14="http://schemas.microsoft.com/office/powerpoint/2010/main">
-    <mc:Choice Requires="p14">
-      <p:transition spd="med" p14:dur="700">
-        <p:fade/>
-      </p:transition>
-    </mc:Choice>
-    <mc:Fallback xmlns="">
-      <p:transition spd="med">
-        <p:fade/>
-      </p:transition>
-    </mc:Fallback>
-  </mc:AlternateContent>
-</p:sld>
-</file>
-
 <file path=ppt/slides/slide13.xml><?xml version="1.0" encoding="utf-8"?>
 <p:sld xmlns:a="http://schemas.openxmlformats.org/drawingml/2006/main" xmlns:r="http://schemas.openxmlformats.org/officeDocument/2006/relationships" xmlns:p="http://schemas.openxmlformats.org/presentationml/2006/main">
   <p:cSld>
@@ -10365,10 +10270,10 @@
       </p:sp>
       <p:cxnSp>
         <p:nvCxnSpPr>
-          <p:cNvPr id="18" name="직선 연결선 17">
-            <a:extLst>
-              <a:ext uri="{FF2B5EF4-FFF2-40B4-BE49-F238E27FC236}">
-                <a16:creationId xmlns:a16="http://schemas.microsoft.com/office/drawing/2014/main" id="{7911BDFD-7E29-44F7-9ED7-E8F36B51436C}"/>
+          <p:cNvPr id="7" name="직선 연결선 6">
+            <a:extLst>
+              <a:ext uri="{FF2B5EF4-FFF2-40B4-BE49-F238E27FC236}">
+                <a16:creationId xmlns:a16="http://schemas.microsoft.com/office/drawing/2014/main" id="{F86ECFCA-8157-4B44-95D4-886C714123BC}"/>
               </a:ext>
             </a:extLst>
           </p:cNvPr>
@@ -10401,10 +10306,10 @@
       </p:cxnSp>
       <p:sp>
         <p:nvSpPr>
-          <p:cNvPr id="17" name="직사각형 16">
-            <a:extLst>
-              <a:ext uri="{FF2B5EF4-FFF2-40B4-BE49-F238E27FC236}">
-                <a16:creationId xmlns:a16="http://schemas.microsoft.com/office/drawing/2014/main" id="{A7399932-852C-4FC0-818C-8BF64A587819}"/>
+          <p:cNvPr id="8" name="원호 7">
+            <a:extLst>
+              <a:ext uri="{FF2B5EF4-FFF2-40B4-BE49-F238E27FC236}">
+                <a16:creationId xmlns:a16="http://schemas.microsoft.com/office/drawing/2014/main" id="{C915BA50-370C-4ADD-9C88-012BF5F11D98}"/>
               </a:ext>
             </a:extLst>
           </p:cNvPr>
@@ -10412,34 +10317,36 @@
           <p:nvPr/>
         </p:nvSpPr>
         <p:spPr>
-          <a:xfrm>
-            <a:off x="1278428" y="2047946"/>
-            <a:ext cx="1168400" cy="1044000"/>
-          </a:xfrm>
-          <a:prstGeom prst="rect">
-            <a:avLst/>
-          </a:prstGeom>
-          <a:solidFill>
-            <a:schemeClr val="accent1"/>
-          </a:solidFill>
-          <a:ln>
-            <a:noFill/>
+          <a:xfrm rot="5400000">
+            <a:off x="1165581" y="2379829"/>
+            <a:ext cx="1965434" cy="1965434"/>
+          </a:xfrm>
+          <a:prstGeom prst="arc">
+            <a:avLst>
+              <a:gd name="adj1" fmla="val 16029660"/>
+              <a:gd name="adj2" fmla="val 21546426"/>
+            </a:avLst>
+          </a:prstGeom>
+          <a:ln w="254000">
+            <a:solidFill>
+              <a:schemeClr val="bg1">
+                <a:lumMod val="85000"/>
+              </a:schemeClr>
+            </a:solidFill>
           </a:ln>
         </p:spPr>
         <p:style>
-          <a:lnRef idx="2">
-            <a:schemeClr val="accent1">
-              <a:shade val="50000"/>
-            </a:schemeClr>
+          <a:lnRef idx="1">
+            <a:schemeClr val="accent1"/>
           </a:lnRef>
-          <a:fillRef idx="1">
+          <a:fillRef idx="0">
             <a:schemeClr val="accent1"/>
           </a:fillRef>
           <a:effectRef idx="0">
             <a:schemeClr val="accent1"/>
           </a:effectRef>
           <a:fontRef idx="minor">
-            <a:schemeClr val="lt1"/>
+            <a:schemeClr val="tx1"/>
           </a:fontRef>
         </p:style>
         <p:txBody>
@@ -10453,10 +10360,10 @@
       </p:sp>
       <p:sp>
         <p:nvSpPr>
-          <p:cNvPr id="19" name="직사각형 18">
-            <a:extLst>
-              <a:ext uri="{FF2B5EF4-FFF2-40B4-BE49-F238E27FC236}">
-                <a16:creationId xmlns:a16="http://schemas.microsoft.com/office/drawing/2014/main" id="{2F9F526F-DC3D-45D0-97CC-857F415DEC53}"/>
+          <p:cNvPr id="9" name="원호 8">
+            <a:extLst>
+              <a:ext uri="{FF2B5EF4-FFF2-40B4-BE49-F238E27FC236}">
+                <a16:creationId xmlns:a16="http://schemas.microsoft.com/office/drawing/2014/main" id="{18113512-1C23-433E-B86A-51AB7FAFB5D8}"/>
               </a:ext>
             </a:extLst>
           </p:cNvPr>
@@ -10465,33 +10372,33 @@
         </p:nvSpPr>
         <p:spPr>
           <a:xfrm>
-            <a:off x="2688128" y="2047946"/>
-            <a:ext cx="8242300" cy="1044000"/>
-          </a:xfrm>
-          <a:prstGeom prst="rect">
-            <a:avLst/>
-          </a:prstGeom>
-          <a:solidFill>
-            <a:schemeClr val="accent1"/>
-          </a:solidFill>
-          <a:ln>
-            <a:noFill/>
+            <a:off x="1165581" y="2379829"/>
+            <a:ext cx="1965434" cy="1965434"/>
+          </a:xfrm>
+          <a:prstGeom prst="arc">
+            <a:avLst>
+              <a:gd name="adj1" fmla="val 5320067"/>
+              <a:gd name="adj2" fmla="val 0"/>
+            </a:avLst>
+          </a:prstGeom>
+          <a:ln w="381000">
+            <a:solidFill>
+              <a:schemeClr val="accent1"/>
+            </a:solidFill>
           </a:ln>
         </p:spPr>
         <p:style>
-          <a:lnRef idx="2">
-            <a:schemeClr val="accent1">
-              <a:shade val="50000"/>
-            </a:schemeClr>
+          <a:lnRef idx="1">
+            <a:schemeClr val="accent1"/>
           </a:lnRef>
-          <a:fillRef idx="1">
+          <a:fillRef idx="0">
             <a:schemeClr val="accent1"/>
           </a:fillRef>
           <a:effectRef idx="0">
             <a:schemeClr val="accent1"/>
           </a:effectRef>
           <a:fontRef idx="minor">
-            <a:schemeClr val="lt1"/>
+            <a:schemeClr val="tx1"/>
           </a:fontRef>
         </p:style>
         <p:txBody>
@@ -10505,10 +10412,10 @@
       </p:sp>
       <p:sp>
         <p:nvSpPr>
-          <p:cNvPr id="20" name="TextBox 19">
-            <a:extLst>
-              <a:ext uri="{FF2B5EF4-FFF2-40B4-BE49-F238E27FC236}">
-                <a16:creationId xmlns:a16="http://schemas.microsoft.com/office/drawing/2014/main" id="{31514E13-0F73-4EAD-8EE0-CF531BE06C69}"/>
+          <p:cNvPr id="10" name="TextBox 9">
+            <a:extLst>
+              <a:ext uri="{FF2B5EF4-FFF2-40B4-BE49-F238E27FC236}">
+                <a16:creationId xmlns:a16="http://schemas.microsoft.com/office/drawing/2014/main" id="{232CA36E-EC0F-427A-905B-2C3972BBFCB3}"/>
               </a:ext>
             </a:extLst>
           </p:cNvPr>
@@ -10517,8 +10424,8 @@
         </p:nvSpPr>
         <p:spPr>
           <a:xfrm>
-            <a:off x="1612432" y="2234823"/>
-            <a:ext cx="428323" cy="646331"/>
+            <a:off x="1645596" y="3070158"/>
+            <a:ext cx="1005403" cy="584775"/>
           </a:xfrm>
           <a:prstGeom prst="rect">
             <a:avLst/>
@@ -10533,31 +10440,27 @@
           <a:p>
             <a:pPr algn="ctr"/>
             <a:r>
-              <a:rPr lang="en-US" altLang="ko-KR" sz="3600" spc="-300" dirty="0">
+              <a:rPr lang="en-US" altLang="ko-KR" sz="3200" b="1" dirty="0">
                 <a:solidFill>
-                  <a:schemeClr val="bg1"/>
+                  <a:srgbClr val="40474D"/>
                 </a:solidFill>
-                <a:latin typeface="+mj-ea"/>
-                <a:ea typeface="+mj-ea"/>
               </a:rPr>
-              <a:t>1</a:t>
-            </a:r>
-            <a:endParaRPr lang="ko-KR" altLang="en-US" sz="3600" spc="-300" dirty="0">
+              <a:t>75%</a:t>
+            </a:r>
+            <a:endParaRPr lang="ko-KR" altLang="en-US" sz="3200" b="1" dirty="0">
               <a:solidFill>
-                <a:schemeClr val="bg1"/>
+                <a:srgbClr val="40474D"/>
               </a:solidFill>
-              <a:latin typeface="+mj-ea"/>
-              <a:ea typeface="+mj-ea"/>
             </a:endParaRPr>
           </a:p>
         </p:txBody>
       </p:sp>
       <p:sp>
         <p:nvSpPr>
-          <p:cNvPr id="21" name="TextBox 20">
-            <a:extLst>
-              <a:ext uri="{FF2B5EF4-FFF2-40B4-BE49-F238E27FC236}">
-                <a16:creationId xmlns:a16="http://schemas.microsoft.com/office/drawing/2014/main" id="{5A8C8947-AD11-4BA5-AFC4-C97C91EBC161}"/>
+          <p:cNvPr id="11" name="テキスト ボックス 17">
+            <a:extLst>
+              <a:ext uri="{FF2B5EF4-FFF2-40B4-BE49-F238E27FC236}">
+                <a16:creationId xmlns:a16="http://schemas.microsoft.com/office/drawing/2014/main" id="{D6ABE58D-D6BC-4D9C-BBB4-1EB854D4F3C1}"/>
               </a:ext>
             </a:extLst>
           </p:cNvPr>
@@ -10566,8 +10469,8 @@
         </p:nvSpPr>
         <p:spPr>
           <a:xfrm>
-            <a:off x="2945222" y="2281114"/>
-            <a:ext cx="3078087" cy="584775"/>
+            <a:off x="1219334" y="5181899"/>
+            <a:ext cx="1939955" cy="369332"/>
           </a:xfrm>
           <a:prstGeom prst="rect">
             <a:avLst/>
@@ -10580,24 +10483,25 @@
           </a:bodyPr>
           <a:lstStyle/>
           <a:p>
-            <a:r>
-              <a:rPr lang="ko-KR" altLang="en-US" sz="3200" spc="-300" dirty="0">
-                <a:solidFill>
-                  <a:schemeClr val="bg1"/>
-                </a:solidFill>
+            <a:pPr algn="ctr"/>
+            <a:r>
+              <a:rPr lang="ko-KR" altLang="en-US" spc="-150" dirty="0">
                 <a:latin typeface="+mn-ea"/>
               </a:rPr>
-              <a:t>주제를 입력하세요</a:t>
-            </a:r>
-          </a:p>
-        </p:txBody>
-      </p:sp>
-      <p:sp>
-        <p:nvSpPr>
-          <p:cNvPr id="22" name="직사각형 21">
-            <a:extLst>
-              <a:ext uri="{FF2B5EF4-FFF2-40B4-BE49-F238E27FC236}">
-                <a16:creationId xmlns:a16="http://schemas.microsoft.com/office/drawing/2014/main" id="{22B7112F-B03C-4AFD-888E-4D3992FEA2EE}"/>
+              <a:t>소제목을 입력하세요</a:t>
+            </a:r>
+            <a:endParaRPr kumimoji="1" lang="ja-JP" altLang="en-US" spc="-150" dirty="0">
+              <a:latin typeface="+mn-ea"/>
+            </a:endParaRPr>
+          </a:p>
+        </p:txBody>
+      </p:sp>
+      <p:sp>
+        <p:nvSpPr>
+          <p:cNvPr id="12" name="원호 11">
+            <a:extLst>
+              <a:ext uri="{FF2B5EF4-FFF2-40B4-BE49-F238E27FC236}">
+                <a16:creationId xmlns:a16="http://schemas.microsoft.com/office/drawing/2014/main" id="{F1FE3761-30D0-4DC1-B79D-B2B07C495E85}"/>
               </a:ext>
             </a:extLst>
           </p:cNvPr>
@@ -10605,32 +10509,36 @@
           <p:nvPr/>
         </p:nvSpPr>
         <p:spPr>
-          <a:xfrm>
-            <a:off x="1278428" y="3367447"/>
-            <a:ext cx="1168400" cy="1044000"/>
-          </a:xfrm>
-          <a:prstGeom prst="rect">
-            <a:avLst/>
-          </a:prstGeom>
-          <a:solidFill>
-            <a:schemeClr val="accent2"/>
-          </a:solidFill>
-          <a:ln>
-            <a:noFill/>
+          <a:xfrm rot="5400000">
+            <a:off x="5148118" y="2379829"/>
+            <a:ext cx="1965434" cy="1965434"/>
+          </a:xfrm>
+          <a:prstGeom prst="arc">
+            <a:avLst>
+              <a:gd name="adj1" fmla="val 14005023"/>
+              <a:gd name="adj2" fmla="val 21546426"/>
+            </a:avLst>
+          </a:prstGeom>
+          <a:ln w="254000">
+            <a:solidFill>
+              <a:schemeClr val="bg1">
+                <a:lumMod val="85000"/>
+              </a:schemeClr>
+            </a:solidFill>
           </a:ln>
         </p:spPr>
         <p:style>
-          <a:lnRef idx="0">
-            <a:scrgbClr r="0" g="0" b="0"/>
+          <a:lnRef idx="1">
+            <a:schemeClr val="accent1"/>
           </a:lnRef>
           <a:fillRef idx="0">
-            <a:scrgbClr r="0" g="0" b="0"/>
+            <a:schemeClr val="accent1"/>
           </a:fillRef>
           <a:effectRef idx="0">
-            <a:scrgbClr r="0" g="0" b="0"/>
+            <a:schemeClr val="accent1"/>
           </a:effectRef>
           <a:fontRef idx="minor">
-            <a:schemeClr val="lt1"/>
+            <a:schemeClr val="tx1"/>
           </a:fontRef>
         </p:style>
         <p:txBody>
@@ -10644,10 +10552,10 @@
       </p:sp>
       <p:sp>
         <p:nvSpPr>
-          <p:cNvPr id="23" name="직사각형 22">
-            <a:extLst>
-              <a:ext uri="{FF2B5EF4-FFF2-40B4-BE49-F238E27FC236}">
-                <a16:creationId xmlns:a16="http://schemas.microsoft.com/office/drawing/2014/main" id="{F0282083-F71D-404F-8759-15BB8B3A55F0}"/>
+          <p:cNvPr id="13" name="원호 12">
+            <a:extLst>
+              <a:ext uri="{FF2B5EF4-FFF2-40B4-BE49-F238E27FC236}">
+                <a16:creationId xmlns:a16="http://schemas.microsoft.com/office/drawing/2014/main" id="{C61C9569-D883-46CE-ADAA-5A9178039024}"/>
               </a:ext>
             </a:extLst>
           </p:cNvPr>
@@ -10656,31 +10564,33 @@
         </p:nvSpPr>
         <p:spPr>
           <a:xfrm>
-            <a:off x="2688128" y="3367447"/>
-            <a:ext cx="8242300" cy="1044000"/>
-          </a:xfrm>
-          <a:prstGeom prst="rect">
-            <a:avLst/>
-          </a:prstGeom>
-          <a:solidFill>
-            <a:schemeClr val="accent2"/>
-          </a:solidFill>
-          <a:ln>
-            <a:noFill/>
+            <a:off x="5148118" y="2379829"/>
+            <a:ext cx="1965434" cy="1965434"/>
+          </a:xfrm>
+          <a:prstGeom prst="arc">
+            <a:avLst>
+              <a:gd name="adj1" fmla="val 5320067"/>
+              <a:gd name="adj2" fmla="val 19460305"/>
+            </a:avLst>
+          </a:prstGeom>
+          <a:ln w="381000">
+            <a:solidFill>
+              <a:schemeClr val="accent2"/>
+            </a:solidFill>
           </a:ln>
         </p:spPr>
         <p:style>
-          <a:lnRef idx="0">
-            <a:scrgbClr r="0" g="0" b="0"/>
+          <a:lnRef idx="1">
+            <a:schemeClr val="accent1"/>
           </a:lnRef>
           <a:fillRef idx="0">
-            <a:scrgbClr r="0" g="0" b="0"/>
+            <a:schemeClr val="accent1"/>
           </a:fillRef>
           <a:effectRef idx="0">
-            <a:scrgbClr r="0" g="0" b="0"/>
+            <a:schemeClr val="accent1"/>
           </a:effectRef>
           <a:fontRef idx="minor">
-            <a:schemeClr val="lt1"/>
+            <a:schemeClr val="tx1"/>
           </a:fontRef>
         </p:style>
         <p:txBody>
@@ -10694,10 +10604,10 @@
       </p:sp>
       <p:sp>
         <p:nvSpPr>
-          <p:cNvPr id="24" name="TextBox 23">
-            <a:extLst>
-              <a:ext uri="{FF2B5EF4-FFF2-40B4-BE49-F238E27FC236}">
-                <a16:creationId xmlns:a16="http://schemas.microsoft.com/office/drawing/2014/main" id="{11761A23-A89B-49A0-9103-FB499CB51CA7}"/>
+          <p:cNvPr id="14" name="TextBox 13">
+            <a:extLst>
+              <a:ext uri="{FF2B5EF4-FFF2-40B4-BE49-F238E27FC236}">
+                <a16:creationId xmlns:a16="http://schemas.microsoft.com/office/drawing/2014/main" id="{7893E0E4-C7A7-4589-8C3B-E0A77FA32509}"/>
               </a:ext>
             </a:extLst>
           </p:cNvPr>
@@ -10706,31 +10616,14 @@
         </p:nvSpPr>
         <p:spPr>
           <a:xfrm>
-            <a:off x="1623067" y="3564662"/>
-            <a:ext cx="428322" cy="646331"/>
+            <a:off x="5628133" y="3070158"/>
+            <a:ext cx="1005404" cy="584775"/>
           </a:xfrm>
           <a:prstGeom prst="rect">
             <a:avLst/>
           </a:prstGeom>
           <a:noFill/>
-          <a:ln>
-            <a:noFill/>
-          </a:ln>
-        </p:spPr>
-        <p:style>
-          <a:lnRef idx="0">
-            <a:scrgbClr r="0" g="0" b="0"/>
-          </a:lnRef>
-          <a:fillRef idx="0">
-            <a:scrgbClr r="0" g="0" b="0"/>
-          </a:fillRef>
-          <a:effectRef idx="0">
-            <a:scrgbClr r="0" g="0" b="0"/>
-          </a:effectRef>
-          <a:fontRef idx="minor">
-            <a:schemeClr val="lt1"/>
-          </a:fontRef>
-        </p:style>
+        </p:spPr>
         <p:txBody>
           <a:bodyPr wrap="none" rtlCol="0">
             <a:spAutoFit/>
@@ -10739,31 +10632,27 @@
           <a:p>
             <a:pPr algn="ctr"/>
             <a:r>
-              <a:rPr lang="en-US" altLang="ko-KR" sz="3600" spc="-300" dirty="0">
+              <a:rPr lang="en-US" altLang="ko-KR" sz="3200" b="1" dirty="0">
                 <a:solidFill>
-                  <a:schemeClr val="bg1"/>
+                  <a:srgbClr val="40474D"/>
                 </a:solidFill>
-                <a:latin typeface="+mj-ea"/>
-                <a:ea typeface="+mj-ea"/>
               </a:rPr>
-              <a:t>2</a:t>
-            </a:r>
-            <a:endParaRPr lang="ko-KR" altLang="en-US" sz="3600" spc="-300" dirty="0">
+              <a:t>67%</a:t>
+            </a:r>
+            <a:endParaRPr lang="ko-KR" altLang="en-US" sz="3200" b="1" dirty="0">
               <a:solidFill>
-                <a:schemeClr val="bg1"/>
+                <a:srgbClr val="40474D"/>
               </a:solidFill>
-              <a:latin typeface="+mj-ea"/>
-              <a:ea typeface="+mj-ea"/>
             </a:endParaRPr>
           </a:p>
         </p:txBody>
       </p:sp>
       <p:sp>
         <p:nvSpPr>
-          <p:cNvPr id="25" name="TextBox 24">
-            <a:extLst>
-              <a:ext uri="{FF2B5EF4-FFF2-40B4-BE49-F238E27FC236}">
-                <a16:creationId xmlns:a16="http://schemas.microsoft.com/office/drawing/2014/main" id="{CEA63ED5-C65D-4CB4-B317-42D69753959A}"/>
+          <p:cNvPr id="15" name="テキスト ボックス 17">
+            <a:extLst>
+              <a:ext uri="{FF2B5EF4-FFF2-40B4-BE49-F238E27FC236}">
+                <a16:creationId xmlns:a16="http://schemas.microsoft.com/office/drawing/2014/main" id="{003A02C4-F4F4-4FD9-901A-367B243EA89C}"/>
               </a:ext>
             </a:extLst>
           </p:cNvPr>
@@ -10772,92 +10661,121 @@
         </p:nvSpPr>
         <p:spPr>
           <a:xfrm>
-            <a:off x="2945222" y="3579352"/>
-            <a:ext cx="2775119" cy="584775"/>
+            <a:off x="5126022" y="5181899"/>
+            <a:ext cx="1939955" cy="369332"/>
           </a:xfrm>
           <a:prstGeom prst="rect">
             <a:avLst/>
           </a:prstGeom>
           <a:noFill/>
-          <a:ln>
-            <a:noFill/>
-          </a:ln>
-        </p:spPr>
-        <p:style>
-          <a:lnRef idx="0">
-            <a:scrgbClr r="0" g="0" b="0"/>
-          </a:lnRef>
-          <a:fillRef idx="0">
-            <a:scrgbClr r="0" g="0" b="0"/>
-          </a:fillRef>
-          <a:effectRef idx="0">
-            <a:scrgbClr r="0" g="0" b="0"/>
-          </a:effectRef>
-          <a:fontRef idx="minor">
-            <a:schemeClr val="lt1"/>
-          </a:fontRef>
-        </p:style>
+        </p:spPr>
         <p:txBody>
           <a:bodyPr wrap="none" rtlCol="0">
             <a:spAutoFit/>
           </a:bodyPr>
           <a:lstStyle/>
           <a:p>
-            <a:r>
-              <a:rPr lang="ko-KR" altLang="en-US" sz="3200" spc="-300" dirty="0">
-                <a:solidFill>
-                  <a:schemeClr val="bg1"/>
-                </a:solidFill>
+            <a:pPr algn="ctr"/>
+            <a:r>
+              <a:rPr lang="ko-KR" altLang="en-US" spc="-150" dirty="0">
                 <a:latin typeface="+mn-ea"/>
               </a:rPr>
-              <a:t>주제를 입력하세요</a:t>
-            </a:r>
-          </a:p>
-        </p:txBody>
-      </p:sp>
-      <p:sp>
-        <p:nvSpPr>
-          <p:cNvPr id="26" name="직사각형 25">
-            <a:extLst>
-              <a:ext uri="{FF2B5EF4-FFF2-40B4-BE49-F238E27FC236}">
-                <a16:creationId xmlns:a16="http://schemas.microsoft.com/office/drawing/2014/main" id="{64A4D990-7F19-4B43-A33C-FCB4182E2A55}"/>
-              </a:ext>
-            </a:extLst>
-          </p:cNvPr>
-          <p:cNvSpPr/>
-          <p:nvPr/>
-        </p:nvSpPr>
-        <p:spPr>
-          <a:xfrm>
-            <a:off x="1278428" y="4686948"/>
-            <a:ext cx="1168400" cy="1044000"/>
-          </a:xfrm>
-          <a:prstGeom prst="rect">
-            <a:avLst/>
-          </a:prstGeom>
-          <a:solidFill>
-            <a:schemeClr val="accent6"/>
-          </a:solidFill>
-          <a:ln>
-            <a:noFill/>
+              <a:t>소제목을 입력하세요</a:t>
+            </a:r>
+            <a:endParaRPr kumimoji="1" lang="ja-JP" altLang="en-US" spc="-150" dirty="0">
+              <a:latin typeface="+mn-ea"/>
+            </a:endParaRPr>
+          </a:p>
+        </p:txBody>
+      </p:sp>
+      <p:cxnSp>
+        <p:nvCxnSpPr>
+          <p:cNvPr id="16" name="직선 연결선 15">
+            <a:extLst>
+              <a:ext uri="{FF2B5EF4-FFF2-40B4-BE49-F238E27FC236}">
+                <a16:creationId xmlns:a16="http://schemas.microsoft.com/office/drawing/2014/main" id="{F838F067-BC3D-46B1-B1EE-8E57F2789120}"/>
+              </a:ext>
+            </a:extLst>
+          </p:cNvPr>
+          <p:cNvCxnSpPr/>
+          <p:nvPr/>
+        </p:nvCxnSpPr>
+        <p:spPr>
+          <a:xfrm>
+            <a:off x="5815875" y="4991959"/>
+            <a:ext cx="629920" cy="0"/>
+          </a:xfrm>
+          <a:prstGeom prst="line">
+            <a:avLst/>
+          </a:prstGeom>
+          <a:ln w="38100">
+            <a:solidFill>
+              <a:schemeClr val="bg1">
+                <a:lumMod val="85000"/>
+              </a:schemeClr>
+            </a:solidFill>
           </a:ln>
         </p:spPr>
         <p:style>
-          <a:lnRef idx="2">
-            <a:schemeClr val="accent1">
-              <a:shade val="50000"/>
-            </a:schemeClr>
+          <a:lnRef idx="1">
+            <a:schemeClr val="accent1"/>
           </a:lnRef>
-          <a:fillRef idx="1">
+          <a:fillRef idx="0">
             <a:schemeClr val="accent1"/>
           </a:fillRef>
           <a:effectRef idx="0">
             <a:schemeClr val="accent1"/>
           </a:effectRef>
           <a:fontRef idx="minor">
-            <a:schemeClr val="lt1"/>
+            <a:schemeClr val="tx1"/>
           </a:fontRef>
         </p:style>
+      </p:cxnSp>
+      <p:sp>
+        <p:nvSpPr>
+          <p:cNvPr id="17" name="원호 16">
+            <a:extLst>
+              <a:ext uri="{FF2B5EF4-FFF2-40B4-BE49-F238E27FC236}">
+                <a16:creationId xmlns:a16="http://schemas.microsoft.com/office/drawing/2014/main" id="{C2427E6D-1E1D-42C0-96B3-C8061A63AA96}"/>
+              </a:ext>
+            </a:extLst>
+          </p:cNvPr>
+          <p:cNvSpPr/>
+          <p:nvPr/>
+        </p:nvSpPr>
+        <p:spPr>
+          <a:xfrm rot="5400000">
+            <a:off x="9130654" y="2379829"/>
+            <a:ext cx="1965434" cy="1965434"/>
+          </a:xfrm>
+          <a:prstGeom prst="arc">
+            <a:avLst>
+              <a:gd name="adj1" fmla="val 10523546"/>
+              <a:gd name="adj2" fmla="val 21546426"/>
+            </a:avLst>
+          </a:prstGeom>
+          <a:ln w="254000">
+            <a:solidFill>
+              <a:schemeClr val="bg1">
+                <a:lumMod val="85000"/>
+              </a:schemeClr>
+            </a:solidFill>
+          </a:ln>
+        </p:spPr>
+        <p:style>
+          <a:lnRef idx="1">
+            <a:schemeClr val="accent1"/>
+          </a:lnRef>
+          <a:fillRef idx="0">
+            <a:schemeClr val="accent1"/>
+          </a:fillRef>
+          <a:effectRef idx="0">
+            <a:schemeClr val="accent1"/>
+          </a:effectRef>
+          <a:fontRef idx="minor">
+            <a:schemeClr val="tx1"/>
+          </a:fontRef>
+        </p:style>
         <p:txBody>
           <a:bodyPr rtlCol="0" anchor="ctr"/>
           <a:lstStyle/>
@@ -10869,10 +10787,10 @@
       </p:sp>
       <p:sp>
         <p:nvSpPr>
-          <p:cNvPr id="27" name="직사각형 26">
-            <a:extLst>
-              <a:ext uri="{FF2B5EF4-FFF2-40B4-BE49-F238E27FC236}">
-                <a16:creationId xmlns:a16="http://schemas.microsoft.com/office/drawing/2014/main" id="{9460BB99-9F69-4AB9-84C3-FEA78F16C514}"/>
+          <p:cNvPr id="18" name="원호 17">
+            <a:extLst>
+              <a:ext uri="{FF2B5EF4-FFF2-40B4-BE49-F238E27FC236}">
+                <a16:creationId xmlns:a16="http://schemas.microsoft.com/office/drawing/2014/main" id="{08377839-AC27-4236-BCEE-14E4D73D5AD7}"/>
               </a:ext>
             </a:extLst>
           </p:cNvPr>
@@ -10881,33 +10799,33 @@
         </p:nvSpPr>
         <p:spPr>
           <a:xfrm>
-            <a:off x="2688128" y="4686948"/>
-            <a:ext cx="8242300" cy="1044000"/>
-          </a:xfrm>
-          <a:prstGeom prst="rect">
-            <a:avLst/>
-          </a:prstGeom>
-          <a:solidFill>
-            <a:schemeClr val="accent6"/>
-          </a:solidFill>
-          <a:ln>
-            <a:noFill/>
+            <a:off x="9130654" y="2379829"/>
+            <a:ext cx="1965434" cy="1965434"/>
+          </a:xfrm>
+          <a:prstGeom prst="arc">
+            <a:avLst>
+              <a:gd name="adj1" fmla="val 5320067"/>
+              <a:gd name="adj2" fmla="val 16420915"/>
+            </a:avLst>
+          </a:prstGeom>
+          <a:ln w="381000">
+            <a:solidFill>
+              <a:schemeClr val="accent6"/>
+            </a:solidFill>
           </a:ln>
         </p:spPr>
         <p:style>
-          <a:lnRef idx="2">
-            <a:schemeClr val="accent1">
-              <a:shade val="50000"/>
-            </a:schemeClr>
+          <a:lnRef idx="1">
+            <a:schemeClr val="accent1"/>
           </a:lnRef>
-          <a:fillRef idx="1">
+          <a:fillRef idx="0">
             <a:schemeClr val="accent1"/>
           </a:fillRef>
           <a:effectRef idx="0">
             <a:schemeClr val="accent1"/>
           </a:effectRef>
           <a:fontRef idx="minor">
-            <a:schemeClr val="lt1"/>
+            <a:schemeClr val="tx1"/>
           </a:fontRef>
         </p:style>
         <p:txBody>
@@ -10921,10 +10839,10 @@
       </p:sp>
       <p:sp>
         <p:nvSpPr>
-          <p:cNvPr id="28" name="TextBox 27">
-            <a:extLst>
-              <a:ext uri="{FF2B5EF4-FFF2-40B4-BE49-F238E27FC236}">
-                <a16:creationId xmlns:a16="http://schemas.microsoft.com/office/drawing/2014/main" id="{9AA1068E-2C3F-4AE4-B156-57FB340C7A5D}"/>
+          <p:cNvPr id="19" name="TextBox 18">
+            <a:extLst>
+              <a:ext uri="{FF2B5EF4-FFF2-40B4-BE49-F238E27FC236}">
+                <a16:creationId xmlns:a16="http://schemas.microsoft.com/office/drawing/2014/main" id="{06E16C5D-6C0A-4F7E-90C9-2F77B60916BD}"/>
               </a:ext>
             </a:extLst>
           </p:cNvPr>
@@ -10933,8 +10851,8 @@
         </p:nvSpPr>
         <p:spPr>
           <a:xfrm>
-            <a:off x="1623067" y="4884163"/>
-            <a:ext cx="428322" cy="646331"/>
+            <a:off x="9610669" y="3070158"/>
+            <a:ext cx="1005403" cy="584775"/>
           </a:xfrm>
           <a:prstGeom prst="rect">
             <a:avLst/>
@@ -10949,37 +10867,27 @@
           <a:p>
             <a:pPr algn="ctr"/>
             <a:r>
-              <a:rPr lang="en-US" altLang="ko-KR" sz="3600" spc="-300" dirty="0">
+              <a:rPr lang="en-US" altLang="ko-KR" sz="3200" b="1" dirty="0">
                 <a:solidFill>
-                  <a:schemeClr val="tx1">
-                    <a:lumMod val="75000"/>
-                    <a:lumOff val="25000"/>
-                  </a:schemeClr>
+                  <a:srgbClr val="40474D"/>
                 </a:solidFill>
-                <a:latin typeface="+mj-ea"/>
-                <a:ea typeface="+mj-ea"/>
               </a:rPr>
-              <a:t>3</a:t>
-            </a:r>
-            <a:endParaRPr lang="ko-KR" altLang="en-US" sz="3600" spc="-300" dirty="0">
+              <a:t>51%</a:t>
+            </a:r>
+            <a:endParaRPr lang="ko-KR" altLang="en-US" sz="3200" b="1" dirty="0">
               <a:solidFill>
-                <a:schemeClr val="tx1">
-                  <a:lumMod val="75000"/>
-                  <a:lumOff val="25000"/>
-                </a:schemeClr>
+                <a:srgbClr val="40474D"/>
               </a:solidFill>
-              <a:latin typeface="+mj-ea"/>
-              <a:ea typeface="+mj-ea"/>
             </a:endParaRPr>
           </a:p>
         </p:txBody>
       </p:sp>
       <p:sp>
         <p:nvSpPr>
-          <p:cNvPr id="29" name="TextBox 28">
-            <a:extLst>
-              <a:ext uri="{FF2B5EF4-FFF2-40B4-BE49-F238E27FC236}">
-                <a16:creationId xmlns:a16="http://schemas.microsoft.com/office/drawing/2014/main" id="{BA875725-6414-48F9-9779-9741EF9B938D}"/>
+          <p:cNvPr id="20" name="テキスト ボックス 17">
+            <a:extLst>
+              <a:ext uri="{FF2B5EF4-FFF2-40B4-BE49-F238E27FC236}">
+                <a16:creationId xmlns:a16="http://schemas.microsoft.com/office/drawing/2014/main" id="{5FCD9DAE-CE7B-4C33-8AE0-E834F75F5B71}"/>
               </a:ext>
             </a:extLst>
           </p:cNvPr>
@@ -10988,8 +10896,8 @@
         </p:nvSpPr>
         <p:spPr>
           <a:xfrm>
-            <a:off x="2945222" y="4898853"/>
-            <a:ext cx="2929007" cy="584775"/>
+            <a:off x="9130654" y="5181899"/>
+            <a:ext cx="1939955" cy="369332"/>
           </a:xfrm>
           <a:prstGeom prst="rect">
             <a:avLst/>
@@ -11002,25 +10910,118 @@
           </a:bodyPr>
           <a:lstStyle/>
           <a:p>
-            <a:r>
-              <a:rPr lang="ko-KR" altLang="en-US" sz="3200" spc="-300" dirty="0">
-                <a:solidFill>
-                  <a:schemeClr val="tx1">
-                    <a:lumMod val="75000"/>
-                    <a:lumOff val="25000"/>
-                  </a:schemeClr>
-                </a:solidFill>
+            <a:pPr algn="ctr"/>
+            <a:r>
+              <a:rPr lang="ko-KR" altLang="en-US" spc="-150" dirty="0">
                 <a:latin typeface="+mn-ea"/>
               </a:rPr>
-              <a:t>주제를 입력하세요</a:t>
-            </a:r>
+              <a:t>소제목을 입력하세요</a:t>
+            </a:r>
+            <a:endParaRPr kumimoji="1" lang="ja-JP" altLang="en-US" spc="-150" dirty="0">
+              <a:latin typeface="+mn-ea"/>
+            </a:endParaRPr>
+          </a:p>
+        </p:txBody>
+      </p:sp>
+      <p:cxnSp>
+        <p:nvCxnSpPr>
+          <p:cNvPr id="21" name="직선 연결선 20">
+            <a:extLst>
+              <a:ext uri="{FF2B5EF4-FFF2-40B4-BE49-F238E27FC236}">
+                <a16:creationId xmlns:a16="http://schemas.microsoft.com/office/drawing/2014/main" id="{E8DCBA4E-0F13-4E2E-A73C-D9C702509921}"/>
+              </a:ext>
+            </a:extLst>
+          </p:cNvPr>
+          <p:cNvCxnSpPr/>
+          <p:nvPr/>
+        </p:nvCxnSpPr>
+        <p:spPr>
+          <a:xfrm>
+            <a:off x="9798411" y="4991959"/>
+            <a:ext cx="629920" cy="0"/>
+          </a:xfrm>
+          <a:prstGeom prst="line">
+            <a:avLst/>
+          </a:prstGeom>
+          <a:ln w="38100">
+            <a:solidFill>
+              <a:schemeClr val="bg1">
+                <a:lumMod val="85000"/>
+              </a:schemeClr>
+            </a:solidFill>
+          </a:ln>
+        </p:spPr>
+        <p:style>
+          <a:lnRef idx="1">
+            <a:schemeClr val="accent1"/>
+          </a:lnRef>
+          <a:fillRef idx="0">
+            <a:schemeClr val="accent1"/>
+          </a:fillRef>
+          <a:effectRef idx="0">
+            <a:schemeClr val="accent1"/>
+          </a:effectRef>
+          <a:fontRef idx="minor">
+            <a:schemeClr val="tx1"/>
+          </a:fontRef>
+        </p:style>
+      </p:cxnSp>
+      <p:sp>
+        <p:nvSpPr>
+          <p:cNvPr id="22" name="직사각형 21">
+            <a:extLst>
+              <a:ext uri="{FF2B5EF4-FFF2-40B4-BE49-F238E27FC236}">
+                <a16:creationId xmlns:a16="http://schemas.microsoft.com/office/drawing/2014/main" id="{7EA29594-E1A8-4D96-8ED0-2C0240293073}"/>
+              </a:ext>
+            </a:extLst>
+          </p:cNvPr>
+          <p:cNvSpPr/>
+          <p:nvPr/>
+        </p:nvSpPr>
+        <p:spPr>
+          <a:xfrm rot="5400000">
+            <a:off x="2130297" y="4675592"/>
+            <a:ext cx="36000" cy="684000"/>
+          </a:xfrm>
+          <a:prstGeom prst="rect">
+            <a:avLst/>
+          </a:prstGeom>
+          <a:solidFill>
+            <a:schemeClr val="bg1">
+              <a:lumMod val="85000"/>
+            </a:schemeClr>
+          </a:solidFill>
+          <a:ln w="38100">
+            <a:noFill/>
+          </a:ln>
+        </p:spPr>
+        <p:style>
+          <a:lnRef idx="1">
+            <a:schemeClr val="accent1"/>
+          </a:lnRef>
+          <a:fillRef idx="0">
+            <a:schemeClr val="accent1"/>
+          </a:fillRef>
+          <a:effectRef idx="0">
+            <a:schemeClr val="accent1"/>
+          </a:effectRef>
+          <a:fontRef idx="minor">
+            <a:schemeClr val="tx1"/>
+          </a:fontRef>
+        </p:style>
+        <p:txBody>
+          <a:bodyPr rtlCol="0" anchor="ctr"/>
+          <a:lstStyle/>
+          <a:p>
+            <a:pPr algn="ctr"/>
+            <a:endParaRPr lang="ko-KR" altLang="en-US"/>
           </a:p>
         </p:txBody>
       </p:sp>
     </p:spTree>
     <p:extLst>
       <p:ext uri="{BB962C8B-B14F-4D97-AF65-F5344CB8AC3E}">
-        <p14:creationId xmlns:p14="http://schemas.microsoft.com/office/powerpoint/2010/main" val="3461051080"/>
+        <p14:creationId xmlns:p14="http://schemas.microsoft.com/office/powerpoint/2010/main" val="4252955992"/>
       </p:ext>
     </p:extLst>
   </p:cSld>
@@ -11216,642 +11217,29 @@
           </a:fontRef>
         </p:style>
       </p:cxnSp>
-      <p:cxnSp>
-        <p:nvCxnSpPr>
-          <p:cNvPr id="30" name="직선 연결선 29">
-            <a:extLst>
-              <a:ext uri="{FF2B5EF4-FFF2-40B4-BE49-F238E27FC236}">
-                <a16:creationId xmlns:a16="http://schemas.microsoft.com/office/drawing/2014/main" id="{DABC1F0A-392E-49CD-956A-2DD195464699}"/>
-              </a:ext>
-            </a:extLst>
-          </p:cNvPr>
-          <p:cNvCxnSpPr/>
-          <p:nvPr/>
-        </p:nvCxnSpPr>
-        <p:spPr>
-          <a:xfrm>
-            <a:off x="1046180" y="5507781"/>
-            <a:ext cx="2038350" cy="0"/>
-          </a:xfrm>
-          <a:prstGeom prst="line">
-            <a:avLst/>
-          </a:prstGeom>
-          <a:ln>
-            <a:solidFill>
-              <a:schemeClr val="tx1">
-                <a:lumMod val="50000"/>
-                <a:lumOff val="50000"/>
-              </a:schemeClr>
-            </a:solidFill>
-          </a:ln>
-        </p:spPr>
-        <p:style>
-          <a:lnRef idx="1">
-            <a:schemeClr val="accent1"/>
-          </a:lnRef>
-          <a:fillRef idx="0">
-            <a:schemeClr val="accent1"/>
-          </a:fillRef>
-          <a:effectRef idx="0">
-            <a:schemeClr val="accent1"/>
-          </a:effectRef>
-          <a:fontRef idx="minor">
-            <a:schemeClr val="tx1"/>
-          </a:fontRef>
-        </p:style>
-      </p:cxnSp>
-      <p:sp>
-        <p:nvSpPr>
-          <p:cNvPr id="31" name="TextBox 30">
-            <a:extLst>
-              <a:ext uri="{FF2B5EF4-FFF2-40B4-BE49-F238E27FC236}">
-                <a16:creationId xmlns:a16="http://schemas.microsoft.com/office/drawing/2014/main" id="{8A4BEAA5-02E6-4FBC-93A9-CE46F6FD0CFE}"/>
-              </a:ext>
-            </a:extLst>
-          </p:cNvPr>
-          <p:cNvSpPr txBox="1"/>
-          <p:nvPr/>
-        </p:nvSpPr>
-        <p:spPr>
-          <a:xfrm>
-            <a:off x="1279466" y="5583953"/>
-            <a:ext cx="1571777" cy="307777"/>
+      <p:sp>
+        <p:nvSpPr>
+          <p:cNvPr id="17" name="직사각형 16">
+            <a:extLst>
+              <a:ext uri="{FF2B5EF4-FFF2-40B4-BE49-F238E27FC236}">
+                <a16:creationId xmlns:a16="http://schemas.microsoft.com/office/drawing/2014/main" id="{A7399932-852C-4FC0-818C-8BF64A587819}"/>
+              </a:ext>
+            </a:extLst>
+          </p:cNvPr>
+          <p:cNvSpPr/>
+          <p:nvPr/>
+        </p:nvSpPr>
+        <p:spPr>
+          <a:xfrm>
+            <a:off x="1278428" y="2047946"/>
+            <a:ext cx="1168400" cy="1044000"/>
           </a:xfrm>
           <a:prstGeom prst="rect">
             <a:avLst/>
           </a:prstGeom>
-          <a:noFill/>
-        </p:spPr>
-        <p:txBody>
-          <a:bodyPr wrap="none" rtlCol="0">
-            <a:spAutoFit/>
-          </a:bodyPr>
-          <a:lstStyle/>
-          <a:p>
-            <a:pPr algn="ctr"/>
-            <a:r>
-              <a:rPr lang="en-US" altLang="ko-KR" sz="1400" dirty="0"/>
-              <a:t>PowerPoint, 2017</a:t>
-            </a:r>
-            <a:endParaRPr lang="ko-KR" altLang="en-US" sz="1400" dirty="0"/>
-          </a:p>
-        </p:txBody>
-      </p:sp>
-      <p:sp>
-        <p:nvSpPr>
-          <p:cNvPr id="32" name="TextBox 31">
-            <a:extLst>
-              <a:ext uri="{FF2B5EF4-FFF2-40B4-BE49-F238E27FC236}">
-                <a16:creationId xmlns:a16="http://schemas.microsoft.com/office/drawing/2014/main" id="{1DDE27F6-8F67-4E3C-8573-56D060BA818D}"/>
-              </a:ext>
-            </a:extLst>
-          </p:cNvPr>
-          <p:cNvSpPr txBox="1"/>
-          <p:nvPr/>
-        </p:nvSpPr>
-        <p:spPr>
-          <a:xfrm>
-            <a:off x="1630364" y="5875254"/>
-            <a:ext cx="958916" cy="261610"/>
-          </a:xfrm>
-          <a:prstGeom prst="rect">
-            <a:avLst/>
-          </a:prstGeom>
-          <a:noFill/>
-        </p:spPr>
-        <p:txBody>
-          <a:bodyPr wrap="none" rtlCol="0">
-            <a:spAutoFit/>
-          </a:bodyPr>
-          <a:lstStyle/>
-          <a:p>
-            <a:pPr algn="ctr"/>
-            <a:r>
-              <a:rPr lang="en-US" altLang="ko-KR" sz="1100" dirty="0"/>
-              <a:t>Saebyeol Yu</a:t>
-            </a:r>
-            <a:endParaRPr lang="ko-KR" altLang="en-US" sz="1100" dirty="0"/>
-          </a:p>
-        </p:txBody>
-      </p:sp>
-      <p:cxnSp>
-        <p:nvCxnSpPr>
-          <p:cNvPr id="33" name="직선 연결선 32">
-            <a:extLst>
-              <a:ext uri="{FF2B5EF4-FFF2-40B4-BE49-F238E27FC236}">
-                <a16:creationId xmlns:a16="http://schemas.microsoft.com/office/drawing/2014/main" id="{38057A6D-54BA-43D0-B167-EF8B2E74635C}"/>
-              </a:ext>
-            </a:extLst>
-          </p:cNvPr>
-          <p:cNvCxnSpPr/>
-          <p:nvPr/>
-        </p:nvCxnSpPr>
-        <p:spPr>
-          <a:xfrm>
-            <a:off x="3710583" y="5507781"/>
-            <a:ext cx="2038350" cy="0"/>
-          </a:xfrm>
-          <a:prstGeom prst="line">
-            <a:avLst/>
-          </a:prstGeom>
-          <a:ln>
-            <a:solidFill>
-              <a:schemeClr val="tx1">
-                <a:lumMod val="50000"/>
-                <a:lumOff val="50000"/>
-              </a:schemeClr>
-            </a:solidFill>
-          </a:ln>
-        </p:spPr>
-        <p:style>
-          <a:lnRef idx="1">
-            <a:schemeClr val="accent1"/>
-          </a:lnRef>
-          <a:fillRef idx="0">
-            <a:schemeClr val="accent1"/>
-          </a:fillRef>
-          <a:effectRef idx="0">
-            <a:schemeClr val="accent1"/>
-          </a:effectRef>
-          <a:fontRef idx="minor">
-            <a:schemeClr val="tx1"/>
-          </a:fontRef>
-        </p:style>
-      </p:cxnSp>
-      <p:sp>
-        <p:nvSpPr>
-          <p:cNvPr id="34" name="TextBox 33">
-            <a:extLst>
-              <a:ext uri="{FF2B5EF4-FFF2-40B4-BE49-F238E27FC236}">
-                <a16:creationId xmlns:a16="http://schemas.microsoft.com/office/drawing/2014/main" id="{20FD33A5-75B4-4F4E-A052-F72A0BA49053}"/>
-              </a:ext>
-            </a:extLst>
-          </p:cNvPr>
-          <p:cNvSpPr txBox="1"/>
-          <p:nvPr/>
-        </p:nvSpPr>
-        <p:spPr>
-          <a:xfrm>
-            <a:off x="3943870" y="5603032"/>
-            <a:ext cx="1571777" cy="307777"/>
-          </a:xfrm>
-          <a:prstGeom prst="rect">
-            <a:avLst/>
-          </a:prstGeom>
-          <a:noFill/>
-        </p:spPr>
-        <p:txBody>
-          <a:bodyPr wrap="none" rtlCol="0">
-            <a:spAutoFit/>
-          </a:bodyPr>
-          <a:lstStyle/>
-          <a:p>
-            <a:pPr algn="ctr"/>
-            <a:r>
-              <a:rPr lang="en-US" altLang="ko-KR" sz="1400" dirty="0"/>
-              <a:t>PowerPoint, 2018</a:t>
-            </a:r>
-            <a:endParaRPr lang="ko-KR" altLang="en-US" sz="1400" dirty="0"/>
-          </a:p>
-        </p:txBody>
-      </p:sp>
-      <p:sp>
-        <p:nvSpPr>
-          <p:cNvPr id="35" name="TextBox 34">
-            <a:extLst>
-              <a:ext uri="{FF2B5EF4-FFF2-40B4-BE49-F238E27FC236}">
-                <a16:creationId xmlns:a16="http://schemas.microsoft.com/office/drawing/2014/main" id="{171153F2-8E59-4C59-930F-9B5E313593A0}"/>
-              </a:ext>
-            </a:extLst>
-          </p:cNvPr>
-          <p:cNvSpPr txBox="1"/>
-          <p:nvPr/>
-        </p:nvSpPr>
-        <p:spPr>
-          <a:xfrm>
-            <a:off x="4294767" y="5875254"/>
-            <a:ext cx="958916" cy="261610"/>
-          </a:xfrm>
-          <a:prstGeom prst="rect">
-            <a:avLst/>
-          </a:prstGeom>
-          <a:noFill/>
-        </p:spPr>
-        <p:txBody>
-          <a:bodyPr wrap="none" rtlCol="0">
-            <a:spAutoFit/>
-          </a:bodyPr>
-          <a:lstStyle/>
-          <a:p>
-            <a:pPr algn="ctr"/>
-            <a:r>
-              <a:rPr lang="en-US" altLang="ko-KR" sz="1100" dirty="0"/>
-              <a:t>Saebyeol Yu</a:t>
-            </a:r>
-            <a:endParaRPr lang="ko-KR" altLang="en-US" sz="1100" dirty="0"/>
-          </a:p>
-        </p:txBody>
-      </p:sp>
-      <p:cxnSp>
-        <p:nvCxnSpPr>
-          <p:cNvPr id="36" name="직선 연결선 35">
-            <a:extLst>
-              <a:ext uri="{FF2B5EF4-FFF2-40B4-BE49-F238E27FC236}">
-                <a16:creationId xmlns:a16="http://schemas.microsoft.com/office/drawing/2014/main" id="{6CE71B90-FB24-4C88-A8D8-8D35B256BC92}"/>
-              </a:ext>
-            </a:extLst>
-          </p:cNvPr>
-          <p:cNvCxnSpPr/>
-          <p:nvPr/>
-        </p:nvCxnSpPr>
-        <p:spPr>
-          <a:xfrm>
-            <a:off x="6374986" y="5507781"/>
-            <a:ext cx="2038350" cy="0"/>
-          </a:xfrm>
-          <a:prstGeom prst="line">
-            <a:avLst/>
-          </a:prstGeom>
-          <a:ln>
-            <a:solidFill>
-              <a:schemeClr val="tx1">
-                <a:lumMod val="50000"/>
-                <a:lumOff val="50000"/>
-              </a:schemeClr>
-            </a:solidFill>
-          </a:ln>
-        </p:spPr>
-        <p:style>
-          <a:lnRef idx="1">
-            <a:schemeClr val="accent1"/>
-          </a:lnRef>
-          <a:fillRef idx="0">
-            <a:schemeClr val="accent1"/>
-          </a:fillRef>
-          <a:effectRef idx="0">
-            <a:schemeClr val="accent1"/>
-          </a:effectRef>
-          <a:fontRef idx="minor">
-            <a:schemeClr val="tx1"/>
-          </a:fontRef>
-        </p:style>
-      </p:cxnSp>
-      <p:sp>
-        <p:nvSpPr>
-          <p:cNvPr id="37" name="TextBox 36">
-            <a:extLst>
-              <a:ext uri="{FF2B5EF4-FFF2-40B4-BE49-F238E27FC236}">
-                <a16:creationId xmlns:a16="http://schemas.microsoft.com/office/drawing/2014/main" id="{22FF5167-02CE-4252-B4D1-E2484223B8D8}"/>
-              </a:ext>
-            </a:extLst>
-          </p:cNvPr>
-          <p:cNvSpPr txBox="1"/>
-          <p:nvPr/>
-        </p:nvSpPr>
-        <p:spPr>
-          <a:xfrm>
-            <a:off x="6608273" y="5603032"/>
-            <a:ext cx="1571777" cy="307777"/>
-          </a:xfrm>
-          <a:prstGeom prst="rect">
-            <a:avLst/>
-          </a:prstGeom>
-          <a:noFill/>
-        </p:spPr>
-        <p:txBody>
-          <a:bodyPr wrap="none" rtlCol="0">
-            <a:spAutoFit/>
-          </a:bodyPr>
-          <a:lstStyle/>
-          <a:p>
-            <a:pPr algn="ctr"/>
-            <a:r>
-              <a:rPr lang="en-US" altLang="ko-KR" sz="1400" dirty="0"/>
-              <a:t>PowerPoint, 2019</a:t>
-            </a:r>
-            <a:endParaRPr lang="ko-KR" altLang="en-US" sz="1400" dirty="0"/>
-          </a:p>
-        </p:txBody>
-      </p:sp>
-      <p:sp>
-        <p:nvSpPr>
-          <p:cNvPr id="38" name="TextBox 37">
-            <a:extLst>
-              <a:ext uri="{FF2B5EF4-FFF2-40B4-BE49-F238E27FC236}">
-                <a16:creationId xmlns:a16="http://schemas.microsoft.com/office/drawing/2014/main" id="{B62544EC-E094-4A27-A58E-B28FE8C2BCF5}"/>
-              </a:ext>
-            </a:extLst>
-          </p:cNvPr>
-          <p:cNvSpPr txBox="1"/>
-          <p:nvPr/>
-        </p:nvSpPr>
-        <p:spPr>
-          <a:xfrm>
-            <a:off x="6959170" y="5875254"/>
-            <a:ext cx="958916" cy="261610"/>
-          </a:xfrm>
-          <a:prstGeom prst="rect">
-            <a:avLst/>
-          </a:prstGeom>
-          <a:noFill/>
-        </p:spPr>
-        <p:txBody>
-          <a:bodyPr wrap="none" rtlCol="0">
-            <a:spAutoFit/>
-          </a:bodyPr>
-          <a:lstStyle/>
-          <a:p>
-            <a:pPr algn="ctr"/>
-            <a:r>
-              <a:rPr lang="en-US" altLang="ko-KR" sz="1100" dirty="0"/>
-              <a:t>Saebyeol Yu</a:t>
-            </a:r>
-            <a:endParaRPr lang="ko-KR" altLang="en-US" sz="1100" dirty="0"/>
-          </a:p>
-        </p:txBody>
-      </p:sp>
-      <p:cxnSp>
-        <p:nvCxnSpPr>
-          <p:cNvPr id="39" name="직선 연결선 38">
-            <a:extLst>
-              <a:ext uri="{FF2B5EF4-FFF2-40B4-BE49-F238E27FC236}">
-                <a16:creationId xmlns:a16="http://schemas.microsoft.com/office/drawing/2014/main" id="{030F53AF-D58D-44D1-8177-FBF84384BADC}"/>
-              </a:ext>
-            </a:extLst>
-          </p:cNvPr>
-          <p:cNvCxnSpPr/>
-          <p:nvPr/>
-        </p:nvCxnSpPr>
-        <p:spPr>
-          <a:xfrm>
-            <a:off x="9039389" y="5507781"/>
-            <a:ext cx="2038350" cy="0"/>
-          </a:xfrm>
-          <a:prstGeom prst="line">
-            <a:avLst/>
-          </a:prstGeom>
-          <a:ln>
-            <a:solidFill>
-              <a:schemeClr val="tx1">
-                <a:lumMod val="50000"/>
-                <a:lumOff val="50000"/>
-              </a:schemeClr>
-            </a:solidFill>
-          </a:ln>
-        </p:spPr>
-        <p:style>
-          <a:lnRef idx="1">
-            <a:schemeClr val="accent1"/>
-          </a:lnRef>
-          <a:fillRef idx="0">
-            <a:schemeClr val="accent1"/>
-          </a:fillRef>
-          <a:effectRef idx="0">
-            <a:schemeClr val="accent1"/>
-          </a:effectRef>
-          <a:fontRef idx="minor">
-            <a:schemeClr val="tx1"/>
-          </a:fontRef>
-        </p:style>
-      </p:cxnSp>
-      <p:sp>
-        <p:nvSpPr>
-          <p:cNvPr id="40" name="TextBox 39">
-            <a:extLst>
-              <a:ext uri="{FF2B5EF4-FFF2-40B4-BE49-F238E27FC236}">
-                <a16:creationId xmlns:a16="http://schemas.microsoft.com/office/drawing/2014/main" id="{4DB6D882-59BB-4281-A318-FD9CA47DE538}"/>
-              </a:ext>
-            </a:extLst>
-          </p:cNvPr>
-          <p:cNvSpPr txBox="1"/>
-          <p:nvPr/>
-        </p:nvSpPr>
-        <p:spPr>
-          <a:xfrm>
-            <a:off x="9272676" y="5603032"/>
-            <a:ext cx="1571777" cy="307777"/>
-          </a:xfrm>
-          <a:prstGeom prst="rect">
-            <a:avLst/>
-          </a:prstGeom>
-          <a:noFill/>
-        </p:spPr>
-        <p:txBody>
-          <a:bodyPr wrap="none" rtlCol="0">
-            <a:spAutoFit/>
-          </a:bodyPr>
-          <a:lstStyle/>
-          <a:p>
-            <a:pPr algn="ctr"/>
-            <a:r>
-              <a:rPr lang="en-US" altLang="ko-KR" sz="1400" dirty="0"/>
-              <a:t>PowerPoint, 2020</a:t>
-            </a:r>
-            <a:endParaRPr lang="ko-KR" altLang="en-US" sz="1400" dirty="0"/>
-          </a:p>
-        </p:txBody>
-      </p:sp>
-      <p:sp>
-        <p:nvSpPr>
-          <p:cNvPr id="41" name="TextBox 40">
-            <a:extLst>
-              <a:ext uri="{FF2B5EF4-FFF2-40B4-BE49-F238E27FC236}">
-                <a16:creationId xmlns:a16="http://schemas.microsoft.com/office/drawing/2014/main" id="{3D7CEA09-67FD-4B8D-B26A-FC3167743541}"/>
-              </a:ext>
-            </a:extLst>
-          </p:cNvPr>
-          <p:cNvSpPr txBox="1"/>
-          <p:nvPr/>
-        </p:nvSpPr>
-        <p:spPr>
-          <a:xfrm>
-            <a:off x="9623573" y="5875254"/>
-            <a:ext cx="958916" cy="261610"/>
-          </a:xfrm>
-          <a:prstGeom prst="rect">
-            <a:avLst/>
-          </a:prstGeom>
-          <a:noFill/>
-        </p:spPr>
-        <p:txBody>
-          <a:bodyPr wrap="none" rtlCol="0">
-            <a:spAutoFit/>
-          </a:bodyPr>
-          <a:lstStyle/>
-          <a:p>
-            <a:pPr algn="ctr"/>
-            <a:r>
-              <a:rPr lang="en-US" altLang="ko-KR" sz="1100" dirty="0"/>
-              <a:t>Saebyeol Yu</a:t>
-            </a:r>
-            <a:endParaRPr lang="ko-KR" altLang="en-US" sz="1100" dirty="0"/>
-          </a:p>
-        </p:txBody>
-      </p:sp>
-      <p:sp>
-        <p:nvSpPr>
-          <p:cNvPr id="42" name="TextBox 41">
-            <a:extLst>
-              <a:ext uri="{FF2B5EF4-FFF2-40B4-BE49-F238E27FC236}">
-                <a16:creationId xmlns:a16="http://schemas.microsoft.com/office/drawing/2014/main" id="{5C4C6202-265F-403D-AFF8-59D1516E5778}"/>
-              </a:ext>
-            </a:extLst>
-          </p:cNvPr>
-          <p:cNvSpPr txBox="1"/>
-          <p:nvPr/>
-        </p:nvSpPr>
-        <p:spPr>
-          <a:xfrm flipH="1">
-            <a:off x="889747" y="1558487"/>
-            <a:ext cx="2488018" cy="400110"/>
-          </a:xfrm>
-          <a:prstGeom prst="rect">
-            <a:avLst/>
-          </a:prstGeom>
-          <a:noFill/>
-        </p:spPr>
-        <p:txBody>
-          <a:bodyPr wrap="square" rtlCol="0">
-            <a:spAutoFit/>
-          </a:bodyPr>
-          <a:lstStyle/>
-          <a:p>
-            <a:r>
-              <a:rPr lang="en-US" altLang="ko-KR" sz="2000" b="1" dirty="0"/>
-              <a:t>001</a:t>
-            </a:r>
-            <a:endParaRPr lang="ko-KR" altLang="en-US" sz="2000" b="1" dirty="0"/>
-          </a:p>
-        </p:txBody>
-      </p:sp>
-      <p:sp>
-        <p:nvSpPr>
-          <p:cNvPr id="43" name="TextBox 42">
-            <a:extLst>
-              <a:ext uri="{FF2B5EF4-FFF2-40B4-BE49-F238E27FC236}">
-                <a16:creationId xmlns:a16="http://schemas.microsoft.com/office/drawing/2014/main" id="{30B13E7A-992D-471B-A355-C9C59E4475B1}"/>
-              </a:ext>
-            </a:extLst>
-          </p:cNvPr>
-          <p:cNvSpPr txBox="1"/>
-          <p:nvPr/>
-        </p:nvSpPr>
-        <p:spPr>
-          <a:xfrm flipH="1">
-            <a:off x="3505799" y="1558487"/>
-            <a:ext cx="819325" cy="400110"/>
-          </a:xfrm>
-          <a:prstGeom prst="rect">
-            <a:avLst/>
-          </a:prstGeom>
-          <a:noFill/>
-        </p:spPr>
-        <p:txBody>
-          <a:bodyPr wrap="square" rtlCol="0">
-            <a:spAutoFit/>
-          </a:bodyPr>
-          <a:lstStyle/>
-          <a:p>
-            <a:r>
-              <a:rPr lang="en-US" altLang="ko-KR" sz="2000" b="1" dirty="0"/>
-              <a:t>002</a:t>
-            </a:r>
-            <a:endParaRPr lang="ko-KR" altLang="en-US" sz="2000" b="1" dirty="0"/>
-          </a:p>
-        </p:txBody>
-      </p:sp>
-      <p:sp>
-        <p:nvSpPr>
-          <p:cNvPr id="44" name="TextBox 43">
-            <a:extLst>
-              <a:ext uri="{FF2B5EF4-FFF2-40B4-BE49-F238E27FC236}">
-                <a16:creationId xmlns:a16="http://schemas.microsoft.com/office/drawing/2014/main" id="{92839206-4841-4048-AF19-D322CC10F9FE}"/>
-              </a:ext>
-            </a:extLst>
-          </p:cNvPr>
-          <p:cNvSpPr txBox="1"/>
-          <p:nvPr/>
-        </p:nvSpPr>
-        <p:spPr>
-          <a:xfrm flipH="1">
-            <a:off x="6121851" y="1558487"/>
-            <a:ext cx="819325" cy="400110"/>
-          </a:xfrm>
-          <a:prstGeom prst="rect">
-            <a:avLst/>
-          </a:prstGeom>
-          <a:noFill/>
-        </p:spPr>
-        <p:txBody>
-          <a:bodyPr wrap="square" rtlCol="0">
-            <a:spAutoFit/>
-          </a:bodyPr>
-          <a:lstStyle/>
-          <a:p>
-            <a:r>
-              <a:rPr lang="en-US" altLang="ko-KR" sz="2000" b="1" dirty="0"/>
-              <a:t>003</a:t>
-            </a:r>
-            <a:endParaRPr lang="ko-KR" altLang="en-US" sz="2000" b="1" dirty="0"/>
-          </a:p>
-        </p:txBody>
-      </p:sp>
-      <p:sp>
-        <p:nvSpPr>
-          <p:cNvPr id="45" name="TextBox 44">
-            <a:extLst>
-              <a:ext uri="{FF2B5EF4-FFF2-40B4-BE49-F238E27FC236}">
-                <a16:creationId xmlns:a16="http://schemas.microsoft.com/office/drawing/2014/main" id="{2BB597D6-2374-4E47-9F5F-F2125953FEEF}"/>
-              </a:ext>
-            </a:extLst>
-          </p:cNvPr>
-          <p:cNvSpPr txBox="1"/>
-          <p:nvPr/>
-        </p:nvSpPr>
-        <p:spPr>
-          <a:xfrm flipH="1">
-            <a:off x="8737903" y="1558487"/>
-            <a:ext cx="819325" cy="400110"/>
-          </a:xfrm>
-          <a:prstGeom prst="rect">
-            <a:avLst/>
-          </a:prstGeom>
-          <a:noFill/>
-        </p:spPr>
-        <p:txBody>
-          <a:bodyPr wrap="square" rtlCol="0">
-            <a:spAutoFit/>
-          </a:bodyPr>
-          <a:lstStyle/>
-          <a:p>
-            <a:r>
-              <a:rPr lang="en-US" altLang="ko-KR" sz="2000" b="1" dirty="0"/>
-              <a:t>004</a:t>
-            </a:r>
-            <a:endParaRPr lang="ko-KR" altLang="en-US" sz="2000" b="1" dirty="0"/>
-          </a:p>
-        </p:txBody>
-      </p:sp>
-      <p:sp>
-        <p:nvSpPr>
-          <p:cNvPr id="46" name="직사각형 45">
-            <a:extLst>
-              <a:ext uri="{FF2B5EF4-FFF2-40B4-BE49-F238E27FC236}">
-                <a16:creationId xmlns:a16="http://schemas.microsoft.com/office/drawing/2014/main" id="{13AB5B04-AE19-4C19-90FA-D6478D209EC7}"/>
-              </a:ext>
-            </a:extLst>
-          </p:cNvPr>
-          <p:cNvSpPr/>
-          <p:nvPr/>
-        </p:nvSpPr>
-        <p:spPr>
-          <a:xfrm>
-            <a:off x="805841" y="1971955"/>
-            <a:ext cx="2519028" cy="3358703"/>
-          </a:xfrm>
-          <a:prstGeom prst="rect">
-            <a:avLst/>
-          </a:prstGeom>
+          <a:solidFill>
+            <a:schemeClr val="accent1"/>
+          </a:solidFill>
           <a:ln>
             <a:noFill/>
           </a:ln>
@@ -11883,10 +11271,10 @@
       </p:sp>
       <p:sp>
         <p:nvSpPr>
-          <p:cNvPr id="47" name="직사각형 46">
-            <a:extLst>
-              <a:ext uri="{FF2B5EF4-FFF2-40B4-BE49-F238E27FC236}">
-                <a16:creationId xmlns:a16="http://schemas.microsoft.com/office/drawing/2014/main" id="{F67AFFEB-4186-4001-A87D-CBE93A6FA505}"/>
+          <p:cNvPr id="19" name="직사각형 18">
+            <a:extLst>
+              <a:ext uri="{FF2B5EF4-FFF2-40B4-BE49-F238E27FC236}">
+                <a16:creationId xmlns:a16="http://schemas.microsoft.com/office/drawing/2014/main" id="{2F9F526F-DC3D-45D0-97CC-857F415DEC53}"/>
               </a:ext>
             </a:extLst>
           </p:cNvPr>
@@ -11895,14 +11283,14 @@
         </p:nvSpPr>
         <p:spPr>
           <a:xfrm>
-            <a:off x="3470244" y="1971955"/>
-            <a:ext cx="2519028" cy="3358703"/>
+            <a:off x="2688128" y="2047946"/>
+            <a:ext cx="8242300" cy="1044000"/>
           </a:xfrm>
           <a:prstGeom prst="rect">
             <a:avLst/>
           </a:prstGeom>
           <a:solidFill>
-            <a:schemeClr val="accent2"/>
+            <a:schemeClr val="accent1"/>
           </a:solidFill>
           <a:ln>
             <a:noFill/>
@@ -11935,10 +11323,99 @@
       </p:sp>
       <p:sp>
         <p:nvSpPr>
-          <p:cNvPr id="48" name="직사각형 47">
-            <a:extLst>
-              <a:ext uri="{FF2B5EF4-FFF2-40B4-BE49-F238E27FC236}">
-                <a16:creationId xmlns:a16="http://schemas.microsoft.com/office/drawing/2014/main" id="{D19343D4-9148-4818-A634-5C1B567F8E40}"/>
+          <p:cNvPr id="20" name="TextBox 19">
+            <a:extLst>
+              <a:ext uri="{FF2B5EF4-FFF2-40B4-BE49-F238E27FC236}">
+                <a16:creationId xmlns:a16="http://schemas.microsoft.com/office/drawing/2014/main" id="{31514E13-0F73-4EAD-8EE0-CF531BE06C69}"/>
+              </a:ext>
+            </a:extLst>
+          </p:cNvPr>
+          <p:cNvSpPr txBox="1"/>
+          <p:nvPr/>
+        </p:nvSpPr>
+        <p:spPr>
+          <a:xfrm>
+            <a:off x="1612432" y="2234823"/>
+            <a:ext cx="428323" cy="646331"/>
+          </a:xfrm>
+          <a:prstGeom prst="rect">
+            <a:avLst/>
+          </a:prstGeom>
+          <a:noFill/>
+        </p:spPr>
+        <p:txBody>
+          <a:bodyPr wrap="none" rtlCol="0">
+            <a:spAutoFit/>
+          </a:bodyPr>
+          <a:lstStyle/>
+          <a:p>
+            <a:pPr algn="ctr"/>
+            <a:r>
+              <a:rPr lang="en-US" altLang="ko-KR" sz="3600" spc="-300" dirty="0">
+                <a:solidFill>
+                  <a:schemeClr val="bg1"/>
+                </a:solidFill>
+                <a:latin typeface="+mj-ea"/>
+                <a:ea typeface="+mj-ea"/>
+              </a:rPr>
+              <a:t>1</a:t>
+            </a:r>
+            <a:endParaRPr lang="ko-KR" altLang="en-US" sz="3600" spc="-300" dirty="0">
+              <a:solidFill>
+                <a:schemeClr val="bg1"/>
+              </a:solidFill>
+              <a:latin typeface="+mj-ea"/>
+              <a:ea typeface="+mj-ea"/>
+            </a:endParaRPr>
+          </a:p>
+        </p:txBody>
+      </p:sp>
+      <p:sp>
+        <p:nvSpPr>
+          <p:cNvPr id="21" name="TextBox 20">
+            <a:extLst>
+              <a:ext uri="{FF2B5EF4-FFF2-40B4-BE49-F238E27FC236}">
+                <a16:creationId xmlns:a16="http://schemas.microsoft.com/office/drawing/2014/main" id="{5A8C8947-AD11-4BA5-AFC4-C97C91EBC161}"/>
+              </a:ext>
+            </a:extLst>
+          </p:cNvPr>
+          <p:cNvSpPr txBox="1"/>
+          <p:nvPr/>
+        </p:nvSpPr>
+        <p:spPr>
+          <a:xfrm>
+            <a:off x="2945222" y="2281114"/>
+            <a:ext cx="3078087" cy="584775"/>
+          </a:xfrm>
+          <a:prstGeom prst="rect">
+            <a:avLst/>
+          </a:prstGeom>
+          <a:noFill/>
+        </p:spPr>
+        <p:txBody>
+          <a:bodyPr wrap="none" rtlCol="0">
+            <a:spAutoFit/>
+          </a:bodyPr>
+          <a:lstStyle/>
+          <a:p>
+            <a:r>
+              <a:rPr lang="ko-KR" altLang="en-US" sz="3200" spc="-300" dirty="0">
+                <a:solidFill>
+                  <a:schemeClr val="bg1"/>
+                </a:solidFill>
+                <a:latin typeface="+mn-ea"/>
+              </a:rPr>
+              <a:t>주제를 입력하세요</a:t>
+            </a:r>
+          </a:p>
+        </p:txBody>
+      </p:sp>
+      <p:sp>
+        <p:nvSpPr>
+          <p:cNvPr id="22" name="직사각형 21">
+            <a:extLst>
+              <a:ext uri="{FF2B5EF4-FFF2-40B4-BE49-F238E27FC236}">
+                <a16:creationId xmlns:a16="http://schemas.microsoft.com/office/drawing/2014/main" id="{22B7112F-B03C-4AFD-888E-4D3992FEA2EE}"/>
               </a:ext>
             </a:extLst>
           </p:cNvPr>
@@ -11947,8 +11424,231 @@
         </p:nvSpPr>
         <p:spPr>
           <a:xfrm>
-            <a:off x="6134647" y="1971955"/>
-            <a:ext cx="2519028" cy="3358703"/>
+            <a:off x="1278428" y="3367447"/>
+            <a:ext cx="1168400" cy="1044000"/>
+          </a:xfrm>
+          <a:prstGeom prst="rect">
+            <a:avLst/>
+          </a:prstGeom>
+          <a:solidFill>
+            <a:schemeClr val="accent2"/>
+          </a:solidFill>
+          <a:ln>
+            <a:noFill/>
+          </a:ln>
+        </p:spPr>
+        <p:style>
+          <a:lnRef idx="0">
+            <a:scrgbClr r="0" g="0" b="0"/>
+          </a:lnRef>
+          <a:fillRef idx="0">
+            <a:scrgbClr r="0" g="0" b="0"/>
+          </a:fillRef>
+          <a:effectRef idx="0">
+            <a:scrgbClr r="0" g="0" b="0"/>
+          </a:effectRef>
+          <a:fontRef idx="minor">
+            <a:schemeClr val="lt1"/>
+          </a:fontRef>
+        </p:style>
+        <p:txBody>
+          <a:bodyPr rtlCol="0" anchor="ctr"/>
+          <a:lstStyle/>
+          <a:p>
+            <a:pPr algn="ctr"/>
+            <a:endParaRPr lang="ko-KR" altLang="en-US"/>
+          </a:p>
+        </p:txBody>
+      </p:sp>
+      <p:sp>
+        <p:nvSpPr>
+          <p:cNvPr id="23" name="직사각형 22">
+            <a:extLst>
+              <a:ext uri="{FF2B5EF4-FFF2-40B4-BE49-F238E27FC236}">
+                <a16:creationId xmlns:a16="http://schemas.microsoft.com/office/drawing/2014/main" id="{F0282083-F71D-404F-8759-15BB8B3A55F0}"/>
+              </a:ext>
+            </a:extLst>
+          </p:cNvPr>
+          <p:cNvSpPr/>
+          <p:nvPr/>
+        </p:nvSpPr>
+        <p:spPr>
+          <a:xfrm>
+            <a:off x="2688128" y="3367447"/>
+            <a:ext cx="8242300" cy="1044000"/>
+          </a:xfrm>
+          <a:prstGeom prst="rect">
+            <a:avLst/>
+          </a:prstGeom>
+          <a:solidFill>
+            <a:schemeClr val="accent2"/>
+          </a:solidFill>
+          <a:ln>
+            <a:noFill/>
+          </a:ln>
+        </p:spPr>
+        <p:style>
+          <a:lnRef idx="0">
+            <a:scrgbClr r="0" g="0" b="0"/>
+          </a:lnRef>
+          <a:fillRef idx="0">
+            <a:scrgbClr r="0" g="0" b="0"/>
+          </a:fillRef>
+          <a:effectRef idx="0">
+            <a:scrgbClr r="0" g="0" b="0"/>
+          </a:effectRef>
+          <a:fontRef idx="minor">
+            <a:schemeClr val="lt1"/>
+          </a:fontRef>
+        </p:style>
+        <p:txBody>
+          <a:bodyPr rtlCol="0" anchor="ctr"/>
+          <a:lstStyle/>
+          <a:p>
+            <a:pPr algn="ctr"/>
+            <a:endParaRPr lang="ko-KR" altLang="en-US"/>
+          </a:p>
+        </p:txBody>
+      </p:sp>
+      <p:sp>
+        <p:nvSpPr>
+          <p:cNvPr id="24" name="TextBox 23">
+            <a:extLst>
+              <a:ext uri="{FF2B5EF4-FFF2-40B4-BE49-F238E27FC236}">
+                <a16:creationId xmlns:a16="http://schemas.microsoft.com/office/drawing/2014/main" id="{11761A23-A89B-49A0-9103-FB499CB51CA7}"/>
+              </a:ext>
+            </a:extLst>
+          </p:cNvPr>
+          <p:cNvSpPr txBox="1"/>
+          <p:nvPr/>
+        </p:nvSpPr>
+        <p:spPr>
+          <a:xfrm>
+            <a:off x="1623067" y="3564662"/>
+            <a:ext cx="428322" cy="646331"/>
+          </a:xfrm>
+          <a:prstGeom prst="rect">
+            <a:avLst/>
+          </a:prstGeom>
+          <a:noFill/>
+          <a:ln>
+            <a:noFill/>
+          </a:ln>
+        </p:spPr>
+        <p:style>
+          <a:lnRef idx="0">
+            <a:scrgbClr r="0" g="0" b="0"/>
+          </a:lnRef>
+          <a:fillRef idx="0">
+            <a:scrgbClr r="0" g="0" b="0"/>
+          </a:fillRef>
+          <a:effectRef idx="0">
+            <a:scrgbClr r="0" g="0" b="0"/>
+          </a:effectRef>
+          <a:fontRef idx="minor">
+            <a:schemeClr val="lt1"/>
+          </a:fontRef>
+        </p:style>
+        <p:txBody>
+          <a:bodyPr wrap="none" rtlCol="0">
+            <a:spAutoFit/>
+          </a:bodyPr>
+          <a:lstStyle/>
+          <a:p>
+            <a:pPr algn="ctr"/>
+            <a:r>
+              <a:rPr lang="en-US" altLang="ko-KR" sz="3600" spc="-300" dirty="0">
+                <a:solidFill>
+                  <a:schemeClr val="bg1"/>
+                </a:solidFill>
+                <a:latin typeface="+mj-ea"/>
+                <a:ea typeface="+mj-ea"/>
+              </a:rPr>
+              <a:t>2</a:t>
+            </a:r>
+            <a:endParaRPr lang="ko-KR" altLang="en-US" sz="3600" spc="-300" dirty="0">
+              <a:solidFill>
+                <a:schemeClr val="bg1"/>
+              </a:solidFill>
+              <a:latin typeface="+mj-ea"/>
+              <a:ea typeface="+mj-ea"/>
+            </a:endParaRPr>
+          </a:p>
+        </p:txBody>
+      </p:sp>
+      <p:sp>
+        <p:nvSpPr>
+          <p:cNvPr id="25" name="TextBox 24">
+            <a:extLst>
+              <a:ext uri="{FF2B5EF4-FFF2-40B4-BE49-F238E27FC236}">
+                <a16:creationId xmlns:a16="http://schemas.microsoft.com/office/drawing/2014/main" id="{CEA63ED5-C65D-4CB4-B317-42D69753959A}"/>
+              </a:ext>
+            </a:extLst>
+          </p:cNvPr>
+          <p:cNvSpPr txBox="1"/>
+          <p:nvPr/>
+        </p:nvSpPr>
+        <p:spPr>
+          <a:xfrm>
+            <a:off x="2945222" y="3579352"/>
+            <a:ext cx="2775119" cy="584775"/>
+          </a:xfrm>
+          <a:prstGeom prst="rect">
+            <a:avLst/>
+          </a:prstGeom>
+          <a:noFill/>
+          <a:ln>
+            <a:noFill/>
+          </a:ln>
+        </p:spPr>
+        <p:style>
+          <a:lnRef idx="0">
+            <a:scrgbClr r="0" g="0" b="0"/>
+          </a:lnRef>
+          <a:fillRef idx="0">
+            <a:scrgbClr r="0" g="0" b="0"/>
+          </a:fillRef>
+          <a:effectRef idx="0">
+            <a:scrgbClr r="0" g="0" b="0"/>
+          </a:effectRef>
+          <a:fontRef idx="minor">
+            <a:schemeClr val="lt1"/>
+          </a:fontRef>
+        </p:style>
+        <p:txBody>
+          <a:bodyPr wrap="none" rtlCol="0">
+            <a:spAutoFit/>
+          </a:bodyPr>
+          <a:lstStyle/>
+          <a:p>
+            <a:r>
+              <a:rPr lang="ko-KR" altLang="en-US" sz="3200" spc="-300" dirty="0">
+                <a:solidFill>
+                  <a:schemeClr val="bg1"/>
+                </a:solidFill>
+                <a:latin typeface="+mn-ea"/>
+              </a:rPr>
+              <a:t>주제를 입력하세요</a:t>
+            </a:r>
+          </a:p>
+        </p:txBody>
+      </p:sp>
+      <p:sp>
+        <p:nvSpPr>
+          <p:cNvPr id="26" name="직사각형 25">
+            <a:extLst>
+              <a:ext uri="{FF2B5EF4-FFF2-40B4-BE49-F238E27FC236}">
+                <a16:creationId xmlns:a16="http://schemas.microsoft.com/office/drawing/2014/main" id="{64A4D990-7F19-4B43-A33C-FCB4182E2A55}"/>
+              </a:ext>
+            </a:extLst>
+          </p:cNvPr>
+          <p:cNvSpPr/>
+          <p:nvPr/>
+        </p:nvSpPr>
+        <p:spPr>
+          <a:xfrm>
+            <a:off x="1278428" y="4686948"/>
+            <a:ext cx="1168400" cy="1044000"/>
           </a:xfrm>
           <a:prstGeom prst="rect">
             <a:avLst/>
@@ -11987,10 +11687,10 @@
       </p:sp>
       <p:sp>
         <p:nvSpPr>
-          <p:cNvPr id="49" name="직사각형 48">
-            <a:extLst>
-              <a:ext uri="{FF2B5EF4-FFF2-40B4-BE49-F238E27FC236}">
-                <a16:creationId xmlns:a16="http://schemas.microsoft.com/office/drawing/2014/main" id="{D6FF1298-7AC9-429F-AE7F-5787CEE2B979}"/>
+          <p:cNvPr id="27" name="직사각형 26">
+            <a:extLst>
+              <a:ext uri="{FF2B5EF4-FFF2-40B4-BE49-F238E27FC236}">
+                <a16:creationId xmlns:a16="http://schemas.microsoft.com/office/drawing/2014/main" id="{9460BB99-9F69-4AB9-84C3-FEA78F16C514}"/>
               </a:ext>
             </a:extLst>
           </p:cNvPr>
@@ -11999,16 +11699,14 @@
         </p:nvSpPr>
         <p:spPr>
           <a:xfrm>
-            <a:off x="8799050" y="1971955"/>
-            <a:ext cx="2519028" cy="3358703"/>
+            <a:off x="2688128" y="4686948"/>
+            <a:ext cx="8242300" cy="1044000"/>
           </a:xfrm>
           <a:prstGeom prst="rect">
             <a:avLst/>
           </a:prstGeom>
           <a:solidFill>
-            <a:schemeClr val="accent4">
-              <a:lumMod val="90000"/>
-            </a:schemeClr>
+            <a:schemeClr val="accent6"/>
           </a:solidFill>
           <a:ln>
             <a:noFill/>
@@ -12039,10 +11737,108 @@
           </a:p>
         </p:txBody>
       </p:sp>
+      <p:sp>
+        <p:nvSpPr>
+          <p:cNvPr id="28" name="TextBox 27">
+            <a:extLst>
+              <a:ext uri="{FF2B5EF4-FFF2-40B4-BE49-F238E27FC236}">
+                <a16:creationId xmlns:a16="http://schemas.microsoft.com/office/drawing/2014/main" id="{9AA1068E-2C3F-4AE4-B156-57FB340C7A5D}"/>
+              </a:ext>
+            </a:extLst>
+          </p:cNvPr>
+          <p:cNvSpPr txBox="1"/>
+          <p:nvPr/>
+        </p:nvSpPr>
+        <p:spPr>
+          <a:xfrm>
+            <a:off x="1623067" y="4884163"/>
+            <a:ext cx="428322" cy="646331"/>
+          </a:xfrm>
+          <a:prstGeom prst="rect">
+            <a:avLst/>
+          </a:prstGeom>
+          <a:noFill/>
+        </p:spPr>
+        <p:txBody>
+          <a:bodyPr wrap="none" rtlCol="0">
+            <a:spAutoFit/>
+          </a:bodyPr>
+          <a:lstStyle/>
+          <a:p>
+            <a:pPr algn="ctr"/>
+            <a:r>
+              <a:rPr lang="en-US" altLang="ko-KR" sz="3600" spc="-300" dirty="0">
+                <a:solidFill>
+                  <a:schemeClr val="tx1">
+                    <a:lumMod val="75000"/>
+                    <a:lumOff val="25000"/>
+                  </a:schemeClr>
+                </a:solidFill>
+                <a:latin typeface="+mj-ea"/>
+                <a:ea typeface="+mj-ea"/>
+              </a:rPr>
+              <a:t>3</a:t>
+            </a:r>
+            <a:endParaRPr lang="ko-KR" altLang="en-US" sz="3600" spc="-300" dirty="0">
+              <a:solidFill>
+                <a:schemeClr val="tx1">
+                  <a:lumMod val="75000"/>
+                  <a:lumOff val="25000"/>
+                </a:schemeClr>
+              </a:solidFill>
+              <a:latin typeface="+mj-ea"/>
+              <a:ea typeface="+mj-ea"/>
+            </a:endParaRPr>
+          </a:p>
+        </p:txBody>
+      </p:sp>
+      <p:sp>
+        <p:nvSpPr>
+          <p:cNvPr id="29" name="TextBox 28">
+            <a:extLst>
+              <a:ext uri="{FF2B5EF4-FFF2-40B4-BE49-F238E27FC236}">
+                <a16:creationId xmlns:a16="http://schemas.microsoft.com/office/drawing/2014/main" id="{BA875725-6414-48F9-9779-9741EF9B938D}"/>
+              </a:ext>
+            </a:extLst>
+          </p:cNvPr>
+          <p:cNvSpPr txBox="1"/>
+          <p:nvPr/>
+        </p:nvSpPr>
+        <p:spPr>
+          <a:xfrm>
+            <a:off x="2945222" y="4898853"/>
+            <a:ext cx="2929007" cy="584775"/>
+          </a:xfrm>
+          <a:prstGeom prst="rect">
+            <a:avLst/>
+          </a:prstGeom>
+          <a:noFill/>
+        </p:spPr>
+        <p:txBody>
+          <a:bodyPr wrap="none" rtlCol="0">
+            <a:spAutoFit/>
+          </a:bodyPr>
+          <a:lstStyle/>
+          <a:p>
+            <a:r>
+              <a:rPr lang="ko-KR" altLang="en-US" sz="3200" spc="-300" dirty="0">
+                <a:solidFill>
+                  <a:schemeClr val="tx1">
+                    <a:lumMod val="75000"/>
+                    <a:lumOff val="25000"/>
+                  </a:schemeClr>
+                </a:solidFill>
+                <a:latin typeface="+mn-ea"/>
+              </a:rPr>
+              <a:t>주제를 입력하세요</a:t>
+            </a:r>
+          </a:p>
+        </p:txBody>
+      </p:sp>
     </p:spTree>
     <p:extLst>
       <p:ext uri="{BB962C8B-B14F-4D97-AF65-F5344CB8AC3E}">
-        <p14:creationId xmlns:p14="http://schemas.microsoft.com/office/powerpoint/2010/main" val="400242132"/>
+        <p14:creationId xmlns:p14="http://schemas.microsoft.com/office/powerpoint/2010/main" val="3461051080"/>
       </p:ext>
     </p:extLst>
   </p:cSld>
@@ -12178,6 +11974,1028 @@
         <p:spPr>
           <a:xfrm>
             <a:off x="583709" y="345588"/>
+            <a:ext cx="877163" cy="369332"/>
+          </a:xfrm>
+          <a:prstGeom prst="rect">
+            <a:avLst/>
+          </a:prstGeom>
+          <a:noFill/>
+        </p:spPr>
+        <p:txBody>
+          <a:bodyPr wrap="none" rtlCol="0">
+            <a:spAutoFit/>
+          </a:bodyPr>
+          <a:lstStyle/>
+          <a:p>
+            <a:r>
+              <a:rPr lang="ko-KR" altLang="en-US" dirty="0">
+                <a:solidFill>
+                  <a:schemeClr val="accent4"/>
+                </a:solidFill>
+              </a:rPr>
+              <a:t>이번주</a:t>
+            </a:r>
+          </a:p>
+        </p:txBody>
+      </p:sp>
+      <p:cxnSp>
+        <p:nvCxnSpPr>
+          <p:cNvPr id="18" name="직선 연결선 17">
+            <a:extLst>
+              <a:ext uri="{FF2B5EF4-FFF2-40B4-BE49-F238E27FC236}">
+                <a16:creationId xmlns:a16="http://schemas.microsoft.com/office/drawing/2014/main" id="{7911BDFD-7E29-44F7-9ED7-E8F36B51436C}"/>
+              </a:ext>
+            </a:extLst>
+          </p:cNvPr>
+          <p:cNvCxnSpPr/>
+          <p:nvPr/>
+        </p:nvCxnSpPr>
+        <p:spPr>
+          <a:xfrm>
+            <a:off x="1587500" y="190500"/>
+            <a:ext cx="10604500" cy="0"/>
+          </a:xfrm>
+          <a:prstGeom prst="line">
+            <a:avLst/>
+          </a:prstGeom>
+        </p:spPr>
+        <p:style>
+          <a:lnRef idx="1">
+            <a:schemeClr val="accent1"/>
+          </a:lnRef>
+          <a:fillRef idx="0">
+            <a:schemeClr val="accent1"/>
+          </a:fillRef>
+          <a:effectRef idx="0">
+            <a:schemeClr val="accent1"/>
+          </a:effectRef>
+          <a:fontRef idx="minor">
+            <a:schemeClr val="tx1"/>
+          </a:fontRef>
+        </p:style>
+      </p:cxnSp>
+      <p:cxnSp>
+        <p:nvCxnSpPr>
+          <p:cNvPr id="30" name="직선 연결선 29">
+            <a:extLst>
+              <a:ext uri="{FF2B5EF4-FFF2-40B4-BE49-F238E27FC236}">
+                <a16:creationId xmlns:a16="http://schemas.microsoft.com/office/drawing/2014/main" id="{DABC1F0A-392E-49CD-956A-2DD195464699}"/>
+              </a:ext>
+            </a:extLst>
+          </p:cNvPr>
+          <p:cNvCxnSpPr/>
+          <p:nvPr/>
+        </p:nvCxnSpPr>
+        <p:spPr>
+          <a:xfrm>
+            <a:off x="1046180" y="5507781"/>
+            <a:ext cx="2038350" cy="0"/>
+          </a:xfrm>
+          <a:prstGeom prst="line">
+            <a:avLst/>
+          </a:prstGeom>
+          <a:ln>
+            <a:solidFill>
+              <a:schemeClr val="tx1">
+                <a:lumMod val="50000"/>
+                <a:lumOff val="50000"/>
+              </a:schemeClr>
+            </a:solidFill>
+          </a:ln>
+        </p:spPr>
+        <p:style>
+          <a:lnRef idx="1">
+            <a:schemeClr val="accent1"/>
+          </a:lnRef>
+          <a:fillRef idx="0">
+            <a:schemeClr val="accent1"/>
+          </a:fillRef>
+          <a:effectRef idx="0">
+            <a:schemeClr val="accent1"/>
+          </a:effectRef>
+          <a:fontRef idx="minor">
+            <a:schemeClr val="tx1"/>
+          </a:fontRef>
+        </p:style>
+      </p:cxnSp>
+      <p:sp>
+        <p:nvSpPr>
+          <p:cNvPr id="31" name="TextBox 30">
+            <a:extLst>
+              <a:ext uri="{FF2B5EF4-FFF2-40B4-BE49-F238E27FC236}">
+                <a16:creationId xmlns:a16="http://schemas.microsoft.com/office/drawing/2014/main" id="{8A4BEAA5-02E6-4FBC-93A9-CE46F6FD0CFE}"/>
+              </a:ext>
+            </a:extLst>
+          </p:cNvPr>
+          <p:cNvSpPr txBox="1"/>
+          <p:nvPr/>
+        </p:nvSpPr>
+        <p:spPr>
+          <a:xfrm>
+            <a:off x="1279466" y="5583953"/>
+            <a:ext cx="1571777" cy="307777"/>
+          </a:xfrm>
+          <a:prstGeom prst="rect">
+            <a:avLst/>
+          </a:prstGeom>
+          <a:noFill/>
+        </p:spPr>
+        <p:txBody>
+          <a:bodyPr wrap="none" rtlCol="0">
+            <a:spAutoFit/>
+          </a:bodyPr>
+          <a:lstStyle/>
+          <a:p>
+            <a:pPr algn="ctr"/>
+            <a:r>
+              <a:rPr lang="en-US" altLang="ko-KR" sz="1400" dirty="0"/>
+              <a:t>PowerPoint, 2017</a:t>
+            </a:r>
+            <a:endParaRPr lang="ko-KR" altLang="en-US" sz="1400" dirty="0"/>
+          </a:p>
+        </p:txBody>
+      </p:sp>
+      <p:sp>
+        <p:nvSpPr>
+          <p:cNvPr id="32" name="TextBox 31">
+            <a:extLst>
+              <a:ext uri="{FF2B5EF4-FFF2-40B4-BE49-F238E27FC236}">
+                <a16:creationId xmlns:a16="http://schemas.microsoft.com/office/drawing/2014/main" id="{1DDE27F6-8F67-4E3C-8573-56D060BA818D}"/>
+              </a:ext>
+            </a:extLst>
+          </p:cNvPr>
+          <p:cNvSpPr txBox="1"/>
+          <p:nvPr/>
+        </p:nvSpPr>
+        <p:spPr>
+          <a:xfrm>
+            <a:off x="1630364" y="5875254"/>
+            <a:ext cx="958916" cy="261610"/>
+          </a:xfrm>
+          <a:prstGeom prst="rect">
+            <a:avLst/>
+          </a:prstGeom>
+          <a:noFill/>
+        </p:spPr>
+        <p:txBody>
+          <a:bodyPr wrap="none" rtlCol="0">
+            <a:spAutoFit/>
+          </a:bodyPr>
+          <a:lstStyle/>
+          <a:p>
+            <a:pPr algn="ctr"/>
+            <a:r>
+              <a:rPr lang="en-US" altLang="ko-KR" sz="1100" dirty="0"/>
+              <a:t>Saebyeol Yu</a:t>
+            </a:r>
+            <a:endParaRPr lang="ko-KR" altLang="en-US" sz="1100" dirty="0"/>
+          </a:p>
+        </p:txBody>
+      </p:sp>
+      <p:cxnSp>
+        <p:nvCxnSpPr>
+          <p:cNvPr id="33" name="직선 연결선 32">
+            <a:extLst>
+              <a:ext uri="{FF2B5EF4-FFF2-40B4-BE49-F238E27FC236}">
+                <a16:creationId xmlns:a16="http://schemas.microsoft.com/office/drawing/2014/main" id="{38057A6D-54BA-43D0-B167-EF8B2E74635C}"/>
+              </a:ext>
+            </a:extLst>
+          </p:cNvPr>
+          <p:cNvCxnSpPr/>
+          <p:nvPr/>
+        </p:nvCxnSpPr>
+        <p:spPr>
+          <a:xfrm>
+            <a:off x="3710583" y="5507781"/>
+            <a:ext cx="2038350" cy="0"/>
+          </a:xfrm>
+          <a:prstGeom prst="line">
+            <a:avLst/>
+          </a:prstGeom>
+          <a:ln>
+            <a:solidFill>
+              <a:schemeClr val="tx1">
+                <a:lumMod val="50000"/>
+                <a:lumOff val="50000"/>
+              </a:schemeClr>
+            </a:solidFill>
+          </a:ln>
+        </p:spPr>
+        <p:style>
+          <a:lnRef idx="1">
+            <a:schemeClr val="accent1"/>
+          </a:lnRef>
+          <a:fillRef idx="0">
+            <a:schemeClr val="accent1"/>
+          </a:fillRef>
+          <a:effectRef idx="0">
+            <a:schemeClr val="accent1"/>
+          </a:effectRef>
+          <a:fontRef idx="minor">
+            <a:schemeClr val="tx1"/>
+          </a:fontRef>
+        </p:style>
+      </p:cxnSp>
+      <p:sp>
+        <p:nvSpPr>
+          <p:cNvPr id="34" name="TextBox 33">
+            <a:extLst>
+              <a:ext uri="{FF2B5EF4-FFF2-40B4-BE49-F238E27FC236}">
+                <a16:creationId xmlns:a16="http://schemas.microsoft.com/office/drawing/2014/main" id="{20FD33A5-75B4-4F4E-A052-F72A0BA49053}"/>
+              </a:ext>
+            </a:extLst>
+          </p:cNvPr>
+          <p:cNvSpPr txBox="1"/>
+          <p:nvPr/>
+        </p:nvSpPr>
+        <p:spPr>
+          <a:xfrm>
+            <a:off x="3943870" y="5603032"/>
+            <a:ext cx="1571777" cy="307777"/>
+          </a:xfrm>
+          <a:prstGeom prst="rect">
+            <a:avLst/>
+          </a:prstGeom>
+          <a:noFill/>
+        </p:spPr>
+        <p:txBody>
+          <a:bodyPr wrap="none" rtlCol="0">
+            <a:spAutoFit/>
+          </a:bodyPr>
+          <a:lstStyle/>
+          <a:p>
+            <a:pPr algn="ctr"/>
+            <a:r>
+              <a:rPr lang="en-US" altLang="ko-KR" sz="1400" dirty="0"/>
+              <a:t>PowerPoint, 2018</a:t>
+            </a:r>
+            <a:endParaRPr lang="ko-KR" altLang="en-US" sz="1400" dirty="0"/>
+          </a:p>
+        </p:txBody>
+      </p:sp>
+      <p:sp>
+        <p:nvSpPr>
+          <p:cNvPr id="35" name="TextBox 34">
+            <a:extLst>
+              <a:ext uri="{FF2B5EF4-FFF2-40B4-BE49-F238E27FC236}">
+                <a16:creationId xmlns:a16="http://schemas.microsoft.com/office/drawing/2014/main" id="{171153F2-8E59-4C59-930F-9B5E313593A0}"/>
+              </a:ext>
+            </a:extLst>
+          </p:cNvPr>
+          <p:cNvSpPr txBox="1"/>
+          <p:nvPr/>
+        </p:nvSpPr>
+        <p:spPr>
+          <a:xfrm>
+            <a:off x="4294767" y="5875254"/>
+            <a:ext cx="958916" cy="261610"/>
+          </a:xfrm>
+          <a:prstGeom prst="rect">
+            <a:avLst/>
+          </a:prstGeom>
+          <a:noFill/>
+        </p:spPr>
+        <p:txBody>
+          <a:bodyPr wrap="none" rtlCol="0">
+            <a:spAutoFit/>
+          </a:bodyPr>
+          <a:lstStyle/>
+          <a:p>
+            <a:pPr algn="ctr"/>
+            <a:r>
+              <a:rPr lang="en-US" altLang="ko-KR" sz="1100" dirty="0"/>
+              <a:t>Saebyeol Yu</a:t>
+            </a:r>
+            <a:endParaRPr lang="ko-KR" altLang="en-US" sz="1100" dirty="0"/>
+          </a:p>
+        </p:txBody>
+      </p:sp>
+      <p:cxnSp>
+        <p:nvCxnSpPr>
+          <p:cNvPr id="36" name="직선 연결선 35">
+            <a:extLst>
+              <a:ext uri="{FF2B5EF4-FFF2-40B4-BE49-F238E27FC236}">
+                <a16:creationId xmlns:a16="http://schemas.microsoft.com/office/drawing/2014/main" id="{6CE71B90-FB24-4C88-A8D8-8D35B256BC92}"/>
+              </a:ext>
+            </a:extLst>
+          </p:cNvPr>
+          <p:cNvCxnSpPr/>
+          <p:nvPr/>
+        </p:nvCxnSpPr>
+        <p:spPr>
+          <a:xfrm>
+            <a:off x="6374986" y="5507781"/>
+            <a:ext cx="2038350" cy="0"/>
+          </a:xfrm>
+          <a:prstGeom prst="line">
+            <a:avLst/>
+          </a:prstGeom>
+          <a:ln>
+            <a:solidFill>
+              <a:schemeClr val="tx1">
+                <a:lumMod val="50000"/>
+                <a:lumOff val="50000"/>
+              </a:schemeClr>
+            </a:solidFill>
+          </a:ln>
+        </p:spPr>
+        <p:style>
+          <a:lnRef idx="1">
+            <a:schemeClr val="accent1"/>
+          </a:lnRef>
+          <a:fillRef idx="0">
+            <a:schemeClr val="accent1"/>
+          </a:fillRef>
+          <a:effectRef idx="0">
+            <a:schemeClr val="accent1"/>
+          </a:effectRef>
+          <a:fontRef idx="minor">
+            <a:schemeClr val="tx1"/>
+          </a:fontRef>
+        </p:style>
+      </p:cxnSp>
+      <p:sp>
+        <p:nvSpPr>
+          <p:cNvPr id="37" name="TextBox 36">
+            <a:extLst>
+              <a:ext uri="{FF2B5EF4-FFF2-40B4-BE49-F238E27FC236}">
+                <a16:creationId xmlns:a16="http://schemas.microsoft.com/office/drawing/2014/main" id="{22FF5167-02CE-4252-B4D1-E2484223B8D8}"/>
+              </a:ext>
+            </a:extLst>
+          </p:cNvPr>
+          <p:cNvSpPr txBox="1"/>
+          <p:nvPr/>
+        </p:nvSpPr>
+        <p:spPr>
+          <a:xfrm>
+            <a:off x="6608273" y="5603032"/>
+            <a:ext cx="1571777" cy="307777"/>
+          </a:xfrm>
+          <a:prstGeom prst="rect">
+            <a:avLst/>
+          </a:prstGeom>
+          <a:noFill/>
+        </p:spPr>
+        <p:txBody>
+          <a:bodyPr wrap="none" rtlCol="0">
+            <a:spAutoFit/>
+          </a:bodyPr>
+          <a:lstStyle/>
+          <a:p>
+            <a:pPr algn="ctr"/>
+            <a:r>
+              <a:rPr lang="en-US" altLang="ko-KR" sz="1400" dirty="0"/>
+              <a:t>PowerPoint, 2019</a:t>
+            </a:r>
+            <a:endParaRPr lang="ko-KR" altLang="en-US" sz="1400" dirty="0"/>
+          </a:p>
+        </p:txBody>
+      </p:sp>
+      <p:sp>
+        <p:nvSpPr>
+          <p:cNvPr id="38" name="TextBox 37">
+            <a:extLst>
+              <a:ext uri="{FF2B5EF4-FFF2-40B4-BE49-F238E27FC236}">
+                <a16:creationId xmlns:a16="http://schemas.microsoft.com/office/drawing/2014/main" id="{B62544EC-E094-4A27-A58E-B28FE8C2BCF5}"/>
+              </a:ext>
+            </a:extLst>
+          </p:cNvPr>
+          <p:cNvSpPr txBox="1"/>
+          <p:nvPr/>
+        </p:nvSpPr>
+        <p:spPr>
+          <a:xfrm>
+            <a:off x="6959170" y="5875254"/>
+            <a:ext cx="958916" cy="261610"/>
+          </a:xfrm>
+          <a:prstGeom prst="rect">
+            <a:avLst/>
+          </a:prstGeom>
+          <a:noFill/>
+        </p:spPr>
+        <p:txBody>
+          <a:bodyPr wrap="none" rtlCol="0">
+            <a:spAutoFit/>
+          </a:bodyPr>
+          <a:lstStyle/>
+          <a:p>
+            <a:pPr algn="ctr"/>
+            <a:r>
+              <a:rPr lang="en-US" altLang="ko-KR" sz="1100" dirty="0"/>
+              <a:t>Saebyeol Yu</a:t>
+            </a:r>
+            <a:endParaRPr lang="ko-KR" altLang="en-US" sz="1100" dirty="0"/>
+          </a:p>
+        </p:txBody>
+      </p:sp>
+      <p:cxnSp>
+        <p:nvCxnSpPr>
+          <p:cNvPr id="39" name="직선 연결선 38">
+            <a:extLst>
+              <a:ext uri="{FF2B5EF4-FFF2-40B4-BE49-F238E27FC236}">
+                <a16:creationId xmlns:a16="http://schemas.microsoft.com/office/drawing/2014/main" id="{030F53AF-D58D-44D1-8177-FBF84384BADC}"/>
+              </a:ext>
+            </a:extLst>
+          </p:cNvPr>
+          <p:cNvCxnSpPr/>
+          <p:nvPr/>
+        </p:nvCxnSpPr>
+        <p:spPr>
+          <a:xfrm>
+            <a:off x="9039389" y="5507781"/>
+            <a:ext cx="2038350" cy="0"/>
+          </a:xfrm>
+          <a:prstGeom prst="line">
+            <a:avLst/>
+          </a:prstGeom>
+          <a:ln>
+            <a:solidFill>
+              <a:schemeClr val="tx1">
+                <a:lumMod val="50000"/>
+                <a:lumOff val="50000"/>
+              </a:schemeClr>
+            </a:solidFill>
+          </a:ln>
+        </p:spPr>
+        <p:style>
+          <a:lnRef idx="1">
+            <a:schemeClr val="accent1"/>
+          </a:lnRef>
+          <a:fillRef idx="0">
+            <a:schemeClr val="accent1"/>
+          </a:fillRef>
+          <a:effectRef idx="0">
+            <a:schemeClr val="accent1"/>
+          </a:effectRef>
+          <a:fontRef idx="minor">
+            <a:schemeClr val="tx1"/>
+          </a:fontRef>
+        </p:style>
+      </p:cxnSp>
+      <p:sp>
+        <p:nvSpPr>
+          <p:cNvPr id="40" name="TextBox 39">
+            <a:extLst>
+              <a:ext uri="{FF2B5EF4-FFF2-40B4-BE49-F238E27FC236}">
+                <a16:creationId xmlns:a16="http://schemas.microsoft.com/office/drawing/2014/main" id="{4DB6D882-59BB-4281-A318-FD9CA47DE538}"/>
+              </a:ext>
+            </a:extLst>
+          </p:cNvPr>
+          <p:cNvSpPr txBox="1"/>
+          <p:nvPr/>
+        </p:nvSpPr>
+        <p:spPr>
+          <a:xfrm>
+            <a:off x="9272676" y="5603032"/>
+            <a:ext cx="1571777" cy="307777"/>
+          </a:xfrm>
+          <a:prstGeom prst="rect">
+            <a:avLst/>
+          </a:prstGeom>
+          <a:noFill/>
+        </p:spPr>
+        <p:txBody>
+          <a:bodyPr wrap="none" rtlCol="0">
+            <a:spAutoFit/>
+          </a:bodyPr>
+          <a:lstStyle/>
+          <a:p>
+            <a:pPr algn="ctr"/>
+            <a:r>
+              <a:rPr lang="en-US" altLang="ko-KR" sz="1400" dirty="0"/>
+              <a:t>PowerPoint, 2020</a:t>
+            </a:r>
+            <a:endParaRPr lang="ko-KR" altLang="en-US" sz="1400" dirty="0"/>
+          </a:p>
+        </p:txBody>
+      </p:sp>
+      <p:sp>
+        <p:nvSpPr>
+          <p:cNvPr id="41" name="TextBox 40">
+            <a:extLst>
+              <a:ext uri="{FF2B5EF4-FFF2-40B4-BE49-F238E27FC236}">
+                <a16:creationId xmlns:a16="http://schemas.microsoft.com/office/drawing/2014/main" id="{3D7CEA09-67FD-4B8D-B26A-FC3167743541}"/>
+              </a:ext>
+            </a:extLst>
+          </p:cNvPr>
+          <p:cNvSpPr txBox="1"/>
+          <p:nvPr/>
+        </p:nvSpPr>
+        <p:spPr>
+          <a:xfrm>
+            <a:off x="9623573" y="5875254"/>
+            <a:ext cx="958916" cy="261610"/>
+          </a:xfrm>
+          <a:prstGeom prst="rect">
+            <a:avLst/>
+          </a:prstGeom>
+          <a:noFill/>
+        </p:spPr>
+        <p:txBody>
+          <a:bodyPr wrap="none" rtlCol="0">
+            <a:spAutoFit/>
+          </a:bodyPr>
+          <a:lstStyle/>
+          <a:p>
+            <a:pPr algn="ctr"/>
+            <a:r>
+              <a:rPr lang="en-US" altLang="ko-KR" sz="1100" dirty="0"/>
+              <a:t>Saebyeol Yu</a:t>
+            </a:r>
+            <a:endParaRPr lang="ko-KR" altLang="en-US" sz="1100" dirty="0"/>
+          </a:p>
+        </p:txBody>
+      </p:sp>
+      <p:sp>
+        <p:nvSpPr>
+          <p:cNvPr id="42" name="TextBox 41">
+            <a:extLst>
+              <a:ext uri="{FF2B5EF4-FFF2-40B4-BE49-F238E27FC236}">
+                <a16:creationId xmlns:a16="http://schemas.microsoft.com/office/drawing/2014/main" id="{5C4C6202-265F-403D-AFF8-59D1516E5778}"/>
+              </a:ext>
+            </a:extLst>
+          </p:cNvPr>
+          <p:cNvSpPr txBox="1"/>
+          <p:nvPr/>
+        </p:nvSpPr>
+        <p:spPr>
+          <a:xfrm flipH="1">
+            <a:off x="889747" y="1558487"/>
+            <a:ext cx="2488018" cy="400110"/>
+          </a:xfrm>
+          <a:prstGeom prst="rect">
+            <a:avLst/>
+          </a:prstGeom>
+          <a:noFill/>
+        </p:spPr>
+        <p:txBody>
+          <a:bodyPr wrap="square" rtlCol="0">
+            <a:spAutoFit/>
+          </a:bodyPr>
+          <a:lstStyle/>
+          <a:p>
+            <a:r>
+              <a:rPr lang="en-US" altLang="ko-KR" sz="2000" b="1" dirty="0"/>
+              <a:t>001</a:t>
+            </a:r>
+            <a:endParaRPr lang="ko-KR" altLang="en-US" sz="2000" b="1" dirty="0"/>
+          </a:p>
+        </p:txBody>
+      </p:sp>
+      <p:sp>
+        <p:nvSpPr>
+          <p:cNvPr id="43" name="TextBox 42">
+            <a:extLst>
+              <a:ext uri="{FF2B5EF4-FFF2-40B4-BE49-F238E27FC236}">
+                <a16:creationId xmlns:a16="http://schemas.microsoft.com/office/drawing/2014/main" id="{30B13E7A-992D-471B-A355-C9C59E4475B1}"/>
+              </a:ext>
+            </a:extLst>
+          </p:cNvPr>
+          <p:cNvSpPr txBox="1"/>
+          <p:nvPr/>
+        </p:nvSpPr>
+        <p:spPr>
+          <a:xfrm flipH="1">
+            <a:off x="3505799" y="1558487"/>
+            <a:ext cx="819325" cy="400110"/>
+          </a:xfrm>
+          <a:prstGeom prst="rect">
+            <a:avLst/>
+          </a:prstGeom>
+          <a:noFill/>
+        </p:spPr>
+        <p:txBody>
+          <a:bodyPr wrap="square" rtlCol="0">
+            <a:spAutoFit/>
+          </a:bodyPr>
+          <a:lstStyle/>
+          <a:p>
+            <a:r>
+              <a:rPr lang="en-US" altLang="ko-KR" sz="2000" b="1" dirty="0"/>
+              <a:t>002</a:t>
+            </a:r>
+            <a:endParaRPr lang="ko-KR" altLang="en-US" sz="2000" b="1" dirty="0"/>
+          </a:p>
+        </p:txBody>
+      </p:sp>
+      <p:sp>
+        <p:nvSpPr>
+          <p:cNvPr id="44" name="TextBox 43">
+            <a:extLst>
+              <a:ext uri="{FF2B5EF4-FFF2-40B4-BE49-F238E27FC236}">
+                <a16:creationId xmlns:a16="http://schemas.microsoft.com/office/drawing/2014/main" id="{92839206-4841-4048-AF19-D322CC10F9FE}"/>
+              </a:ext>
+            </a:extLst>
+          </p:cNvPr>
+          <p:cNvSpPr txBox="1"/>
+          <p:nvPr/>
+        </p:nvSpPr>
+        <p:spPr>
+          <a:xfrm flipH="1">
+            <a:off x="6121851" y="1558487"/>
+            <a:ext cx="819325" cy="400110"/>
+          </a:xfrm>
+          <a:prstGeom prst="rect">
+            <a:avLst/>
+          </a:prstGeom>
+          <a:noFill/>
+        </p:spPr>
+        <p:txBody>
+          <a:bodyPr wrap="square" rtlCol="0">
+            <a:spAutoFit/>
+          </a:bodyPr>
+          <a:lstStyle/>
+          <a:p>
+            <a:r>
+              <a:rPr lang="en-US" altLang="ko-KR" sz="2000" b="1" dirty="0"/>
+              <a:t>003</a:t>
+            </a:r>
+            <a:endParaRPr lang="ko-KR" altLang="en-US" sz="2000" b="1" dirty="0"/>
+          </a:p>
+        </p:txBody>
+      </p:sp>
+      <p:sp>
+        <p:nvSpPr>
+          <p:cNvPr id="45" name="TextBox 44">
+            <a:extLst>
+              <a:ext uri="{FF2B5EF4-FFF2-40B4-BE49-F238E27FC236}">
+                <a16:creationId xmlns:a16="http://schemas.microsoft.com/office/drawing/2014/main" id="{2BB597D6-2374-4E47-9F5F-F2125953FEEF}"/>
+              </a:ext>
+            </a:extLst>
+          </p:cNvPr>
+          <p:cNvSpPr txBox="1"/>
+          <p:nvPr/>
+        </p:nvSpPr>
+        <p:spPr>
+          <a:xfrm flipH="1">
+            <a:off x="8737903" y="1558487"/>
+            <a:ext cx="819325" cy="400110"/>
+          </a:xfrm>
+          <a:prstGeom prst="rect">
+            <a:avLst/>
+          </a:prstGeom>
+          <a:noFill/>
+        </p:spPr>
+        <p:txBody>
+          <a:bodyPr wrap="square" rtlCol="0">
+            <a:spAutoFit/>
+          </a:bodyPr>
+          <a:lstStyle/>
+          <a:p>
+            <a:r>
+              <a:rPr lang="en-US" altLang="ko-KR" sz="2000" b="1" dirty="0"/>
+              <a:t>004</a:t>
+            </a:r>
+            <a:endParaRPr lang="ko-KR" altLang="en-US" sz="2000" b="1" dirty="0"/>
+          </a:p>
+        </p:txBody>
+      </p:sp>
+      <p:sp>
+        <p:nvSpPr>
+          <p:cNvPr id="46" name="직사각형 45">
+            <a:extLst>
+              <a:ext uri="{FF2B5EF4-FFF2-40B4-BE49-F238E27FC236}">
+                <a16:creationId xmlns:a16="http://schemas.microsoft.com/office/drawing/2014/main" id="{13AB5B04-AE19-4C19-90FA-D6478D209EC7}"/>
+              </a:ext>
+            </a:extLst>
+          </p:cNvPr>
+          <p:cNvSpPr/>
+          <p:nvPr/>
+        </p:nvSpPr>
+        <p:spPr>
+          <a:xfrm>
+            <a:off x="805841" y="1971955"/>
+            <a:ext cx="2519028" cy="3358703"/>
+          </a:xfrm>
+          <a:prstGeom prst="rect">
+            <a:avLst/>
+          </a:prstGeom>
+          <a:ln>
+            <a:noFill/>
+          </a:ln>
+        </p:spPr>
+        <p:style>
+          <a:lnRef idx="2">
+            <a:schemeClr val="accent1">
+              <a:shade val="50000"/>
+            </a:schemeClr>
+          </a:lnRef>
+          <a:fillRef idx="1">
+            <a:schemeClr val="accent1"/>
+          </a:fillRef>
+          <a:effectRef idx="0">
+            <a:schemeClr val="accent1"/>
+          </a:effectRef>
+          <a:fontRef idx="minor">
+            <a:schemeClr val="lt1"/>
+          </a:fontRef>
+        </p:style>
+        <p:txBody>
+          <a:bodyPr rtlCol="0" anchor="ctr"/>
+          <a:lstStyle/>
+          <a:p>
+            <a:pPr algn="ctr"/>
+            <a:endParaRPr lang="ko-KR" altLang="en-US"/>
+          </a:p>
+        </p:txBody>
+      </p:sp>
+      <p:sp>
+        <p:nvSpPr>
+          <p:cNvPr id="47" name="직사각형 46">
+            <a:extLst>
+              <a:ext uri="{FF2B5EF4-FFF2-40B4-BE49-F238E27FC236}">
+                <a16:creationId xmlns:a16="http://schemas.microsoft.com/office/drawing/2014/main" id="{F67AFFEB-4186-4001-A87D-CBE93A6FA505}"/>
+              </a:ext>
+            </a:extLst>
+          </p:cNvPr>
+          <p:cNvSpPr/>
+          <p:nvPr/>
+        </p:nvSpPr>
+        <p:spPr>
+          <a:xfrm>
+            <a:off x="3470244" y="1971955"/>
+            <a:ext cx="2519028" cy="3358703"/>
+          </a:xfrm>
+          <a:prstGeom prst="rect">
+            <a:avLst/>
+          </a:prstGeom>
+          <a:solidFill>
+            <a:schemeClr val="accent2"/>
+          </a:solidFill>
+          <a:ln>
+            <a:noFill/>
+          </a:ln>
+        </p:spPr>
+        <p:style>
+          <a:lnRef idx="2">
+            <a:schemeClr val="accent1">
+              <a:shade val="50000"/>
+            </a:schemeClr>
+          </a:lnRef>
+          <a:fillRef idx="1">
+            <a:schemeClr val="accent1"/>
+          </a:fillRef>
+          <a:effectRef idx="0">
+            <a:schemeClr val="accent1"/>
+          </a:effectRef>
+          <a:fontRef idx="minor">
+            <a:schemeClr val="lt1"/>
+          </a:fontRef>
+        </p:style>
+        <p:txBody>
+          <a:bodyPr rtlCol="0" anchor="ctr"/>
+          <a:lstStyle/>
+          <a:p>
+            <a:pPr algn="ctr"/>
+            <a:endParaRPr lang="ko-KR" altLang="en-US"/>
+          </a:p>
+        </p:txBody>
+      </p:sp>
+      <p:sp>
+        <p:nvSpPr>
+          <p:cNvPr id="48" name="직사각형 47">
+            <a:extLst>
+              <a:ext uri="{FF2B5EF4-FFF2-40B4-BE49-F238E27FC236}">
+                <a16:creationId xmlns:a16="http://schemas.microsoft.com/office/drawing/2014/main" id="{D19343D4-9148-4818-A634-5C1B567F8E40}"/>
+              </a:ext>
+            </a:extLst>
+          </p:cNvPr>
+          <p:cNvSpPr/>
+          <p:nvPr/>
+        </p:nvSpPr>
+        <p:spPr>
+          <a:xfrm>
+            <a:off x="6134647" y="1971955"/>
+            <a:ext cx="2519028" cy="3358703"/>
+          </a:xfrm>
+          <a:prstGeom prst="rect">
+            <a:avLst/>
+          </a:prstGeom>
+          <a:solidFill>
+            <a:schemeClr val="accent6"/>
+          </a:solidFill>
+          <a:ln>
+            <a:noFill/>
+          </a:ln>
+        </p:spPr>
+        <p:style>
+          <a:lnRef idx="2">
+            <a:schemeClr val="accent1">
+              <a:shade val="50000"/>
+            </a:schemeClr>
+          </a:lnRef>
+          <a:fillRef idx="1">
+            <a:schemeClr val="accent1"/>
+          </a:fillRef>
+          <a:effectRef idx="0">
+            <a:schemeClr val="accent1"/>
+          </a:effectRef>
+          <a:fontRef idx="minor">
+            <a:schemeClr val="lt1"/>
+          </a:fontRef>
+        </p:style>
+        <p:txBody>
+          <a:bodyPr rtlCol="0" anchor="ctr"/>
+          <a:lstStyle/>
+          <a:p>
+            <a:pPr algn="ctr"/>
+            <a:endParaRPr lang="ko-KR" altLang="en-US"/>
+          </a:p>
+        </p:txBody>
+      </p:sp>
+      <p:sp>
+        <p:nvSpPr>
+          <p:cNvPr id="49" name="직사각형 48">
+            <a:extLst>
+              <a:ext uri="{FF2B5EF4-FFF2-40B4-BE49-F238E27FC236}">
+                <a16:creationId xmlns:a16="http://schemas.microsoft.com/office/drawing/2014/main" id="{D6FF1298-7AC9-429F-AE7F-5787CEE2B979}"/>
+              </a:ext>
+            </a:extLst>
+          </p:cNvPr>
+          <p:cNvSpPr/>
+          <p:nvPr/>
+        </p:nvSpPr>
+        <p:spPr>
+          <a:xfrm>
+            <a:off x="8799050" y="1971955"/>
+            <a:ext cx="2519028" cy="3358703"/>
+          </a:xfrm>
+          <a:prstGeom prst="rect">
+            <a:avLst/>
+          </a:prstGeom>
+          <a:solidFill>
+            <a:schemeClr val="accent4">
+              <a:lumMod val="90000"/>
+            </a:schemeClr>
+          </a:solidFill>
+          <a:ln>
+            <a:noFill/>
+          </a:ln>
+        </p:spPr>
+        <p:style>
+          <a:lnRef idx="2">
+            <a:schemeClr val="accent1">
+              <a:shade val="50000"/>
+            </a:schemeClr>
+          </a:lnRef>
+          <a:fillRef idx="1">
+            <a:schemeClr val="accent1"/>
+          </a:fillRef>
+          <a:effectRef idx="0">
+            <a:schemeClr val="accent1"/>
+          </a:effectRef>
+          <a:fontRef idx="minor">
+            <a:schemeClr val="lt1"/>
+          </a:fontRef>
+        </p:style>
+        <p:txBody>
+          <a:bodyPr rtlCol="0" anchor="ctr"/>
+          <a:lstStyle/>
+          <a:p>
+            <a:pPr algn="ctr"/>
+            <a:endParaRPr lang="ko-KR" altLang="en-US"/>
+          </a:p>
+        </p:txBody>
+      </p:sp>
+    </p:spTree>
+    <p:extLst>
+      <p:ext uri="{BB962C8B-B14F-4D97-AF65-F5344CB8AC3E}">
+        <p14:creationId xmlns:p14="http://schemas.microsoft.com/office/powerpoint/2010/main" val="400242132"/>
+      </p:ext>
+    </p:extLst>
+  </p:cSld>
+  <p:clrMapOvr>
+    <a:masterClrMapping/>
+  </p:clrMapOvr>
+  <mc:AlternateContent xmlns:mc="http://schemas.openxmlformats.org/markup-compatibility/2006" xmlns:p14="http://schemas.microsoft.com/office/powerpoint/2010/main">
+    <mc:Choice Requires="p14">
+      <p:transition spd="med" p14:dur="700">
+        <p:fade/>
+      </p:transition>
+    </mc:Choice>
+    <mc:Fallback xmlns="">
+      <p:transition spd="med">
+        <p:fade/>
+      </p:transition>
+    </mc:Fallback>
+  </mc:AlternateContent>
+</p:sld>
+</file>
+
+<file path=ppt/slides/slide16.xml><?xml version="1.0" encoding="utf-8"?>
+<p:sld xmlns:a="http://schemas.openxmlformats.org/drawingml/2006/main" xmlns:r="http://schemas.openxmlformats.org/officeDocument/2006/relationships" xmlns:p="http://schemas.openxmlformats.org/presentationml/2006/main">
+  <p:cSld>
+    <p:spTree>
+      <p:nvGrpSpPr>
+        <p:cNvPr id="1" name=""/>
+        <p:cNvGrpSpPr/>
+        <p:nvPr/>
+      </p:nvGrpSpPr>
+      <p:grpSpPr>
+        <a:xfrm>
+          <a:off x="0" y="0"/>
+          <a:ext cx="0" cy="0"/>
+          <a:chOff x="0" y="0"/>
+          <a:chExt cx="0" cy="0"/>
+        </a:xfrm>
+      </p:grpSpPr>
+      <p:cxnSp>
+        <p:nvCxnSpPr>
+          <p:cNvPr id="3" name="직선 연결선 2">
+            <a:extLst>
+              <a:ext uri="{FF2B5EF4-FFF2-40B4-BE49-F238E27FC236}">
+                <a16:creationId xmlns:a16="http://schemas.microsoft.com/office/drawing/2014/main" id="{30B7886A-E2C2-47A8-A271-1FD08F52EED0}"/>
+              </a:ext>
+            </a:extLst>
+          </p:cNvPr>
+          <p:cNvCxnSpPr>
+            <a:cxnSpLocks/>
+          </p:cNvCxnSpPr>
+          <p:nvPr/>
+        </p:nvCxnSpPr>
+        <p:spPr>
+          <a:xfrm>
+            <a:off x="152400" y="190500"/>
+            <a:ext cx="1435100" cy="0"/>
+          </a:xfrm>
+          <a:prstGeom prst="line">
+            <a:avLst/>
+          </a:prstGeom>
+          <a:ln w="76200">
+            <a:solidFill>
+              <a:schemeClr val="accent4"/>
+            </a:solidFill>
+          </a:ln>
+        </p:spPr>
+        <p:style>
+          <a:lnRef idx="1">
+            <a:schemeClr val="accent1"/>
+          </a:lnRef>
+          <a:fillRef idx="0">
+            <a:schemeClr val="accent1"/>
+          </a:fillRef>
+          <a:effectRef idx="0">
+            <a:schemeClr val="accent1"/>
+          </a:effectRef>
+          <a:fontRef idx="minor">
+            <a:schemeClr val="tx1"/>
+          </a:fontRef>
+        </p:style>
+      </p:cxnSp>
+      <p:sp>
+        <p:nvSpPr>
+          <p:cNvPr id="5" name="TextBox 4">
+            <a:extLst>
+              <a:ext uri="{FF2B5EF4-FFF2-40B4-BE49-F238E27FC236}">
+                <a16:creationId xmlns:a16="http://schemas.microsoft.com/office/drawing/2014/main" id="{B0BF8F17-9E56-462D-B8ED-980C1047873B}"/>
+              </a:ext>
+            </a:extLst>
+          </p:cNvPr>
+          <p:cNvSpPr txBox="1"/>
+          <p:nvPr/>
+        </p:nvSpPr>
+        <p:spPr>
+          <a:xfrm>
+            <a:off x="1676400" y="330200"/>
+            <a:ext cx="3892412" cy="769441"/>
+          </a:xfrm>
+          <a:prstGeom prst="rect">
+            <a:avLst/>
+          </a:prstGeom>
+          <a:noFill/>
+        </p:spPr>
+        <p:txBody>
+          <a:bodyPr wrap="none" rtlCol="0">
+            <a:spAutoFit/>
+          </a:bodyPr>
+          <a:lstStyle/>
+          <a:p>
+            <a:r>
+              <a:rPr lang="ko-KR" altLang="en-US" sz="4400" spc="-300" dirty="0">
+                <a:solidFill>
+                  <a:schemeClr val="accent4"/>
+                </a:solidFill>
+              </a:rPr>
+              <a:t>제목을 입력하세요</a:t>
+            </a:r>
+          </a:p>
+        </p:txBody>
+      </p:sp>
+      <p:sp>
+        <p:nvSpPr>
+          <p:cNvPr id="6" name="TextBox 5">
+            <a:extLst>
+              <a:ext uri="{FF2B5EF4-FFF2-40B4-BE49-F238E27FC236}">
+                <a16:creationId xmlns:a16="http://schemas.microsoft.com/office/drawing/2014/main" id="{3C4D8878-800F-4A94-9AEE-55D2DF32C42C}"/>
+              </a:ext>
+            </a:extLst>
+          </p:cNvPr>
+          <p:cNvSpPr txBox="1"/>
+          <p:nvPr/>
+        </p:nvSpPr>
+        <p:spPr>
+          <a:xfrm>
+            <a:off x="583709" y="345588"/>
             <a:ext cx="885179" cy="369332"/>
           </a:xfrm>
           <a:prstGeom prst="rect">
@@ -12824,7 +13642,7 @@
 </p:sld>
 </file>
 
-<file path=ppt/slides/slide16.xml><?xml version="1.0" encoding="utf-8"?>
+<file path=ppt/slides/slide17.xml><?xml version="1.0" encoding="utf-8"?>
 <p:sld xmlns:a="http://schemas.openxmlformats.org/drawingml/2006/main" xmlns:r="http://schemas.openxmlformats.org/officeDocument/2006/relationships" xmlns:p="http://schemas.openxmlformats.org/presentationml/2006/main">
   <p:cSld>
     <p:bg>
@@ -13011,7 +13829,7 @@
 </p:sld>
 </file>
 
-<file path=ppt/slides/slide17.xml><?xml version="1.0" encoding="utf-8"?>
+<file path=ppt/slides/slide18.xml><?xml version="1.0" encoding="utf-8"?>
 <p:sld xmlns:a="http://schemas.openxmlformats.org/drawingml/2006/main" xmlns:r="http://schemas.openxmlformats.org/officeDocument/2006/relationships" xmlns:p="http://schemas.openxmlformats.org/presentationml/2006/main">
   <p:cSld>
     <p:spTree>
@@ -13532,826 +14350,6 @@
 </p:sld>
 </file>
 
-<file path=ppt/slides/slide18.xml><?xml version="1.0" encoding="utf-8"?>
-<p:sld xmlns:a="http://schemas.openxmlformats.org/drawingml/2006/main" xmlns:r="http://schemas.openxmlformats.org/officeDocument/2006/relationships" xmlns:p="http://schemas.openxmlformats.org/presentationml/2006/main">
-  <p:cSld>
-    <p:spTree>
-      <p:nvGrpSpPr>
-        <p:cNvPr id="1" name=""/>
-        <p:cNvGrpSpPr/>
-        <p:nvPr/>
-      </p:nvGrpSpPr>
-      <p:grpSpPr>
-        <a:xfrm>
-          <a:off x="0" y="0"/>
-          <a:ext cx="0" cy="0"/>
-          <a:chOff x="0" y="0"/>
-          <a:chExt cx="0" cy="0"/>
-        </a:xfrm>
-      </p:grpSpPr>
-      <p:cxnSp>
-        <p:nvCxnSpPr>
-          <p:cNvPr id="3" name="직선 연결선 2">
-            <a:extLst>
-              <a:ext uri="{FF2B5EF4-FFF2-40B4-BE49-F238E27FC236}">
-                <a16:creationId xmlns:a16="http://schemas.microsoft.com/office/drawing/2014/main" id="{30B7886A-E2C2-47A8-A271-1FD08F52EED0}"/>
-              </a:ext>
-            </a:extLst>
-          </p:cNvPr>
-          <p:cNvCxnSpPr>
-            <a:cxnSpLocks/>
-          </p:cNvCxnSpPr>
-          <p:nvPr/>
-        </p:nvCxnSpPr>
-        <p:spPr>
-          <a:xfrm>
-            <a:off x="152400" y="190500"/>
-            <a:ext cx="1435100" cy="0"/>
-          </a:xfrm>
-          <a:prstGeom prst="line">
-            <a:avLst/>
-          </a:prstGeom>
-          <a:ln w="76200">
-            <a:solidFill>
-              <a:schemeClr val="accent4"/>
-            </a:solidFill>
-          </a:ln>
-        </p:spPr>
-        <p:style>
-          <a:lnRef idx="1">
-            <a:schemeClr val="accent1"/>
-          </a:lnRef>
-          <a:fillRef idx="0">
-            <a:schemeClr val="accent1"/>
-          </a:fillRef>
-          <a:effectRef idx="0">
-            <a:schemeClr val="accent1"/>
-          </a:effectRef>
-          <a:fontRef idx="minor">
-            <a:schemeClr val="tx1"/>
-          </a:fontRef>
-        </p:style>
-      </p:cxnSp>
-      <p:sp>
-        <p:nvSpPr>
-          <p:cNvPr id="5" name="TextBox 4">
-            <a:extLst>
-              <a:ext uri="{FF2B5EF4-FFF2-40B4-BE49-F238E27FC236}">
-                <a16:creationId xmlns:a16="http://schemas.microsoft.com/office/drawing/2014/main" id="{B0BF8F17-9E56-462D-B8ED-980C1047873B}"/>
-              </a:ext>
-            </a:extLst>
-          </p:cNvPr>
-          <p:cNvSpPr txBox="1"/>
-          <p:nvPr/>
-        </p:nvSpPr>
-        <p:spPr>
-          <a:xfrm>
-            <a:off x="1676400" y="330200"/>
-            <a:ext cx="3892412" cy="769441"/>
-          </a:xfrm>
-          <a:prstGeom prst="rect">
-            <a:avLst/>
-          </a:prstGeom>
-          <a:noFill/>
-        </p:spPr>
-        <p:txBody>
-          <a:bodyPr wrap="none" rtlCol="0">
-            <a:spAutoFit/>
-          </a:bodyPr>
-          <a:lstStyle/>
-          <a:p>
-            <a:r>
-              <a:rPr lang="ko-KR" altLang="en-US" sz="4400" spc="-300" dirty="0">
-                <a:solidFill>
-                  <a:schemeClr val="accent4"/>
-                </a:solidFill>
-              </a:rPr>
-              <a:t>제목을 입력하세요</a:t>
-            </a:r>
-          </a:p>
-        </p:txBody>
-      </p:sp>
-      <p:sp>
-        <p:nvSpPr>
-          <p:cNvPr id="6" name="TextBox 5">
-            <a:extLst>
-              <a:ext uri="{FF2B5EF4-FFF2-40B4-BE49-F238E27FC236}">
-                <a16:creationId xmlns:a16="http://schemas.microsoft.com/office/drawing/2014/main" id="{3C4D8878-800F-4A94-9AEE-55D2DF32C42C}"/>
-              </a:ext>
-            </a:extLst>
-          </p:cNvPr>
-          <p:cNvSpPr txBox="1"/>
-          <p:nvPr/>
-        </p:nvSpPr>
-        <p:spPr>
-          <a:xfrm>
-            <a:off x="583709" y="345588"/>
-            <a:ext cx="877163" cy="369332"/>
-          </a:xfrm>
-          <a:prstGeom prst="rect">
-            <a:avLst/>
-          </a:prstGeom>
-          <a:noFill/>
-        </p:spPr>
-        <p:txBody>
-          <a:bodyPr wrap="none" rtlCol="0">
-            <a:spAutoFit/>
-          </a:bodyPr>
-          <a:lstStyle/>
-          <a:p>
-            <a:r>
-              <a:rPr lang="ko-KR" altLang="en-US" sz="1800" dirty="0">
-                <a:latin typeface="+mj-lt"/>
-              </a:rPr>
-              <a:t>다음주</a:t>
-            </a:r>
-            <a:endParaRPr lang="ko-KR" altLang="en-US" dirty="0">
-              <a:solidFill>
-                <a:schemeClr val="accent4"/>
-              </a:solidFill>
-            </a:endParaRPr>
-          </a:p>
-        </p:txBody>
-      </p:sp>
-      <p:cxnSp>
-        <p:nvCxnSpPr>
-          <p:cNvPr id="18" name="직선 연결선 17">
-            <a:extLst>
-              <a:ext uri="{FF2B5EF4-FFF2-40B4-BE49-F238E27FC236}">
-                <a16:creationId xmlns:a16="http://schemas.microsoft.com/office/drawing/2014/main" id="{7911BDFD-7E29-44F7-9ED7-E8F36B51436C}"/>
-              </a:ext>
-            </a:extLst>
-          </p:cNvPr>
-          <p:cNvCxnSpPr/>
-          <p:nvPr/>
-        </p:nvCxnSpPr>
-        <p:spPr>
-          <a:xfrm>
-            <a:off x="1587500" y="190500"/>
-            <a:ext cx="10604500" cy="0"/>
-          </a:xfrm>
-          <a:prstGeom prst="line">
-            <a:avLst/>
-          </a:prstGeom>
-        </p:spPr>
-        <p:style>
-          <a:lnRef idx="1">
-            <a:schemeClr val="accent1"/>
-          </a:lnRef>
-          <a:fillRef idx="0">
-            <a:schemeClr val="accent1"/>
-          </a:fillRef>
-          <a:effectRef idx="0">
-            <a:schemeClr val="accent1"/>
-          </a:effectRef>
-          <a:fontRef idx="minor">
-            <a:schemeClr val="tx1"/>
-          </a:fontRef>
-        </p:style>
-      </p:cxnSp>
-      <p:sp>
-        <p:nvSpPr>
-          <p:cNvPr id="17" name="직사각형 16">
-            <a:extLst>
-              <a:ext uri="{FF2B5EF4-FFF2-40B4-BE49-F238E27FC236}">
-                <a16:creationId xmlns:a16="http://schemas.microsoft.com/office/drawing/2014/main" id="{A7399932-852C-4FC0-818C-8BF64A587819}"/>
-              </a:ext>
-            </a:extLst>
-          </p:cNvPr>
-          <p:cNvSpPr/>
-          <p:nvPr/>
-        </p:nvSpPr>
-        <p:spPr>
-          <a:xfrm>
-            <a:off x="1278428" y="2047946"/>
-            <a:ext cx="1168400" cy="1044000"/>
-          </a:xfrm>
-          <a:prstGeom prst="rect">
-            <a:avLst/>
-          </a:prstGeom>
-          <a:solidFill>
-            <a:schemeClr val="accent1"/>
-          </a:solidFill>
-          <a:ln>
-            <a:noFill/>
-          </a:ln>
-        </p:spPr>
-        <p:style>
-          <a:lnRef idx="2">
-            <a:schemeClr val="accent1">
-              <a:shade val="50000"/>
-            </a:schemeClr>
-          </a:lnRef>
-          <a:fillRef idx="1">
-            <a:schemeClr val="accent1"/>
-          </a:fillRef>
-          <a:effectRef idx="0">
-            <a:schemeClr val="accent1"/>
-          </a:effectRef>
-          <a:fontRef idx="minor">
-            <a:schemeClr val="lt1"/>
-          </a:fontRef>
-        </p:style>
-        <p:txBody>
-          <a:bodyPr rtlCol="0" anchor="ctr"/>
-          <a:lstStyle/>
-          <a:p>
-            <a:pPr algn="ctr"/>
-            <a:endParaRPr lang="ko-KR" altLang="en-US"/>
-          </a:p>
-        </p:txBody>
-      </p:sp>
-      <p:sp>
-        <p:nvSpPr>
-          <p:cNvPr id="19" name="직사각형 18">
-            <a:extLst>
-              <a:ext uri="{FF2B5EF4-FFF2-40B4-BE49-F238E27FC236}">
-                <a16:creationId xmlns:a16="http://schemas.microsoft.com/office/drawing/2014/main" id="{2F9F526F-DC3D-45D0-97CC-857F415DEC53}"/>
-              </a:ext>
-            </a:extLst>
-          </p:cNvPr>
-          <p:cNvSpPr/>
-          <p:nvPr/>
-        </p:nvSpPr>
-        <p:spPr>
-          <a:xfrm>
-            <a:off x="2688128" y="2047946"/>
-            <a:ext cx="8242300" cy="1044000"/>
-          </a:xfrm>
-          <a:prstGeom prst="rect">
-            <a:avLst/>
-          </a:prstGeom>
-          <a:solidFill>
-            <a:schemeClr val="accent1"/>
-          </a:solidFill>
-          <a:ln>
-            <a:noFill/>
-          </a:ln>
-        </p:spPr>
-        <p:style>
-          <a:lnRef idx="2">
-            <a:schemeClr val="accent1">
-              <a:shade val="50000"/>
-            </a:schemeClr>
-          </a:lnRef>
-          <a:fillRef idx="1">
-            <a:schemeClr val="accent1"/>
-          </a:fillRef>
-          <a:effectRef idx="0">
-            <a:schemeClr val="accent1"/>
-          </a:effectRef>
-          <a:fontRef idx="minor">
-            <a:schemeClr val="lt1"/>
-          </a:fontRef>
-        </p:style>
-        <p:txBody>
-          <a:bodyPr rtlCol="0" anchor="ctr"/>
-          <a:lstStyle/>
-          <a:p>
-            <a:pPr algn="ctr"/>
-            <a:endParaRPr lang="ko-KR" altLang="en-US"/>
-          </a:p>
-        </p:txBody>
-      </p:sp>
-      <p:sp>
-        <p:nvSpPr>
-          <p:cNvPr id="20" name="TextBox 19">
-            <a:extLst>
-              <a:ext uri="{FF2B5EF4-FFF2-40B4-BE49-F238E27FC236}">
-                <a16:creationId xmlns:a16="http://schemas.microsoft.com/office/drawing/2014/main" id="{31514E13-0F73-4EAD-8EE0-CF531BE06C69}"/>
-              </a:ext>
-            </a:extLst>
-          </p:cNvPr>
-          <p:cNvSpPr txBox="1"/>
-          <p:nvPr/>
-        </p:nvSpPr>
-        <p:spPr>
-          <a:xfrm>
-            <a:off x="1612432" y="2234823"/>
-            <a:ext cx="428323" cy="646331"/>
-          </a:xfrm>
-          <a:prstGeom prst="rect">
-            <a:avLst/>
-          </a:prstGeom>
-          <a:noFill/>
-        </p:spPr>
-        <p:txBody>
-          <a:bodyPr wrap="none" rtlCol="0">
-            <a:spAutoFit/>
-          </a:bodyPr>
-          <a:lstStyle/>
-          <a:p>
-            <a:pPr algn="ctr"/>
-            <a:r>
-              <a:rPr lang="en-US" altLang="ko-KR" sz="3600" spc="-300" dirty="0">
-                <a:solidFill>
-                  <a:schemeClr val="bg1"/>
-                </a:solidFill>
-                <a:latin typeface="+mj-ea"/>
-                <a:ea typeface="+mj-ea"/>
-              </a:rPr>
-              <a:t>1</a:t>
-            </a:r>
-            <a:endParaRPr lang="ko-KR" altLang="en-US" sz="3600" spc="-300" dirty="0">
-              <a:solidFill>
-                <a:schemeClr val="bg1"/>
-              </a:solidFill>
-              <a:latin typeface="+mj-ea"/>
-              <a:ea typeface="+mj-ea"/>
-            </a:endParaRPr>
-          </a:p>
-        </p:txBody>
-      </p:sp>
-      <p:sp>
-        <p:nvSpPr>
-          <p:cNvPr id="21" name="TextBox 20">
-            <a:extLst>
-              <a:ext uri="{FF2B5EF4-FFF2-40B4-BE49-F238E27FC236}">
-                <a16:creationId xmlns:a16="http://schemas.microsoft.com/office/drawing/2014/main" id="{5A8C8947-AD11-4BA5-AFC4-C97C91EBC161}"/>
-              </a:ext>
-            </a:extLst>
-          </p:cNvPr>
-          <p:cNvSpPr txBox="1"/>
-          <p:nvPr/>
-        </p:nvSpPr>
-        <p:spPr>
-          <a:xfrm>
-            <a:off x="2945222" y="2281114"/>
-            <a:ext cx="3078087" cy="584775"/>
-          </a:xfrm>
-          <a:prstGeom prst="rect">
-            <a:avLst/>
-          </a:prstGeom>
-          <a:noFill/>
-        </p:spPr>
-        <p:txBody>
-          <a:bodyPr wrap="none" rtlCol="0">
-            <a:spAutoFit/>
-          </a:bodyPr>
-          <a:lstStyle/>
-          <a:p>
-            <a:r>
-              <a:rPr lang="ko-KR" altLang="en-US" sz="3200" spc="-300" dirty="0">
-                <a:solidFill>
-                  <a:schemeClr val="bg1"/>
-                </a:solidFill>
-                <a:latin typeface="+mn-ea"/>
-              </a:rPr>
-              <a:t>주제를 입력하세요</a:t>
-            </a:r>
-          </a:p>
-        </p:txBody>
-      </p:sp>
-      <p:sp>
-        <p:nvSpPr>
-          <p:cNvPr id="22" name="직사각형 21">
-            <a:extLst>
-              <a:ext uri="{FF2B5EF4-FFF2-40B4-BE49-F238E27FC236}">
-                <a16:creationId xmlns:a16="http://schemas.microsoft.com/office/drawing/2014/main" id="{22B7112F-B03C-4AFD-888E-4D3992FEA2EE}"/>
-              </a:ext>
-            </a:extLst>
-          </p:cNvPr>
-          <p:cNvSpPr/>
-          <p:nvPr/>
-        </p:nvSpPr>
-        <p:spPr>
-          <a:xfrm>
-            <a:off x="1278428" y="3367447"/>
-            <a:ext cx="1168400" cy="1044000"/>
-          </a:xfrm>
-          <a:prstGeom prst="rect">
-            <a:avLst/>
-          </a:prstGeom>
-          <a:solidFill>
-            <a:schemeClr val="accent2"/>
-          </a:solidFill>
-          <a:ln>
-            <a:noFill/>
-          </a:ln>
-        </p:spPr>
-        <p:style>
-          <a:lnRef idx="0">
-            <a:scrgbClr r="0" g="0" b="0"/>
-          </a:lnRef>
-          <a:fillRef idx="0">
-            <a:scrgbClr r="0" g="0" b="0"/>
-          </a:fillRef>
-          <a:effectRef idx="0">
-            <a:scrgbClr r="0" g="0" b="0"/>
-          </a:effectRef>
-          <a:fontRef idx="minor">
-            <a:schemeClr val="lt1"/>
-          </a:fontRef>
-        </p:style>
-        <p:txBody>
-          <a:bodyPr rtlCol="0" anchor="ctr"/>
-          <a:lstStyle/>
-          <a:p>
-            <a:pPr algn="ctr"/>
-            <a:endParaRPr lang="ko-KR" altLang="en-US"/>
-          </a:p>
-        </p:txBody>
-      </p:sp>
-      <p:sp>
-        <p:nvSpPr>
-          <p:cNvPr id="23" name="직사각형 22">
-            <a:extLst>
-              <a:ext uri="{FF2B5EF4-FFF2-40B4-BE49-F238E27FC236}">
-                <a16:creationId xmlns:a16="http://schemas.microsoft.com/office/drawing/2014/main" id="{F0282083-F71D-404F-8759-15BB8B3A55F0}"/>
-              </a:ext>
-            </a:extLst>
-          </p:cNvPr>
-          <p:cNvSpPr/>
-          <p:nvPr/>
-        </p:nvSpPr>
-        <p:spPr>
-          <a:xfrm>
-            <a:off x="2688128" y="3367447"/>
-            <a:ext cx="8242300" cy="1044000"/>
-          </a:xfrm>
-          <a:prstGeom prst="rect">
-            <a:avLst/>
-          </a:prstGeom>
-          <a:solidFill>
-            <a:schemeClr val="accent2"/>
-          </a:solidFill>
-          <a:ln>
-            <a:noFill/>
-          </a:ln>
-        </p:spPr>
-        <p:style>
-          <a:lnRef idx="0">
-            <a:scrgbClr r="0" g="0" b="0"/>
-          </a:lnRef>
-          <a:fillRef idx="0">
-            <a:scrgbClr r="0" g="0" b="0"/>
-          </a:fillRef>
-          <a:effectRef idx="0">
-            <a:scrgbClr r="0" g="0" b="0"/>
-          </a:effectRef>
-          <a:fontRef idx="minor">
-            <a:schemeClr val="lt1"/>
-          </a:fontRef>
-        </p:style>
-        <p:txBody>
-          <a:bodyPr rtlCol="0" anchor="ctr"/>
-          <a:lstStyle/>
-          <a:p>
-            <a:pPr algn="ctr"/>
-            <a:endParaRPr lang="ko-KR" altLang="en-US"/>
-          </a:p>
-        </p:txBody>
-      </p:sp>
-      <p:sp>
-        <p:nvSpPr>
-          <p:cNvPr id="24" name="TextBox 23">
-            <a:extLst>
-              <a:ext uri="{FF2B5EF4-FFF2-40B4-BE49-F238E27FC236}">
-                <a16:creationId xmlns:a16="http://schemas.microsoft.com/office/drawing/2014/main" id="{11761A23-A89B-49A0-9103-FB499CB51CA7}"/>
-              </a:ext>
-            </a:extLst>
-          </p:cNvPr>
-          <p:cNvSpPr txBox="1"/>
-          <p:nvPr/>
-        </p:nvSpPr>
-        <p:spPr>
-          <a:xfrm>
-            <a:off x="1623067" y="3564662"/>
-            <a:ext cx="428322" cy="646331"/>
-          </a:xfrm>
-          <a:prstGeom prst="rect">
-            <a:avLst/>
-          </a:prstGeom>
-          <a:noFill/>
-          <a:ln>
-            <a:noFill/>
-          </a:ln>
-        </p:spPr>
-        <p:style>
-          <a:lnRef idx="0">
-            <a:scrgbClr r="0" g="0" b="0"/>
-          </a:lnRef>
-          <a:fillRef idx="0">
-            <a:scrgbClr r="0" g="0" b="0"/>
-          </a:fillRef>
-          <a:effectRef idx="0">
-            <a:scrgbClr r="0" g="0" b="0"/>
-          </a:effectRef>
-          <a:fontRef idx="minor">
-            <a:schemeClr val="lt1"/>
-          </a:fontRef>
-        </p:style>
-        <p:txBody>
-          <a:bodyPr wrap="none" rtlCol="0">
-            <a:spAutoFit/>
-          </a:bodyPr>
-          <a:lstStyle/>
-          <a:p>
-            <a:pPr algn="ctr"/>
-            <a:r>
-              <a:rPr lang="en-US" altLang="ko-KR" sz="3600" spc="-300" dirty="0">
-                <a:solidFill>
-                  <a:schemeClr val="bg1"/>
-                </a:solidFill>
-                <a:latin typeface="+mj-ea"/>
-                <a:ea typeface="+mj-ea"/>
-              </a:rPr>
-              <a:t>2</a:t>
-            </a:r>
-            <a:endParaRPr lang="ko-KR" altLang="en-US" sz="3600" spc="-300" dirty="0">
-              <a:solidFill>
-                <a:schemeClr val="bg1"/>
-              </a:solidFill>
-              <a:latin typeface="+mj-ea"/>
-              <a:ea typeface="+mj-ea"/>
-            </a:endParaRPr>
-          </a:p>
-        </p:txBody>
-      </p:sp>
-      <p:sp>
-        <p:nvSpPr>
-          <p:cNvPr id="25" name="TextBox 24">
-            <a:extLst>
-              <a:ext uri="{FF2B5EF4-FFF2-40B4-BE49-F238E27FC236}">
-                <a16:creationId xmlns:a16="http://schemas.microsoft.com/office/drawing/2014/main" id="{CEA63ED5-C65D-4CB4-B317-42D69753959A}"/>
-              </a:ext>
-            </a:extLst>
-          </p:cNvPr>
-          <p:cNvSpPr txBox="1"/>
-          <p:nvPr/>
-        </p:nvSpPr>
-        <p:spPr>
-          <a:xfrm>
-            <a:off x="2945222" y="3579352"/>
-            <a:ext cx="2775119" cy="584775"/>
-          </a:xfrm>
-          <a:prstGeom prst="rect">
-            <a:avLst/>
-          </a:prstGeom>
-          <a:noFill/>
-          <a:ln>
-            <a:noFill/>
-          </a:ln>
-        </p:spPr>
-        <p:style>
-          <a:lnRef idx="0">
-            <a:scrgbClr r="0" g="0" b="0"/>
-          </a:lnRef>
-          <a:fillRef idx="0">
-            <a:scrgbClr r="0" g="0" b="0"/>
-          </a:fillRef>
-          <a:effectRef idx="0">
-            <a:scrgbClr r="0" g="0" b="0"/>
-          </a:effectRef>
-          <a:fontRef idx="minor">
-            <a:schemeClr val="lt1"/>
-          </a:fontRef>
-        </p:style>
-        <p:txBody>
-          <a:bodyPr wrap="none" rtlCol="0">
-            <a:spAutoFit/>
-          </a:bodyPr>
-          <a:lstStyle/>
-          <a:p>
-            <a:r>
-              <a:rPr lang="ko-KR" altLang="en-US" sz="3200" spc="-300" dirty="0">
-                <a:solidFill>
-                  <a:schemeClr val="bg1"/>
-                </a:solidFill>
-                <a:latin typeface="+mn-ea"/>
-              </a:rPr>
-              <a:t>주제를 입력하세요</a:t>
-            </a:r>
-          </a:p>
-        </p:txBody>
-      </p:sp>
-      <p:sp>
-        <p:nvSpPr>
-          <p:cNvPr id="26" name="직사각형 25">
-            <a:extLst>
-              <a:ext uri="{FF2B5EF4-FFF2-40B4-BE49-F238E27FC236}">
-                <a16:creationId xmlns:a16="http://schemas.microsoft.com/office/drawing/2014/main" id="{64A4D990-7F19-4B43-A33C-FCB4182E2A55}"/>
-              </a:ext>
-            </a:extLst>
-          </p:cNvPr>
-          <p:cNvSpPr/>
-          <p:nvPr/>
-        </p:nvSpPr>
-        <p:spPr>
-          <a:xfrm>
-            <a:off x="1278428" y="4686948"/>
-            <a:ext cx="1168400" cy="1044000"/>
-          </a:xfrm>
-          <a:prstGeom prst="rect">
-            <a:avLst/>
-          </a:prstGeom>
-          <a:solidFill>
-            <a:schemeClr val="accent6"/>
-          </a:solidFill>
-          <a:ln>
-            <a:noFill/>
-          </a:ln>
-        </p:spPr>
-        <p:style>
-          <a:lnRef idx="2">
-            <a:schemeClr val="accent1">
-              <a:shade val="50000"/>
-            </a:schemeClr>
-          </a:lnRef>
-          <a:fillRef idx="1">
-            <a:schemeClr val="accent1"/>
-          </a:fillRef>
-          <a:effectRef idx="0">
-            <a:schemeClr val="accent1"/>
-          </a:effectRef>
-          <a:fontRef idx="minor">
-            <a:schemeClr val="lt1"/>
-          </a:fontRef>
-        </p:style>
-        <p:txBody>
-          <a:bodyPr rtlCol="0" anchor="ctr"/>
-          <a:lstStyle/>
-          <a:p>
-            <a:pPr algn="ctr"/>
-            <a:endParaRPr lang="ko-KR" altLang="en-US"/>
-          </a:p>
-        </p:txBody>
-      </p:sp>
-      <p:sp>
-        <p:nvSpPr>
-          <p:cNvPr id="27" name="직사각형 26">
-            <a:extLst>
-              <a:ext uri="{FF2B5EF4-FFF2-40B4-BE49-F238E27FC236}">
-                <a16:creationId xmlns:a16="http://schemas.microsoft.com/office/drawing/2014/main" id="{9460BB99-9F69-4AB9-84C3-FEA78F16C514}"/>
-              </a:ext>
-            </a:extLst>
-          </p:cNvPr>
-          <p:cNvSpPr/>
-          <p:nvPr/>
-        </p:nvSpPr>
-        <p:spPr>
-          <a:xfrm>
-            <a:off x="2688128" y="4686948"/>
-            <a:ext cx="8242300" cy="1044000"/>
-          </a:xfrm>
-          <a:prstGeom prst="rect">
-            <a:avLst/>
-          </a:prstGeom>
-          <a:solidFill>
-            <a:schemeClr val="accent6"/>
-          </a:solidFill>
-          <a:ln>
-            <a:noFill/>
-          </a:ln>
-        </p:spPr>
-        <p:style>
-          <a:lnRef idx="2">
-            <a:schemeClr val="accent1">
-              <a:shade val="50000"/>
-            </a:schemeClr>
-          </a:lnRef>
-          <a:fillRef idx="1">
-            <a:schemeClr val="accent1"/>
-          </a:fillRef>
-          <a:effectRef idx="0">
-            <a:schemeClr val="accent1"/>
-          </a:effectRef>
-          <a:fontRef idx="minor">
-            <a:schemeClr val="lt1"/>
-          </a:fontRef>
-        </p:style>
-        <p:txBody>
-          <a:bodyPr rtlCol="0" anchor="ctr"/>
-          <a:lstStyle/>
-          <a:p>
-            <a:pPr algn="ctr"/>
-            <a:endParaRPr lang="ko-KR" altLang="en-US"/>
-          </a:p>
-        </p:txBody>
-      </p:sp>
-      <p:sp>
-        <p:nvSpPr>
-          <p:cNvPr id="28" name="TextBox 27">
-            <a:extLst>
-              <a:ext uri="{FF2B5EF4-FFF2-40B4-BE49-F238E27FC236}">
-                <a16:creationId xmlns:a16="http://schemas.microsoft.com/office/drawing/2014/main" id="{9AA1068E-2C3F-4AE4-B156-57FB340C7A5D}"/>
-              </a:ext>
-            </a:extLst>
-          </p:cNvPr>
-          <p:cNvSpPr txBox="1"/>
-          <p:nvPr/>
-        </p:nvSpPr>
-        <p:spPr>
-          <a:xfrm>
-            <a:off x="1623067" y="4884163"/>
-            <a:ext cx="428322" cy="646331"/>
-          </a:xfrm>
-          <a:prstGeom prst="rect">
-            <a:avLst/>
-          </a:prstGeom>
-          <a:noFill/>
-        </p:spPr>
-        <p:txBody>
-          <a:bodyPr wrap="none" rtlCol="0">
-            <a:spAutoFit/>
-          </a:bodyPr>
-          <a:lstStyle/>
-          <a:p>
-            <a:pPr algn="ctr"/>
-            <a:r>
-              <a:rPr lang="en-US" altLang="ko-KR" sz="3600" spc="-300" dirty="0">
-                <a:solidFill>
-                  <a:schemeClr val="tx1">
-                    <a:lumMod val="75000"/>
-                    <a:lumOff val="25000"/>
-                  </a:schemeClr>
-                </a:solidFill>
-                <a:latin typeface="+mj-ea"/>
-                <a:ea typeface="+mj-ea"/>
-              </a:rPr>
-              <a:t>3</a:t>
-            </a:r>
-            <a:endParaRPr lang="ko-KR" altLang="en-US" sz="3600" spc="-300" dirty="0">
-              <a:solidFill>
-                <a:schemeClr val="tx1">
-                  <a:lumMod val="75000"/>
-                  <a:lumOff val="25000"/>
-                </a:schemeClr>
-              </a:solidFill>
-              <a:latin typeface="+mj-ea"/>
-              <a:ea typeface="+mj-ea"/>
-            </a:endParaRPr>
-          </a:p>
-        </p:txBody>
-      </p:sp>
-      <p:sp>
-        <p:nvSpPr>
-          <p:cNvPr id="29" name="TextBox 28">
-            <a:extLst>
-              <a:ext uri="{FF2B5EF4-FFF2-40B4-BE49-F238E27FC236}">
-                <a16:creationId xmlns:a16="http://schemas.microsoft.com/office/drawing/2014/main" id="{BA875725-6414-48F9-9779-9741EF9B938D}"/>
-              </a:ext>
-            </a:extLst>
-          </p:cNvPr>
-          <p:cNvSpPr txBox="1"/>
-          <p:nvPr/>
-        </p:nvSpPr>
-        <p:spPr>
-          <a:xfrm>
-            <a:off x="2945222" y="4898853"/>
-            <a:ext cx="2929007" cy="584775"/>
-          </a:xfrm>
-          <a:prstGeom prst="rect">
-            <a:avLst/>
-          </a:prstGeom>
-          <a:noFill/>
-        </p:spPr>
-        <p:txBody>
-          <a:bodyPr wrap="none" rtlCol="0">
-            <a:spAutoFit/>
-          </a:bodyPr>
-          <a:lstStyle/>
-          <a:p>
-            <a:r>
-              <a:rPr lang="ko-KR" altLang="en-US" sz="3200" spc="-300" dirty="0">
-                <a:solidFill>
-                  <a:schemeClr val="tx1">
-                    <a:lumMod val="75000"/>
-                    <a:lumOff val="25000"/>
-                  </a:schemeClr>
-                </a:solidFill>
-                <a:latin typeface="+mn-ea"/>
-              </a:rPr>
-              <a:t>주제를 입력하세요</a:t>
-            </a:r>
-          </a:p>
-        </p:txBody>
-      </p:sp>
-    </p:spTree>
-    <p:extLst>
-      <p:ext uri="{BB962C8B-B14F-4D97-AF65-F5344CB8AC3E}">
-        <p14:creationId xmlns:p14="http://schemas.microsoft.com/office/powerpoint/2010/main" val="247402954"/>
-      </p:ext>
-    </p:extLst>
-  </p:cSld>
-  <p:clrMapOvr>
-    <a:masterClrMapping/>
-  </p:clrMapOvr>
-  <mc:AlternateContent xmlns:mc="http://schemas.openxmlformats.org/markup-compatibility/2006" xmlns:p14="http://schemas.microsoft.com/office/powerpoint/2010/main">
-    <mc:Choice Requires="p14">
-      <p:transition spd="med" p14:dur="700">
-        <p:fade/>
-      </p:transition>
-    </mc:Choice>
-    <mc:Fallback xmlns="">
-      <p:transition spd="med">
-        <p:fade/>
-      </p:transition>
-    </mc:Fallback>
-  </mc:AlternateContent>
-</p:sld>
-</file>
-
 <file path=ppt/slides/slide19.xml><?xml version="1.0" encoding="utf-8"?>
 <p:sld xmlns:a="http://schemas.openxmlformats.org/drawingml/2006/main" xmlns:r="http://schemas.openxmlformats.org/officeDocument/2006/relationships" xmlns:p="http://schemas.openxmlformats.org/presentationml/2006/main">
   <p:cSld>
@@ -14466,7 +14464,7 @@
         <p:spPr>
           <a:xfrm>
             <a:off x="583709" y="345588"/>
-            <a:ext cx="885179" cy="369332"/>
+            <a:ext cx="877163" cy="369332"/>
           </a:xfrm>
           <a:prstGeom prst="rect">
             <a:avLst/>
@@ -14495,10 +14493,10 @@
       </p:sp>
       <p:cxnSp>
         <p:nvCxnSpPr>
-          <p:cNvPr id="7" name="직선 연결선 6">
-            <a:extLst>
-              <a:ext uri="{FF2B5EF4-FFF2-40B4-BE49-F238E27FC236}">
-                <a16:creationId xmlns:a16="http://schemas.microsoft.com/office/drawing/2014/main" id="{A7921CCC-0149-4109-8BAA-AEA50D3C4BBF}"/>
+          <p:cNvPr id="18" name="직선 연결선 17">
+            <a:extLst>
+              <a:ext uri="{FF2B5EF4-FFF2-40B4-BE49-F238E27FC236}">
+                <a16:creationId xmlns:a16="http://schemas.microsoft.com/office/drawing/2014/main" id="{7911BDFD-7E29-44F7-9ED7-E8F36B51436C}"/>
               </a:ext>
             </a:extLst>
           </p:cNvPr>
@@ -14529,40 +14527,116 @@
           </a:fontRef>
         </p:style>
       </p:cxnSp>
-      <p:graphicFrame>
-        <p:nvGraphicFramePr>
-          <p:cNvPr id="14" name="다이어그램 13">
-            <a:extLst>
-              <a:ext uri="{FF2B5EF4-FFF2-40B4-BE49-F238E27FC236}">
-                <a16:creationId xmlns:a16="http://schemas.microsoft.com/office/drawing/2014/main" id="{B0989B56-5048-4C53-A13F-7F49242DDF5B}"/>
-              </a:ext>
-            </a:extLst>
-          </p:cNvPr>
-          <p:cNvGraphicFramePr/>
-          <p:nvPr>
-            <p:extLst>
-              <p:ext uri="{D42A27DB-BD31-4B8C-83A1-F6EECF244321}">
-                <p14:modId xmlns:p14="http://schemas.microsoft.com/office/powerpoint/2010/main" val="1310083831"/>
-              </p:ext>
-            </p:extLst>
-          </p:nvPr>
-        </p:nvGraphicFramePr>
-        <p:xfrm>
-          <a:off x="417217" y="2081080"/>
-          <a:ext cx="5410200" cy="3822699"/>
-        </p:xfrm>
-        <a:graphic>
-          <a:graphicData uri="http://schemas.openxmlformats.org/drawingml/2006/diagram">
-            <dgm:relIds xmlns:dgm="http://schemas.openxmlformats.org/drawingml/2006/diagram" xmlns:r="http://schemas.openxmlformats.org/officeDocument/2006/relationships" r:dm="rId2" r:lo="rId3" r:qs="rId4" r:cs="rId5"/>
-          </a:graphicData>
-        </a:graphic>
-      </p:graphicFrame>
-      <p:sp>
-        <p:nvSpPr>
-          <p:cNvPr id="15" name="TextBox 14">
-            <a:extLst>
-              <a:ext uri="{FF2B5EF4-FFF2-40B4-BE49-F238E27FC236}">
-                <a16:creationId xmlns:a16="http://schemas.microsoft.com/office/drawing/2014/main" id="{BA32F306-D791-4185-9F69-842317C1DAE3}"/>
+      <p:sp>
+        <p:nvSpPr>
+          <p:cNvPr id="17" name="직사각형 16">
+            <a:extLst>
+              <a:ext uri="{FF2B5EF4-FFF2-40B4-BE49-F238E27FC236}">
+                <a16:creationId xmlns:a16="http://schemas.microsoft.com/office/drawing/2014/main" id="{A7399932-852C-4FC0-818C-8BF64A587819}"/>
+              </a:ext>
+            </a:extLst>
+          </p:cNvPr>
+          <p:cNvSpPr/>
+          <p:nvPr/>
+        </p:nvSpPr>
+        <p:spPr>
+          <a:xfrm>
+            <a:off x="1278428" y="2047946"/>
+            <a:ext cx="1168400" cy="1044000"/>
+          </a:xfrm>
+          <a:prstGeom prst="rect">
+            <a:avLst/>
+          </a:prstGeom>
+          <a:solidFill>
+            <a:schemeClr val="accent1"/>
+          </a:solidFill>
+          <a:ln>
+            <a:noFill/>
+          </a:ln>
+        </p:spPr>
+        <p:style>
+          <a:lnRef idx="2">
+            <a:schemeClr val="accent1">
+              <a:shade val="50000"/>
+            </a:schemeClr>
+          </a:lnRef>
+          <a:fillRef idx="1">
+            <a:schemeClr val="accent1"/>
+          </a:fillRef>
+          <a:effectRef idx="0">
+            <a:schemeClr val="accent1"/>
+          </a:effectRef>
+          <a:fontRef idx="minor">
+            <a:schemeClr val="lt1"/>
+          </a:fontRef>
+        </p:style>
+        <p:txBody>
+          <a:bodyPr rtlCol="0" anchor="ctr"/>
+          <a:lstStyle/>
+          <a:p>
+            <a:pPr algn="ctr"/>
+            <a:endParaRPr lang="ko-KR" altLang="en-US"/>
+          </a:p>
+        </p:txBody>
+      </p:sp>
+      <p:sp>
+        <p:nvSpPr>
+          <p:cNvPr id="19" name="직사각형 18">
+            <a:extLst>
+              <a:ext uri="{FF2B5EF4-FFF2-40B4-BE49-F238E27FC236}">
+                <a16:creationId xmlns:a16="http://schemas.microsoft.com/office/drawing/2014/main" id="{2F9F526F-DC3D-45D0-97CC-857F415DEC53}"/>
+              </a:ext>
+            </a:extLst>
+          </p:cNvPr>
+          <p:cNvSpPr/>
+          <p:nvPr/>
+        </p:nvSpPr>
+        <p:spPr>
+          <a:xfrm>
+            <a:off x="2688128" y="2047946"/>
+            <a:ext cx="8242300" cy="1044000"/>
+          </a:xfrm>
+          <a:prstGeom prst="rect">
+            <a:avLst/>
+          </a:prstGeom>
+          <a:solidFill>
+            <a:schemeClr val="accent1"/>
+          </a:solidFill>
+          <a:ln>
+            <a:noFill/>
+          </a:ln>
+        </p:spPr>
+        <p:style>
+          <a:lnRef idx="2">
+            <a:schemeClr val="accent1">
+              <a:shade val="50000"/>
+            </a:schemeClr>
+          </a:lnRef>
+          <a:fillRef idx="1">
+            <a:schemeClr val="accent1"/>
+          </a:fillRef>
+          <a:effectRef idx="0">
+            <a:schemeClr val="accent1"/>
+          </a:effectRef>
+          <a:fontRef idx="minor">
+            <a:schemeClr val="lt1"/>
+          </a:fontRef>
+        </p:style>
+        <p:txBody>
+          <a:bodyPr rtlCol="0" anchor="ctr"/>
+          <a:lstStyle/>
+          <a:p>
+            <a:pPr algn="ctr"/>
+            <a:endParaRPr lang="ko-KR" altLang="en-US"/>
+          </a:p>
+        </p:txBody>
+      </p:sp>
+      <p:sp>
+        <p:nvSpPr>
+          <p:cNvPr id="20" name="TextBox 19">
+            <a:extLst>
+              <a:ext uri="{FF2B5EF4-FFF2-40B4-BE49-F238E27FC236}">
+                <a16:creationId xmlns:a16="http://schemas.microsoft.com/office/drawing/2014/main" id="{31514E13-0F73-4EAD-8EE0-CF531BE06C69}"/>
               </a:ext>
             </a:extLst>
           </p:cNvPr>
@@ -14571,239 +14645,8 @@
         </p:nvSpPr>
         <p:spPr>
           <a:xfrm>
-            <a:off x="6504263" y="3591469"/>
-            <a:ext cx="5270520" cy="2144754"/>
-          </a:xfrm>
-          <a:prstGeom prst="rect">
-            <a:avLst/>
-          </a:prstGeom>
-          <a:noFill/>
-        </p:spPr>
-        <p:txBody>
-          <a:bodyPr wrap="square" rtlCol="0" anchor="t">
-            <a:spAutoFit/>
-          </a:bodyPr>
-          <a:lstStyle/>
-          <a:p>
-            <a:pPr algn="just">
-              <a:lnSpc>
-                <a:spcPct val="120000"/>
-              </a:lnSpc>
-            </a:pPr>
-            <a:r>
-              <a:rPr lang="ko-KR" altLang="en-US" sz="1600" spc="-150" dirty="0">
-                <a:latin typeface="+mn-ea"/>
-              </a:rPr>
-              <a:t>그리워 멀리 하나에 이름과</a:t>
-            </a:r>
-            <a:r>
-              <a:rPr lang="en-US" altLang="ko-KR" sz="1600" spc="-150" dirty="0">
-                <a:latin typeface="+mn-ea"/>
-              </a:rPr>
-              <a:t>, </a:t>
-            </a:r>
-            <a:r>
-              <a:rPr lang="ko-KR" altLang="en-US" sz="1600" spc="-150" dirty="0">
-                <a:latin typeface="+mn-ea"/>
-              </a:rPr>
-              <a:t>무엇인지 별에도 어머니 이름자 </a:t>
-            </a:r>
-            <a:r>
-              <a:rPr lang="ko-KR" altLang="en-US" sz="1600" spc="-150" dirty="0" err="1">
-                <a:latin typeface="+mn-ea"/>
-              </a:rPr>
-              <a:t>거외다</a:t>
-            </a:r>
-            <a:r>
-              <a:rPr lang="en-US" altLang="ko-KR" sz="1600" spc="-150" dirty="0">
-                <a:latin typeface="+mn-ea"/>
-              </a:rPr>
-              <a:t>. </a:t>
-            </a:r>
-            <a:r>
-              <a:rPr lang="ko-KR" altLang="en-US" sz="1600" spc="-150" dirty="0">
-                <a:latin typeface="+mn-ea"/>
-              </a:rPr>
-              <a:t>하나에 슬퍼하는 너무나 위에 된 봅니다</a:t>
-            </a:r>
-            <a:r>
-              <a:rPr lang="en-US" altLang="ko-KR" sz="1600" spc="-150" dirty="0">
-                <a:latin typeface="+mn-ea"/>
-              </a:rPr>
-              <a:t>. </a:t>
-            </a:r>
-            <a:r>
-              <a:rPr lang="ko-KR" altLang="en-US" sz="1600" spc="-150" dirty="0">
-                <a:latin typeface="+mn-ea"/>
-              </a:rPr>
-              <a:t>없이 별에도 이름을 나는 풀이 </a:t>
-            </a:r>
-            <a:r>
-              <a:rPr lang="ko-KR" altLang="en-US" sz="1600" spc="-150" dirty="0" err="1">
-                <a:latin typeface="+mn-ea"/>
-              </a:rPr>
-              <a:t>거외다</a:t>
-            </a:r>
-            <a:r>
-              <a:rPr lang="en-US" altLang="ko-KR" sz="1600" spc="-150" dirty="0">
-                <a:latin typeface="+mn-ea"/>
-              </a:rPr>
-              <a:t>. </a:t>
-            </a:r>
-            <a:r>
-              <a:rPr lang="ko-KR" altLang="en-US" sz="1600" spc="-150" dirty="0">
-                <a:latin typeface="+mn-ea"/>
-              </a:rPr>
-              <a:t>부끄러운 시와 계절이 봅니다</a:t>
-            </a:r>
-            <a:r>
-              <a:rPr lang="en-US" altLang="ko-KR" sz="1600" spc="-150" dirty="0">
-                <a:latin typeface="+mn-ea"/>
-              </a:rPr>
-              <a:t>. </a:t>
-            </a:r>
-            <a:r>
-              <a:rPr lang="ko-KR" altLang="en-US" sz="1600" spc="-150" dirty="0">
-                <a:latin typeface="+mn-ea"/>
-              </a:rPr>
-              <a:t>나의 묻힌 속의 이웃 하나의 사랑과 </a:t>
-            </a:r>
-            <a:r>
-              <a:rPr lang="ko-KR" altLang="en-US" sz="1600" spc="-150" dirty="0" err="1">
-                <a:latin typeface="+mn-ea"/>
-              </a:rPr>
-              <a:t>거외다</a:t>
-            </a:r>
-            <a:r>
-              <a:rPr lang="en-US" altLang="ko-KR" sz="1600" spc="-150" dirty="0">
-                <a:latin typeface="+mn-ea"/>
-              </a:rPr>
-              <a:t>. </a:t>
-            </a:r>
-            <a:r>
-              <a:rPr lang="ko-KR" altLang="en-US" sz="1600" spc="-150" dirty="0">
-                <a:latin typeface="+mn-ea"/>
-              </a:rPr>
-              <a:t>하나에 위에 강아지</a:t>
-            </a:r>
-            <a:r>
-              <a:rPr lang="en-US" altLang="ko-KR" sz="1600" spc="-150" dirty="0">
-                <a:latin typeface="+mn-ea"/>
-              </a:rPr>
-              <a:t>, </a:t>
-            </a:r>
-            <a:r>
-              <a:rPr lang="ko-KR" altLang="en-US" sz="1600" spc="-150" dirty="0">
-                <a:latin typeface="+mn-ea"/>
-              </a:rPr>
-              <a:t>봅니다</a:t>
-            </a:r>
-            <a:r>
-              <a:rPr lang="en-US" altLang="ko-KR" sz="1600" spc="-150" dirty="0">
-                <a:latin typeface="+mn-ea"/>
-              </a:rPr>
-              <a:t>. </a:t>
-            </a:r>
-            <a:r>
-              <a:rPr lang="ko-KR" altLang="en-US" sz="1600" spc="-150" dirty="0">
-                <a:latin typeface="+mn-ea"/>
-              </a:rPr>
-              <a:t>새겨지는 별 불러 어머니</a:t>
-            </a:r>
-            <a:r>
-              <a:rPr lang="en-US" altLang="ko-KR" sz="1600" spc="-150" dirty="0">
-                <a:latin typeface="+mn-ea"/>
-              </a:rPr>
-              <a:t>, </a:t>
-            </a:r>
-            <a:r>
-              <a:rPr lang="ko-KR" altLang="en-US" sz="1600" spc="-150" dirty="0">
-                <a:latin typeface="+mn-ea"/>
-              </a:rPr>
-              <a:t>이제 것은 별들을 </a:t>
-            </a:r>
-            <a:r>
-              <a:rPr lang="ko-KR" altLang="en-US" sz="1600" spc="-150" dirty="0" err="1">
-                <a:latin typeface="+mn-ea"/>
-              </a:rPr>
-              <a:t>거외다</a:t>
-            </a:r>
-            <a:r>
-              <a:rPr lang="en-US" altLang="ko-KR" sz="1600" spc="-150" dirty="0">
-                <a:latin typeface="+mn-ea"/>
-              </a:rPr>
-              <a:t>. </a:t>
-            </a:r>
-            <a:r>
-              <a:rPr lang="ko-KR" altLang="en-US" sz="1600" spc="-150" dirty="0">
-                <a:latin typeface="+mn-ea"/>
-              </a:rPr>
-              <a:t>된 슬퍼하는 못 별 시인의 사랑과 있습니다</a:t>
-            </a:r>
-            <a:r>
-              <a:rPr lang="en-US" altLang="ko-KR" sz="1600" spc="-150" dirty="0">
-                <a:latin typeface="+mn-ea"/>
-              </a:rPr>
-              <a:t>. </a:t>
-            </a:r>
-            <a:r>
-              <a:rPr lang="ko-KR" altLang="en-US" sz="1600" spc="-150" dirty="0">
-                <a:latin typeface="+mn-ea"/>
-              </a:rPr>
-              <a:t>멀리 그러나 이런 겨울이 봅니다</a:t>
-            </a:r>
-            <a:r>
-              <a:rPr lang="en-US" altLang="ko-KR" sz="1600" spc="-150" dirty="0">
-                <a:latin typeface="+mn-ea"/>
-              </a:rPr>
-              <a:t>. </a:t>
-            </a:r>
-            <a:r>
-              <a:rPr lang="ko-KR" altLang="en-US" sz="1600" spc="-150" dirty="0">
-                <a:latin typeface="+mn-ea"/>
-              </a:rPr>
-              <a:t>하나에 풀이 별 </a:t>
-            </a:r>
-            <a:r>
-              <a:rPr lang="ko-KR" altLang="en-US" sz="1600" spc="-150" dirty="0" err="1">
-                <a:latin typeface="+mn-ea"/>
-              </a:rPr>
-              <a:t>라이너</a:t>
-            </a:r>
-            <a:r>
-              <a:rPr lang="ko-KR" altLang="en-US" sz="1600" spc="-150" dirty="0">
-                <a:latin typeface="+mn-ea"/>
-              </a:rPr>
-              <a:t> 쓸쓸함과 버리었습니다</a:t>
-            </a:r>
-            <a:r>
-              <a:rPr lang="en-US" altLang="ko-KR" sz="1600" spc="-150" dirty="0">
-                <a:latin typeface="+mn-ea"/>
-              </a:rPr>
-              <a:t>. </a:t>
-            </a:r>
-            <a:endParaRPr lang="ko-KR" altLang="en-US" sz="1600" spc="-150" dirty="0">
-              <a:latin typeface="+mn-ea"/>
-            </a:endParaRPr>
-          </a:p>
-        </p:txBody>
-      </p:sp>
-      <p:sp>
-        <p:nvSpPr>
-          <p:cNvPr id="16" name="TextBox 15">
-            <a:extLst>
-              <a:ext uri="{FF2B5EF4-FFF2-40B4-BE49-F238E27FC236}">
-                <a16:creationId xmlns:a16="http://schemas.microsoft.com/office/drawing/2014/main" id="{E2C10F96-7F0A-4827-9424-E3CE857AA0A5}"/>
-              </a:ext>
-            </a:extLst>
-          </p:cNvPr>
-          <p:cNvSpPr txBox="1"/>
-          <p:nvPr/>
-        </p:nvSpPr>
-        <p:spPr>
-          <a:xfrm>
-            <a:off x="6504263" y="2705686"/>
-            <a:ext cx="3493264" cy="584775"/>
+            <a:off x="1612432" y="2234823"/>
+            <a:ext cx="428323" cy="646331"/>
           </a:xfrm>
           <a:prstGeom prst="rect">
             <a:avLst/>
@@ -14816,8 +14659,425 @@
           </a:bodyPr>
           <a:lstStyle/>
           <a:p>
+            <a:pPr algn="ctr"/>
+            <a:r>
+              <a:rPr lang="en-US" altLang="ko-KR" sz="3600" spc="-300" dirty="0">
+                <a:solidFill>
+                  <a:schemeClr val="bg1"/>
+                </a:solidFill>
+                <a:latin typeface="+mj-ea"/>
+                <a:ea typeface="+mj-ea"/>
+              </a:rPr>
+              <a:t>1</a:t>
+            </a:r>
+            <a:endParaRPr lang="ko-KR" altLang="en-US" sz="3600" spc="-300" dirty="0">
+              <a:solidFill>
+                <a:schemeClr val="bg1"/>
+              </a:solidFill>
+              <a:latin typeface="+mj-ea"/>
+              <a:ea typeface="+mj-ea"/>
+            </a:endParaRPr>
+          </a:p>
+        </p:txBody>
+      </p:sp>
+      <p:sp>
+        <p:nvSpPr>
+          <p:cNvPr id="21" name="TextBox 20">
+            <a:extLst>
+              <a:ext uri="{FF2B5EF4-FFF2-40B4-BE49-F238E27FC236}">
+                <a16:creationId xmlns:a16="http://schemas.microsoft.com/office/drawing/2014/main" id="{5A8C8947-AD11-4BA5-AFC4-C97C91EBC161}"/>
+              </a:ext>
+            </a:extLst>
+          </p:cNvPr>
+          <p:cNvSpPr txBox="1"/>
+          <p:nvPr/>
+        </p:nvSpPr>
+        <p:spPr>
+          <a:xfrm>
+            <a:off x="2945222" y="2281114"/>
+            <a:ext cx="3078087" cy="584775"/>
+          </a:xfrm>
+          <a:prstGeom prst="rect">
+            <a:avLst/>
+          </a:prstGeom>
+          <a:noFill/>
+        </p:spPr>
+        <p:txBody>
+          <a:bodyPr wrap="none" rtlCol="0">
+            <a:spAutoFit/>
+          </a:bodyPr>
+          <a:lstStyle/>
+          <a:p>
             <a:r>
               <a:rPr lang="ko-KR" altLang="en-US" sz="3200" spc="-300" dirty="0">
+                <a:solidFill>
+                  <a:schemeClr val="bg1"/>
+                </a:solidFill>
+                <a:latin typeface="+mn-ea"/>
+              </a:rPr>
+              <a:t>주제를 입력하세요</a:t>
+            </a:r>
+          </a:p>
+        </p:txBody>
+      </p:sp>
+      <p:sp>
+        <p:nvSpPr>
+          <p:cNvPr id="22" name="직사각형 21">
+            <a:extLst>
+              <a:ext uri="{FF2B5EF4-FFF2-40B4-BE49-F238E27FC236}">
+                <a16:creationId xmlns:a16="http://schemas.microsoft.com/office/drawing/2014/main" id="{22B7112F-B03C-4AFD-888E-4D3992FEA2EE}"/>
+              </a:ext>
+            </a:extLst>
+          </p:cNvPr>
+          <p:cNvSpPr/>
+          <p:nvPr/>
+        </p:nvSpPr>
+        <p:spPr>
+          <a:xfrm>
+            <a:off x="1278428" y="3367447"/>
+            <a:ext cx="1168400" cy="1044000"/>
+          </a:xfrm>
+          <a:prstGeom prst="rect">
+            <a:avLst/>
+          </a:prstGeom>
+          <a:solidFill>
+            <a:schemeClr val="accent2"/>
+          </a:solidFill>
+          <a:ln>
+            <a:noFill/>
+          </a:ln>
+        </p:spPr>
+        <p:style>
+          <a:lnRef idx="0">
+            <a:scrgbClr r="0" g="0" b="0"/>
+          </a:lnRef>
+          <a:fillRef idx="0">
+            <a:scrgbClr r="0" g="0" b="0"/>
+          </a:fillRef>
+          <a:effectRef idx="0">
+            <a:scrgbClr r="0" g="0" b="0"/>
+          </a:effectRef>
+          <a:fontRef idx="minor">
+            <a:schemeClr val="lt1"/>
+          </a:fontRef>
+        </p:style>
+        <p:txBody>
+          <a:bodyPr rtlCol="0" anchor="ctr"/>
+          <a:lstStyle/>
+          <a:p>
+            <a:pPr algn="ctr"/>
+            <a:endParaRPr lang="ko-KR" altLang="en-US"/>
+          </a:p>
+        </p:txBody>
+      </p:sp>
+      <p:sp>
+        <p:nvSpPr>
+          <p:cNvPr id="23" name="직사각형 22">
+            <a:extLst>
+              <a:ext uri="{FF2B5EF4-FFF2-40B4-BE49-F238E27FC236}">
+                <a16:creationId xmlns:a16="http://schemas.microsoft.com/office/drawing/2014/main" id="{F0282083-F71D-404F-8759-15BB8B3A55F0}"/>
+              </a:ext>
+            </a:extLst>
+          </p:cNvPr>
+          <p:cNvSpPr/>
+          <p:nvPr/>
+        </p:nvSpPr>
+        <p:spPr>
+          <a:xfrm>
+            <a:off x="2688128" y="3367447"/>
+            <a:ext cx="8242300" cy="1044000"/>
+          </a:xfrm>
+          <a:prstGeom prst="rect">
+            <a:avLst/>
+          </a:prstGeom>
+          <a:solidFill>
+            <a:schemeClr val="accent2"/>
+          </a:solidFill>
+          <a:ln>
+            <a:noFill/>
+          </a:ln>
+        </p:spPr>
+        <p:style>
+          <a:lnRef idx="0">
+            <a:scrgbClr r="0" g="0" b="0"/>
+          </a:lnRef>
+          <a:fillRef idx="0">
+            <a:scrgbClr r="0" g="0" b="0"/>
+          </a:fillRef>
+          <a:effectRef idx="0">
+            <a:scrgbClr r="0" g="0" b="0"/>
+          </a:effectRef>
+          <a:fontRef idx="minor">
+            <a:schemeClr val="lt1"/>
+          </a:fontRef>
+        </p:style>
+        <p:txBody>
+          <a:bodyPr rtlCol="0" anchor="ctr"/>
+          <a:lstStyle/>
+          <a:p>
+            <a:pPr algn="ctr"/>
+            <a:endParaRPr lang="ko-KR" altLang="en-US"/>
+          </a:p>
+        </p:txBody>
+      </p:sp>
+      <p:sp>
+        <p:nvSpPr>
+          <p:cNvPr id="24" name="TextBox 23">
+            <a:extLst>
+              <a:ext uri="{FF2B5EF4-FFF2-40B4-BE49-F238E27FC236}">
+                <a16:creationId xmlns:a16="http://schemas.microsoft.com/office/drawing/2014/main" id="{11761A23-A89B-49A0-9103-FB499CB51CA7}"/>
+              </a:ext>
+            </a:extLst>
+          </p:cNvPr>
+          <p:cNvSpPr txBox="1"/>
+          <p:nvPr/>
+        </p:nvSpPr>
+        <p:spPr>
+          <a:xfrm>
+            <a:off x="1623067" y="3564662"/>
+            <a:ext cx="428322" cy="646331"/>
+          </a:xfrm>
+          <a:prstGeom prst="rect">
+            <a:avLst/>
+          </a:prstGeom>
+          <a:noFill/>
+          <a:ln>
+            <a:noFill/>
+          </a:ln>
+        </p:spPr>
+        <p:style>
+          <a:lnRef idx="0">
+            <a:scrgbClr r="0" g="0" b="0"/>
+          </a:lnRef>
+          <a:fillRef idx="0">
+            <a:scrgbClr r="0" g="0" b="0"/>
+          </a:fillRef>
+          <a:effectRef idx="0">
+            <a:scrgbClr r="0" g="0" b="0"/>
+          </a:effectRef>
+          <a:fontRef idx="minor">
+            <a:schemeClr val="lt1"/>
+          </a:fontRef>
+        </p:style>
+        <p:txBody>
+          <a:bodyPr wrap="none" rtlCol="0">
+            <a:spAutoFit/>
+          </a:bodyPr>
+          <a:lstStyle/>
+          <a:p>
+            <a:pPr algn="ctr"/>
+            <a:r>
+              <a:rPr lang="en-US" altLang="ko-KR" sz="3600" spc="-300" dirty="0">
+                <a:solidFill>
+                  <a:schemeClr val="bg1"/>
+                </a:solidFill>
+                <a:latin typeface="+mj-ea"/>
+                <a:ea typeface="+mj-ea"/>
+              </a:rPr>
+              <a:t>2</a:t>
+            </a:r>
+            <a:endParaRPr lang="ko-KR" altLang="en-US" sz="3600" spc="-300" dirty="0">
+              <a:solidFill>
+                <a:schemeClr val="bg1"/>
+              </a:solidFill>
+              <a:latin typeface="+mj-ea"/>
+              <a:ea typeface="+mj-ea"/>
+            </a:endParaRPr>
+          </a:p>
+        </p:txBody>
+      </p:sp>
+      <p:sp>
+        <p:nvSpPr>
+          <p:cNvPr id="25" name="TextBox 24">
+            <a:extLst>
+              <a:ext uri="{FF2B5EF4-FFF2-40B4-BE49-F238E27FC236}">
+                <a16:creationId xmlns:a16="http://schemas.microsoft.com/office/drawing/2014/main" id="{CEA63ED5-C65D-4CB4-B317-42D69753959A}"/>
+              </a:ext>
+            </a:extLst>
+          </p:cNvPr>
+          <p:cNvSpPr txBox="1"/>
+          <p:nvPr/>
+        </p:nvSpPr>
+        <p:spPr>
+          <a:xfrm>
+            <a:off x="2945222" y="3579352"/>
+            <a:ext cx="2775119" cy="584775"/>
+          </a:xfrm>
+          <a:prstGeom prst="rect">
+            <a:avLst/>
+          </a:prstGeom>
+          <a:noFill/>
+          <a:ln>
+            <a:noFill/>
+          </a:ln>
+        </p:spPr>
+        <p:style>
+          <a:lnRef idx="0">
+            <a:scrgbClr r="0" g="0" b="0"/>
+          </a:lnRef>
+          <a:fillRef idx="0">
+            <a:scrgbClr r="0" g="0" b="0"/>
+          </a:fillRef>
+          <a:effectRef idx="0">
+            <a:scrgbClr r="0" g="0" b="0"/>
+          </a:effectRef>
+          <a:fontRef idx="minor">
+            <a:schemeClr val="lt1"/>
+          </a:fontRef>
+        </p:style>
+        <p:txBody>
+          <a:bodyPr wrap="none" rtlCol="0">
+            <a:spAutoFit/>
+          </a:bodyPr>
+          <a:lstStyle/>
+          <a:p>
+            <a:r>
+              <a:rPr lang="ko-KR" altLang="en-US" sz="3200" spc="-300" dirty="0">
+                <a:solidFill>
+                  <a:schemeClr val="bg1"/>
+                </a:solidFill>
+                <a:latin typeface="+mn-ea"/>
+              </a:rPr>
+              <a:t>주제를 입력하세요</a:t>
+            </a:r>
+          </a:p>
+        </p:txBody>
+      </p:sp>
+      <p:sp>
+        <p:nvSpPr>
+          <p:cNvPr id="26" name="직사각형 25">
+            <a:extLst>
+              <a:ext uri="{FF2B5EF4-FFF2-40B4-BE49-F238E27FC236}">
+                <a16:creationId xmlns:a16="http://schemas.microsoft.com/office/drawing/2014/main" id="{64A4D990-7F19-4B43-A33C-FCB4182E2A55}"/>
+              </a:ext>
+            </a:extLst>
+          </p:cNvPr>
+          <p:cNvSpPr/>
+          <p:nvPr/>
+        </p:nvSpPr>
+        <p:spPr>
+          <a:xfrm>
+            <a:off x="1278428" y="4686948"/>
+            <a:ext cx="1168400" cy="1044000"/>
+          </a:xfrm>
+          <a:prstGeom prst="rect">
+            <a:avLst/>
+          </a:prstGeom>
+          <a:solidFill>
+            <a:schemeClr val="accent6"/>
+          </a:solidFill>
+          <a:ln>
+            <a:noFill/>
+          </a:ln>
+        </p:spPr>
+        <p:style>
+          <a:lnRef idx="2">
+            <a:schemeClr val="accent1">
+              <a:shade val="50000"/>
+            </a:schemeClr>
+          </a:lnRef>
+          <a:fillRef idx="1">
+            <a:schemeClr val="accent1"/>
+          </a:fillRef>
+          <a:effectRef idx="0">
+            <a:schemeClr val="accent1"/>
+          </a:effectRef>
+          <a:fontRef idx="minor">
+            <a:schemeClr val="lt1"/>
+          </a:fontRef>
+        </p:style>
+        <p:txBody>
+          <a:bodyPr rtlCol="0" anchor="ctr"/>
+          <a:lstStyle/>
+          <a:p>
+            <a:pPr algn="ctr"/>
+            <a:endParaRPr lang="ko-KR" altLang="en-US"/>
+          </a:p>
+        </p:txBody>
+      </p:sp>
+      <p:sp>
+        <p:nvSpPr>
+          <p:cNvPr id="27" name="직사각형 26">
+            <a:extLst>
+              <a:ext uri="{FF2B5EF4-FFF2-40B4-BE49-F238E27FC236}">
+                <a16:creationId xmlns:a16="http://schemas.microsoft.com/office/drawing/2014/main" id="{9460BB99-9F69-4AB9-84C3-FEA78F16C514}"/>
+              </a:ext>
+            </a:extLst>
+          </p:cNvPr>
+          <p:cNvSpPr/>
+          <p:nvPr/>
+        </p:nvSpPr>
+        <p:spPr>
+          <a:xfrm>
+            <a:off x="2688128" y="4686948"/>
+            <a:ext cx="8242300" cy="1044000"/>
+          </a:xfrm>
+          <a:prstGeom prst="rect">
+            <a:avLst/>
+          </a:prstGeom>
+          <a:solidFill>
+            <a:schemeClr val="accent6"/>
+          </a:solidFill>
+          <a:ln>
+            <a:noFill/>
+          </a:ln>
+        </p:spPr>
+        <p:style>
+          <a:lnRef idx="2">
+            <a:schemeClr val="accent1">
+              <a:shade val="50000"/>
+            </a:schemeClr>
+          </a:lnRef>
+          <a:fillRef idx="1">
+            <a:schemeClr val="accent1"/>
+          </a:fillRef>
+          <a:effectRef idx="0">
+            <a:schemeClr val="accent1"/>
+          </a:effectRef>
+          <a:fontRef idx="minor">
+            <a:schemeClr val="lt1"/>
+          </a:fontRef>
+        </p:style>
+        <p:txBody>
+          <a:bodyPr rtlCol="0" anchor="ctr"/>
+          <a:lstStyle/>
+          <a:p>
+            <a:pPr algn="ctr"/>
+            <a:endParaRPr lang="ko-KR" altLang="en-US"/>
+          </a:p>
+        </p:txBody>
+      </p:sp>
+      <p:sp>
+        <p:nvSpPr>
+          <p:cNvPr id="28" name="TextBox 27">
+            <a:extLst>
+              <a:ext uri="{FF2B5EF4-FFF2-40B4-BE49-F238E27FC236}">
+                <a16:creationId xmlns:a16="http://schemas.microsoft.com/office/drawing/2014/main" id="{9AA1068E-2C3F-4AE4-B156-57FB340C7A5D}"/>
+              </a:ext>
+            </a:extLst>
+          </p:cNvPr>
+          <p:cNvSpPr txBox="1"/>
+          <p:nvPr/>
+        </p:nvSpPr>
+        <p:spPr>
+          <a:xfrm>
+            <a:off x="1623067" y="4884163"/>
+            <a:ext cx="428322" cy="646331"/>
+          </a:xfrm>
+          <a:prstGeom prst="rect">
+            <a:avLst/>
+          </a:prstGeom>
+          <a:noFill/>
+        </p:spPr>
+        <p:txBody>
+          <a:bodyPr wrap="none" rtlCol="0">
+            <a:spAutoFit/>
+          </a:bodyPr>
+          <a:lstStyle/>
+          <a:p>
+            <a:pPr algn="ctr"/>
+            <a:r>
+              <a:rPr lang="en-US" altLang="ko-KR" sz="3600" spc="-300" dirty="0">
                 <a:solidFill>
                   <a:schemeClr val="tx1">
                     <a:lumMod val="75000"/>
@@ -14827,56 +15087,68 @@
                 <a:latin typeface="+mj-ea"/>
                 <a:ea typeface="+mj-ea"/>
               </a:rPr>
-              <a:t>소제목을 입력하세요</a:t>
-            </a:r>
-          </a:p>
-        </p:txBody>
-      </p:sp>
-      <p:cxnSp>
-        <p:nvCxnSpPr>
-          <p:cNvPr id="17" name="직선 연결선 16">
-            <a:extLst>
-              <a:ext uri="{FF2B5EF4-FFF2-40B4-BE49-F238E27FC236}">
-                <a16:creationId xmlns:a16="http://schemas.microsoft.com/office/drawing/2014/main" id="{402FEC6B-D708-4C69-BA45-B5CF1D8EC471}"/>
-              </a:ext>
-            </a:extLst>
-          </p:cNvPr>
-          <p:cNvCxnSpPr/>
-          <p:nvPr/>
-        </p:nvCxnSpPr>
-        <p:spPr>
-          <a:xfrm>
-            <a:off x="6504263" y="3429000"/>
-            <a:ext cx="5687737" cy="0"/>
-          </a:xfrm>
-          <a:prstGeom prst="line">
-            <a:avLst/>
-          </a:prstGeom>
-          <a:ln>
-            <a:solidFill>
-              <a:schemeClr val="tx1"/>
-            </a:solidFill>
-          </a:ln>
-        </p:spPr>
-        <p:style>
-          <a:lnRef idx="1">
-            <a:schemeClr val="accent1"/>
-          </a:lnRef>
-          <a:fillRef idx="0">
-            <a:schemeClr val="accent1"/>
-          </a:fillRef>
-          <a:effectRef idx="0">
-            <a:schemeClr val="accent1"/>
-          </a:effectRef>
-          <a:fontRef idx="minor">
-            <a:schemeClr val="tx1"/>
-          </a:fontRef>
-        </p:style>
-      </p:cxnSp>
+              <a:t>3</a:t>
+            </a:r>
+            <a:endParaRPr lang="ko-KR" altLang="en-US" sz="3600" spc="-300" dirty="0">
+              <a:solidFill>
+                <a:schemeClr val="tx1">
+                  <a:lumMod val="75000"/>
+                  <a:lumOff val="25000"/>
+                </a:schemeClr>
+              </a:solidFill>
+              <a:latin typeface="+mj-ea"/>
+              <a:ea typeface="+mj-ea"/>
+            </a:endParaRPr>
+          </a:p>
+        </p:txBody>
+      </p:sp>
+      <p:sp>
+        <p:nvSpPr>
+          <p:cNvPr id="29" name="TextBox 28">
+            <a:extLst>
+              <a:ext uri="{FF2B5EF4-FFF2-40B4-BE49-F238E27FC236}">
+                <a16:creationId xmlns:a16="http://schemas.microsoft.com/office/drawing/2014/main" id="{BA875725-6414-48F9-9779-9741EF9B938D}"/>
+              </a:ext>
+            </a:extLst>
+          </p:cNvPr>
+          <p:cNvSpPr txBox="1"/>
+          <p:nvPr/>
+        </p:nvSpPr>
+        <p:spPr>
+          <a:xfrm>
+            <a:off x="2945222" y="4898853"/>
+            <a:ext cx="2929007" cy="584775"/>
+          </a:xfrm>
+          <a:prstGeom prst="rect">
+            <a:avLst/>
+          </a:prstGeom>
+          <a:noFill/>
+        </p:spPr>
+        <p:txBody>
+          <a:bodyPr wrap="none" rtlCol="0">
+            <a:spAutoFit/>
+          </a:bodyPr>
+          <a:lstStyle/>
+          <a:p>
+            <a:r>
+              <a:rPr lang="ko-KR" altLang="en-US" sz="3200" spc="-300" dirty="0">
+                <a:solidFill>
+                  <a:schemeClr val="tx1">
+                    <a:lumMod val="75000"/>
+                    <a:lumOff val="25000"/>
+                  </a:schemeClr>
+                </a:solidFill>
+                <a:latin typeface="+mn-ea"/>
+              </a:rPr>
+              <a:t>주제를 입력하세요</a:t>
+            </a:r>
+          </a:p>
+        </p:txBody>
+      </p:sp>
     </p:spTree>
     <p:extLst>
       <p:ext uri="{BB962C8B-B14F-4D97-AF65-F5344CB8AC3E}">
-        <p14:creationId xmlns:p14="http://schemas.microsoft.com/office/powerpoint/2010/main" val="143501945"/>
+        <p14:creationId xmlns:p14="http://schemas.microsoft.com/office/powerpoint/2010/main" val="247402954"/>
       </p:ext>
     </p:extLst>
   </p:cSld>
@@ -15035,6 +15307,552 @@
 </file>
 
 <file path=ppt/slides/slide20.xml><?xml version="1.0" encoding="utf-8"?>
+<p:sld xmlns:a="http://schemas.openxmlformats.org/drawingml/2006/main" xmlns:r="http://schemas.openxmlformats.org/officeDocument/2006/relationships" xmlns:p="http://schemas.openxmlformats.org/presentationml/2006/main">
+  <p:cSld>
+    <p:spTree>
+      <p:nvGrpSpPr>
+        <p:cNvPr id="1" name=""/>
+        <p:cNvGrpSpPr/>
+        <p:nvPr/>
+      </p:nvGrpSpPr>
+      <p:grpSpPr>
+        <a:xfrm>
+          <a:off x="0" y="0"/>
+          <a:ext cx="0" cy="0"/>
+          <a:chOff x="0" y="0"/>
+          <a:chExt cx="0" cy="0"/>
+        </a:xfrm>
+      </p:grpSpPr>
+      <p:cxnSp>
+        <p:nvCxnSpPr>
+          <p:cNvPr id="3" name="직선 연결선 2">
+            <a:extLst>
+              <a:ext uri="{FF2B5EF4-FFF2-40B4-BE49-F238E27FC236}">
+                <a16:creationId xmlns:a16="http://schemas.microsoft.com/office/drawing/2014/main" id="{30B7886A-E2C2-47A8-A271-1FD08F52EED0}"/>
+              </a:ext>
+            </a:extLst>
+          </p:cNvPr>
+          <p:cNvCxnSpPr>
+            <a:cxnSpLocks/>
+          </p:cNvCxnSpPr>
+          <p:nvPr/>
+        </p:nvCxnSpPr>
+        <p:spPr>
+          <a:xfrm>
+            <a:off x="152400" y="190500"/>
+            <a:ext cx="1435100" cy="0"/>
+          </a:xfrm>
+          <a:prstGeom prst="line">
+            <a:avLst/>
+          </a:prstGeom>
+          <a:ln w="76200">
+            <a:solidFill>
+              <a:schemeClr val="accent4"/>
+            </a:solidFill>
+          </a:ln>
+        </p:spPr>
+        <p:style>
+          <a:lnRef idx="1">
+            <a:schemeClr val="accent1"/>
+          </a:lnRef>
+          <a:fillRef idx="0">
+            <a:schemeClr val="accent1"/>
+          </a:fillRef>
+          <a:effectRef idx="0">
+            <a:schemeClr val="accent1"/>
+          </a:effectRef>
+          <a:fontRef idx="minor">
+            <a:schemeClr val="tx1"/>
+          </a:fontRef>
+        </p:style>
+      </p:cxnSp>
+      <p:sp>
+        <p:nvSpPr>
+          <p:cNvPr id="5" name="TextBox 4">
+            <a:extLst>
+              <a:ext uri="{FF2B5EF4-FFF2-40B4-BE49-F238E27FC236}">
+                <a16:creationId xmlns:a16="http://schemas.microsoft.com/office/drawing/2014/main" id="{B0BF8F17-9E56-462D-B8ED-980C1047873B}"/>
+              </a:ext>
+            </a:extLst>
+          </p:cNvPr>
+          <p:cNvSpPr txBox="1"/>
+          <p:nvPr/>
+        </p:nvSpPr>
+        <p:spPr>
+          <a:xfrm>
+            <a:off x="1676400" y="330200"/>
+            <a:ext cx="3892412" cy="769441"/>
+          </a:xfrm>
+          <a:prstGeom prst="rect">
+            <a:avLst/>
+          </a:prstGeom>
+          <a:noFill/>
+        </p:spPr>
+        <p:txBody>
+          <a:bodyPr wrap="none" rtlCol="0">
+            <a:spAutoFit/>
+          </a:bodyPr>
+          <a:lstStyle/>
+          <a:p>
+            <a:r>
+              <a:rPr lang="ko-KR" altLang="en-US" sz="4400" spc="-300" dirty="0">
+                <a:solidFill>
+                  <a:schemeClr val="accent4"/>
+                </a:solidFill>
+              </a:rPr>
+              <a:t>제목을 입력하세요</a:t>
+            </a:r>
+          </a:p>
+        </p:txBody>
+      </p:sp>
+      <p:sp>
+        <p:nvSpPr>
+          <p:cNvPr id="6" name="TextBox 5">
+            <a:extLst>
+              <a:ext uri="{FF2B5EF4-FFF2-40B4-BE49-F238E27FC236}">
+                <a16:creationId xmlns:a16="http://schemas.microsoft.com/office/drawing/2014/main" id="{3C4D8878-800F-4A94-9AEE-55D2DF32C42C}"/>
+              </a:ext>
+            </a:extLst>
+          </p:cNvPr>
+          <p:cNvSpPr txBox="1"/>
+          <p:nvPr/>
+        </p:nvSpPr>
+        <p:spPr>
+          <a:xfrm>
+            <a:off x="583709" y="345588"/>
+            <a:ext cx="885179" cy="369332"/>
+          </a:xfrm>
+          <a:prstGeom prst="rect">
+            <a:avLst/>
+          </a:prstGeom>
+          <a:noFill/>
+        </p:spPr>
+        <p:txBody>
+          <a:bodyPr wrap="none" rtlCol="0">
+            <a:spAutoFit/>
+          </a:bodyPr>
+          <a:lstStyle/>
+          <a:p>
+            <a:r>
+              <a:rPr lang="ko-KR" altLang="en-US" sz="1800" dirty="0">
+                <a:latin typeface="+mj-lt"/>
+              </a:rPr>
+              <a:t>다음주</a:t>
+            </a:r>
+            <a:endParaRPr lang="ko-KR" altLang="en-US" dirty="0">
+              <a:solidFill>
+                <a:schemeClr val="accent4"/>
+              </a:solidFill>
+            </a:endParaRPr>
+          </a:p>
+        </p:txBody>
+      </p:sp>
+      <p:cxnSp>
+        <p:nvCxnSpPr>
+          <p:cNvPr id="7" name="직선 연결선 6">
+            <a:extLst>
+              <a:ext uri="{FF2B5EF4-FFF2-40B4-BE49-F238E27FC236}">
+                <a16:creationId xmlns:a16="http://schemas.microsoft.com/office/drawing/2014/main" id="{A7921CCC-0149-4109-8BAA-AEA50D3C4BBF}"/>
+              </a:ext>
+            </a:extLst>
+          </p:cNvPr>
+          <p:cNvCxnSpPr/>
+          <p:nvPr/>
+        </p:nvCxnSpPr>
+        <p:spPr>
+          <a:xfrm>
+            <a:off x="1587500" y="190500"/>
+            <a:ext cx="10604500" cy="0"/>
+          </a:xfrm>
+          <a:prstGeom prst="line">
+            <a:avLst/>
+          </a:prstGeom>
+        </p:spPr>
+        <p:style>
+          <a:lnRef idx="1">
+            <a:schemeClr val="accent1"/>
+          </a:lnRef>
+          <a:fillRef idx="0">
+            <a:schemeClr val="accent1"/>
+          </a:fillRef>
+          <a:effectRef idx="0">
+            <a:schemeClr val="accent1"/>
+          </a:effectRef>
+          <a:fontRef idx="minor">
+            <a:schemeClr val="tx1"/>
+          </a:fontRef>
+        </p:style>
+      </p:cxnSp>
+      <p:graphicFrame>
+        <p:nvGraphicFramePr>
+          <p:cNvPr id="14" name="다이어그램 13">
+            <a:extLst>
+              <a:ext uri="{FF2B5EF4-FFF2-40B4-BE49-F238E27FC236}">
+                <a16:creationId xmlns:a16="http://schemas.microsoft.com/office/drawing/2014/main" id="{B0989B56-5048-4C53-A13F-7F49242DDF5B}"/>
+              </a:ext>
+            </a:extLst>
+          </p:cNvPr>
+          <p:cNvGraphicFramePr/>
+          <p:nvPr>
+            <p:extLst>
+              <p:ext uri="{D42A27DB-BD31-4B8C-83A1-F6EECF244321}">
+                <p14:modId xmlns:p14="http://schemas.microsoft.com/office/powerpoint/2010/main" val="1310083831"/>
+              </p:ext>
+            </p:extLst>
+          </p:nvPr>
+        </p:nvGraphicFramePr>
+        <p:xfrm>
+          <a:off x="417217" y="2081080"/>
+          <a:ext cx="5410200" cy="3822699"/>
+        </p:xfrm>
+        <a:graphic>
+          <a:graphicData uri="http://schemas.openxmlformats.org/drawingml/2006/diagram">
+            <dgm:relIds xmlns:dgm="http://schemas.openxmlformats.org/drawingml/2006/diagram" xmlns:r="http://schemas.openxmlformats.org/officeDocument/2006/relationships" r:dm="rId2" r:lo="rId3" r:qs="rId4" r:cs="rId5"/>
+          </a:graphicData>
+        </a:graphic>
+      </p:graphicFrame>
+      <p:sp>
+        <p:nvSpPr>
+          <p:cNvPr id="15" name="TextBox 14">
+            <a:extLst>
+              <a:ext uri="{FF2B5EF4-FFF2-40B4-BE49-F238E27FC236}">
+                <a16:creationId xmlns:a16="http://schemas.microsoft.com/office/drawing/2014/main" id="{BA32F306-D791-4185-9F69-842317C1DAE3}"/>
+              </a:ext>
+            </a:extLst>
+          </p:cNvPr>
+          <p:cNvSpPr txBox="1"/>
+          <p:nvPr/>
+        </p:nvSpPr>
+        <p:spPr>
+          <a:xfrm>
+            <a:off x="6504263" y="3591469"/>
+            <a:ext cx="5270520" cy="2144754"/>
+          </a:xfrm>
+          <a:prstGeom prst="rect">
+            <a:avLst/>
+          </a:prstGeom>
+          <a:noFill/>
+        </p:spPr>
+        <p:txBody>
+          <a:bodyPr wrap="square" rtlCol="0" anchor="t">
+            <a:spAutoFit/>
+          </a:bodyPr>
+          <a:lstStyle/>
+          <a:p>
+            <a:pPr algn="just">
+              <a:lnSpc>
+                <a:spcPct val="120000"/>
+              </a:lnSpc>
+            </a:pPr>
+            <a:r>
+              <a:rPr lang="ko-KR" altLang="en-US" sz="1600" spc="-150" dirty="0">
+                <a:latin typeface="+mn-ea"/>
+              </a:rPr>
+              <a:t>그리워 멀리 하나에 이름과</a:t>
+            </a:r>
+            <a:r>
+              <a:rPr lang="en-US" altLang="ko-KR" sz="1600" spc="-150" dirty="0">
+                <a:latin typeface="+mn-ea"/>
+              </a:rPr>
+              <a:t>, </a:t>
+            </a:r>
+            <a:r>
+              <a:rPr lang="ko-KR" altLang="en-US" sz="1600" spc="-150" dirty="0">
+                <a:latin typeface="+mn-ea"/>
+              </a:rPr>
+              <a:t>무엇인지 별에도 어머니 이름자 </a:t>
+            </a:r>
+            <a:r>
+              <a:rPr lang="ko-KR" altLang="en-US" sz="1600" spc="-150" dirty="0" err="1">
+                <a:latin typeface="+mn-ea"/>
+              </a:rPr>
+              <a:t>거외다</a:t>
+            </a:r>
+            <a:r>
+              <a:rPr lang="en-US" altLang="ko-KR" sz="1600" spc="-150" dirty="0">
+                <a:latin typeface="+mn-ea"/>
+              </a:rPr>
+              <a:t>. </a:t>
+            </a:r>
+            <a:r>
+              <a:rPr lang="ko-KR" altLang="en-US" sz="1600" spc="-150" dirty="0">
+                <a:latin typeface="+mn-ea"/>
+              </a:rPr>
+              <a:t>하나에 슬퍼하는 너무나 위에 된 봅니다</a:t>
+            </a:r>
+            <a:r>
+              <a:rPr lang="en-US" altLang="ko-KR" sz="1600" spc="-150" dirty="0">
+                <a:latin typeface="+mn-ea"/>
+              </a:rPr>
+              <a:t>. </a:t>
+            </a:r>
+            <a:r>
+              <a:rPr lang="ko-KR" altLang="en-US" sz="1600" spc="-150" dirty="0">
+                <a:latin typeface="+mn-ea"/>
+              </a:rPr>
+              <a:t>없이 별에도 이름을 나는 풀이 </a:t>
+            </a:r>
+            <a:r>
+              <a:rPr lang="ko-KR" altLang="en-US" sz="1600" spc="-150" dirty="0" err="1">
+                <a:latin typeface="+mn-ea"/>
+              </a:rPr>
+              <a:t>거외다</a:t>
+            </a:r>
+            <a:r>
+              <a:rPr lang="en-US" altLang="ko-KR" sz="1600" spc="-150" dirty="0">
+                <a:latin typeface="+mn-ea"/>
+              </a:rPr>
+              <a:t>. </a:t>
+            </a:r>
+            <a:r>
+              <a:rPr lang="ko-KR" altLang="en-US" sz="1600" spc="-150" dirty="0">
+                <a:latin typeface="+mn-ea"/>
+              </a:rPr>
+              <a:t>부끄러운 시와 계절이 봅니다</a:t>
+            </a:r>
+            <a:r>
+              <a:rPr lang="en-US" altLang="ko-KR" sz="1600" spc="-150" dirty="0">
+                <a:latin typeface="+mn-ea"/>
+              </a:rPr>
+              <a:t>. </a:t>
+            </a:r>
+            <a:r>
+              <a:rPr lang="ko-KR" altLang="en-US" sz="1600" spc="-150" dirty="0">
+                <a:latin typeface="+mn-ea"/>
+              </a:rPr>
+              <a:t>나의 묻힌 속의 이웃 하나의 사랑과 </a:t>
+            </a:r>
+            <a:r>
+              <a:rPr lang="ko-KR" altLang="en-US" sz="1600" spc="-150" dirty="0" err="1">
+                <a:latin typeface="+mn-ea"/>
+              </a:rPr>
+              <a:t>거외다</a:t>
+            </a:r>
+            <a:r>
+              <a:rPr lang="en-US" altLang="ko-KR" sz="1600" spc="-150" dirty="0">
+                <a:latin typeface="+mn-ea"/>
+              </a:rPr>
+              <a:t>. </a:t>
+            </a:r>
+            <a:r>
+              <a:rPr lang="ko-KR" altLang="en-US" sz="1600" spc="-150" dirty="0">
+                <a:latin typeface="+mn-ea"/>
+              </a:rPr>
+              <a:t>하나에 위에 강아지</a:t>
+            </a:r>
+            <a:r>
+              <a:rPr lang="en-US" altLang="ko-KR" sz="1600" spc="-150" dirty="0">
+                <a:latin typeface="+mn-ea"/>
+              </a:rPr>
+              <a:t>, </a:t>
+            </a:r>
+            <a:r>
+              <a:rPr lang="ko-KR" altLang="en-US" sz="1600" spc="-150" dirty="0">
+                <a:latin typeface="+mn-ea"/>
+              </a:rPr>
+              <a:t>봅니다</a:t>
+            </a:r>
+            <a:r>
+              <a:rPr lang="en-US" altLang="ko-KR" sz="1600" spc="-150" dirty="0">
+                <a:latin typeface="+mn-ea"/>
+              </a:rPr>
+              <a:t>. </a:t>
+            </a:r>
+            <a:r>
+              <a:rPr lang="ko-KR" altLang="en-US" sz="1600" spc="-150" dirty="0">
+                <a:latin typeface="+mn-ea"/>
+              </a:rPr>
+              <a:t>새겨지는 별 불러 어머니</a:t>
+            </a:r>
+            <a:r>
+              <a:rPr lang="en-US" altLang="ko-KR" sz="1600" spc="-150" dirty="0">
+                <a:latin typeface="+mn-ea"/>
+              </a:rPr>
+              <a:t>, </a:t>
+            </a:r>
+            <a:r>
+              <a:rPr lang="ko-KR" altLang="en-US" sz="1600" spc="-150" dirty="0">
+                <a:latin typeface="+mn-ea"/>
+              </a:rPr>
+              <a:t>이제 것은 별들을 </a:t>
+            </a:r>
+            <a:r>
+              <a:rPr lang="ko-KR" altLang="en-US" sz="1600" spc="-150" dirty="0" err="1">
+                <a:latin typeface="+mn-ea"/>
+              </a:rPr>
+              <a:t>거외다</a:t>
+            </a:r>
+            <a:r>
+              <a:rPr lang="en-US" altLang="ko-KR" sz="1600" spc="-150" dirty="0">
+                <a:latin typeface="+mn-ea"/>
+              </a:rPr>
+              <a:t>. </a:t>
+            </a:r>
+            <a:r>
+              <a:rPr lang="ko-KR" altLang="en-US" sz="1600" spc="-150" dirty="0">
+                <a:latin typeface="+mn-ea"/>
+              </a:rPr>
+              <a:t>된 슬퍼하는 못 별 시인의 사랑과 있습니다</a:t>
+            </a:r>
+            <a:r>
+              <a:rPr lang="en-US" altLang="ko-KR" sz="1600" spc="-150" dirty="0">
+                <a:latin typeface="+mn-ea"/>
+              </a:rPr>
+              <a:t>. </a:t>
+            </a:r>
+            <a:r>
+              <a:rPr lang="ko-KR" altLang="en-US" sz="1600" spc="-150" dirty="0">
+                <a:latin typeface="+mn-ea"/>
+              </a:rPr>
+              <a:t>멀리 그러나 이런 겨울이 봅니다</a:t>
+            </a:r>
+            <a:r>
+              <a:rPr lang="en-US" altLang="ko-KR" sz="1600" spc="-150" dirty="0">
+                <a:latin typeface="+mn-ea"/>
+              </a:rPr>
+              <a:t>. </a:t>
+            </a:r>
+            <a:r>
+              <a:rPr lang="ko-KR" altLang="en-US" sz="1600" spc="-150" dirty="0">
+                <a:latin typeface="+mn-ea"/>
+              </a:rPr>
+              <a:t>하나에 풀이 별 </a:t>
+            </a:r>
+            <a:r>
+              <a:rPr lang="ko-KR" altLang="en-US" sz="1600" spc="-150" dirty="0" err="1">
+                <a:latin typeface="+mn-ea"/>
+              </a:rPr>
+              <a:t>라이너</a:t>
+            </a:r>
+            <a:r>
+              <a:rPr lang="ko-KR" altLang="en-US" sz="1600" spc="-150" dirty="0">
+                <a:latin typeface="+mn-ea"/>
+              </a:rPr>
+              <a:t> 쓸쓸함과 버리었습니다</a:t>
+            </a:r>
+            <a:r>
+              <a:rPr lang="en-US" altLang="ko-KR" sz="1600" spc="-150" dirty="0">
+                <a:latin typeface="+mn-ea"/>
+              </a:rPr>
+              <a:t>. </a:t>
+            </a:r>
+            <a:endParaRPr lang="ko-KR" altLang="en-US" sz="1600" spc="-150" dirty="0">
+              <a:latin typeface="+mn-ea"/>
+            </a:endParaRPr>
+          </a:p>
+        </p:txBody>
+      </p:sp>
+      <p:sp>
+        <p:nvSpPr>
+          <p:cNvPr id="16" name="TextBox 15">
+            <a:extLst>
+              <a:ext uri="{FF2B5EF4-FFF2-40B4-BE49-F238E27FC236}">
+                <a16:creationId xmlns:a16="http://schemas.microsoft.com/office/drawing/2014/main" id="{E2C10F96-7F0A-4827-9424-E3CE857AA0A5}"/>
+              </a:ext>
+            </a:extLst>
+          </p:cNvPr>
+          <p:cNvSpPr txBox="1"/>
+          <p:nvPr/>
+        </p:nvSpPr>
+        <p:spPr>
+          <a:xfrm>
+            <a:off x="6504263" y="2705686"/>
+            <a:ext cx="3493264" cy="584775"/>
+          </a:xfrm>
+          <a:prstGeom prst="rect">
+            <a:avLst/>
+          </a:prstGeom>
+          <a:noFill/>
+        </p:spPr>
+        <p:txBody>
+          <a:bodyPr wrap="none" rtlCol="0">
+            <a:spAutoFit/>
+          </a:bodyPr>
+          <a:lstStyle/>
+          <a:p>
+            <a:r>
+              <a:rPr lang="ko-KR" altLang="en-US" sz="3200" spc="-300" dirty="0">
+                <a:solidFill>
+                  <a:schemeClr val="tx1">
+                    <a:lumMod val="75000"/>
+                    <a:lumOff val="25000"/>
+                  </a:schemeClr>
+                </a:solidFill>
+                <a:latin typeface="+mj-ea"/>
+                <a:ea typeface="+mj-ea"/>
+              </a:rPr>
+              <a:t>소제목을 입력하세요</a:t>
+            </a:r>
+          </a:p>
+        </p:txBody>
+      </p:sp>
+      <p:cxnSp>
+        <p:nvCxnSpPr>
+          <p:cNvPr id="17" name="직선 연결선 16">
+            <a:extLst>
+              <a:ext uri="{FF2B5EF4-FFF2-40B4-BE49-F238E27FC236}">
+                <a16:creationId xmlns:a16="http://schemas.microsoft.com/office/drawing/2014/main" id="{402FEC6B-D708-4C69-BA45-B5CF1D8EC471}"/>
+              </a:ext>
+            </a:extLst>
+          </p:cNvPr>
+          <p:cNvCxnSpPr/>
+          <p:nvPr/>
+        </p:nvCxnSpPr>
+        <p:spPr>
+          <a:xfrm>
+            <a:off x="6504263" y="3429000"/>
+            <a:ext cx="5687737" cy="0"/>
+          </a:xfrm>
+          <a:prstGeom prst="line">
+            <a:avLst/>
+          </a:prstGeom>
+          <a:ln>
+            <a:solidFill>
+              <a:schemeClr val="tx1"/>
+            </a:solidFill>
+          </a:ln>
+        </p:spPr>
+        <p:style>
+          <a:lnRef idx="1">
+            <a:schemeClr val="accent1"/>
+          </a:lnRef>
+          <a:fillRef idx="0">
+            <a:schemeClr val="accent1"/>
+          </a:fillRef>
+          <a:effectRef idx="0">
+            <a:schemeClr val="accent1"/>
+          </a:effectRef>
+          <a:fontRef idx="minor">
+            <a:schemeClr val="tx1"/>
+          </a:fontRef>
+        </p:style>
+      </p:cxnSp>
+    </p:spTree>
+    <p:extLst>
+      <p:ext uri="{BB962C8B-B14F-4D97-AF65-F5344CB8AC3E}">
+        <p14:creationId xmlns:p14="http://schemas.microsoft.com/office/powerpoint/2010/main" val="143501945"/>
+      </p:ext>
+    </p:extLst>
+  </p:cSld>
+  <p:clrMapOvr>
+    <a:masterClrMapping/>
+  </p:clrMapOvr>
+  <mc:AlternateContent xmlns:mc="http://schemas.openxmlformats.org/markup-compatibility/2006" xmlns:p14="http://schemas.microsoft.com/office/powerpoint/2010/main">
+    <mc:Choice Requires="p14">
+      <p:transition spd="med" p14:dur="700">
+        <p:fade/>
+      </p:transition>
+    </mc:Choice>
+    <mc:Fallback xmlns="">
+      <p:transition spd="med">
+        <p:fade/>
+      </p:transition>
+    </mc:Fallback>
+  </mc:AlternateContent>
+</p:sld>
+</file>
+
+<file path=ppt/slides/slide21.xml><?xml version="1.0" encoding="utf-8"?>
 <p:sld xmlns:a="http://schemas.openxmlformats.org/drawingml/2006/main" xmlns:r="http://schemas.openxmlformats.org/officeDocument/2006/relationships" xmlns:p="http://schemas.openxmlformats.org/presentationml/2006/main">
   <p:cSld>
     <p:spTree>
@@ -16210,14 +17028,6 @@
 <file path=ppt/slides/slide4.xml><?xml version="1.0" encoding="utf-8"?>
 <p:sld xmlns:a="http://schemas.openxmlformats.org/drawingml/2006/main" xmlns:r="http://schemas.openxmlformats.org/officeDocument/2006/relationships" xmlns:p="http://schemas.openxmlformats.org/presentationml/2006/main">
   <p:cSld>
-    <p:bg>
-      <p:bgPr>
-        <a:solidFill>
-          <a:srgbClr val="EAEBED"/>
-        </a:solidFill>
-        <a:effectLst/>
-      </p:bgPr>
-    </p:bg>
     <p:spTree>
       <p:nvGrpSpPr>
         <p:cNvPr id="1" name=""/>
@@ -16232,12 +17042,138 @@
           <a:chExt cx="0" cy="0"/>
         </a:xfrm>
       </p:grpSpPr>
+      <p:cxnSp>
+        <p:nvCxnSpPr>
+          <p:cNvPr id="3" name="직선 연결선 2">
+            <a:extLst>
+              <a:ext uri="{FF2B5EF4-FFF2-40B4-BE49-F238E27FC236}">
+                <a16:creationId xmlns:a16="http://schemas.microsoft.com/office/drawing/2014/main" id="{30B7886A-E2C2-47A8-A271-1FD08F52EED0}"/>
+              </a:ext>
+            </a:extLst>
+          </p:cNvPr>
+          <p:cNvCxnSpPr>
+            <a:cxnSpLocks/>
+          </p:cNvCxnSpPr>
+          <p:nvPr/>
+        </p:nvCxnSpPr>
+        <p:spPr>
+          <a:xfrm>
+            <a:off x="152400" y="190500"/>
+            <a:ext cx="1435100" cy="0"/>
+          </a:xfrm>
+          <a:prstGeom prst="line">
+            <a:avLst/>
+          </a:prstGeom>
+          <a:ln w="76200">
+            <a:solidFill>
+              <a:schemeClr val="accent4"/>
+            </a:solidFill>
+          </a:ln>
+        </p:spPr>
+        <p:style>
+          <a:lnRef idx="1">
+            <a:schemeClr val="accent1"/>
+          </a:lnRef>
+          <a:fillRef idx="0">
+            <a:schemeClr val="accent1"/>
+          </a:fillRef>
+          <a:effectRef idx="0">
+            <a:schemeClr val="accent1"/>
+          </a:effectRef>
+          <a:fontRef idx="minor">
+            <a:schemeClr val="tx1"/>
+          </a:fontRef>
+        </p:style>
+      </p:cxnSp>
+      <p:sp>
+        <p:nvSpPr>
+          <p:cNvPr id="5" name="TextBox 4">
+            <a:extLst>
+              <a:ext uri="{FF2B5EF4-FFF2-40B4-BE49-F238E27FC236}">
+                <a16:creationId xmlns:a16="http://schemas.microsoft.com/office/drawing/2014/main" id="{B0BF8F17-9E56-462D-B8ED-980C1047873B}"/>
+              </a:ext>
+            </a:extLst>
+          </p:cNvPr>
+          <p:cNvSpPr txBox="1"/>
+          <p:nvPr/>
+        </p:nvSpPr>
+        <p:spPr>
+          <a:xfrm>
+            <a:off x="148012" y="267848"/>
+            <a:ext cx="3978974" cy="584775"/>
+          </a:xfrm>
+          <a:prstGeom prst="rect">
+            <a:avLst/>
+          </a:prstGeom>
+          <a:noFill/>
+        </p:spPr>
+        <p:txBody>
+          <a:bodyPr wrap="none" rtlCol="0">
+            <a:spAutoFit/>
+          </a:bodyPr>
+          <a:lstStyle/>
+          <a:p>
+            <a:r>
+              <a:rPr lang="ko-KR" altLang="en-US" sz="3200" spc="-300" dirty="0" err="1">
+                <a:solidFill>
+                  <a:schemeClr val="accent4"/>
+                </a:solidFill>
+              </a:rPr>
+              <a:t>유스케이스</a:t>
+            </a:r>
+            <a:r>
+              <a:rPr lang="ko-KR" altLang="en-US" sz="3200" spc="-300" dirty="0">
+                <a:solidFill>
+                  <a:schemeClr val="accent4"/>
+                </a:solidFill>
+              </a:rPr>
+              <a:t> 다이어그램</a:t>
+            </a:r>
+          </a:p>
+        </p:txBody>
+      </p:sp>
+      <p:cxnSp>
+        <p:nvCxnSpPr>
+          <p:cNvPr id="18" name="직선 연결선 17">
+            <a:extLst>
+              <a:ext uri="{FF2B5EF4-FFF2-40B4-BE49-F238E27FC236}">
+                <a16:creationId xmlns:a16="http://schemas.microsoft.com/office/drawing/2014/main" id="{7911BDFD-7E29-44F7-9ED7-E8F36B51436C}"/>
+              </a:ext>
+            </a:extLst>
+          </p:cNvPr>
+          <p:cNvCxnSpPr/>
+          <p:nvPr/>
+        </p:nvCxnSpPr>
+        <p:spPr>
+          <a:xfrm>
+            <a:off x="1587500" y="190500"/>
+            <a:ext cx="10604500" cy="0"/>
+          </a:xfrm>
+          <a:prstGeom prst="line">
+            <a:avLst/>
+          </a:prstGeom>
+        </p:spPr>
+        <p:style>
+          <a:lnRef idx="1">
+            <a:schemeClr val="accent1"/>
+          </a:lnRef>
+          <a:fillRef idx="0">
+            <a:schemeClr val="accent1"/>
+          </a:fillRef>
+          <a:effectRef idx="0">
+            <a:schemeClr val="accent1"/>
+          </a:effectRef>
+          <a:fontRef idx="minor">
+            <a:schemeClr val="tx1"/>
+          </a:fontRef>
+        </p:style>
+      </p:cxnSp>
       <p:pic>
         <p:nvPicPr>
-          <p:cNvPr id="3" name="그림 2">
-            <a:extLst>
-              <a:ext uri="{FF2B5EF4-FFF2-40B4-BE49-F238E27FC236}">
-                <a16:creationId xmlns:a16="http://schemas.microsoft.com/office/drawing/2014/main" id="{E24AC5BE-AE8A-47DA-849C-86BF19ABB20F}"/>
+          <p:cNvPr id="2" name="그림 1">
+            <a:extLst>
+              <a:ext uri="{FF2B5EF4-FFF2-40B4-BE49-F238E27FC236}">
+                <a16:creationId xmlns:a16="http://schemas.microsoft.com/office/drawing/2014/main" id="{114D6522-D142-A3BF-DBFD-6F3AC856AA66}"/>
               </a:ext>
             </a:extLst>
           </p:cNvPr>
@@ -16247,94 +17183,38 @@
           <p:nvPr/>
         </p:nvPicPr>
         <p:blipFill>
-          <a:blip r:embed="rId2" cstate="screen">
-            <a:extLst>
-              <a:ext uri="{28A0092B-C50C-407E-A947-70E740481C1C}">
-                <a14:useLocalDpi xmlns:a14="http://schemas.microsoft.com/office/drawing/2010/main" val="0"/>
-              </a:ext>
-            </a:extLst>
-          </a:blip>
+          <a:blip r:embed="rId2"/>
           <a:stretch>
             <a:fillRect/>
           </a:stretch>
         </p:blipFill>
         <p:spPr>
           <a:xfrm>
-            <a:off x="3810000" y="0"/>
-            <a:ext cx="4572000" cy="6858000"/>
+            <a:off x="1972170" y="837649"/>
+            <a:ext cx="8247660" cy="6008476"/>
           </a:xfrm>
           <a:prstGeom prst="rect">
             <a:avLst/>
           </a:prstGeom>
         </p:spPr>
       </p:pic>
-      <p:sp>
-        <p:nvSpPr>
-          <p:cNvPr id="2" name="TextBox 1">
-            <a:extLst>
-              <a:ext uri="{FF2B5EF4-FFF2-40B4-BE49-F238E27FC236}">
-                <a16:creationId xmlns:a16="http://schemas.microsoft.com/office/drawing/2014/main" id="{14049933-013A-4DA4-B40F-DB900F3E4904}"/>
-              </a:ext>
-            </a:extLst>
-          </p:cNvPr>
-          <p:cNvSpPr txBox="1"/>
-          <p:nvPr/>
-        </p:nvSpPr>
-        <p:spPr>
-          <a:xfrm>
-            <a:off x="4734092" y="1422400"/>
-            <a:ext cx="2723823" cy="2123658"/>
-          </a:xfrm>
-          <a:prstGeom prst="rect">
-            <a:avLst/>
-          </a:prstGeom>
-          <a:noFill/>
-        </p:spPr>
-        <p:txBody>
-          <a:bodyPr wrap="none" rtlCol="0">
-            <a:spAutoFit/>
-          </a:bodyPr>
-          <a:lstStyle/>
-          <a:p>
-            <a:pPr algn="ctr"/>
-            <a:r>
-              <a:rPr lang="ko-KR" altLang="en-US" sz="6600" dirty="0">
-                <a:latin typeface="+mj-lt"/>
-              </a:rPr>
-              <a:t>일정표</a:t>
-            </a:r>
-            <a:endParaRPr lang="en-US" altLang="ko-KR" sz="6600" dirty="0">
-              <a:latin typeface="+mj-lt"/>
-            </a:endParaRPr>
-          </a:p>
-          <a:p>
-            <a:pPr algn="ctr"/>
-            <a:r>
-              <a:rPr lang="en-US" altLang="ko-KR" sz="6600" dirty="0">
-                <a:latin typeface="+mj-lt"/>
-              </a:rPr>
-              <a:t>:</a:t>
-            </a:r>
-          </a:p>
-        </p:txBody>
-      </p:sp>
     </p:spTree>
     <p:extLst>
       <p:ext uri="{BB962C8B-B14F-4D97-AF65-F5344CB8AC3E}">
-        <p14:creationId xmlns:p14="http://schemas.microsoft.com/office/powerpoint/2010/main" val="1502742669"/>
+        <p14:creationId xmlns:p14="http://schemas.microsoft.com/office/powerpoint/2010/main" val="4080571650"/>
       </p:ext>
     </p:extLst>
   </p:cSld>
   <p:clrMapOvr>
     <a:masterClrMapping/>
   </p:clrMapOvr>
-  <mc:AlternateContent xmlns:mc="http://schemas.openxmlformats.org/markup-compatibility/2006">
-    <mc:Choice xmlns:p14="http://schemas.microsoft.com/office/powerpoint/2010/main" Requires="p14">
+  <mc:AlternateContent xmlns:mc="http://schemas.openxmlformats.org/markup-compatibility/2006" xmlns:p14="http://schemas.microsoft.com/office/powerpoint/2010/main">
+    <mc:Choice Requires="p14">
       <p:transition spd="med" p14:dur="700">
         <p:fade/>
       </p:transition>
     </mc:Choice>
-    <mc:Fallback>
+    <mc:Fallback xmlns="">
       <p:transition spd="med">
         <p:fade/>
       </p:transition>
@@ -16418,6 +17298,142 @@
         </p:nvSpPr>
         <p:spPr>
           <a:xfrm>
+            <a:off x="4734092" y="1422400"/>
+            <a:ext cx="2723823" cy="2123658"/>
+          </a:xfrm>
+          <a:prstGeom prst="rect">
+            <a:avLst/>
+          </a:prstGeom>
+          <a:noFill/>
+        </p:spPr>
+        <p:txBody>
+          <a:bodyPr wrap="none" rtlCol="0">
+            <a:spAutoFit/>
+          </a:bodyPr>
+          <a:lstStyle/>
+          <a:p>
+            <a:pPr algn="ctr"/>
+            <a:r>
+              <a:rPr lang="ko-KR" altLang="en-US" sz="6600" dirty="0">
+                <a:latin typeface="+mj-lt"/>
+              </a:rPr>
+              <a:t>일정표</a:t>
+            </a:r>
+            <a:endParaRPr lang="en-US" altLang="ko-KR" sz="6600" dirty="0">
+              <a:latin typeface="+mj-lt"/>
+            </a:endParaRPr>
+          </a:p>
+          <a:p>
+            <a:pPr algn="ctr"/>
+            <a:r>
+              <a:rPr lang="en-US" altLang="ko-KR" sz="6600" dirty="0">
+                <a:latin typeface="+mj-lt"/>
+              </a:rPr>
+              <a:t>:</a:t>
+            </a:r>
+          </a:p>
+        </p:txBody>
+      </p:sp>
+    </p:spTree>
+    <p:extLst>
+      <p:ext uri="{BB962C8B-B14F-4D97-AF65-F5344CB8AC3E}">
+        <p14:creationId xmlns:p14="http://schemas.microsoft.com/office/powerpoint/2010/main" val="1502742669"/>
+      </p:ext>
+    </p:extLst>
+  </p:cSld>
+  <p:clrMapOvr>
+    <a:masterClrMapping/>
+  </p:clrMapOvr>
+  <mc:AlternateContent xmlns:mc="http://schemas.openxmlformats.org/markup-compatibility/2006" xmlns:p14="http://schemas.microsoft.com/office/powerpoint/2010/main">
+    <mc:Choice Requires="p14">
+      <p:transition spd="med" p14:dur="700">
+        <p:fade/>
+      </p:transition>
+    </mc:Choice>
+    <mc:Fallback xmlns="">
+      <p:transition spd="med">
+        <p:fade/>
+      </p:transition>
+    </mc:Fallback>
+  </mc:AlternateContent>
+</p:sld>
+</file>
+
+<file path=ppt/slides/slide6.xml><?xml version="1.0" encoding="utf-8"?>
+<p:sld xmlns:a="http://schemas.openxmlformats.org/drawingml/2006/main" xmlns:r="http://schemas.openxmlformats.org/officeDocument/2006/relationships" xmlns:p="http://schemas.openxmlformats.org/presentationml/2006/main">
+  <p:cSld>
+    <p:bg>
+      <p:bgPr>
+        <a:solidFill>
+          <a:srgbClr val="EAEBED"/>
+        </a:solidFill>
+        <a:effectLst/>
+      </p:bgPr>
+    </p:bg>
+    <p:spTree>
+      <p:nvGrpSpPr>
+        <p:cNvPr id="1" name=""/>
+        <p:cNvGrpSpPr/>
+        <p:nvPr/>
+      </p:nvGrpSpPr>
+      <p:grpSpPr>
+        <a:xfrm>
+          <a:off x="0" y="0"/>
+          <a:ext cx="0" cy="0"/>
+          <a:chOff x="0" y="0"/>
+          <a:chExt cx="0" cy="0"/>
+        </a:xfrm>
+      </p:grpSpPr>
+      <p:pic>
+        <p:nvPicPr>
+          <p:cNvPr id="3" name="그림 2">
+            <a:extLst>
+              <a:ext uri="{FF2B5EF4-FFF2-40B4-BE49-F238E27FC236}">
+                <a16:creationId xmlns:a16="http://schemas.microsoft.com/office/drawing/2014/main" id="{E24AC5BE-AE8A-47DA-849C-86BF19ABB20F}"/>
+              </a:ext>
+            </a:extLst>
+          </p:cNvPr>
+          <p:cNvPicPr>
+            <a:picLocks noChangeAspect="1"/>
+          </p:cNvPicPr>
+          <p:nvPr/>
+        </p:nvPicPr>
+        <p:blipFill>
+          <a:blip r:embed="rId2" cstate="screen">
+            <a:extLst>
+              <a:ext uri="{28A0092B-C50C-407E-A947-70E740481C1C}">
+                <a14:useLocalDpi xmlns:a14="http://schemas.microsoft.com/office/drawing/2010/main" val="0"/>
+              </a:ext>
+            </a:extLst>
+          </a:blip>
+          <a:stretch>
+            <a:fillRect/>
+          </a:stretch>
+        </p:blipFill>
+        <p:spPr>
+          <a:xfrm>
+            <a:off x="3810000" y="0"/>
+            <a:ext cx="4572000" cy="6858000"/>
+          </a:xfrm>
+          <a:prstGeom prst="rect">
+            <a:avLst/>
+          </a:prstGeom>
+        </p:spPr>
+      </p:pic>
+      <p:sp>
+        <p:nvSpPr>
+          <p:cNvPr id="2" name="TextBox 1">
+            <a:extLst>
+              <a:ext uri="{FF2B5EF4-FFF2-40B4-BE49-F238E27FC236}">
+                <a16:creationId xmlns:a16="http://schemas.microsoft.com/office/drawing/2014/main" id="{14049933-013A-4DA4-B40F-DB900F3E4904}"/>
+              </a:ext>
+            </a:extLst>
+          </p:cNvPr>
+          <p:cNvSpPr txBox="1"/>
+          <p:nvPr/>
+        </p:nvSpPr>
+        <p:spPr>
+          <a:xfrm>
             <a:off x="2364857" y="1422400"/>
             <a:ext cx="7462299" cy="2123658"/>
           </a:xfrm>
@@ -16464,13 +17480,13 @@
   <p:clrMapOvr>
     <a:masterClrMapping/>
   </p:clrMapOvr>
-  <mc:AlternateContent xmlns:mc="http://schemas.openxmlformats.org/markup-compatibility/2006">
-    <mc:Choice xmlns:p14="http://schemas.microsoft.com/office/powerpoint/2010/main" Requires="p14">
+  <mc:AlternateContent xmlns:mc="http://schemas.openxmlformats.org/markup-compatibility/2006" xmlns:p14="http://schemas.microsoft.com/office/powerpoint/2010/main">
+    <mc:Choice Requires="p14">
       <p:transition spd="med" p14:dur="700">
         <p:fade/>
       </p:transition>
     </mc:Choice>
-    <mc:Fallback>
+    <mc:Fallback xmlns="">
       <p:transition spd="med">
         <p:fade/>
       </p:transition>
@@ -16479,7 +17495,7 @@
 </p:sld>
 </file>
 
-<file path=ppt/slides/slide6.xml><?xml version="1.0" encoding="utf-8"?>
+<file path=ppt/slides/slide7.xml><?xml version="1.0" encoding="utf-8"?>
 <p:sld xmlns:a="http://schemas.openxmlformats.org/drawingml/2006/main" xmlns:r="http://schemas.openxmlformats.org/officeDocument/2006/relationships" xmlns:p="http://schemas.openxmlformats.org/presentationml/2006/main">
   <p:cSld>
     <p:bg>
@@ -16666,7 +17682,7 @@
 </p:sld>
 </file>
 
-<file path=ppt/slides/slide7.xml><?xml version="1.0" encoding="utf-8"?>
+<file path=ppt/slides/slide8.xml><?xml version="1.0" encoding="utf-8"?>
 <p:sld xmlns:a="http://schemas.openxmlformats.org/drawingml/2006/main" xmlns:r="http://schemas.openxmlformats.org/officeDocument/2006/relationships" xmlns:p="http://schemas.openxmlformats.org/presentationml/2006/main">
   <p:cSld>
     <p:spTree>
@@ -17778,586 +18794,6 @@
 </p:sld>
 </file>
 
-<file path=ppt/slides/slide8.xml><?xml version="1.0" encoding="utf-8"?>
-<p:sld xmlns:a="http://schemas.openxmlformats.org/drawingml/2006/main" xmlns:r="http://schemas.openxmlformats.org/officeDocument/2006/relationships" xmlns:p="http://schemas.openxmlformats.org/presentationml/2006/main">
-  <p:cSld>
-    <p:spTree>
-      <p:nvGrpSpPr>
-        <p:cNvPr id="1" name=""/>
-        <p:cNvGrpSpPr/>
-        <p:nvPr/>
-      </p:nvGrpSpPr>
-      <p:grpSpPr>
-        <a:xfrm>
-          <a:off x="0" y="0"/>
-          <a:ext cx="0" cy="0"/>
-          <a:chOff x="0" y="0"/>
-          <a:chExt cx="0" cy="0"/>
-        </a:xfrm>
-      </p:grpSpPr>
-      <p:cxnSp>
-        <p:nvCxnSpPr>
-          <p:cNvPr id="3" name="직선 연결선 2">
-            <a:extLst>
-              <a:ext uri="{FF2B5EF4-FFF2-40B4-BE49-F238E27FC236}">
-                <a16:creationId xmlns:a16="http://schemas.microsoft.com/office/drawing/2014/main" id="{30B7886A-E2C2-47A8-A271-1FD08F52EED0}"/>
-              </a:ext>
-            </a:extLst>
-          </p:cNvPr>
-          <p:cNvCxnSpPr>
-            <a:cxnSpLocks/>
-          </p:cNvCxnSpPr>
-          <p:nvPr/>
-        </p:nvCxnSpPr>
-        <p:spPr>
-          <a:xfrm>
-            <a:off x="152400" y="190500"/>
-            <a:ext cx="1435100" cy="0"/>
-          </a:xfrm>
-          <a:prstGeom prst="line">
-            <a:avLst/>
-          </a:prstGeom>
-          <a:ln w="76200">
-            <a:solidFill>
-              <a:schemeClr val="accent4"/>
-            </a:solidFill>
-          </a:ln>
-        </p:spPr>
-        <p:style>
-          <a:lnRef idx="1">
-            <a:schemeClr val="accent1"/>
-          </a:lnRef>
-          <a:fillRef idx="0">
-            <a:schemeClr val="accent1"/>
-          </a:fillRef>
-          <a:effectRef idx="0">
-            <a:schemeClr val="accent1"/>
-          </a:effectRef>
-          <a:fontRef idx="minor">
-            <a:schemeClr val="tx1"/>
-          </a:fontRef>
-        </p:style>
-      </p:cxnSp>
-      <p:sp>
-        <p:nvSpPr>
-          <p:cNvPr id="5" name="TextBox 4">
-            <a:extLst>
-              <a:ext uri="{FF2B5EF4-FFF2-40B4-BE49-F238E27FC236}">
-                <a16:creationId xmlns:a16="http://schemas.microsoft.com/office/drawing/2014/main" id="{B0BF8F17-9E56-462D-B8ED-980C1047873B}"/>
-              </a:ext>
-            </a:extLst>
-          </p:cNvPr>
-          <p:cNvSpPr txBox="1"/>
-          <p:nvPr/>
-        </p:nvSpPr>
-        <p:spPr>
-          <a:xfrm>
-            <a:off x="1676400" y="330200"/>
-            <a:ext cx="3892412" cy="769441"/>
-          </a:xfrm>
-          <a:prstGeom prst="rect">
-            <a:avLst/>
-          </a:prstGeom>
-          <a:noFill/>
-        </p:spPr>
-        <p:txBody>
-          <a:bodyPr wrap="none" rtlCol="0">
-            <a:spAutoFit/>
-          </a:bodyPr>
-          <a:lstStyle/>
-          <a:p>
-            <a:r>
-              <a:rPr lang="ko-KR" altLang="en-US" sz="4400" spc="-300" dirty="0">
-                <a:solidFill>
-                  <a:schemeClr val="accent4"/>
-                </a:solidFill>
-              </a:rPr>
-              <a:t>제목을 입력하세요</a:t>
-            </a:r>
-          </a:p>
-        </p:txBody>
-      </p:sp>
-      <p:sp>
-        <p:nvSpPr>
-          <p:cNvPr id="6" name="TextBox 5">
-            <a:extLst>
-              <a:ext uri="{FF2B5EF4-FFF2-40B4-BE49-F238E27FC236}">
-                <a16:creationId xmlns:a16="http://schemas.microsoft.com/office/drawing/2014/main" id="{3C4D8878-800F-4A94-9AEE-55D2DF32C42C}"/>
-              </a:ext>
-            </a:extLst>
-          </p:cNvPr>
-          <p:cNvSpPr txBox="1"/>
-          <p:nvPr/>
-        </p:nvSpPr>
-        <p:spPr>
-          <a:xfrm>
-            <a:off x="583709" y="345588"/>
-            <a:ext cx="877163" cy="369332"/>
-          </a:xfrm>
-          <a:prstGeom prst="rect">
-            <a:avLst/>
-          </a:prstGeom>
-          <a:noFill/>
-        </p:spPr>
-        <p:txBody>
-          <a:bodyPr wrap="none" rtlCol="0">
-            <a:spAutoFit/>
-          </a:bodyPr>
-          <a:lstStyle/>
-          <a:p>
-            <a:r>
-              <a:rPr lang="ko-KR" altLang="en-US" dirty="0">
-                <a:solidFill>
-                  <a:schemeClr val="accent4"/>
-                </a:solidFill>
-              </a:rPr>
-              <a:t>지난주</a:t>
-            </a:r>
-          </a:p>
-        </p:txBody>
-      </p:sp>
-      <p:sp>
-        <p:nvSpPr>
-          <p:cNvPr id="8" name="타원 7">
-            <a:extLst>
-              <a:ext uri="{FF2B5EF4-FFF2-40B4-BE49-F238E27FC236}">
-                <a16:creationId xmlns:a16="http://schemas.microsoft.com/office/drawing/2014/main" id="{7C6E40B1-E3DC-44B4-A264-AFC6B2D74513}"/>
-              </a:ext>
-            </a:extLst>
-          </p:cNvPr>
-          <p:cNvSpPr/>
-          <p:nvPr/>
-        </p:nvSpPr>
-        <p:spPr>
-          <a:xfrm>
-            <a:off x="781050" y="1930400"/>
-            <a:ext cx="3162298" cy="3162298"/>
-          </a:xfrm>
-          <a:prstGeom prst="ellipse">
-            <a:avLst/>
-          </a:prstGeom>
-          <a:solidFill>
-            <a:schemeClr val="accent4"/>
-          </a:solidFill>
-          <a:ln>
-            <a:noFill/>
-          </a:ln>
-        </p:spPr>
-        <p:style>
-          <a:lnRef idx="2">
-            <a:schemeClr val="accent1">
-              <a:shade val="50000"/>
-            </a:schemeClr>
-          </a:lnRef>
-          <a:fillRef idx="1">
-            <a:schemeClr val="accent1"/>
-          </a:fillRef>
-          <a:effectRef idx="0">
-            <a:schemeClr val="accent1"/>
-          </a:effectRef>
-          <a:fontRef idx="minor">
-            <a:schemeClr val="lt1"/>
-          </a:fontRef>
-        </p:style>
-        <p:txBody>
-          <a:bodyPr rtlCol="0" anchor="ctr"/>
-          <a:lstStyle/>
-          <a:p>
-            <a:pPr algn="ctr"/>
-            <a:endParaRPr lang="ko-KR" altLang="en-US"/>
-          </a:p>
-        </p:txBody>
-      </p:sp>
-      <p:sp>
-        <p:nvSpPr>
-          <p:cNvPr id="9" name="TextBox 8">
-            <a:extLst>
-              <a:ext uri="{FF2B5EF4-FFF2-40B4-BE49-F238E27FC236}">
-                <a16:creationId xmlns:a16="http://schemas.microsoft.com/office/drawing/2014/main" id="{6731E688-3A09-49DB-BB43-A67F3F6087F4}"/>
-              </a:ext>
-            </a:extLst>
-          </p:cNvPr>
-          <p:cNvSpPr txBox="1"/>
-          <p:nvPr/>
-        </p:nvSpPr>
-        <p:spPr>
-          <a:xfrm>
-            <a:off x="1336117" y="5400524"/>
-            <a:ext cx="2052164" cy="461665"/>
-          </a:xfrm>
-          <a:prstGeom prst="rect">
-            <a:avLst/>
-          </a:prstGeom>
-          <a:noFill/>
-        </p:spPr>
-        <p:txBody>
-          <a:bodyPr wrap="none" rtlCol="0">
-            <a:spAutoFit/>
-          </a:bodyPr>
-          <a:lstStyle/>
-          <a:p>
-            <a:pPr algn="ctr"/>
-            <a:r>
-              <a:rPr lang="ko-KR" altLang="en-US" sz="2400" spc="-300" dirty="0"/>
-              <a:t>제목을 입력하세요</a:t>
-            </a:r>
-          </a:p>
-        </p:txBody>
-      </p:sp>
-      <p:sp>
-        <p:nvSpPr>
-          <p:cNvPr id="12" name="타원 11">
-            <a:extLst>
-              <a:ext uri="{FF2B5EF4-FFF2-40B4-BE49-F238E27FC236}">
-                <a16:creationId xmlns:a16="http://schemas.microsoft.com/office/drawing/2014/main" id="{55E440D8-5A59-4290-8071-FA26D45A9993}"/>
-              </a:ext>
-            </a:extLst>
-          </p:cNvPr>
-          <p:cNvSpPr/>
-          <p:nvPr/>
-        </p:nvSpPr>
-        <p:spPr>
-          <a:xfrm>
-            <a:off x="4527550" y="1930400"/>
-            <a:ext cx="3162298" cy="3162298"/>
-          </a:xfrm>
-          <a:prstGeom prst="ellipse">
-            <a:avLst/>
-          </a:prstGeom>
-          <a:solidFill>
-            <a:schemeClr val="accent4"/>
-          </a:solidFill>
-          <a:ln>
-            <a:noFill/>
-          </a:ln>
-        </p:spPr>
-        <p:style>
-          <a:lnRef idx="2">
-            <a:schemeClr val="accent1">
-              <a:shade val="50000"/>
-            </a:schemeClr>
-          </a:lnRef>
-          <a:fillRef idx="1">
-            <a:schemeClr val="accent1"/>
-          </a:fillRef>
-          <a:effectRef idx="0">
-            <a:schemeClr val="accent1"/>
-          </a:effectRef>
-          <a:fontRef idx="minor">
-            <a:schemeClr val="lt1"/>
-          </a:fontRef>
-        </p:style>
-        <p:txBody>
-          <a:bodyPr rtlCol="0" anchor="ctr"/>
-          <a:lstStyle/>
-          <a:p>
-            <a:pPr algn="ctr"/>
-            <a:endParaRPr lang="ko-KR" altLang="en-US"/>
-          </a:p>
-        </p:txBody>
-      </p:sp>
-      <p:sp>
-        <p:nvSpPr>
-          <p:cNvPr id="13" name="TextBox 12">
-            <a:extLst>
-              <a:ext uri="{FF2B5EF4-FFF2-40B4-BE49-F238E27FC236}">
-                <a16:creationId xmlns:a16="http://schemas.microsoft.com/office/drawing/2014/main" id="{20FAFB7D-D274-4221-896D-60BE821F8074}"/>
-              </a:ext>
-            </a:extLst>
-          </p:cNvPr>
-          <p:cNvSpPr txBox="1"/>
-          <p:nvPr/>
-        </p:nvSpPr>
-        <p:spPr>
-          <a:xfrm>
-            <a:off x="5082617" y="5400524"/>
-            <a:ext cx="2052164" cy="461665"/>
-          </a:xfrm>
-          <a:prstGeom prst="rect">
-            <a:avLst/>
-          </a:prstGeom>
-          <a:noFill/>
-        </p:spPr>
-        <p:txBody>
-          <a:bodyPr wrap="none" rtlCol="0">
-            <a:spAutoFit/>
-          </a:bodyPr>
-          <a:lstStyle/>
-          <a:p>
-            <a:pPr algn="ctr"/>
-            <a:r>
-              <a:rPr lang="ko-KR" altLang="en-US" sz="2400" spc="-300" dirty="0"/>
-              <a:t>제목을 입력하세요</a:t>
-            </a:r>
-          </a:p>
-        </p:txBody>
-      </p:sp>
-      <p:sp>
-        <p:nvSpPr>
-          <p:cNvPr id="15" name="타원 14">
-            <a:extLst>
-              <a:ext uri="{FF2B5EF4-FFF2-40B4-BE49-F238E27FC236}">
-                <a16:creationId xmlns:a16="http://schemas.microsoft.com/office/drawing/2014/main" id="{88A5AA3C-7E1D-4850-A07F-C8883AF77CD6}"/>
-              </a:ext>
-            </a:extLst>
-          </p:cNvPr>
-          <p:cNvSpPr/>
-          <p:nvPr/>
-        </p:nvSpPr>
-        <p:spPr>
-          <a:xfrm>
-            <a:off x="8274050" y="1930400"/>
-            <a:ext cx="3162298" cy="3162298"/>
-          </a:xfrm>
-          <a:prstGeom prst="ellipse">
-            <a:avLst/>
-          </a:prstGeom>
-          <a:solidFill>
-            <a:schemeClr val="accent4"/>
-          </a:solidFill>
-          <a:ln>
-            <a:noFill/>
-          </a:ln>
-        </p:spPr>
-        <p:style>
-          <a:lnRef idx="2">
-            <a:schemeClr val="accent1">
-              <a:shade val="50000"/>
-            </a:schemeClr>
-          </a:lnRef>
-          <a:fillRef idx="1">
-            <a:schemeClr val="accent1"/>
-          </a:fillRef>
-          <a:effectRef idx="0">
-            <a:schemeClr val="accent1"/>
-          </a:effectRef>
-          <a:fontRef idx="minor">
-            <a:schemeClr val="lt1"/>
-          </a:fontRef>
-        </p:style>
-        <p:txBody>
-          <a:bodyPr rtlCol="0" anchor="ctr"/>
-          <a:lstStyle/>
-          <a:p>
-            <a:pPr algn="ctr"/>
-            <a:endParaRPr lang="ko-KR" altLang="en-US"/>
-          </a:p>
-        </p:txBody>
-      </p:sp>
-      <p:sp>
-        <p:nvSpPr>
-          <p:cNvPr id="16" name="TextBox 15">
-            <a:extLst>
-              <a:ext uri="{FF2B5EF4-FFF2-40B4-BE49-F238E27FC236}">
-                <a16:creationId xmlns:a16="http://schemas.microsoft.com/office/drawing/2014/main" id="{0B86D68D-1E53-4CD0-9430-3237F4E94341}"/>
-              </a:ext>
-            </a:extLst>
-          </p:cNvPr>
-          <p:cNvSpPr txBox="1"/>
-          <p:nvPr/>
-        </p:nvSpPr>
-        <p:spPr>
-          <a:xfrm>
-            <a:off x="8829117" y="5400524"/>
-            <a:ext cx="2052164" cy="461665"/>
-          </a:xfrm>
-          <a:prstGeom prst="rect">
-            <a:avLst/>
-          </a:prstGeom>
-          <a:noFill/>
-        </p:spPr>
-        <p:txBody>
-          <a:bodyPr wrap="none" rtlCol="0">
-            <a:spAutoFit/>
-          </a:bodyPr>
-          <a:lstStyle/>
-          <a:p>
-            <a:pPr algn="ctr"/>
-            <a:r>
-              <a:rPr lang="ko-KR" altLang="en-US" sz="2400" spc="-300" dirty="0"/>
-              <a:t>제목을 입력하세요</a:t>
-            </a:r>
-          </a:p>
-        </p:txBody>
-      </p:sp>
-      <p:cxnSp>
-        <p:nvCxnSpPr>
-          <p:cNvPr id="18" name="직선 연결선 17">
-            <a:extLst>
-              <a:ext uri="{FF2B5EF4-FFF2-40B4-BE49-F238E27FC236}">
-                <a16:creationId xmlns:a16="http://schemas.microsoft.com/office/drawing/2014/main" id="{7911BDFD-7E29-44F7-9ED7-E8F36B51436C}"/>
-              </a:ext>
-            </a:extLst>
-          </p:cNvPr>
-          <p:cNvCxnSpPr/>
-          <p:nvPr/>
-        </p:nvCxnSpPr>
-        <p:spPr>
-          <a:xfrm>
-            <a:off x="1587500" y="190500"/>
-            <a:ext cx="10604500" cy="0"/>
-          </a:xfrm>
-          <a:prstGeom prst="line">
-            <a:avLst/>
-          </a:prstGeom>
-        </p:spPr>
-        <p:style>
-          <a:lnRef idx="1">
-            <a:schemeClr val="accent1"/>
-          </a:lnRef>
-          <a:fillRef idx="0">
-            <a:schemeClr val="accent1"/>
-          </a:fillRef>
-          <a:effectRef idx="0">
-            <a:schemeClr val="accent1"/>
-          </a:effectRef>
-          <a:fontRef idx="minor">
-            <a:schemeClr val="tx1"/>
-          </a:fontRef>
-        </p:style>
-      </p:cxnSp>
-      <p:pic>
-        <p:nvPicPr>
-          <p:cNvPr id="4" name="그래픽 3" descr="휘갈겨 쓰다 단색으로 채워진">
-            <a:extLst>
-              <a:ext uri="{FF2B5EF4-FFF2-40B4-BE49-F238E27FC236}">
-                <a16:creationId xmlns:a16="http://schemas.microsoft.com/office/drawing/2014/main" id="{87D96005-A1BF-4617-8850-231169C30A75}"/>
-              </a:ext>
-            </a:extLst>
-          </p:cNvPr>
-          <p:cNvPicPr>
-            <a:picLocks noChangeAspect="1"/>
-          </p:cNvPicPr>
-          <p:nvPr/>
-        </p:nvPicPr>
-        <p:blipFill>
-          <a:blip r:embed="rId2">
-            <a:extLst>
-              <a:ext uri="{28A0092B-C50C-407E-A947-70E740481C1C}">
-                <a14:useLocalDpi xmlns:a14="http://schemas.microsoft.com/office/drawing/2010/main" val="0"/>
-              </a:ext>
-              <a:ext uri="{96DAC541-7B7A-43D3-8B79-37D633B846F1}">
-                <asvg:svgBlip xmlns:asvg="http://schemas.microsoft.com/office/drawing/2016/SVG/main" r:embed="rId3"/>
-              </a:ext>
-            </a:extLst>
-          </a:blip>
-          <a:stretch>
-            <a:fillRect/>
-          </a:stretch>
-        </p:blipFill>
-        <p:spPr>
-          <a:xfrm>
-            <a:off x="1336117" y="2643663"/>
-            <a:ext cx="1918398" cy="1918398"/>
-          </a:xfrm>
-          <a:prstGeom prst="rect">
-            <a:avLst/>
-          </a:prstGeom>
-        </p:spPr>
-      </p:pic>
-      <p:pic>
-        <p:nvPicPr>
-          <p:cNvPr id="17" name="그래픽 16" descr="스마트폰 단색으로 채워진">
-            <a:extLst>
-              <a:ext uri="{FF2B5EF4-FFF2-40B4-BE49-F238E27FC236}">
-                <a16:creationId xmlns:a16="http://schemas.microsoft.com/office/drawing/2014/main" id="{FD459999-2154-4B06-945E-362F2618D115}"/>
-              </a:ext>
-            </a:extLst>
-          </p:cNvPr>
-          <p:cNvPicPr>
-            <a:picLocks noChangeAspect="1"/>
-          </p:cNvPicPr>
-          <p:nvPr/>
-        </p:nvPicPr>
-        <p:blipFill>
-          <a:blip r:embed="rId4">
-            <a:extLst>
-              <a:ext uri="{28A0092B-C50C-407E-A947-70E740481C1C}">
-                <a14:useLocalDpi xmlns:a14="http://schemas.microsoft.com/office/drawing/2010/main" val="0"/>
-              </a:ext>
-              <a:ext uri="{96DAC541-7B7A-43D3-8B79-37D633B846F1}">
-                <asvg:svgBlip xmlns:asvg="http://schemas.microsoft.com/office/drawing/2016/SVG/main" r:embed="rId5"/>
-              </a:ext>
-            </a:extLst>
-          </a:blip>
-          <a:stretch>
-            <a:fillRect/>
-          </a:stretch>
-        </p:blipFill>
-        <p:spPr>
-          <a:xfrm>
-            <a:off x="4980332" y="2430117"/>
-            <a:ext cx="2231335" cy="2231335"/>
-          </a:xfrm>
-          <a:prstGeom prst="rect">
-            <a:avLst/>
-          </a:prstGeom>
-        </p:spPr>
-      </p:pic>
-      <p:pic>
-        <p:nvPicPr>
-          <p:cNvPr id="20" name="그래픽 19" descr="키보드 단색으로 채워진">
-            <a:extLst>
-              <a:ext uri="{FF2B5EF4-FFF2-40B4-BE49-F238E27FC236}">
-                <a16:creationId xmlns:a16="http://schemas.microsoft.com/office/drawing/2014/main" id="{E759F4B0-3D35-4BFF-9236-4031C84A62EB}"/>
-              </a:ext>
-            </a:extLst>
-          </p:cNvPr>
-          <p:cNvPicPr>
-            <a:picLocks noChangeAspect="1"/>
-          </p:cNvPicPr>
-          <p:nvPr/>
-        </p:nvPicPr>
-        <p:blipFill>
-          <a:blip r:embed="rId6">
-            <a:extLst>
-              <a:ext uri="{28A0092B-C50C-407E-A947-70E740481C1C}">
-                <a14:useLocalDpi xmlns:a14="http://schemas.microsoft.com/office/drawing/2010/main" val="0"/>
-              </a:ext>
-              <a:ext uri="{96DAC541-7B7A-43D3-8B79-37D633B846F1}">
-                <asvg:svgBlip xmlns:asvg="http://schemas.microsoft.com/office/drawing/2016/SVG/main" r:embed="rId7"/>
-              </a:ext>
-            </a:extLst>
-          </a:blip>
-          <a:stretch>
-            <a:fillRect/>
-          </a:stretch>
-        </p:blipFill>
-        <p:spPr>
-          <a:xfrm>
-            <a:off x="8767344" y="2423694"/>
-            <a:ext cx="2175709" cy="2175709"/>
-          </a:xfrm>
-          <a:prstGeom prst="rect">
-            <a:avLst/>
-          </a:prstGeom>
-        </p:spPr>
-      </p:pic>
-    </p:spTree>
-    <p:extLst>
-      <p:ext uri="{BB962C8B-B14F-4D97-AF65-F5344CB8AC3E}">
-        <p14:creationId xmlns:p14="http://schemas.microsoft.com/office/powerpoint/2010/main" val="4288976108"/>
-      </p:ext>
-    </p:extLst>
-  </p:cSld>
-  <p:clrMapOvr>
-    <a:masterClrMapping/>
-  </p:clrMapOvr>
-  <mc:AlternateContent xmlns:mc="http://schemas.openxmlformats.org/markup-compatibility/2006" xmlns:p14="http://schemas.microsoft.com/office/powerpoint/2010/main">
-    <mc:Choice Requires="p14">
-      <p:transition spd="med" p14:dur="700">
-        <p:fade/>
-      </p:transition>
-    </mc:Choice>
-    <mc:Fallback xmlns="">
-      <p:transition spd="med">
-        <p:fade/>
-      </p:transition>
-    </mc:Fallback>
-  </mc:AlternateContent>
-</p:sld>
-</file>
-
 <file path=ppt/slides/slide9.xml><?xml version="1.0" encoding="utf-8"?>
 <p:sld xmlns:a="http://schemas.openxmlformats.org/drawingml/2006/main" xmlns:r="http://schemas.openxmlformats.org/officeDocument/2006/relationships" xmlns:p="http://schemas.openxmlformats.org/presentationml/2006/main">
   <p:cSld>
@@ -18496,48 +18932,12 @@
           </a:p>
         </p:txBody>
       </p:sp>
-      <p:cxnSp>
-        <p:nvCxnSpPr>
-          <p:cNvPr id="18" name="직선 연결선 17">
-            <a:extLst>
-              <a:ext uri="{FF2B5EF4-FFF2-40B4-BE49-F238E27FC236}">
-                <a16:creationId xmlns:a16="http://schemas.microsoft.com/office/drawing/2014/main" id="{7911BDFD-7E29-44F7-9ED7-E8F36B51436C}"/>
-              </a:ext>
-            </a:extLst>
-          </p:cNvPr>
-          <p:cNvCxnSpPr/>
-          <p:nvPr/>
-        </p:nvCxnSpPr>
-        <p:spPr>
-          <a:xfrm>
-            <a:off x="1587500" y="190500"/>
-            <a:ext cx="10604500" cy="0"/>
-          </a:xfrm>
-          <a:prstGeom prst="line">
-            <a:avLst/>
-          </a:prstGeom>
-        </p:spPr>
-        <p:style>
-          <a:lnRef idx="1">
-            <a:schemeClr val="accent1"/>
-          </a:lnRef>
-          <a:fillRef idx="0">
-            <a:schemeClr val="accent1"/>
-          </a:fillRef>
-          <a:effectRef idx="0">
-            <a:schemeClr val="accent1"/>
-          </a:effectRef>
-          <a:fontRef idx="minor">
-            <a:schemeClr val="tx1"/>
-          </a:fontRef>
-        </p:style>
-      </p:cxnSp>
-      <p:sp>
-        <p:nvSpPr>
-          <p:cNvPr id="17" name="직사각형 16">
-            <a:extLst>
-              <a:ext uri="{FF2B5EF4-FFF2-40B4-BE49-F238E27FC236}">
-                <a16:creationId xmlns:a16="http://schemas.microsoft.com/office/drawing/2014/main" id="{A7399932-852C-4FC0-818C-8BF64A587819}"/>
+      <p:sp>
+        <p:nvSpPr>
+          <p:cNvPr id="8" name="타원 7">
+            <a:extLst>
+              <a:ext uri="{FF2B5EF4-FFF2-40B4-BE49-F238E27FC236}">
+                <a16:creationId xmlns:a16="http://schemas.microsoft.com/office/drawing/2014/main" id="{7C6E40B1-E3DC-44B4-A264-AFC6B2D74513}"/>
               </a:ext>
             </a:extLst>
           </p:cNvPr>
@@ -18546,14 +18946,14 @@
         </p:nvSpPr>
         <p:spPr>
           <a:xfrm>
-            <a:off x="1278428" y="2047946"/>
-            <a:ext cx="1168400" cy="1044000"/>
-          </a:xfrm>
-          <a:prstGeom prst="rect">
+            <a:off x="781050" y="1930400"/>
+            <a:ext cx="3162298" cy="3162298"/>
+          </a:xfrm>
+          <a:prstGeom prst="ellipse">
             <a:avLst/>
           </a:prstGeom>
           <a:solidFill>
-            <a:schemeClr val="accent1"/>
+            <a:schemeClr val="accent4"/>
           </a:solidFill>
           <a:ln>
             <a:noFill/>
@@ -18586,10 +18986,46 @@
       </p:sp>
       <p:sp>
         <p:nvSpPr>
-          <p:cNvPr id="19" name="직사각형 18">
-            <a:extLst>
-              <a:ext uri="{FF2B5EF4-FFF2-40B4-BE49-F238E27FC236}">
-                <a16:creationId xmlns:a16="http://schemas.microsoft.com/office/drawing/2014/main" id="{2F9F526F-DC3D-45D0-97CC-857F415DEC53}"/>
+          <p:cNvPr id="9" name="TextBox 8">
+            <a:extLst>
+              <a:ext uri="{FF2B5EF4-FFF2-40B4-BE49-F238E27FC236}">
+                <a16:creationId xmlns:a16="http://schemas.microsoft.com/office/drawing/2014/main" id="{6731E688-3A09-49DB-BB43-A67F3F6087F4}"/>
+              </a:ext>
+            </a:extLst>
+          </p:cNvPr>
+          <p:cNvSpPr txBox="1"/>
+          <p:nvPr/>
+        </p:nvSpPr>
+        <p:spPr>
+          <a:xfrm>
+            <a:off x="1336117" y="5400524"/>
+            <a:ext cx="2052164" cy="461665"/>
+          </a:xfrm>
+          <a:prstGeom prst="rect">
+            <a:avLst/>
+          </a:prstGeom>
+          <a:noFill/>
+        </p:spPr>
+        <p:txBody>
+          <a:bodyPr wrap="none" rtlCol="0">
+            <a:spAutoFit/>
+          </a:bodyPr>
+          <a:lstStyle/>
+          <a:p>
+            <a:pPr algn="ctr"/>
+            <a:r>
+              <a:rPr lang="ko-KR" altLang="en-US" sz="2400" spc="-300" dirty="0"/>
+              <a:t>제목을 입력하세요</a:t>
+            </a:r>
+          </a:p>
+        </p:txBody>
+      </p:sp>
+      <p:sp>
+        <p:nvSpPr>
+          <p:cNvPr id="12" name="타원 11">
+            <a:extLst>
+              <a:ext uri="{FF2B5EF4-FFF2-40B4-BE49-F238E27FC236}">
+                <a16:creationId xmlns:a16="http://schemas.microsoft.com/office/drawing/2014/main" id="{55E440D8-5A59-4290-8071-FA26D45A9993}"/>
               </a:ext>
             </a:extLst>
           </p:cNvPr>
@@ -18598,14 +19034,14 @@
         </p:nvSpPr>
         <p:spPr>
           <a:xfrm>
-            <a:off x="2688128" y="2047946"/>
-            <a:ext cx="8242300" cy="1044000"/>
-          </a:xfrm>
-          <a:prstGeom prst="rect">
+            <a:off x="4527550" y="1930400"/>
+            <a:ext cx="3162298" cy="3162298"/>
+          </a:xfrm>
+          <a:prstGeom prst="ellipse">
             <a:avLst/>
           </a:prstGeom>
           <a:solidFill>
-            <a:schemeClr val="accent1"/>
+            <a:schemeClr val="accent4"/>
           </a:solidFill>
           <a:ln>
             <a:noFill/>
@@ -18638,10 +19074,10 @@
       </p:sp>
       <p:sp>
         <p:nvSpPr>
-          <p:cNvPr id="20" name="TextBox 19">
-            <a:extLst>
-              <a:ext uri="{FF2B5EF4-FFF2-40B4-BE49-F238E27FC236}">
-                <a16:creationId xmlns:a16="http://schemas.microsoft.com/office/drawing/2014/main" id="{31514E13-0F73-4EAD-8EE0-CF531BE06C69}"/>
+          <p:cNvPr id="13" name="TextBox 12">
+            <a:extLst>
+              <a:ext uri="{FF2B5EF4-FFF2-40B4-BE49-F238E27FC236}">
+                <a16:creationId xmlns:a16="http://schemas.microsoft.com/office/drawing/2014/main" id="{20FAFB7D-D274-4221-896D-60BE821F8074}"/>
               </a:ext>
             </a:extLst>
           </p:cNvPr>
@@ -18650,8 +19086,8 @@
         </p:nvSpPr>
         <p:spPr>
           <a:xfrm>
-            <a:off x="1612432" y="2234823"/>
-            <a:ext cx="428323" cy="646331"/>
+            <a:off x="5082617" y="5400524"/>
+            <a:ext cx="2052164" cy="461665"/>
           </a:xfrm>
           <a:prstGeom prst="rect">
             <a:avLst/>
@@ -18666,71 +19102,18 @@
           <a:p>
             <a:pPr algn="ctr"/>
             <a:r>
-              <a:rPr lang="en-US" altLang="ko-KR" sz="3600" spc="-300" dirty="0">
-                <a:solidFill>
-                  <a:schemeClr val="bg1"/>
-                </a:solidFill>
-                <a:latin typeface="+mj-ea"/>
-                <a:ea typeface="+mj-ea"/>
-              </a:rPr>
-              <a:t>1</a:t>
-            </a:r>
-            <a:endParaRPr lang="ko-KR" altLang="en-US" sz="3600" spc="-300" dirty="0">
-              <a:solidFill>
-                <a:schemeClr val="bg1"/>
-              </a:solidFill>
-              <a:latin typeface="+mj-ea"/>
-              <a:ea typeface="+mj-ea"/>
-            </a:endParaRPr>
-          </a:p>
-        </p:txBody>
-      </p:sp>
-      <p:sp>
-        <p:nvSpPr>
-          <p:cNvPr id="21" name="TextBox 20">
-            <a:extLst>
-              <a:ext uri="{FF2B5EF4-FFF2-40B4-BE49-F238E27FC236}">
-                <a16:creationId xmlns:a16="http://schemas.microsoft.com/office/drawing/2014/main" id="{5A8C8947-AD11-4BA5-AFC4-C97C91EBC161}"/>
-              </a:ext>
-            </a:extLst>
-          </p:cNvPr>
-          <p:cNvSpPr txBox="1"/>
-          <p:nvPr/>
-        </p:nvSpPr>
-        <p:spPr>
-          <a:xfrm>
-            <a:off x="2945222" y="2281114"/>
-            <a:ext cx="3078087" cy="584775"/>
-          </a:xfrm>
-          <a:prstGeom prst="rect">
-            <a:avLst/>
-          </a:prstGeom>
-          <a:noFill/>
-        </p:spPr>
-        <p:txBody>
-          <a:bodyPr wrap="none" rtlCol="0">
-            <a:spAutoFit/>
-          </a:bodyPr>
-          <a:lstStyle/>
-          <a:p>
-            <a:r>
-              <a:rPr lang="ko-KR" altLang="en-US" sz="3200" spc="-300" dirty="0">
-                <a:solidFill>
-                  <a:schemeClr val="bg1"/>
-                </a:solidFill>
-                <a:latin typeface="+mn-ea"/>
-              </a:rPr>
-              <a:t>주제를 입력하세요</a:t>
-            </a:r>
-          </a:p>
-        </p:txBody>
-      </p:sp>
-      <p:sp>
-        <p:nvSpPr>
-          <p:cNvPr id="22" name="직사각형 21">
-            <a:extLst>
-              <a:ext uri="{FF2B5EF4-FFF2-40B4-BE49-F238E27FC236}">
-                <a16:creationId xmlns:a16="http://schemas.microsoft.com/office/drawing/2014/main" id="{22B7112F-B03C-4AFD-888E-4D3992FEA2EE}"/>
+              <a:rPr lang="ko-KR" altLang="en-US" sz="2400" spc="-300" dirty="0"/>
+              <a:t>제목을 입력하세요</a:t>
+            </a:r>
+          </a:p>
+        </p:txBody>
+      </p:sp>
+      <p:sp>
+        <p:nvSpPr>
+          <p:cNvPr id="15" name="타원 14">
+            <a:extLst>
+              <a:ext uri="{FF2B5EF4-FFF2-40B4-BE49-F238E27FC236}">
+                <a16:creationId xmlns:a16="http://schemas.microsoft.com/office/drawing/2014/main" id="{88A5AA3C-7E1D-4850-A07F-C8883AF77CD6}"/>
               </a:ext>
             </a:extLst>
           </p:cNvPr>
@@ -18739,237 +19122,14 @@
         </p:nvSpPr>
         <p:spPr>
           <a:xfrm>
-            <a:off x="1278428" y="3367447"/>
-            <a:ext cx="1168400" cy="1044000"/>
-          </a:xfrm>
-          <a:prstGeom prst="rect">
+            <a:off x="8274050" y="1930400"/>
+            <a:ext cx="3162298" cy="3162298"/>
+          </a:xfrm>
+          <a:prstGeom prst="ellipse">
             <a:avLst/>
           </a:prstGeom>
           <a:solidFill>
-            <a:schemeClr val="accent2"/>
-          </a:solidFill>
-          <a:ln>
-            <a:noFill/>
-          </a:ln>
-        </p:spPr>
-        <p:style>
-          <a:lnRef idx="0">
-            <a:scrgbClr r="0" g="0" b="0"/>
-          </a:lnRef>
-          <a:fillRef idx="0">
-            <a:scrgbClr r="0" g="0" b="0"/>
-          </a:fillRef>
-          <a:effectRef idx="0">
-            <a:scrgbClr r="0" g="0" b="0"/>
-          </a:effectRef>
-          <a:fontRef idx="minor">
-            <a:schemeClr val="lt1"/>
-          </a:fontRef>
-        </p:style>
-        <p:txBody>
-          <a:bodyPr rtlCol="0" anchor="ctr"/>
-          <a:lstStyle/>
-          <a:p>
-            <a:pPr algn="ctr"/>
-            <a:endParaRPr lang="ko-KR" altLang="en-US"/>
-          </a:p>
-        </p:txBody>
-      </p:sp>
-      <p:sp>
-        <p:nvSpPr>
-          <p:cNvPr id="23" name="직사각형 22">
-            <a:extLst>
-              <a:ext uri="{FF2B5EF4-FFF2-40B4-BE49-F238E27FC236}">
-                <a16:creationId xmlns:a16="http://schemas.microsoft.com/office/drawing/2014/main" id="{F0282083-F71D-404F-8759-15BB8B3A55F0}"/>
-              </a:ext>
-            </a:extLst>
-          </p:cNvPr>
-          <p:cNvSpPr/>
-          <p:nvPr/>
-        </p:nvSpPr>
-        <p:spPr>
-          <a:xfrm>
-            <a:off x="2688128" y="3367447"/>
-            <a:ext cx="8242300" cy="1044000"/>
-          </a:xfrm>
-          <a:prstGeom prst="rect">
-            <a:avLst/>
-          </a:prstGeom>
-          <a:solidFill>
-            <a:schemeClr val="accent2"/>
-          </a:solidFill>
-          <a:ln>
-            <a:noFill/>
-          </a:ln>
-        </p:spPr>
-        <p:style>
-          <a:lnRef idx="0">
-            <a:scrgbClr r="0" g="0" b="0"/>
-          </a:lnRef>
-          <a:fillRef idx="0">
-            <a:scrgbClr r="0" g="0" b="0"/>
-          </a:fillRef>
-          <a:effectRef idx="0">
-            <a:scrgbClr r="0" g="0" b="0"/>
-          </a:effectRef>
-          <a:fontRef idx="minor">
-            <a:schemeClr val="lt1"/>
-          </a:fontRef>
-        </p:style>
-        <p:txBody>
-          <a:bodyPr rtlCol="0" anchor="ctr"/>
-          <a:lstStyle/>
-          <a:p>
-            <a:pPr algn="ctr"/>
-            <a:endParaRPr lang="ko-KR" altLang="en-US"/>
-          </a:p>
-        </p:txBody>
-      </p:sp>
-      <p:sp>
-        <p:nvSpPr>
-          <p:cNvPr id="24" name="TextBox 23">
-            <a:extLst>
-              <a:ext uri="{FF2B5EF4-FFF2-40B4-BE49-F238E27FC236}">
-                <a16:creationId xmlns:a16="http://schemas.microsoft.com/office/drawing/2014/main" id="{11761A23-A89B-49A0-9103-FB499CB51CA7}"/>
-              </a:ext>
-            </a:extLst>
-          </p:cNvPr>
-          <p:cNvSpPr txBox="1"/>
-          <p:nvPr/>
-        </p:nvSpPr>
-        <p:spPr>
-          <a:xfrm>
-            <a:off x="1623067" y="3564662"/>
-            <a:ext cx="428322" cy="646331"/>
-          </a:xfrm>
-          <a:prstGeom prst="rect">
-            <a:avLst/>
-          </a:prstGeom>
-          <a:noFill/>
-          <a:ln>
-            <a:noFill/>
-          </a:ln>
-        </p:spPr>
-        <p:style>
-          <a:lnRef idx="0">
-            <a:scrgbClr r="0" g="0" b="0"/>
-          </a:lnRef>
-          <a:fillRef idx="0">
-            <a:scrgbClr r="0" g="0" b="0"/>
-          </a:fillRef>
-          <a:effectRef idx="0">
-            <a:scrgbClr r="0" g="0" b="0"/>
-          </a:effectRef>
-          <a:fontRef idx="minor">
-            <a:schemeClr val="lt1"/>
-          </a:fontRef>
-        </p:style>
-        <p:txBody>
-          <a:bodyPr wrap="none" rtlCol="0">
-            <a:spAutoFit/>
-          </a:bodyPr>
-          <a:lstStyle/>
-          <a:p>
-            <a:pPr algn="ctr"/>
-            <a:r>
-              <a:rPr lang="en-US" altLang="ko-KR" sz="3600" spc="-300" dirty="0">
-                <a:solidFill>
-                  <a:schemeClr val="bg1"/>
-                </a:solidFill>
-                <a:latin typeface="+mj-ea"/>
-                <a:ea typeface="+mj-ea"/>
-              </a:rPr>
-              <a:t>2</a:t>
-            </a:r>
-            <a:endParaRPr lang="ko-KR" altLang="en-US" sz="3600" spc="-300" dirty="0">
-              <a:solidFill>
-                <a:schemeClr val="bg1"/>
-              </a:solidFill>
-              <a:latin typeface="+mj-ea"/>
-              <a:ea typeface="+mj-ea"/>
-            </a:endParaRPr>
-          </a:p>
-        </p:txBody>
-      </p:sp>
-      <p:sp>
-        <p:nvSpPr>
-          <p:cNvPr id="25" name="TextBox 24">
-            <a:extLst>
-              <a:ext uri="{FF2B5EF4-FFF2-40B4-BE49-F238E27FC236}">
-                <a16:creationId xmlns:a16="http://schemas.microsoft.com/office/drawing/2014/main" id="{CEA63ED5-C65D-4CB4-B317-42D69753959A}"/>
-              </a:ext>
-            </a:extLst>
-          </p:cNvPr>
-          <p:cNvSpPr txBox="1"/>
-          <p:nvPr/>
-        </p:nvSpPr>
-        <p:spPr>
-          <a:xfrm>
-            <a:off x="2945222" y="3579352"/>
-            <a:ext cx="2775119" cy="584775"/>
-          </a:xfrm>
-          <a:prstGeom prst="rect">
-            <a:avLst/>
-          </a:prstGeom>
-          <a:noFill/>
-          <a:ln>
-            <a:noFill/>
-          </a:ln>
-        </p:spPr>
-        <p:style>
-          <a:lnRef idx="0">
-            <a:scrgbClr r="0" g="0" b="0"/>
-          </a:lnRef>
-          <a:fillRef idx="0">
-            <a:scrgbClr r="0" g="0" b="0"/>
-          </a:fillRef>
-          <a:effectRef idx="0">
-            <a:scrgbClr r="0" g="0" b="0"/>
-          </a:effectRef>
-          <a:fontRef idx="minor">
-            <a:schemeClr val="lt1"/>
-          </a:fontRef>
-        </p:style>
-        <p:txBody>
-          <a:bodyPr wrap="none" rtlCol="0">
-            <a:spAutoFit/>
-          </a:bodyPr>
-          <a:lstStyle/>
-          <a:p>
-            <a:r>
-              <a:rPr lang="ko-KR" altLang="en-US" sz="3200" spc="-300" dirty="0">
-                <a:solidFill>
-                  <a:schemeClr val="bg1"/>
-                </a:solidFill>
-                <a:latin typeface="+mn-ea"/>
-              </a:rPr>
-              <a:t>주제를 입력하세요</a:t>
-            </a:r>
-          </a:p>
-        </p:txBody>
-      </p:sp>
-      <p:sp>
-        <p:nvSpPr>
-          <p:cNvPr id="26" name="직사각형 25">
-            <a:extLst>
-              <a:ext uri="{FF2B5EF4-FFF2-40B4-BE49-F238E27FC236}">
-                <a16:creationId xmlns:a16="http://schemas.microsoft.com/office/drawing/2014/main" id="{64A4D990-7F19-4B43-A33C-FCB4182E2A55}"/>
-              </a:ext>
-            </a:extLst>
-          </p:cNvPr>
-          <p:cNvSpPr/>
-          <p:nvPr/>
-        </p:nvSpPr>
-        <p:spPr>
-          <a:xfrm>
-            <a:off x="1278428" y="4686948"/>
-            <a:ext cx="1168400" cy="1044000"/>
-          </a:xfrm>
-          <a:prstGeom prst="rect">
-            <a:avLst/>
-          </a:prstGeom>
-          <a:solidFill>
-            <a:schemeClr val="accent6"/>
+            <a:schemeClr val="accent4"/>
           </a:solidFill>
           <a:ln>
             <a:noFill/>
@@ -19002,62 +19162,10 @@
       </p:sp>
       <p:sp>
         <p:nvSpPr>
-          <p:cNvPr id="27" name="직사각형 26">
-            <a:extLst>
-              <a:ext uri="{FF2B5EF4-FFF2-40B4-BE49-F238E27FC236}">
-                <a16:creationId xmlns:a16="http://schemas.microsoft.com/office/drawing/2014/main" id="{9460BB99-9F69-4AB9-84C3-FEA78F16C514}"/>
-              </a:ext>
-            </a:extLst>
-          </p:cNvPr>
-          <p:cNvSpPr/>
-          <p:nvPr/>
-        </p:nvSpPr>
-        <p:spPr>
-          <a:xfrm>
-            <a:off x="2688128" y="4686948"/>
-            <a:ext cx="8242300" cy="1044000"/>
-          </a:xfrm>
-          <a:prstGeom prst="rect">
-            <a:avLst/>
-          </a:prstGeom>
-          <a:solidFill>
-            <a:schemeClr val="accent6"/>
-          </a:solidFill>
-          <a:ln>
-            <a:noFill/>
-          </a:ln>
-        </p:spPr>
-        <p:style>
-          <a:lnRef idx="2">
-            <a:schemeClr val="accent1">
-              <a:shade val="50000"/>
-            </a:schemeClr>
-          </a:lnRef>
-          <a:fillRef idx="1">
-            <a:schemeClr val="accent1"/>
-          </a:fillRef>
-          <a:effectRef idx="0">
-            <a:schemeClr val="accent1"/>
-          </a:effectRef>
-          <a:fontRef idx="minor">
-            <a:schemeClr val="lt1"/>
-          </a:fontRef>
-        </p:style>
-        <p:txBody>
-          <a:bodyPr rtlCol="0" anchor="ctr"/>
-          <a:lstStyle/>
-          <a:p>
-            <a:pPr algn="ctr"/>
-            <a:endParaRPr lang="ko-KR" altLang="en-US"/>
-          </a:p>
-        </p:txBody>
-      </p:sp>
-      <p:sp>
-        <p:nvSpPr>
-          <p:cNvPr id="28" name="TextBox 27">
-            <a:extLst>
-              <a:ext uri="{FF2B5EF4-FFF2-40B4-BE49-F238E27FC236}">
-                <a16:creationId xmlns:a16="http://schemas.microsoft.com/office/drawing/2014/main" id="{9AA1068E-2C3F-4AE4-B156-57FB340C7A5D}"/>
+          <p:cNvPr id="16" name="TextBox 15">
+            <a:extLst>
+              <a:ext uri="{FF2B5EF4-FFF2-40B4-BE49-F238E27FC236}">
+                <a16:creationId xmlns:a16="http://schemas.microsoft.com/office/drawing/2014/main" id="{0B86D68D-1E53-4CD0-9430-3237F4E94341}"/>
               </a:ext>
             </a:extLst>
           </p:cNvPr>
@@ -19066,8 +19174,8 @@
         </p:nvSpPr>
         <p:spPr>
           <a:xfrm>
-            <a:off x="1623067" y="4884163"/>
-            <a:ext cx="428322" cy="646331"/>
+            <a:off x="8829117" y="5400524"/>
+            <a:ext cx="2052164" cy="461665"/>
           </a:xfrm>
           <a:prstGeom prst="rect">
             <a:avLst/>
@@ -19082,78 +19190,169 @@
           <a:p>
             <a:pPr algn="ctr"/>
             <a:r>
-              <a:rPr lang="en-US" altLang="ko-KR" sz="3600" spc="-300" dirty="0">
-                <a:solidFill>
-                  <a:schemeClr val="tx1">
-                    <a:lumMod val="75000"/>
-                    <a:lumOff val="25000"/>
-                  </a:schemeClr>
-                </a:solidFill>
-                <a:latin typeface="+mj-ea"/>
-                <a:ea typeface="+mj-ea"/>
-              </a:rPr>
-              <a:t>3</a:t>
-            </a:r>
-            <a:endParaRPr lang="ko-KR" altLang="en-US" sz="3600" spc="-300" dirty="0">
-              <a:solidFill>
-                <a:schemeClr val="tx1">
-                  <a:lumMod val="75000"/>
-                  <a:lumOff val="25000"/>
-                </a:schemeClr>
-              </a:solidFill>
-              <a:latin typeface="+mj-ea"/>
-              <a:ea typeface="+mj-ea"/>
-            </a:endParaRPr>
-          </a:p>
-        </p:txBody>
-      </p:sp>
-      <p:sp>
-        <p:nvSpPr>
-          <p:cNvPr id="29" name="TextBox 28">
-            <a:extLst>
-              <a:ext uri="{FF2B5EF4-FFF2-40B4-BE49-F238E27FC236}">
-                <a16:creationId xmlns:a16="http://schemas.microsoft.com/office/drawing/2014/main" id="{BA875725-6414-48F9-9779-9741EF9B938D}"/>
-              </a:ext>
-            </a:extLst>
-          </p:cNvPr>
-          <p:cNvSpPr txBox="1"/>
-          <p:nvPr/>
-        </p:nvSpPr>
-        <p:spPr>
-          <a:xfrm>
-            <a:off x="2945222" y="4898853"/>
-            <a:ext cx="2929007" cy="584775"/>
+              <a:rPr lang="ko-KR" altLang="en-US" sz="2400" spc="-300" dirty="0"/>
+              <a:t>제목을 입력하세요</a:t>
+            </a:r>
+          </a:p>
+        </p:txBody>
+      </p:sp>
+      <p:cxnSp>
+        <p:nvCxnSpPr>
+          <p:cNvPr id="18" name="직선 연결선 17">
+            <a:extLst>
+              <a:ext uri="{FF2B5EF4-FFF2-40B4-BE49-F238E27FC236}">
+                <a16:creationId xmlns:a16="http://schemas.microsoft.com/office/drawing/2014/main" id="{7911BDFD-7E29-44F7-9ED7-E8F36B51436C}"/>
+              </a:ext>
+            </a:extLst>
+          </p:cNvPr>
+          <p:cNvCxnSpPr/>
+          <p:nvPr/>
+        </p:nvCxnSpPr>
+        <p:spPr>
+          <a:xfrm>
+            <a:off x="1587500" y="190500"/>
+            <a:ext cx="10604500" cy="0"/>
+          </a:xfrm>
+          <a:prstGeom prst="line">
+            <a:avLst/>
+          </a:prstGeom>
+        </p:spPr>
+        <p:style>
+          <a:lnRef idx="1">
+            <a:schemeClr val="accent1"/>
+          </a:lnRef>
+          <a:fillRef idx="0">
+            <a:schemeClr val="accent1"/>
+          </a:fillRef>
+          <a:effectRef idx="0">
+            <a:schemeClr val="accent1"/>
+          </a:effectRef>
+          <a:fontRef idx="minor">
+            <a:schemeClr val="tx1"/>
+          </a:fontRef>
+        </p:style>
+      </p:cxnSp>
+      <p:pic>
+        <p:nvPicPr>
+          <p:cNvPr id="4" name="그래픽 3" descr="휘갈겨 쓰다 단색으로 채워진">
+            <a:extLst>
+              <a:ext uri="{FF2B5EF4-FFF2-40B4-BE49-F238E27FC236}">
+                <a16:creationId xmlns:a16="http://schemas.microsoft.com/office/drawing/2014/main" id="{87D96005-A1BF-4617-8850-231169C30A75}"/>
+              </a:ext>
+            </a:extLst>
+          </p:cNvPr>
+          <p:cNvPicPr>
+            <a:picLocks noChangeAspect="1"/>
+          </p:cNvPicPr>
+          <p:nvPr/>
+        </p:nvPicPr>
+        <p:blipFill>
+          <a:blip r:embed="rId2">
+            <a:extLst>
+              <a:ext uri="{28A0092B-C50C-407E-A947-70E740481C1C}">
+                <a14:useLocalDpi xmlns:a14="http://schemas.microsoft.com/office/drawing/2010/main" val="0"/>
+              </a:ext>
+              <a:ext uri="{96DAC541-7B7A-43D3-8B79-37D633B846F1}">
+                <asvg:svgBlip xmlns:asvg="http://schemas.microsoft.com/office/drawing/2016/SVG/main" r:embed="rId3"/>
+              </a:ext>
+            </a:extLst>
+          </a:blip>
+          <a:stretch>
+            <a:fillRect/>
+          </a:stretch>
+        </p:blipFill>
+        <p:spPr>
+          <a:xfrm>
+            <a:off x="1336117" y="2643663"/>
+            <a:ext cx="1918398" cy="1918398"/>
           </a:xfrm>
           <a:prstGeom prst="rect">
             <a:avLst/>
           </a:prstGeom>
-          <a:noFill/>
-        </p:spPr>
-        <p:txBody>
-          <a:bodyPr wrap="none" rtlCol="0">
-            <a:spAutoFit/>
-          </a:bodyPr>
-          <a:lstStyle/>
-          <a:p>
-            <a:r>
-              <a:rPr lang="ko-KR" altLang="en-US" sz="3200" spc="-300" dirty="0">
-                <a:solidFill>
-                  <a:schemeClr val="tx1">
-                    <a:lumMod val="75000"/>
-                    <a:lumOff val="25000"/>
-                  </a:schemeClr>
-                </a:solidFill>
-                <a:latin typeface="+mn-ea"/>
-              </a:rPr>
-              <a:t>주제를 입력하세요</a:t>
-            </a:r>
-          </a:p>
-        </p:txBody>
-      </p:sp>
+        </p:spPr>
+      </p:pic>
+      <p:pic>
+        <p:nvPicPr>
+          <p:cNvPr id="17" name="그래픽 16" descr="스마트폰 단색으로 채워진">
+            <a:extLst>
+              <a:ext uri="{FF2B5EF4-FFF2-40B4-BE49-F238E27FC236}">
+                <a16:creationId xmlns:a16="http://schemas.microsoft.com/office/drawing/2014/main" id="{FD459999-2154-4B06-945E-362F2618D115}"/>
+              </a:ext>
+            </a:extLst>
+          </p:cNvPr>
+          <p:cNvPicPr>
+            <a:picLocks noChangeAspect="1"/>
+          </p:cNvPicPr>
+          <p:nvPr/>
+        </p:nvPicPr>
+        <p:blipFill>
+          <a:blip r:embed="rId4">
+            <a:extLst>
+              <a:ext uri="{28A0092B-C50C-407E-A947-70E740481C1C}">
+                <a14:useLocalDpi xmlns:a14="http://schemas.microsoft.com/office/drawing/2010/main" val="0"/>
+              </a:ext>
+              <a:ext uri="{96DAC541-7B7A-43D3-8B79-37D633B846F1}">
+                <asvg:svgBlip xmlns:asvg="http://schemas.microsoft.com/office/drawing/2016/SVG/main" r:embed="rId5"/>
+              </a:ext>
+            </a:extLst>
+          </a:blip>
+          <a:stretch>
+            <a:fillRect/>
+          </a:stretch>
+        </p:blipFill>
+        <p:spPr>
+          <a:xfrm>
+            <a:off x="4980332" y="2430117"/>
+            <a:ext cx="2231335" cy="2231335"/>
+          </a:xfrm>
+          <a:prstGeom prst="rect">
+            <a:avLst/>
+          </a:prstGeom>
+        </p:spPr>
+      </p:pic>
+      <p:pic>
+        <p:nvPicPr>
+          <p:cNvPr id="20" name="그래픽 19" descr="키보드 단색으로 채워진">
+            <a:extLst>
+              <a:ext uri="{FF2B5EF4-FFF2-40B4-BE49-F238E27FC236}">
+                <a16:creationId xmlns:a16="http://schemas.microsoft.com/office/drawing/2014/main" id="{E759F4B0-3D35-4BFF-9236-4031C84A62EB}"/>
+              </a:ext>
+            </a:extLst>
+          </p:cNvPr>
+          <p:cNvPicPr>
+            <a:picLocks noChangeAspect="1"/>
+          </p:cNvPicPr>
+          <p:nvPr/>
+        </p:nvPicPr>
+        <p:blipFill>
+          <a:blip r:embed="rId6">
+            <a:extLst>
+              <a:ext uri="{28A0092B-C50C-407E-A947-70E740481C1C}">
+                <a14:useLocalDpi xmlns:a14="http://schemas.microsoft.com/office/drawing/2010/main" val="0"/>
+              </a:ext>
+              <a:ext uri="{96DAC541-7B7A-43D3-8B79-37D633B846F1}">
+                <asvg:svgBlip xmlns:asvg="http://schemas.microsoft.com/office/drawing/2016/SVG/main" r:embed="rId7"/>
+              </a:ext>
+            </a:extLst>
+          </a:blip>
+          <a:stretch>
+            <a:fillRect/>
+          </a:stretch>
+        </p:blipFill>
+        <p:spPr>
+          <a:xfrm>
+            <a:off x="8767344" y="2423694"/>
+            <a:ext cx="2175709" cy="2175709"/>
+          </a:xfrm>
+          <a:prstGeom prst="rect">
+            <a:avLst/>
+          </a:prstGeom>
+        </p:spPr>
+      </p:pic>
     </p:spTree>
     <p:extLst>
       <p:ext uri="{BB962C8B-B14F-4D97-AF65-F5344CB8AC3E}">
-        <p14:creationId xmlns:p14="http://schemas.microsoft.com/office/powerpoint/2010/main" val="1320878365"/>
+        <p14:creationId xmlns:p14="http://schemas.microsoft.com/office/powerpoint/2010/main" val="4288976108"/>
       </p:ext>
     </p:extLst>
   </p:cSld>

--- a/발표자료/PPT.pptx
+++ b/발표자료/PPT.pptx
@@ -19556,7 +19556,7 @@
         </p:blipFill>
         <p:spPr>
           <a:xfrm>
-            <a:off x="1972170" y="837649"/>
+            <a:off x="1989103" y="837649"/>
             <a:ext cx="8247660" cy="6008476"/>
           </a:xfrm>
           <a:prstGeom prst="rect">

--- a/발표자료/PPT.pptx
+++ b/발표자료/PPT.pptx
@@ -5232,6 +5232,106 @@
 </p:notes>
 </file>
 
+<file path=ppt/notesSlides/notesSlide2.xml><?xml version="1.0" encoding="utf-8"?>
+<p:notes xmlns:a="http://schemas.openxmlformats.org/drawingml/2006/main" xmlns:r="http://schemas.openxmlformats.org/officeDocument/2006/relationships" xmlns:p="http://schemas.openxmlformats.org/presentationml/2006/main">
+  <p:cSld>
+    <p:spTree>
+      <p:nvGrpSpPr>
+        <p:cNvPr id="1" name=""/>
+        <p:cNvGrpSpPr/>
+        <p:nvPr/>
+      </p:nvGrpSpPr>
+      <p:grpSpPr>
+        <a:xfrm>
+          <a:off x="0" y="0"/>
+          <a:ext cx="0" cy="0"/>
+          <a:chOff x="0" y="0"/>
+          <a:chExt cx="0" cy="0"/>
+        </a:xfrm>
+      </p:grpSpPr>
+      <p:sp>
+        <p:nvSpPr>
+          <p:cNvPr id="2" name="슬라이드 이미지 개체 틀 1"/>
+          <p:cNvSpPr>
+            <a:spLocks noGrp="1" noRot="1" noChangeAspect="1"/>
+          </p:cNvSpPr>
+          <p:nvPr>
+            <p:ph type="sldImg"/>
+          </p:nvPr>
+        </p:nvSpPr>
+        <p:spPr/>
+      </p:sp>
+      <p:sp>
+        <p:nvSpPr>
+          <p:cNvPr id="3" name="슬라이드 노트 개체 틀 2"/>
+          <p:cNvSpPr>
+            <a:spLocks noGrp="1"/>
+          </p:cNvSpPr>
+          <p:nvPr>
+            <p:ph type="body" idx="1"/>
+          </p:nvPr>
+        </p:nvSpPr>
+        <p:spPr/>
+        <p:txBody>
+          <a:bodyPr/>
+          <a:lstStyle/>
+          <a:p>
+            <a:r>
+              <a:rPr kumimoji="1" lang="ko-Kore-KR" altLang="en-US" dirty="0"/>
+              <a:t>주차</a:t>
+            </a:r>
+            <a:r>
+              <a:rPr kumimoji="1" lang="ko-KR" altLang="en-US" dirty="0"/>
+              <a:t> 기준 </a:t>
+            </a:r>
+            <a:r>
+              <a:rPr kumimoji="1" lang="en-US" altLang="ko-KR" dirty="0"/>
+              <a:t>:</a:t>
+            </a:r>
+            <a:r>
+              <a:rPr kumimoji="1" lang="ko-KR" altLang="en-US" dirty="0"/>
+              <a:t> 회의 횟수 기준</a:t>
+            </a:r>
+            <a:endParaRPr kumimoji="1" lang="ko-Kore-KR" altLang="en-US" dirty="0"/>
+          </a:p>
+        </p:txBody>
+      </p:sp>
+      <p:sp>
+        <p:nvSpPr>
+          <p:cNvPr id="4" name="슬라이드 번호 개체 틀 3"/>
+          <p:cNvSpPr>
+            <a:spLocks noGrp="1"/>
+          </p:cNvSpPr>
+          <p:nvPr>
+            <p:ph type="sldNum" sz="quarter" idx="5"/>
+          </p:nvPr>
+        </p:nvSpPr>
+        <p:spPr/>
+        <p:txBody>
+          <a:bodyPr/>
+          <a:lstStyle/>
+          <a:p>
+            <a:fld id="{4505E925-51BE-7A42-8C6A-5E106D994793}" type="slidenum">
+              <a:rPr kumimoji="1" lang="ko-Kore-KR" altLang="en-US" smtClean="0"/>
+              <a:t>8</a:t>
+            </a:fld>
+            <a:endParaRPr kumimoji="1" lang="ko-Kore-KR" altLang="en-US"/>
+          </a:p>
+        </p:txBody>
+      </p:sp>
+    </p:spTree>
+    <p:extLst>
+      <p:ext uri="{BB962C8B-B14F-4D97-AF65-F5344CB8AC3E}">
+        <p14:creationId xmlns:p14="http://schemas.microsoft.com/office/powerpoint/2010/main" val="1949622933"/>
+      </p:ext>
+    </p:extLst>
+  </p:cSld>
+  <p:clrMapOvr>
+    <a:masterClrMapping/>
+  </p:clrMapOvr>
+</p:notes>
+</file>
+
 <file path=ppt/slideLayouts/slideLayout1.xml><?xml version="1.0" encoding="utf-8"?>
 <p:sldLayout xmlns:a="http://schemas.openxmlformats.org/drawingml/2006/main" xmlns:r="http://schemas.openxmlformats.org/officeDocument/2006/relationships" xmlns:p="http://schemas.openxmlformats.org/presentationml/2006/main" type="title" preserve="1">
   <p:cSld name="제목 슬라이드">
@@ -8651,108 +8751,43 @@
           </a:prstGeom>
         </p:spPr>
       </p:pic>
-      <p:grpSp>
-        <p:nvGrpSpPr>
-          <p:cNvPr id="6" name="그룹 5">
-            <a:extLst>
-              <a:ext uri="{FF2B5EF4-FFF2-40B4-BE49-F238E27FC236}">
-                <a16:creationId xmlns:a16="http://schemas.microsoft.com/office/drawing/2014/main" id="{245DB8B0-BCF9-4A29-9197-7A48AFB9D1DC}"/>
-              </a:ext>
-            </a:extLst>
-          </p:cNvPr>
-          <p:cNvGrpSpPr/>
+      <p:sp>
+        <p:nvSpPr>
+          <p:cNvPr id="2" name="TextBox 1">
+            <a:extLst>
+              <a:ext uri="{FF2B5EF4-FFF2-40B4-BE49-F238E27FC236}">
+                <a16:creationId xmlns:a16="http://schemas.microsoft.com/office/drawing/2014/main" id="{12F75DDD-8FAC-423E-87FB-5D62741FF7B1}"/>
+              </a:ext>
+            </a:extLst>
+          </p:cNvPr>
+          <p:cNvSpPr txBox="1"/>
           <p:nvPr/>
-        </p:nvGrpSpPr>
-        <p:grpSpPr>
+        </p:nvSpPr>
+        <p:spPr>
           <a:xfrm>
             <a:off x="901700" y="2721114"/>
-            <a:ext cx="4474302" cy="1415772"/>
-            <a:chOff x="901700" y="2721114"/>
-            <a:chExt cx="4474302" cy="1415772"/>
-          </a:xfrm>
-        </p:grpSpPr>
-        <p:sp>
-          <p:nvSpPr>
-            <p:cNvPr id="2" name="TextBox 1">
-              <a:extLst>
-                <a:ext uri="{FF2B5EF4-FFF2-40B4-BE49-F238E27FC236}">
-                  <a16:creationId xmlns:a16="http://schemas.microsoft.com/office/drawing/2014/main" id="{12F75DDD-8FAC-423E-87FB-5D62741FF7B1}"/>
-                </a:ext>
-              </a:extLst>
-            </p:cNvPr>
-            <p:cNvSpPr txBox="1"/>
-            <p:nvPr/>
-          </p:nvSpPr>
-          <p:spPr>
-            <a:xfrm>
-              <a:off x="901700" y="2721114"/>
-              <a:ext cx="4474302" cy="769441"/>
-            </a:xfrm>
-            <a:prstGeom prst="rect">
-              <a:avLst/>
-            </a:prstGeom>
-            <a:noFill/>
-          </p:spPr>
-          <p:txBody>
-            <a:bodyPr wrap="none" rtlCol="0">
-              <a:spAutoFit/>
-            </a:bodyPr>
-            <a:lstStyle/>
-            <a:p>
-              <a:r>
-                <a:rPr lang="ko-KR" altLang="en-US" sz="4400" dirty="0">
-                  <a:latin typeface="+mj-lt"/>
-                </a:rPr>
-                <a:t>지난주에 한 내용</a:t>
-              </a:r>
-            </a:p>
-          </p:txBody>
-        </p:sp>
-        <p:sp>
-          <p:nvSpPr>
-            <p:cNvPr id="4" name="TextBox 3">
-              <a:extLst>
-                <a:ext uri="{FF2B5EF4-FFF2-40B4-BE49-F238E27FC236}">
-                  <a16:creationId xmlns:a16="http://schemas.microsoft.com/office/drawing/2014/main" id="{988839C2-BAAB-4531-A42C-39A13C09E321}"/>
-                </a:ext>
-              </a:extLst>
-            </p:cNvPr>
-            <p:cNvSpPr txBox="1"/>
-            <p:nvPr/>
-          </p:nvSpPr>
-          <p:spPr>
-            <a:xfrm>
-              <a:off x="901700" y="3490555"/>
-              <a:ext cx="3666388" cy="646331"/>
-            </a:xfrm>
-            <a:prstGeom prst="rect">
-              <a:avLst/>
-            </a:prstGeom>
-            <a:noFill/>
-          </p:spPr>
-          <p:txBody>
-            <a:bodyPr wrap="none" rtlCol="0">
-              <a:spAutoFit/>
-            </a:bodyPr>
-            <a:lstStyle/>
-            <a:p>
-              <a:r>
-                <a:rPr lang="en-US" altLang="ko-KR" sz="3600" spc="-300" dirty="0"/>
-                <a:t>“</a:t>
-              </a:r>
-              <a:r>
-                <a:rPr lang="ko-KR" altLang="en-US" sz="3600" spc="-300" dirty="0"/>
-                <a:t>한 일 입력하세요</a:t>
-              </a:r>
-              <a:r>
-                <a:rPr lang="en-US" altLang="ko-KR" sz="3600" spc="-300" dirty="0"/>
-                <a:t>”</a:t>
-              </a:r>
-              <a:endParaRPr lang="ko-KR" altLang="en-US" sz="3600" spc="-300" dirty="0"/>
-            </a:p>
-          </p:txBody>
-        </p:sp>
-      </p:grpSp>
+            <a:ext cx="4474302" cy="769441"/>
+          </a:xfrm>
+          <a:prstGeom prst="rect">
+            <a:avLst/>
+          </a:prstGeom>
+          <a:noFill/>
+        </p:spPr>
+        <p:txBody>
+          <a:bodyPr wrap="none" rtlCol="0">
+            <a:spAutoFit/>
+          </a:bodyPr>
+          <a:lstStyle/>
+          <a:p>
+            <a:r>
+              <a:rPr lang="ko-KR" altLang="en-US" sz="4400" dirty="0">
+                <a:latin typeface="+mj-lt"/>
+              </a:rPr>
+              <a:t>지난주에 한 내용</a:t>
+            </a:r>
+          </a:p>
+        </p:txBody>
+      </p:sp>
     </p:spTree>
     <p:extLst>
       <p:ext uri="{BB962C8B-B14F-4D97-AF65-F5344CB8AC3E}">
@@ -12369,108 +12404,43 @@
           </a:prstGeom>
         </p:spPr>
       </p:pic>
-      <p:grpSp>
-        <p:nvGrpSpPr>
-          <p:cNvPr id="7" name="그룹 6">
-            <a:extLst>
-              <a:ext uri="{FF2B5EF4-FFF2-40B4-BE49-F238E27FC236}">
-                <a16:creationId xmlns:a16="http://schemas.microsoft.com/office/drawing/2014/main" id="{770ABAF4-B7D7-4451-86D1-13ABD2AFC6F3}"/>
-              </a:ext>
-            </a:extLst>
-          </p:cNvPr>
-          <p:cNvGrpSpPr/>
+      <p:sp>
+        <p:nvSpPr>
+          <p:cNvPr id="8" name="TextBox 7">
+            <a:extLst>
+              <a:ext uri="{FF2B5EF4-FFF2-40B4-BE49-F238E27FC236}">
+                <a16:creationId xmlns:a16="http://schemas.microsoft.com/office/drawing/2014/main" id="{8375DB5D-21C7-4AF7-83F4-2F90A21B484B}"/>
+              </a:ext>
+            </a:extLst>
+          </p:cNvPr>
+          <p:cNvSpPr txBox="1"/>
           <p:nvPr/>
-        </p:nvGrpSpPr>
-        <p:grpSpPr>
+        </p:nvSpPr>
+        <p:spPr>
           <a:xfrm>
             <a:off x="901700" y="2721114"/>
-            <a:ext cx="4474302" cy="1415772"/>
-            <a:chOff x="901700" y="2721114"/>
-            <a:chExt cx="4474302" cy="1415772"/>
-          </a:xfrm>
-        </p:grpSpPr>
-        <p:sp>
-          <p:nvSpPr>
-            <p:cNvPr id="8" name="TextBox 7">
-              <a:extLst>
-                <a:ext uri="{FF2B5EF4-FFF2-40B4-BE49-F238E27FC236}">
-                  <a16:creationId xmlns:a16="http://schemas.microsoft.com/office/drawing/2014/main" id="{8375DB5D-21C7-4AF7-83F4-2F90A21B484B}"/>
-                </a:ext>
-              </a:extLst>
-            </p:cNvPr>
-            <p:cNvSpPr txBox="1"/>
-            <p:nvPr/>
-          </p:nvSpPr>
-          <p:spPr>
-            <a:xfrm>
-              <a:off x="901700" y="2721114"/>
-              <a:ext cx="4474302" cy="769441"/>
-            </a:xfrm>
-            <a:prstGeom prst="rect">
-              <a:avLst/>
-            </a:prstGeom>
-            <a:noFill/>
-          </p:spPr>
-          <p:txBody>
-            <a:bodyPr wrap="none" rtlCol="0">
-              <a:spAutoFit/>
-            </a:bodyPr>
-            <a:lstStyle/>
-            <a:p>
-              <a:r>
-                <a:rPr lang="ko-KR" altLang="en-US" sz="4400" dirty="0">
-                  <a:latin typeface="+mj-lt"/>
-                </a:rPr>
-                <a:t>이번주에 한 내용</a:t>
-              </a:r>
-            </a:p>
-          </p:txBody>
-        </p:sp>
-        <p:sp>
-          <p:nvSpPr>
-            <p:cNvPr id="9" name="TextBox 8">
-              <a:extLst>
-                <a:ext uri="{FF2B5EF4-FFF2-40B4-BE49-F238E27FC236}">
-                  <a16:creationId xmlns:a16="http://schemas.microsoft.com/office/drawing/2014/main" id="{417CE3DC-31B7-4866-BC2D-23230B56C9A7}"/>
-                </a:ext>
-              </a:extLst>
-            </p:cNvPr>
-            <p:cNvSpPr txBox="1"/>
-            <p:nvPr/>
-          </p:nvSpPr>
-          <p:spPr>
-            <a:xfrm>
-              <a:off x="901700" y="3490555"/>
-              <a:ext cx="4070345" cy="646331"/>
-            </a:xfrm>
-            <a:prstGeom prst="rect">
-              <a:avLst/>
-            </a:prstGeom>
-            <a:noFill/>
-          </p:spPr>
-          <p:txBody>
-            <a:bodyPr wrap="none" rtlCol="0">
-              <a:spAutoFit/>
-            </a:bodyPr>
-            <a:lstStyle/>
-            <a:p>
-              <a:r>
-                <a:rPr lang="en-US" altLang="ko-KR" sz="3600" spc="-300" dirty="0"/>
-                <a:t>“</a:t>
-              </a:r>
-              <a:r>
-                <a:rPr lang="ko-KR" altLang="en-US" sz="3600" spc="-300" dirty="0"/>
-                <a:t>한 일을 입력하세요</a:t>
-              </a:r>
-              <a:r>
-                <a:rPr lang="en-US" altLang="ko-KR" sz="3600" spc="-300" dirty="0"/>
-                <a:t>”</a:t>
-              </a:r>
-              <a:endParaRPr lang="ko-KR" altLang="en-US" sz="3600" spc="-300" dirty="0"/>
-            </a:p>
-          </p:txBody>
-        </p:sp>
-      </p:grpSp>
+            <a:ext cx="4474302" cy="769441"/>
+          </a:xfrm>
+          <a:prstGeom prst="rect">
+            <a:avLst/>
+          </a:prstGeom>
+          <a:noFill/>
+        </p:spPr>
+        <p:txBody>
+          <a:bodyPr wrap="none" rtlCol="0">
+            <a:spAutoFit/>
+          </a:bodyPr>
+          <a:lstStyle/>
+          <a:p>
+            <a:r>
+              <a:rPr lang="ko-KR" altLang="en-US" sz="4400" dirty="0">
+                <a:latin typeface="+mj-lt"/>
+              </a:rPr>
+              <a:t>이번주에 한 내용</a:t>
+            </a:r>
+          </a:p>
+        </p:txBody>
+      </p:sp>
     </p:spTree>
     <p:extLst>
       <p:ext uri="{BB962C8B-B14F-4D97-AF65-F5344CB8AC3E}">
@@ -16204,108 +16174,43 @@
           </a:prstGeom>
         </p:spPr>
       </p:pic>
-      <p:grpSp>
-        <p:nvGrpSpPr>
-          <p:cNvPr id="6" name="그룹 5">
-            <a:extLst>
-              <a:ext uri="{FF2B5EF4-FFF2-40B4-BE49-F238E27FC236}">
-                <a16:creationId xmlns:a16="http://schemas.microsoft.com/office/drawing/2014/main" id="{92FF242B-6E9C-41EE-ACAD-471F1E061F41}"/>
-              </a:ext>
-            </a:extLst>
-          </p:cNvPr>
-          <p:cNvGrpSpPr/>
+      <p:sp>
+        <p:nvSpPr>
+          <p:cNvPr id="7" name="TextBox 6">
+            <a:extLst>
+              <a:ext uri="{FF2B5EF4-FFF2-40B4-BE49-F238E27FC236}">
+                <a16:creationId xmlns:a16="http://schemas.microsoft.com/office/drawing/2014/main" id="{CA2DCC3D-051E-42FD-AA6D-78ABFF7996F4}"/>
+              </a:ext>
+            </a:extLst>
+          </p:cNvPr>
+          <p:cNvSpPr txBox="1"/>
           <p:nvPr/>
-        </p:nvGrpSpPr>
-        <p:grpSpPr>
+        </p:nvSpPr>
+        <p:spPr>
           <a:xfrm>
             <a:off x="901700" y="2721114"/>
-            <a:ext cx="4474302" cy="1415772"/>
-            <a:chOff x="901700" y="2721114"/>
-            <a:chExt cx="4474302" cy="1415772"/>
-          </a:xfrm>
-        </p:grpSpPr>
-        <p:sp>
-          <p:nvSpPr>
-            <p:cNvPr id="7" name="TextBox 6">
-              <a:extLst>
-                <a:ext uri="{FF2B5EF4-FFF2-40B4-BE49-F238E27FC236}">
-                  <a16:creationId xmlns:a16="http://schemas.microsoft.com/office/drawing/2014/main" id="{CA2DCC3D-051E-42FD-AA6D-78ABFF7996F4}"/>
-                </a:ext>
-              </a:extLst>
-            </p:cNvPr>
-            <p:cNvSpPr txBox="1"/>
-            <p:nvPr/>
-          </p:nvSpPr>
-          <p:spPr>
-            <a:xfrm>
-              <a:off x="901700" y="2721114"/>
-              <a:ext cx="4474302" cy="769441"/>
-            </a:xfrm>
-            <a:prstGeom prst="rect">
-              <a:avLst/>
-            </a:prstGeom>
-            <a:noFill/>
-          </p:spPr>
-          <p:txBody>
-            <a:bodyPr wrap="none" rtlCol="0">
-              <a:spAutoFit/>
-            </a:bodyPr>
-            <a:lstStyle/>
-            <a:p>
-              <a:r>
-                <a:rPr lang="ko-KR" altLang="en-US" sz="4400" dirty="0">
-                  <a:latin typeface="+mj-lt"/>
-                </a:rPr>
-                <a:t>다음주에 할 내용</a:t>
-              </a:r>
-            </a:p>
-          </p:txBody>
-        </p:sp>
-        <p:sp>
-          <p:nvSpPr>
-            <p:cNvPr id="8" name="TextBox 7">
-              <a:extLst>
-                <a:ext uri="{FF2B5EF4-FFF2-40B4-BE49-F238E27FC236}">
-                  <a16:creationId xmlns:a16="http://schemas.microsoft.com/office/drawing/2014/main" id="{7EBBA393-00D1-4319-BAA3-0B788B873931}"/>
-                </a:ext>
-              </a:extLst>
-            </p:cNvPr>
-            <p:cNvSpPr txBox="1"/>
-            <p:nvPr/>
-          </p:nvSpPr>
-          <p:spPr>
-            <a:xfrm>
-              <a:off x="901700" y="3490555"/>
-              <a:ext cx="4070345" cy="646331"/>
-            </a:xfrm>
-            <a:prstGeom prst="rect">
-              <a:avLst/>
-            </a:prstGeom>
-            <a:noFill/>
-          </p:spPr>
-          <p:txBody>
-            <a:bodyPr wrap="none" rtlCol="0">
-              <a:spAutoFit/>
-            </a:bodyPr>
-            <a:lstStyle/>
-            <a:p>
-              <a:r>
-                <a:rPr lang="en-US" altLang="ko-KR" sz="3600" spc="-300" dirty="0"/>
-                <a:t>“</a:t>
-              </a:r>
-              <a:r>
-                <a:rPr lang="ko-KR" altLang="en-US" sz="3600" spc="-300" dirty="0"/>
-                <a:t>한 일을 입력하세요</a:t>
-              </a:r>
-              <a:r>
-                <a:rPr lang="en-US" altLang="ko-KR" sz="3600" spc="-300" dirty="0"/>
-                <a:t>”</a:t>
-              </a:r>
-              <a:endParaRPr lang="ko-KR" altLang="en-US" sz="3600" spc="-300" dirty="0"/>
-            </a:p>
-          </p:txBody>
-        </p:sp>
-      </p:grpSp>
+            <a:ext cx="4474302" cy="769441"/>
+          </a:xfrm>
+          <a:prstGeom prst="rect">
+            <a:avLst/>
+          </a:prstGeom>
+          <a:noFill/>
+        </p:spPr>
+        <p:txBody>
+          <a:bodyPr wrap="none" rtlCol="0">
+            <a:spAutoFit/>
+          </a:bodyPr>
+          <a:lstStyle/>
+          <a:p>
+            <a:r>
+              <a:rPr lang="ko-KR" altLang="en-US" sz="4400" dirty="0">
+                <a:latin typeface="+mj-lt"/>
+              </a:rPr>
+              <a:t>다음주에 할 내용</a:t>
+            </a:r>
+          </a:p>
+        </p:txBody>
+      </p:sp>
     </p:spTree>
     <p:extLst>
       <p:ext uri="{BB962C8B-B14F-4D97-AF65-F5344CB8AC3E}">
@@ -19961,7 +19866,7 @@
           <p:nvPr>
             <p:extLst>
               <p:ext uri="{D42A27DB-BD31-4B8C-83A1-F6EECF244321}">
-                <p14:modId xmlns:p14="http://schemas.microsoft.com/office/powerpoint/2010/main" val="3946879495"/>
+                <p14:modId xmlns:p14="http://schemas.microsoft.com/office/powerpoint/2010/main" val="3546424747"/>
               </p:ext>
             </p:extLst>
           </p:nvPr>
@@ -20019,7 +19924,11 @@
                       </a:r>
                       <a:r>
                         <a:rPr lang="ko-KR" altLang="en-US" b="1" dirty="0"/>
-                        <a:t>주차</a:t>
+                        <a:t>주차 </a:t>
+                      </a:r>
+                      <a:r>
+                        <a:rPr lang="en-US" altLang="ko-KR" b="1" dirty="0"/>
+                        <a:t>(1/12)</a:t>
                       </a:r>
                       <a:endParaRPr lang="ko-Kore-KR" altLang="en-US" b="1" dirty="0"/>
                     </a:p>
@@ -20042,7 +19951,15 @@
                     <a:lstStyle/>
                     <a:p>
                       <a:pPr lvl="0" algn="ctr"/>
-                      <a:endParaRPr lang="ko-Kore-KR" altLang="en-US" b="0"/>
+                      <a:r>
+                        <a:rPr lang="ko-Kore-KR" altLang="en-US" sz="1400" b="0" dirty="0"/>
+                        <a:t>설계</a:t>
+                      </a:r>
+                      <a:r>
+                        <a:rPr lang="ko-KR" altLang="en-US" sz="1400" b="0" dirty="0"/>
+                        <a:t> 회의</a:t>
+                      </a:r>
+                      <a:endParaRPr lang="ko-Kore-KR" altLang="en-US" sz="1400" b="0" dirty="0"/>
                     </a:p>
                   </a:txBody>
                   <a:tcPr anchor="ctr">
@@ -20092,7 +20009,7 @@
                     <a:lstStyle/>
                     <a:p>
                       <a:pPr lvl="0" algn="ctr"/>
-                      <a:endParaRPr lang="ko-Kore-KR" altLang="en-US" b="0" dirty="0"/>
+                      <a:endParaRPr lang="ko-Kore-KR" altLang="en-US" sz="1400" b="0" dirty="0"/>
                     </a:p>
                   </a:txBody>
                   <a:tcPr anchor="ctr">
@@ -20126,7 +20043,11 @@
                       </a:r>
                       <a:r>
                         <a:rPr lang="ko-KR" altLang="en-US" b="1" dirty="0"/>
-                        <a:t>주차</a:t>
+                        <a:t>주차 </a:t>
+                      </a:r>
+                      <a:r>
+                        <a:rPr lang="en-US" altLang="ko-KR" b="1" dirty="0"/>
+                        <a:t>(1/26)</a:t>
                       </a:r>
                       <a:endParaRPr lang="ko-Kore-KR" altLang="en-US" b="1" dirty="0"/>
                     </a:p>
@@ -20149,7 +20070,15 @@
                     <a:lstStyle/>
                     <a:p>
                       <a:pPr lvl="0" algn="ctr"/>
-                      <a:endParaRPr lang="ko-Kore-KR" altLang="en-US" b="0" dirty="0"/>
+                      <a:r>
+                        <a:rPr lang="ko-Kore-KR" altLang="en-US" sz="1400" b="0" dirty="0"/>
+                        <a:t>설계</a:t>
+                      </a:r>
+                      <a:r>
+                        <a:rPr lang="ko-KR" altLang="en-US" sz="1400" b="0" dirty="0"/>
+                        <a:t> 회의 및 프로젝트 계획서 작성</a:t>
+                      </a:r>
+                      <a:endParaRPr lang="ko-Kore-KR" altLang="en-US" sz="1400" b="0" dirty="0"/>
                     </a:p>
                   </a:txBody>
                   <a:tcPr anchor="ctr">
@@ -20199,7 +20128,7 @@
                     <a:lstStyle/>
                     <a:p>
                       <a:pPr lvl="0" algn="ctr"/>
-                      <a:endParaRPr lang="ko-Kore-KR" altLang="en-US" b="0"/>
+                      <a:endParaRPr lang="ko-Kore-KR" altLang="en-US" sz="1400" b="0" dirty="0"/>
                     </a:p>
                   </a:txBody>
                   <a:tcPr anchor="ctr">
@@ -20233,7 +20162,11 @@
                       </a:r>
                       <a:r>
                         <a:rPr lang="ko-KR" altLang="en-US" b="1" dirty="0"/>
-                        <a:t>주차</a:t>
+                        <a:t>주차 </a:t>
+                      </a:r>
+                      <a:r>
+                        <a:rPr lang="en-US" altLang="ko-KR" b="1" dirty="0"/>
+                        <a:t>(2/2)</a:t>
                       </a:r>
                       <a:endParaRPr lang="ko-Kore-KR" altLang="en-US" b="1" dirty="0"/>
                     </a:p>
@@ -20246,7 +20179,55 @@
                     <a:lstStyle/>
                     <a:p>
                       <a:pPr lvl="0" algn="ctr"/>
-                      <a:endParaRPr lang="ko-Kore-KR" altLang="en-US" b="0" dirty="0"/>
+                      <a:r>
+                        <a:rPr lang="ko-Kore-KR" altLang="en-US" sz="1400" b="0" dirty="0"/>
+                        <a:t>백</a:t>
+                      </a:r>
+                      <a:r>
+                        <a:rPr lang="en-US" altLang="ko-KR" sz="1400" b="0" dirty="0"/>
+                        <a:t>&amp;</a:t>
+                      </a:r>
+                      <a:r>
+                        <a:rPr lang="ko-KR" altLang="en-US" sz="1400" b="0" dirty="0"/>
+                        <a:t>프론트 프레임 선정</a:t>
+                      </a:r>
+                      <a:r>
+                        <a:rPr lang="en-US" altLang="ko-KR" sz="1400" b="0" dirty="0"/>
+                        <a:t>,</a:t>
+                      </a:r>
+                      <a:r>
+                        <a:rPr lang="ko-KR" altLang="en-US" sz="1400" b="0" dirty="0"/>
+                        <a:t> </a:t>
+                      </a:r>
+                      <a:r>
+                        <a:rPr lang="en-US" altLang="ko-KR" sz="1400" b="0" dirty="0"/>
+                        <a:t>AI</a:t>
+                      </a:r>
+                      <a:r>
+                        <a:rPr lang="ko-KR" altLang="en-US" sz="1400" b="0" dirty="0"/>
+                        <a:t> 학습 위한 데이터 </a:t>
+                      </a:r>
+                      <a:r>
+                        <a:rPr lang="ko-KR" altLang="en-US" sz="1400" b="0" dirty="0" err="1"/>
+                        <a:t>전처리</a:t>
+                      </a:r>
+                      <a:r>
+                        <a:rPr lang="en-US" altLang="ko-KR" sz="1400" b="0" dirty="0"/>
+                        <a:t>,</a:t>
+                      </a:r>
+                      <a:r>
+                        <a:rPr lang="ko-KR" altLang="en-US" sz="1400" b="0" dirty="0"/>
+                        <a:t> 렌더링 툴을 통한 실습 학습</a:t>
+                      </a:r>
+                      <a:r>
+                        <a:rPr lang="en-US" altLang="ko-KR" sz="1400" b="0" dirty="0"/>
+                        <a:t>,</a:t>
+                      </a:r>
+                      <a:r>
+                        <a:rPr lang="ko-KR" altLang="en-US" sz="1400" b="0" dirty="0"/>
+                        <a:t> 모델링 툴 및 샘플 학습</a:t>
+                      </a:r>
+                      <a:endParaRPr lang="ko-Kore-KR" altLang="en-US" sz="1400" b="0" dirty="0"/>
                     </a:p>
                   </a:txBody>
                   <a:tcPr anchor="ctr"/>
@@ -20280,7 +20261,7 @@
                     <a:lstStyle/>
                     <a:p>
                       <a:pPr lvl="0" algn="ctr"/>
-                      <a:endParaRPr lang="ko-Kore-KR" altLang="en-US" b="0" dirty="0"/>
+                      <a:endParaRPr lang="ko-Kore-KR" altLang="en-US" sz="1400" b="0" dirty="0"/>
                     </a:p>
                   </a:txBody>
                   <a:tcPr anchor="ctr"/>
@@ -20317,7 +20298,7 @@
                     <a:lstStyle/>
                     <a:p>
                       <a:pPr lvl="0" algn="ctr"/>
-                      <a:endParaRPr lang="ko-Kore-KR" altLang="en-US" b="0" dirty="0"/>
+                      <a:endParaRPr lang="ko-Kore-KR" altLang="en-US" sz="1400" b="0" dirty="0"/>
                     </a:p>
                   </a:txBody>
                   <a:tcPr anchor="ctr"/>
@@ -20351,7 +20332,7 @@
                     <a:lstStyle/>
                     <a:p>
                       <a:pPr lvl="0" algn="ctr"/>
-                      <a:endParaRPr lang="ko-Kore-KR" altLang="en-US" b="0" dirty="0"/>
+                      <a:endParaRPr lang="ko-Kore-KR" altLang="en-US" sz="1400" b="0" dirty="0"/>
                     </a:p>
                   </a:txBody>
                   <a:tcPr anchor="ctr"/>
@@ -20388,7 +20369,7 @@
                     <a:lstStyle/>
                     <a:p>
                       <a:pPr lvl="0" algn="ctr"/>
-                      <a:endParaRPr lang="ko-Kore-KR" altLang="en-US" b="0"/>
+                      <a:endParaRPr lang="ko-Kore-KR" altLang="en-US" sz="1400" b="0" dirty="0"/>
                     </a:p>
                   </a:txBody>
                   <a:tcPr anchor="ctr"/>
@@ -20422,7 +20403,7 @@
                     <a:lstStyle/>
                     <a:p>
                       <a:pPr lvl="0" algn="ctr"/>
-                      <a:endParaRPr lang="ko-Kore-KR" altLang="en-US" b="0" dirty="0"/>
+                      <a:endParaRPr lang="ko-Kore-KR" altLang="en-US" sz="1400" b="0" dirty="0"/>
                     </a:p>
                   </a:txBody>
                   <a:tcPr anchor="ctr"/>
@@ -20459,7 +20440,7 @@
                     <a:lstStyle/>
                     <a:p>
                       <a:pPr lvl="0" algn="ctr"/>
-                      <a:endParaRPr lang="ko-Kore-KR" altLang="en-US" b="0"/>
+                      <a:endParaRPr lang="ko-Kore-KR" altLang="en-US" sz="1400" b="0" dirty="0"/>
                     </a:p>
                   </a:txBody>
                   <a:tcPr anchor="ctr"/>
@@ -20493,7 +20474,7 @@
                     <a:lstStyle/>
                     <a:p>
                       <a:pPr lvl="0" algn="ctr"/>
-                      <a:endParaRPr lang="ko-Kore-KR" altLang="en-US" b="0" dirty="0"/>
+                      <a:endParaRPr lang="ko-Kore-KR" altLang="en-US" sz="1400" b="0" dirty="0"/>
                     </a:p>
                   </a:txBody>
                   <a:tcPr anchor="ctr"/>
@@ -20530,7 +20511,7 @@
                     <a:lstStyle/>
                     <a:p>
                       <a:pPr lvl="0" algn="ctr"/>
-                      <a:endParaRPr lang="ko-Kore-KR" altLang="en-US" b="0"/>
+                      <a:endParaRPr lang="ko-Kore-KR" altLang="en-US" sz="1400" b="0" dirty="0"/>
                     </a:p>
                   </a:txBody>
                   <a:tcPr anchor="ctr"/>
@@ -20564,7 +20545,7 @@
                     <a:lstStyle/>
                     <a:p>
                       <a:pPr lvl="0" algn="ctr"/>
-                      <a:endParaRPr lang="ko-Kore-KR" altLang="en-US" b="0" dirty="0"/>
+                      <a:endParaRPr lang="ko-Kore-KR" altLang="en-US" sz="1400" b="0" dirty="0"/>
                     </a:p>
                   </a:txBody>
                   <a:tcPr anchor="ctr"/>
@@ -20601,7 +20582,7 @@
                     <a:lstStyle/>
                     <a:p>
                       <a:pPr lvl="0" algn="ctr"/>
-                      <a:endParaRPr lang="ko-Kore-KR" altLang="en-US" b="0" dirty="0"/>
+                      <a:endParaRPr lang="ko-Kore-KR" altLang="en-US" sz="1400" b="0" dirty="0"/>
                     </a:p>
                   </a:txBody>
                   <a:tcPr anchor="ctr"/>
@@ -20635,7 +20616,7 @@
                     <a:lstStyle/>
                     <a:p>
                       <a:pPr lvl="0" algn="ctr"/>
-                      <a:endParaRPr lang="ko-Kore-KR" altLang="en-US" b="0" dirty="0"/>
+                      <a:endParaRPr lang="ko-Kore-KR" altLang="en-US" sz="1400" b="0" dirty="0"/>
                     </a:p>
                   </a:txBody>
                   <a:tcPr anchor="ctr"/>
@@ -20703,7 +20684,7 @@
           <p:nvPr>
             <p:extLst>
               <p:ext uri="{D42A27DB-BD31-4B8C-83A1-F6EECF244321}">
-                <p14:modId xmlns:p14="http://schemas.microsoft.com/office/powerpoint/2010/main" val="369700327"/>
+                <p14:modId xmlns:p14="http://schemas.microsoft.com/office/powerpoint/2010/main" val="3456220174"/>
               </p:ext>
             </p:extLst>
           </p:nvPr>
@@ -20784,7 +20765,7 @@
                     <a:lstStyle/>
                     <a:p>
                       <a:pPr lvl="0" algn="ctr"/>
-                      <a:endParaRPr lang="ko-Kore-KR" altLang="en-US"/>
+                      <a:endParaRPr lang="ko-Kore-KR" altLang="en-US" sz="1400" dirty="0"/>
                     </a:p>
                   </a:txBody>
                   <a:tcPr anchor="ctr">
@@ -20834,7 +20815,7 @@
                     <a:lstStyle/>
                     <a:p>
                       <a:pPr lvl="0" algn="ctr"/>
-                      <a:endParaRPr lang="ko-Kore-KR" altLang="en-US" dirty="0"/>
+                      <a:endParaRPr lang="ko-Kore-KR" altLang="en-US" sz="1400" dirty="0"/>
                     </a:p>
                   </a:txBody>
                   <a:tcPr anchor="ctr">
@@ -20891,7 +20872,7 @@
                     <a:lstStyle/>
                     <a:p>
                       <a:pPr lvl="0" algn="ctr"/>
-                      <a:endParaRPr lang="ko-Kore-KR" altLang="en-US" dirty="0"/>
+                      <a:endParaRPr lang="ko-Kore-KR" altLang="en-US" sz="1400" dirty="0"/>
                     </a:p>
                   </a:txBody>
                   <a:tcPr anchor="ctr">
@@ -20941,7 +20922,7 @@
                     <a:lstStyle/>
                     <a:p>
                       <a:pPr lvl="0" algn="ctr"/>
-                      <a:endParaRPr lang="ko-Kore-KR" altLang="en-US"/>
+                      <a:endParaRPr lang="ko-Kore-KR" altLang="en-US" sz="1400" dirty="0"/>
                     </a:p>
                   </a:txBody>
                   <a:tcPr anchor="ctr">
@@ -20988,7 +20969,7 @@
                     <a:lstStyle/>
                     <a:p>
                       <a:pPr lvl="0" algn="ctr"/>
-                      <a:endParaRPr lang="ko-Kore-KR" altLang="en-US" dirty="0"/>
+                      <a:endParaRPr lang="ko-Kore-KR" altLang="en-US" sz="1400" dirty="0"/>
                     </a:p>
                   </a:txBody>
                   <a:tcPr anchor="ctr"/>
@@ -21018,7 +20999,7 @@
                     <a:lstStyle/>
                     <a:p>
                       <a:pPr lvl="0" algn="ctr"/>
-                      <a:endParaRPr lang="ko-Kore-KR" altLang="en-US" dirty="0"/>
+                      <a:endParaRPr lang="ko-Kore-KR" altLang="en-US" sz="1400" dirty="0"/>
                     </a:p>
                   </a:txBody>
                   <a:tcPr anchor="ctr"/>
@@ -21055,7 +21036,7 @@
                     <a:lstStyle/>
                     <a:p>
                       <a:pPr lvl="0" algn="ctr"/>
-                      <a:endParaRPr lang="ko-Kore-KR" altLang="en-US"/>
+                      <a:endParaRPr lang="ko-Kore-KR" altLang="en-US" sz="1400"/>
                     </a:p>
                   </a:txBody>
                   <a:tcPr anchor="ctr"/>
@@ -21085,7 +21066,7 @@
                     <a:lstStyle/>
                     <a:p>
                       <a:pPr lvl="0" algn="ctr"/>
-                      <a:endParaRPr lang="ko-Kore-KR" altLang="en-US" dirty="0"/>
+                      <a:endParaRPr lang="ko-Kore-KR" altLang="en-US" sz="1400" dirty="0"/>
                     </a:p>
                   </a:txBody>
                   <a:tcPr anchor="ctr"/>
@@ -21122,7 +21103,7 @@
                     <a:lstStyle/>
                     <a:p>
                       <a:pPr lvl="0" algn="ctr"/>
-                      <a:endParaRPr lang="ko-Kore-KR" altLang="en-US"/>
+                      <a:endParaRPr lang="ko-Kore-KR" altLang="en-US" sz="1400" dirty="0"/>
                     </a:p>
                   </a:txBody>
                   <a:tcPr anchor="ctr"/>
@@ -21152,7 +21133,7 @@
                     <a:lstStyle/>
                     <a:p>
                       <a:pPr lvl="0" algn="ctr"/>
-                      <a:endParaRPr lang="ko-Kore-KR" altLang="en-US"/>
+                      <a:endParaRPr lang="ko-Kore-KR" altLang="en-US" sz="1400" dirty="0"/>
                     </a:p>
                   </a:txBody>
                   <a:tcPr anchor="ctr"/>
@@ -21189,7 +21170,7 @@
                     <a:lstStyle/>
                     <a:p>
                       <a:pPr lvl="0" algn="ctr"/>
-                      <a:endParaRPr lang="ko-Kore-KR" altLang="en-US"/>
+                      <a:endParaRPr lang="ko-Kore-KR" altLang="en-US" sz="1400" dirty="0"/>
                     </a:p>
                   </a:txBody>
                   <a:tcPr anchor="ctr"/>
@@ -21219,7 +21200,7 @@
                     <a:lstStyle/>
                     <a:p>
                       <a:pPr lvl="0" algn="ctr"/>
-                      <a:endParaRPr lang="ko-Kore-KR" altLang="en-US"/>
+                      <a:endParaRPr lang="ko-Kore-KR" altLang="en-US" sz="1400" dirty="0"/>
                     </a:p>
                   </a:txBody>
                   <a:tcPr anchor="ctr"/>
@@ -21256,7 +21237,7 @@
                     <a:lstStyle/>
                     <a:p>
                       <a:pPr lvl="0" algn="ctr"/>
-                      <a:endParaRPr lang="ko-Kore-KR" altLang="en-US"/>
+                      <a:endParaRPr lang="ko-Kore-KR" altLang="en-US" sz="1400" dirty="0"/>
                     </a:p>
                   </a:txBody>
                   <a:tcPr anchor="ctr"/>
@@ -21286,7 +21267,7 @@
                     <a:lstStyle/>
                     <a:p>
                       <a:pPr lvl="0" algn="ctr"/>
-                      <a:endParaRPr lang="ko-Kore-KR" altLang="en-US"/>
+                      <a:endParaRPr lang="ko-Kore-KR" altLang="en-US" sz="1400" dirty="0"/>
                     </a:p>
                   </a:txBody>
                   <a:tcPr anchor="ctr"/>
@@ -21323,7 +21304,7 @@
                     <a:lstStyle/>
                     <a:p>
                       <a:pPr lvl="0" algn="ctr"/>
-                      <a:endParaRPr lang="ko-Kore-KR" altLang="en-US" dirty="0"/>
+                      <a:endParaRPr lang="ko-Kore-KR" altLang="en-US" sz="1400" dirty="0"/>
                     </a:p>
                   </a:txBody>
                   <a:tcPr anchor="ctr"/>
@@ -21353,7 +21334,7 @@
                     <a:lstStyle/>
                     <a:p>
                       <a:pPr lvl="0" algn="ctr"/>
-                      <a:endParaRPr lang="ko-Kore-KR" altLang="en-US" dirty="0"/>
+                      <a:endParaRPr lang="ko-Kore-KR" altLang="en-US" sz="1400" dirty="0"/>
                     </a:p>
                   </a:txBody>
                   <a:tcPr anchor="ctr"/>
